--- a/docs/diagrams/RandomizeSequenceDiagram.pptx
+++ b/docs/diagrams/RandomizeSequenceDiagram.pptx
@@ -261,7 +261,7 @@
           <a:p>
             <a:fld id="{59E6AE08-6640-4518-BAE2-41E6AF413B8E}" type="datetimeFigureOut">
               <a:rPr lang="en-SG" smtClean="0"/>
-              <a:t>14/4/2019</a:t>
+              <a:t>15/4/2019</a:t>
             </a:fld>
             <a:endParaRPr lang="en-SG"/>
           </a:p>
@@ -461,7 +461,7 @@
           <a:p>
             <a:fld id="{59E6AE08-6640-4518-BAE2-41E6AF413B8E}" type="datetimeFigureOut">
               <a:rPr lang="en-SG" smtClean="0"/>
-              <a:t>14/4/2019</a:t>
+              <a:t>15/4/2019</a:t>
             </a:fld>
             <a:endParaRPr lang="en-SG"/>
           </a:p>
@@ -671,7 +671,7 @@
           <a:p>
             <a:fld id="{59E6AE08-6640-4518-BAE2-41E6AF413B8E}" type="datetimeFigureOut">
               <a:rPr lang="en-SG" smtClean="0"/>
-              <a:t>14/4/2019</a:t>
+              <a:t>15/4/2019</a:t>
             </a:fld>
             <a:endParaRPr lang="en-SG"/>
           </a:p>
@@ -871,7 +871,7 @@
           <a:p>
             <a:fld id="{59E6AE08-6640-4518-BAE2-41E6AF413B8E}" type="datetimeFigureOut">
               <a:rPr lang="en-SG" smtClean="0"/>
-              <a:t>14/4/2019</a:t>
+              <a:t>15/4/2019</a:t>
             </a:fld>
             <a:endParaRPr lang="en-SG"/>
           </a:p>
@@ -1147,7 +1147,7 @@
           <a:p>
             <a:fld id="{59E6AE08-6640-4518-BAE2-41E6AF413B8E}" type="datetimeFigureOut">
               <a:rPr lang="en-SG" smtClean="0"/>
-              <a:t>14/4/2019</a:t>
+              <a:t>15/4/2019</a:t>
             </a:fld>
             <a:endParaRPr lang="en-SG"/>
           </a:p>
@@ -1415,7 +1415,7 @@
           <a:p>
             <a:fld id="{59E6AE08-6640-4518-BAE2-41E6AF413B8E}" type="datetimeFigureOut">
               <a:rPr lang="en-SG" smtClean="0"/>
-              <a:t>14/4/2019</a:t>
+              <a:t>15/4/2019</a:t>
             </a:fld>
             <a:endParaRPr lang="en-SG"/>
           </a:p>
@@ -1830,7 +1830,7 @@
           <a:p>
             <a:fld id="{59E6AE08-6640-4518-BAE2-41E6AF413B8E}" type="datetimeFigureOut">
               <a:rPr lang="en-SG" smtClean="0"/>
-              <a:t>14/4/2019</a:t>
+              <a:t>15/4/2019</a:t>
             </a:fld>
             <a:endParaRPr lang="en-SG"/>
           </a:p>
@@ -1972,7 +1972,7 @@
           <a:p>
             <a:fld id="{59E6AE08-6640-4518-BAE2-41E6AF413B8E}" type="datetimeFigureOut">
               <a:rPr lang="en-SG" smtClean="0"/>
-              <a:t>14/4/2019</a:t>
+              <a:t>15/4/2019</a:t>
             </a:fld>
             <a:endParaRPr lang="en-SG"/>
           </a:p>
@@ -2085,7 +2085,7 @@
           <a:p>
             <a:fld id="{59E6AE08-6640-4518-BAE2-41E6AF413B8E}" type="datetimeFigureOut">
               <a:rPr lang="en-SG" smtClean="0"/>
-              <a:t>14/4/2019</a:t>
+              <a:t>15/4/2019</a:t>
             </a:fld>
             <a:endParaRPr lang="en-SG"/>
           </a:p>
@@ -2398,7 +2398,7 @@
           <a:p>
             <a:fld id="{59E6AE08-6640-4518-BAE2-41E6AF413B8E}" type="datetimeFigureOut">
               <a:rPr lang="en-SG" smtClean="0"/>
-              <a:t>14/4/2019</a:t>
+              <a:t>15/4/2019</a:t>
             </a:fld>
             <a:endParaRPr lang="en-SG"/>
           </a:p>
@@ -2687,7 +2687,7 @@
           <a:p>
             <a:fld id="{59E6AE08-6640-4518-BAE2-41E6AF413B8E}" type="datetimeFigureOut">
               <a:rPr lang="en-SG" smtClean="0"/>
-              <a:t>14/4/2019</a:t>
+              <a:t>15/4/2019</a:t>
             </a:fld>
             <a:endParaRPr lang="en-SG"/>
           </a:p>
@@ -2930,7 +2930,7 @@
           <a:p>
             <a:fld id="{59E6AE08-6640-4518-BAE2-41E6AF413B8E}" type="datetimeFigureOut">
               <a:rPr lang="en-SG" smtClean="0"/>
-              <a:t>14/4/2019</a:t>
+              <a:t>15/4/2019</a:t>
             </a:fld>
             <a:endParaRPr lang="en-SG"/>
           </a:p>
@@ -3349,10 +3349,10 @@
       </p:grpSpPr>
       <p:grpSp>
         <p:nvGrpSpPr>
-          <p:cNvPr id="4" name="Actor">
+          <p:cNvPr id="3" name="Group 2">
             <a:extLst>
               <a:ext uri="{FF2B5EF4-FFF2-40B4-BE49-F238E27FC236}">
-                <a16:creationId xmlns:a16="http://schemas.microsoft.com/office/drawing/2014/main" id="{BB211B0D-B15F-4A8C-B098-FDEFBF81501C}"/>
+                <a16:creationId xmlns:a16="http://schemas.microsoft.com/office/drawing/2014/main" id="{546E0470-457A-4B27-A36B-91D9A0519B66}"/>
               </a:ext>
             </a:extLst>
           </p:cNvPr>
@@ -3361,18 +3361,310 @@
         </p:nvGrpSpPr>
         <p:grpSpPr>
           <a:xfrm>
-            <a:off x="-1090819" y="236564"/>
-            <a:ext cx="324036" cy="573410"/>
-            <a:chOff x="3239901" y="4149080"/>
-            <a:chExt cx="648072" cy="1146820"/>
+            <a:off x="-1449634" y="-457917"/>
+            <a:ext cx="15652639" cy="9284958"/>
+            <a:chOff x="-1090819" y="236564"/>
+            <a:chExt cx="15652639" cy="9284958"/>
           </a:xfrm>
         </p:grpSpPr>
+        <p:grpSp>
+          <p:nvGrpSpPr>
+            <p:cNvPr id="4" name="Actor">
+              <a:extLst>
+                <a:ext uri="{FF2B5EF4-FFF2-40B4-BE49-F238E27FC236}">
+                  <a16:creationId xmlns:a16="http://schemas.microsoft.com/office/drawing/2014/main" id="{BB211B0D-B15F-4A8C-B098-FDEFBF81501C}"/>
+                </a:ext>
+              </a:extLst>
+            </p:cNvPr>
+            <p:cNvGrpSpPr/>
+            <p:nvPr/>
+          </p:nvGrpSpPr>
+          <p:grpSpPr>
+            <a:xfrm>
+              <a:off x="-1090819" y="236564"/>
+              <a:ext cx="324036" cy="573410"/>
+              <a:chOff x="3239901" y="4149080"/>
+              <a:chExt cx="648072" cy="1146820"/>
+            </a:xfrm>
+          </p:grpSpPr>
+          <p:sp>
+            <p:nvSpPr>
+              <p:cNvPr id="5" name="Flowchart: Connector 4">
+                <a:extLst>
+                  <a:ext uri="{FF2B5EF4-FFF2-40B4-BE49-F238E27FC236}">
+                    <a16:creationId xmlns:a16="http://schemas.microsoft.com/office/drawing/2014/main" id="{C92670BE-BD9D-496D-9604-AC4A461C1619}"/>
+                  </a:ext>
+                </a:extLst>
+              </p:cNvPr>
+              <p:cNvSpPr/>
+              <p:nvPr/>
+            </p:nvSpPr>
+            <p:spPr>
+              <a:xfrm>
+                <a:off x="3419872" y="4149080"/>
+                <a:ext cx="288032" cy="288032"/>
+              </a:xfrm>
+              <a:prstGeom prst="flowChartConnector">
+                <a:avLst/>
+              </a:prstGeom>
+              <a:solidFill>
+                <a:schemeClr val="bg1">
+                  <a:lumMod val="85000"/>
+                </a:schemeClr>
+              </a:solidFill>
+              <a:ln w="28575">
+                <a:solidFill>
+                  <a:schemeClr val="tx1"/>
+                </a:solidFill>
+              </a:ln>
+              <a:effectLst/>
+            </p:spPr>
+            <p:style>
+              <a:lnRef idx="1">
+                <a:schemeClr val="accent4"/>
+              </a:lnRef>
+              <a:fillRef idx="2">
+                <a:schemeClr val="accent4"/>
+              </a:fillRef>
+              <a:effectRef idx="1">
+                <a:schemeClr val="accent4"/>
+              </a:effectRef>
+              <a:fontRef idx="minor">
+                <a:schemeClr val="dk1"/>
+              </a:fontRef>
+            </p:style>
+            <p:txBody>
+              <a:bodyPr rtlCol="0" anchor="ctr"/>
+              <a:lstStyle/>
+              <a:p>
+                <a:pPr algn="ctr"/>
+                <a:endParaRPr lang="en-SG"/>
+              </a:p>
+            </p:txBody>
+          </p:sp>
+          <p:cxnSp>
+            <p:nvCxnSpPr>
+              <p:cNvPr id="6" name="Straight Connector 5">
+                <a:extLst>
+                  <a:ext uri="{FF2B5EF4-FFF2-40B4-BE49-F238E27FC236}">
+                    <a16:creationId xmlns:a16="http://schemas.microsoft.com/office/drawing/2014/main" id="{590FECC8-326C-4DEA-A7B8-62036A74CCF5}"/>
+                  </a:ext>
+                </a:extLst>
+              </p:cNvPr>
+              <p:cNvCxnSpPr>
+                <a:stCxn id="5" idx="4"/>
+              </p:cNvCxnSpPr>
+              <p:nvPr/>
+            </p:nvCxnSpPr>
+            <p:spPr>
+              <a:xfrm>
+                <a:off x="3563888" y="4437112"/>
+                <a:ext cx="0" cy="504056"/>
+              </a:xfrm>
+              <a:prstGeom prst="line">
+                <a:avLst/>
+              </a:prstGeom>
+              <a:ln w="28575">
+                <a:solidFill>
+                  <a:schemeClr val="tx1"/>
+                </a:solidFill>
+              </a:ln>
+              <a:effectLst/>
+            </p:spPr>
+            <p:style>
+              <a:lnRef idx="1">
+                <a:schemeClr val="accent4"/>
+              </a:lnRef>
+              <a:fillRef idx="2">
+                <a:schemeClr val="accent4"/>
+              </a:fillRef>
+              <a:effectRef idx="1">
+                <a:schemeClr val="accent4"/>
+              </a:effectRef>
+              <a:fontRef idx="minor">
+                <a:schemeClr val="dk1"/>
+              </a:fontRef>
+            </p:style>
+          </p:cxnSp>
+          <p:sp>
+            <p:nvSpPr>
+              <p:cNvPr id="7" name="Freeform 9">
+                <a:extLst>
+                  <a:ext uri="{FF2B5EF4-FFF2-40B4-BE49-F238E27FC236}">
+                    <a16:creationId xmlns:a16="http://schemas.microsoft.com/office/drawing/2014/main" id="{5A6459F1-B5F1-4C79-9134-A7C2BB1711EF}"/>
+                  </a:ext>
+                </a:extLst>
+              </p:cNvPr>
+              <p:cNvSpPr/>
+              <p:nvPr/>
+            </p:nvSpPr>
+            <p:spPr>
+              <a:xfrm>
+                <a:off x="3324225" y="4933950"/>
+                <a:ext cx="479425" cy="361950"/>
+              </a:xfrm>
+              <a:custGeom>
+                <a:avLst/>
+                <a:gdLst>
+                  <a:gd name="connsiteX0" fmla="*/ 0 w 479425"/>
+                  <a:gd name="connsiteY0" fmla="*/ 355600 h 361950"/>
+                  <a:gd name="connsiteX1" fmla="*/ 241300 w 479425"/>
+                  <a:gd name="connsiteY1" fmla="*/ 0 h 361950"/>
+                  <a:gd name="connsiteX2" fmla="*/ 479425 w 479425"/>
+                  <a:gd name="connsiteY2" fmla="*/ 361950 h 361950"/>
+                </a:gdLst>
+                <a:ahLst/>
+                <a:cxnLst>
+                  <a:cxn ang="0">
+                    <a:pos x="connsiteX0" y="connsiteY0"/>
+                  </a:cxn>
+                  <a:cxn ang="0">
+                    <a:pos x="connsiteX1" y="connsiteY1"/>
+                  </a:cxn>
+                  <a:cxn ang="0">
+                    <a:pos x="connsiteX2" y="connsiteY2"/>
+                  </a:cxn>
+                </a:cxnLst>
+                <a:rect l="l" t="t" r="r" b="b"/>
+                <a:pathLst>
+                  <a:path w="479425" h="361950">
+                    <a:moveTo>
+                      <a:pt x="0" y="355600"/>
+                    </a:moveTo>
+                    <a:lnTo>
+                      <a:pt x="241300" y="0"/>
+                    </a:lnTo>
+                    <a:lnTo>
+                      <a:pt x="479425" y="361950"/>
+                    </a:lnTo>
+                  </a:path>
+                </a:pathLst>
+              </a:custGeom>
+              <a:noFill/>
+              <a:ln w="28575">
+                <a:solidFill>
+                  <a:schemeClr val="tx1"/>
+                </a:solidFill>
+              </a:ln>
+              <a:effectLst/>
+            </p:spPr>
+            <p:style>
+              <a:lnRef idx="1">
+                <a:schemeClr val="accent4"/>
+              </a:lnRef>
+              <a:fillRef idx="2">
+                <a:schemeClr val="accent4"/>
+              </a:fillRef>
+              <a:effectRef idx="1">
+                <a:schemeClr val="accent4"/>
+              </a:effectRef>
+              <a:fontRef idx="minor">
+                <a:schemeClr val="dk1"/>
+              </a:fontRef>
+            </p:style>
+            <p:txBody>
+              <a:bodyPr rtlCol="0" anchor="ctr"/>
+              <a:lstStyle/>
+              <a:p>
+                <a:pPr algn="ctr"/>
+                <a:endParaRPr lang="en-SG"/>
+              </a:p>
+            </p:txBody>
+          </p:sp>
+          <p:cxnSp>
+            <p:nvCxnSpPr>
+              <p:cNvPr id="8" name="Straight Connector 7">
+                <a:extLst>
+                  <a:ext uri="{FF2B5EF4-FFF2-40B4-BE49-F238E27FC236}">
+                    <a16:creationId xmlns:a16="http://schemas.microsoft.com/office/drawing/2014/main" id="{B97D29A9-5E0B-415A-B86C-F7D0EC507F46}"/>
+                  </a:ext>
+                </a:extLst>
+              </p:cNvPr>
+              <p:cNvCxnSpPr/>
+              <p:nvPr/>
+            </p:nvCxnSpPr>
+            <p:spPr>
+              <a:xfrm>
+                <a:off x="3239901" y="4509120"/>
+                <a:ext cx="648072" cy="0"/>
+              </a:xfrm>
+              <a:prstGeom prst="line">
+                <a:avLst/>
+              </a:prstGeom>
+              <a:ln w="28575">
+                <a:solidFill>
+                  <a:schemeClr val="tx1"/>
+                </a:solidFill>
+              </a:ln>
+              <a:effectLst/>
+            </p:spPr>
+            <p:style>
+              <a:lnRef idx="1">
+                <a:schemeClr val="accent4"/>
+              </a:lnRef>
+              <a:fillRef idx="2">
+                <a:schemeClr val="accent4"/>
+              </a:fillRef>
+              <a:effectRef idx="1">
+                <a:schemeClr val="accent4"/>
+              </a:effectRef>
+              <a:fontRef idx="minor">
+                <a:schemeClr val="dk1"/>
+              </a:fontRef>
+            </p:style>
+          </p:cxnSp>
+        </p:grpSp>
+        <p:cxnSp>
+          <p:nvCxnSpPr>
+            <p:cNvPr id="9" name="Straight Connector 8">
+              <a:extLst>
+                <a:ext uri="{FF2B5EF4-FFF2-40B4-BE49-F238E27FC236}">
+                  <a16:creationId xmlns:a16="http://schemas.microsoft.com/office/drawing/2014/main" id="{F41B2607-9822-4211-B8F0-28F0DBA5EF2D}"/>
+                </a:ext>
+              </a:extLst>
+            </p:cNvPr>
+            <p:cNvCxnSpPr>
+              <a:cxnSpLocks/>
+            </p:cNvCxnSpPr>
+            <p:nvPr/>
+          </p:nvCxnSpPr>
+          <p:spPr>
+            <a:xfrm>
+              <a:off x="-928801" y="802836"/>
+              <a:ext cx="0" cy="7723944"/>
+            </a:xfrm>
+            <a:prstGeom prst="line">
+              <a:avLst/>
+            </a:prstGeom>
+            <a:ln w="19050">
+              <a:solidFill>
+                <a:schemeClr val="tx1"/>
+              </a:solidFill>
+              <a:prstDash val="sysDash"/>
+            </a:ln>
+            <a:effectLst/>
+          </p:spPr>
+          <p:style>
+            <a:lnRef idx="1">
+              <a:schemeClr val="accent1"/>
+            </a:lnRef>
+            <a:fillRef idx="2">
+              <a:schemeClr val="accent1"/>
+            </a:fillRef>
+            <a:effectRef idx="1">
+              <a:schemeClr val="accent1"/>
+            </a:effectRef>
+            <a:fontRef idx="minor">
+              <a:schemeClr val="dk1"/>
+            </a:fontRef>
+          </p:style>
+        </p:cxnSp>
         <p:sp>
           <p:nvSpPr>
-            <p:cNvPr id="5" name="Flowchart: Connector 4">
+            <p:cNvPr id="71" name="Rectangle 65">
               <a:extLst>
                 <a:ext uri="{FF2B5EF4-FFF2-40B4-BE49-F238E27FC236}">
-                  <a16:creationId xmlns:a16="http://schemas.microsoft.com/office/drawing/2014/main" id="{C92670BE-BD9D-496D-9604-AC4A461C1619}"/>
+                  <a16:creationId xmlns:a16="http://schemas.microsoft.com/office/drawing/2014/main" id="{37A5C7FB-6E71-4EDB-A7F6-019B440D3F74}"/>
                 </a:ext>
               </a:extLst>
             </p:cNvPr>
@@ -3381,97 +3673,65 @@
           </p:nvSpPr>
           <p:spPr>
             <a:xfrm>
-              <a:off x="3419872" y="4149080"/>
-              <a:ext cx="288032" cy="288032"/>
+              <a:off x="-76200" y="400050"/>
+              <a:ext cx="1762287" cy="8955217"/>
             </a:xfrm>
-            <a:prstGeom prst="flowChartConnector">
-              <a:avLst/>
+            <a:prstGeom prst="roundRect">
+              <a:avLst>
+                <a:gd name="adj" fmla="val 3484"/>
+              </a:avLst>
             </a:prstGeom>
             <a:solidFill>
-              <a:schemeClr val="bg1">
-                <a:lumMod val="85000"/>
+              <a:schemeClr val="accent6">
+                <a:lumMod val="40000"/>
+                <a:lumOff val="60000"/>
               </a:schemeClr>
             </a:solidFill>
-            <a:ln w="28575">
-              <a:solidFill>
-                <a:schemeClr val="tx1"/>
-              </a:solidFill>
+            <a:ln w="19050">
+              <a:noFill/>
             </a:ln>
             <a:effectLst/>
           </p:spPr>
           <p:style>
             <a:lnRef idx="1">
-              <a:schemeClr val="accent4"/>
+              <a:schemeClr val="accent2"/>
             </a:lnRef>
             <a:fillRef idx="2">
-              <a:schemeClr val="accent4"/>
+              <a:schemeClr val="accent2"/>
             </a:fillRef>
             <a:effectRef idx="1">
-              <a:schemeClr val="accent4"/>
+              <a:schemeClr val="accent2"/>
             </a:effectRef>
             <a:fontRef idx="minor">
               <a:schemeClr val="dk1"/>
             </a:fontRef>
           </p:style>
           <p:txBody>
-            <a:bodyPr rtlCol="0" anchor="ctr"/>
+            <a:bodyPr rtlCol="0" anchor="t"/>
             <a:lstStyle/>
             <a:p>
-              <a:pPr algn="ctr"/>
-              <a:endParaRPr lang="en-SG"/>
+              <a:r>
+                <a:rPr lang="en-US" sz="1200" b="1" dirty="0">
+                  <a:solidFill>
+                    <a:srgbClr val="00B050"/>
+                  </a:solidFill>
+                </a:rPr>
+                <a:t>UI</a:t>
+              </a:r>
+              <a:endParaRPr lang="en-SG" sz="1200" b="1" dirty="0">
+                <a:solidFill>
+                  <a:srgbClr val="00B050"/>
+                </a:solidFill>
+              </a:endParaRPr>
             </a:p>
           </p:txBody>
         </p:sp>
-        <p:cxnSp>
-          <p:nvCxnSpPr>
-            <p:cNvPr id="6" name="Straight Connector 5">
+        <p:sp>
+          <p:nvSpPr>
+            <p:cNvPr id="73" name="Rectangle 65">
               <a:extLst>
                 <a:ext uri="{FF2B5EF4-FFF2-40B4-BE49-F238E27FC236}">
-                  <a16:creationId xmlns:a16="http://schemas.microsoft.com/office/drawing/2014/main" id="{590FECC8-326C-4DEA-A7B8-62036A74CCF5}"/>
-                </a:ext>
-              </a:extLst>
-            </p:cNvPr>
-            <p:cNvCxnSpPr>
-              <a:stCxn id="5" idx="4"/>
-            </p:cNvCxnSpPr>
-            <p:nvPr/>
-          </p:nvCxnSpPr>
-          <p:spPr>
-            <a:xfrm>
-              <a:off x="3563888" y="4437112"/>
-              <a:ext cx="0" cy="504056"/>
-            </a:xfrm>
-            <a:prstGeom prst="line">
-              <a:avLst/>
-            </a:prstGeom>
-            <a:ln w="28575">
-              <a:solidFill>
-                <a:schemeClr val="tx1"/>
-              </a:solidFill>
-            </a:ln>
-            <a:effectLst/>
-          </p:spPr>
-          <p:style>
-            <a:lnRef idx="1">
-              <a:schemeClr val="accent4"/>
-            </a:lnRef>
-            <a:fillRef idx="2">
-              <a:schemeClr val="accent4"/>
-            </a:fillRef>
-            <a:effectRef idx="1">
-              <a:schemeClr val="accent4"/>
-            </a:effectRef>
-            <a:fontRef idx="minor">
-              <a:schemeClr val="dk1"/>
-            </a:fontRef>
-          </p:style>
-        </p:cxnSp>
-        <p:sp>
-          <p:nvSpPr>
-            <p:cNvPr id="7" name="Freeform 9">
-              <a:extLst>
-                <a:ext uri="{FF2B5EF4-FFF2-40B4-BE49-F238E27FC236}">
-                  <a16:creationId xmlns:a16="http://schemas.microsoft.com/office/drawing/2014/main" id="{5A6459F1-B5F1-4C79-9134-A7C2BB1711EF}"/>
+                  <a16:creationId xmlns:a16="http://schemas.microsoft.com/office/drawing/2014/main" id="{45CD46E7-77E6-4B6E-96DD-D0F207E0E312}"/>
                 </a:ext>
               </a:extLst>
             </p:cNvPr>
@@ -3480,1465 +3740,65 @@
           </p:nvSpPr>
           <p:spPr>
             <a:xfrm>
-              <a:off x="3324225" y="4933950"/>
-              <a:ext cx="479425" cy="361950"/>
+              <a:off x="1762406" y="380579"/>
+              <a:ext cx="9220806" cy="8955215"/>
             </a:xfrm>
-            <a:custGeom>
-              <a:avLst/>
-              <a:gdLst>
-                <a:gd name="connsiteX0" fmla="*/ 0 w 479425"/>
-                <a:gd name="connsiteY0" fmla="*/ 355600 h 361950"/>
-                <a:gd name="connsiteX1" fmla="*/ 241300 w 479425"/>
-                <a:gd name="connsiteY1" fmla="*/ 0 h 361950"/>
-                <a:gd name="connsiteX2" fmla="*/ 479425 w 479425"/>
-                <a:gd name="connsiteY2" fmla="*/ 361950 h 361950"/>
-              </a:gdLst>
-              <a:ahLst/>
-              <a:cxnLst>
-                <a:cxn ang="0">
-                  <a:pos x="connsiteX0" y="connsiteY0"/>
-                </a:cxn>
-                <a:cxn ang="0">
-                  <a:pos x="connsiteX1" y="connsiteY1"/>
-                </a:cxn>
-                <a:cxn ang="0">
-                  <a:pos x="connsiteX2" y="connsiteY2"/>
-                </a:cxn>
-              </a:cxnLst>
-              <a:rect l="l" t="t" r="r" b="b"/>
-              <a:pathLst>
-                <a:path w="479425" h="361950">
-                  <a:moveTo>
-                    <a:pt x="0" y="355600"/>
-                  </a:moveTo>
-                  <a:lnTo>
-                    <a:pt x="241300" y="0"/>
-                  </a:lnTo>
-                  <a:lnTo>
-                    <a:pt x="479425" y="361950"/>
-                  </a:lnTo>
-                </a:path>
-              </a:pathLst>
-            </a:custGeom>
-            <a:noFill/>
-            <a:ln w="28575">
-              <a:solidFill>
-                <a:schemeClr val="tx1"/>
-              </a:solidFill>
+            <a:prstGeom prst="roundRect">
+              <a:avLst>
+                <a:gd name="adj" fmla="val 3484"/>
+              </a:avLst>
+            </a:prstGeom>
+            <a:solidFill>
+              <a:schemeClr val="accent1">
+                <a:lumMod val="20000"/>
+                <a:lumOff val="80000"/>
+              </a:schemeClr>
+            </a:solidFill>
+            <a:ln w="19050">
+              <a:noFill/>
             </a:ln>
             <a:effectLst/>
           </p:spPr>
           <p:style>
             <a:lnRef idx="1">
-              <a:schemeClr val="accent4"/>
+              <a:schemeClr val="accent2"/>
             </a:lnRef>
             <a:fillRef idx="2">
-              <a:schemeClr val="accent4"/>
+              <a:schemeClr val="accent2"/>
             </a:fillRef>
             <a:effectRef idx="1">
-              <a:schemeClr val="accent4"/>
+              <a:schemeClr val="accent2"/>
             </a:effectRef>
             <a:fontRef idx="minor">
               <a:schemeClr val="dk1"/>
             </a:fontRef>
           </p:style>
           <p:txBody>
-            <a:bodyPr rtlCol="0" anchor="ctr"/>
+            <a:bodyPr rtlCol="0" anchor="t"/>
             <a:lstStyle/>
             <a:p>
-              <a:pPr algn="ctr"/>
-              <a:endParaRPr lang="en-SG"/>
+              <a:r>
+                <a:rPr lang="en-US" sz="1200" b="1" dirty="0">
+                  <a:solidFill>
+                    <a:srgbClr val="0070C0"/>
+                  </a:solidFill>
+                </a:rPr>
+                <a:t>Logic</a:t>
+              </a:r>
+              <a:endParaRPr lang="en-SG" sz="1200" b="1" dirty="0">
+                <a:solidFill>
+                  <a:srgbClr val="0070C0"/>
+                </a:solidFill>
+              </a:endParaRPr>
             </a:p>
           </p:txBody>
         </p:sp>
-        <p:cxnSp>
-          <p:nvCxnSpPr>
-            <p:cNvPr id="8" name="Straight Connector 7">
+        <p:sp>
+          <p:nvSpPr>
+            <p:cNvPr id="74" name="Rectangle 62">
               <a:extLst>
                 <a:ext uri="{FF2B5EF4-FFF2-40B4-BE49-F238E27FC236}">
-                  <a16:creationId xmlns:a16="http://schemas.microsoft.com/office/drawing/2014/main" id="{B97D29A9-5E0B-415A-B86C-F7D0EC507F46}"/>
-                </a:ext>
-              </a:extLst>
-            </p:cNvPr>
-            <p:cNvCxnSpPr/>
-            <p:nvPr/>
-          </p:nvCxnSpPr>
-          <p:spPr>
-            <a:xfrm>
-              <a:off x="3239901" y="4509120"/>
-              <a:ext cx="648072" cy="0"/>
-            </a:xfrm>
-            <a:prstGeom prst="line">
-              <a:avLst/>
-            </a:prstGeom>
-            <a:ln w="28575">
-              <a:solidFill>
-                <a:schemeClr val="tx1"/>
-              </a:solidFill>
-            </a:ln>
-            <a:effectLst/>
-          </p:spPr>
-          <p:style>
-            <a:lnRef idx="1">
-              <a:schemeClr val="accent4"/>
-            </a:lnRef>
-            <a:fillRef idx="2">
-              <a:schemeClr val="accent4"/>
-            </a:fillRef>
-            <a:effectRef idx="1">
-              <a:schemeClr val="accent4"/>
-            </a:effectRef>
-            <a:fontRef idx="minor">
-              <a:schemeClr val="dk1"/>
-            </a:fontRef>
-          </p:style>
-        </p:cxnSp>
-      </p:grpSp>
-      <p:cxnSp>
-        <p:nvCxnSpPr>
-          <p:cNvPr id="9" name="Straight Connector 8">
-            <a:extLst>
-              <a:ext uri="{FF2B5EF4-FFF2-40B4-BE49-F238E27FC236}">
-                <a16:creationId xmlns:a16="http://schemas.microsoft.com/office/drawing/2014/main" id="{F41B2607-9822-4211-B8F0-28F0DBA5EF2D}"/>
-              </a:ext>
-            </a:extLst>
-          </p:cNvPr>
-          <p:cNvCxnSpPr>
-            <a:cxnSpLocks/>
-          </p:cNvCxnSpPr>
-          <p:nvPr/>
-        </p:nvCxnSpPr>
-        <p:spPr>
-          <a:xfrm>
-            <a:off x="-928801" y="802836"/>
-            <a:ext cx="0" cy="7723944"/>
-          </a:xfrm>
-          <a:prstGeom prst="line">
-            <a:avLst/>
-          </a:prstGeom>
-          <a:ln w="19050">
-            <a:solidFill>
-              <a:schemeClr val="tx1"/>
-            </a:solidFill>
-            <a:prstDash val="sysDash"/>
-          </a:ln>
-          <a:effectLst/>
-        </p:spPr>
-        <p:style>
-          <a:lnRef idx="1">
-            <a:schemeClr val="accent1"/>
-          </a:lnRef>
-          <a:fillRef idx="2">
-            <a:schemeClr val="accent1"/>
-          </a:fillRef>
-          <a:effectRef idx="1">
-            <a:schemeClr val="accent1"/>
-          </a:effectRef>
-          <a:fontRef idx="minor">
-            <a:schemeClr val="dk1"/>
-          </a:fontRef>
-        </p:style>
-      </p:cxnSp>
-      <p:sp>
-        <p:nvSpPr>
-          <p:cNvPr id="71" name="Rectangle 65">
-            <a:extLst>
-              <a:ext uri="{FF2B5EF4-FFF2-40B4-BE49-F238E27FC236}">
-                <a16:creationId xmlns:a16="http://schemas.microsoft.com/office/drawing/2014/main" id="{37A5C7FB-6E71-4EDB-A7F6-019B440D3F74}"/>
-              </a:ext>
-            </a:extLst>
-          </p:cNvPr>
-          <p:cNvSpPr/>
-          <p:nvPr/>
-        </p:nvSpPr>
-        <p:spPr>
-          <a:xfrm>
-            <a:off x="-76200" y="400050"/>
-            <a:ext cx="1762287" cy="8955217"/>
-          </a:xfrm>
-          <a:prstGeom prst="roundRect">
-            <a:avLst>
-              <a:gd name="adj" fmla="val 3484"/>
-            </a:avLst>
-          </a:prstGeom>
-          <a:solidFill>
-            <a:schemeClr val="accent6">
-              <a:lumMod val="40000"/>
-              <a:lumOff val="60000"/>
-            </a:schemeClr>
-          </a:solidFill>
-          <a:ln w="19050">
-            <a:noFill/>
-          </a:ln>
-          <a:effectLst/>
-        </p:spPr>
-        <p:style>
-          <a:lnRef idx="1">
-            <a:schemeClr val="accent2"/>
-          </a:lnRef>
-          <a:fillRef idx="2">
-            <a:schemeClr val="accent2"/>
-          </a:fillRef>
-          <a:effectRef idx="1">
-            <a:schemeClr val="accent2"/>
-          </a:effectRef>
-          <a:fontRef idx="minor">
-            <a:schemeClr val="dk1"/>
-          </a:fontRef>
-        </p:style>
-        <p:txBody>
-          <a:bodyPr rtlCol="0" anchor="t"/>
-          <a:lstStyle/>
-          <a:p>
-            <a:r>
-              <a:rPr lang="en-US" sz="1200" b="1" dirty="0">
-                <a:solidFill>
-                  <a:srgbClr val="00B050"/>
-                </a:solidFill>
-              </a:rPr>
-              <a:t>UI</a:t>
-            </a:r>
-            <a:endParaRPr lang="en-SG" sz="1200" b="1" dirty="0">
-              <a:solidFill>
-                <a:srgbClr val="00B050"/>
-              </a:solidFill>
-            </a:endParaRPr>
-          </a:p>
-        </p:txBody>
-      </p:sp>
-      <p:sp>
-        <p:nvSpPr>
-          <p:cNvPr id="73" name="Rectangle 65">
-            <a:extLst>
-              <a:ext uri="{FF2B5EF4-FFF2-40B4-BE49-F238E27FC236}">
-                <a16:creationId xmlns:a16="http://schemas.microsoft.com/office/drawing/2014/main" id="{45CD46E7-77E6-4B6E-96DD-D0F207E0E312}"/>
-              </a:ext>
-            </a:extLst>
-          </p:cNvPr>
-          <p:cNvSpPr/>
-          <p:nvPr/>
-        </p:nvSpPr>
-        <p:spPr>
-          <a:xfrm>
-            <a:off x="1762406" y="380579"/>
-            <a:ext cx="9220806" cy="8955215"/>
-          </a:xfrm>
-          <a:prstGeom prst="roundRect">
-            <a:avLst>
-              <a:gd name="adj" fmla="val 3484"/>
-            </a:avLst>
-          </a:prstGeom>
-          <a:solidFill>
-            <a:schemeClr val="accent1">
-              <a:lumMod val="20000"/>
-              <a:lumOff val="80000"/>
-            </a:schemeClr>
-          </a:solidFill>
-          <a:ln w="19050">
-            <a:noFill/>
-          </a:ln>
-          <a:effectLst/>
-        </p:spPr>
-        <p:style>
-          <a:lnRef idx="1">
-            <a:schemeClr val="accent2"/>
-          </a:lnRef>
-          <a:fillRef idx="2">
-            <a:schemeClr val="accent2"/>
-          </a:fillRef>
-          <a:effectRef idx="1">
-            <a:schemeClr val="accent2"/>
-          </a:effectRef>
-          <a:fontRef idx="minor">
-            <a:schemeClr val="dk1"/>
-          </a:fontRef>
-        </p:style>
-        <p:txBody>
-          <a:bodyPr rtlCol="0" anchor="t"/>
-          <a:lstStyle/>
-          <a:p>
-            <a:r>
-              <a:rPr lang="en-US" sz="1200" b="1" dirty="0">
-                <a:solidFill>
-                  <a:srgbClr val="0070C0"/>
-                </a:solidFill>
-              </a:rPr>
-              <a:t>Logic</a:t>
-            </a:r>
-            <a:endParaRPr lang="en-SG" sz="1200" b="1" dirty="0">
-              <a:solidFill>
-                <a:srgbClr val="0070C0"/>
-              </a:solidFill>
-            </a:endParaRPr>
-          </a:p>
-        </p:txBody>
-      </p:sp>
-      <p:sp>
-        <p:nvSpPr>
-          <p:cNvPr id="74" name="Rectangle 62">
-            <a:extLst>
-              <a:ext uri="{FF2B5EF4-FFF2-40B4-BE49-F238E27FC236}">
-                <a16:creationId xmlns:a16="http://schemas.microsoft.com/office/drawing/2014/main" id="{D5B2DCB2-A946-4BA3-9F96-B0C9AAFC8BB0}"/>
-              </a:ext>
-            </a:extLst>
-          </p:cNvPr>
-          <p:cNvSpPr/>
-          <p:nvPr/>
-        </p:nvSpPr>
-        <p:spPr>
-          <a:xfrm>
-            <a:off x="2330945" y="761928"/>
-            <a:ext cx="1455629" cy="346760"/>
-          </a:xfrm>
-          <a:prstGeom prst="rect">
-            <a:avLst/>
-          </a:prstGeom>
-          <a:solidFill>
-            <a:srgbClr val="0070C0"/>
-          </a:solidFill>
-          <a:ln w="19050">
-            <a:solidFill>
-              <a:srgbClr val="0070C0"/>
-            </a:solidFill>
-          </a:ln>
-          <a:effectLst/>
-        </p:spPr>
-        <p:style>
-          <a:lnRef idx="1">
-            <a:schemeClr val="accent2"/>
-          </a:lnRef>
-          <a:fillRef idx="2">
-            <a:schemeClr val="accent2"/>
-          </a:fillRef>
-          <a:effectRef idx="1">
-            <a:schemeClr val="accent2"/>
-          </a:effectRef>
-          <a:fontRef idx="minor">
-            <a:schemeClr val="dk1"/>
-          </a:fontRef>
-        </p:style>
-        <p:txBody>
-          <a:bodyPr rtlCol="0" anchor="ctr"/>
-          <a:lstStyle/>
-          <a:p>
-            <a:pPr algn="ctr"/>
-            <a:r>
-              <a:rPr lang="en-US" sz="1600" dirty="0">
-                <a:solidFill>
-                  <a:schemeClr val="bg1"/>
-                </a:solidFill>
-              </a:rPr>
-              <a:t>:</a:t>
-            </a:r>
-            <a:r>
-              <a:rPr lang="en-US" sz="1600" dirty="0" err="1">
-                <a:solidFill>
-                  <a:schemeClr val="bg1"/>
-                </a:solidFill>
-              </a:rPr>
-              <a:t>LogicManager</a:t>
-            </a:r>
-            <a:endParaRPr lang="en-SG" sz="1600" dirty="0">
-              <a:solidFill>
-                <a:schemeClr val="bg1"/>
-              </a:solidFill>
-            </a:endParaRPr>
-          </a:p>
-        </p:txBody>
-      </p:sp>
-      <p:cxnSp>
-        <p:nvCxnSpPr>
-          <p:cNvPr id="75" name="Straight Connector 74">
-            <a:extLst>
-              <a:ext uri="{FF2B5EF4-FFF2-40B4-BE49-F238E27FC236}">
-                <a16:creationId xmlns:a16="http://schemas.microsoft.com/office/drawing/2014/main" id="{37C4AF46-E20B-44B8-B854-0AB1D95BC7C9}"/>
-              </a:ext>
-            </a:extLst>
-          </p:cNvPr>
-          <p:cNvCxnSpPr>
-            <a:cxnSpLocks/>
-          </p:cNvCxnSpPr>
-          <p:nvPr/>
-        </p:nvCxnSpPr>
-        <p:spPr>
-          <a:xfrm>
-            <a:off x="3058759" y="1125599"/>
-            <a:ext cx="0" cy="7016371"/>
-          </a:xfrm>
-          <a:prstGeom prst="line">
-            <a:avLst/>
-          </a:prstGeom>
-          <a:ln w="19050">
-            <a:solidFill>
-              <a:srgbClr val="0070C0"/>
-            </a:solidFill>
-            <a:prstDash val="sysDash"/>
-          </a:ln>
-          <a:effectLst/>
-        </p:spPr>
-        <p:style>
-          <a:lnRef idx="1">
-            <a:schemeClr val="accent1"/>
-          </a:lnRef>
-          <a:fillRef idx="2">
-            <a:schemeClr val="accent1"/>
-          </a:fillRef>
-          <a:effectRef idx="1">
-            <a:schemeClr val="accent1"/>
-          </a:effectRef>
-          <a:fontRef idx="minor">
-            <a:schemeClr val="dk1"/>
-          </a:fontRef>
-        </p:style>
-      </p:cxnSp>
-      <p:sp>
-        <p:nvSpPr>
-          <p:cNvPr id="76" name="Rectangle 75">
-            <a:extLst>
-              <a:ext uri="{FF2B5EF4-FFF2-40B4-BE49-F238E27FC236}">
-                <a16:creationId xmlns:a16="http://schemas.microsoft.com/office/drawing/2014/main" id="{704EB931-F576-4247-BA22-7DB7D5835450}"/>
-              </a:ext>
-            </a:extLst>
-          </p:cNvPr>
-          <p:cNvSpPr/>
-          <p:nvPr/>
-        </p:nvSpPr>
-        <p:spPr>
-          <a:xfrm>
-            <a:off x="2989723" y="1476292"/>
-            <a:ext cx="149427" cy="6526611"/>
-          </a:xfrm>
-          <a:prstGeom prst="rect">
-            <a:avLst/>
-          </a:prstGeom>
-          <a:solidFill>
-            <a:srgbClr val="0070C0"/>
-          </a:solidFill>
-          <a:ln>
-            <a:solidFill>
-              <a:srgbClr val="0070C0"/>
-            </a:solidFill>
-          </a:ln>
-          <a:effectLst/>
-        </p:spPr>
-        <p:style>
-          <a:lnRef idx="1">
-            <a:schemeClr val="accent3"/>
-          </a:lnRef>
-          <a:fillRef idx="2">
-            <a:schemeClr val="accent3"/>
-          </a:fillRef>
-          <a:effectRef idx="1">
-            <a:schemeClr val="accent3"/>
-          </a:effectRef>
-          <a:fontRef idx="minor">
-            <a:schemeClr val="dk1"/>
-          </a:fontRef>
-        </p:style>
-        <p:txBody>
-          <a:bodyPr rtlCol="0" anchor="ctr"/>
-          <a:lstStyle/>
-          <a:p>
-            <a:pPr algn="ctr"/>
-            <a:endParaRPr lang="en-SG" sz="1400"/>
-          </a:p>
-        </p:txBody>
-      </p:sp>
-      <p:sp>
-        <p:nvSpPr>
-          <p:cNvPr id="77" name="Rectangle 62">
-            <a:extLst>
-              <a:ext uri="{FF2B5EF4-FFF2-40B4-BE49-F238E27FC236}">
-                <a16:creationId xmlns:a16="http://schemas.microsoft.com/office/drawing/2014/main" id="{6547FD8C-E249-4D94-947A-6080E5087B00}"/>
-              </a:ext>
-            </a:extLst>
-          </p:cNvPr>
-          <p:cNvSpPr/>
-          <p:nvPr/>
-        </p:nvSpPr>
-        <p:spPr>
-          <a:xfrm>
-            <a:off x="5127844" y="641004"/>
-            <a:ext cx="1219200" cy="467684"/>
-          </a:xfrm>
-          <a:prstGeom prst="rect">
-            <a:avLst/>
-          </a:prstGeom>
-          <a:solidFill>
-            <a:srgbClr val="0070C0"/>
-          </a:solidFill>
-          <a:ln w="19050">
-            <a:solidFill>
-              <a:srgbClr val="0070C0"/>
-            </a:solidFill>
-          </a:ln>
-          <a:effectLst/>
-        </p:spPr>
-        <p:style>
-          <a:lnRef idx="1">
-            <a:schemeClr val="accent2"/>
-          </a:lnRef>
-          <a:fillRef idx="2">
-            <a:schemeClr val="accent2"/>
-          </a:fillRef>
-          <a:effectRef idx="1">
-            <a:schemeClr val="accent2"/>
-          </a:effectRef>
-          <a:fontRef idx="minor">
-            <a:schemeClr val="dk1"/>
-          </a:fontRef>
-        </p:style>
-        <p:txBody>
-          <a:bodyPr rtlCol="0" anchor="ctr"/>
-          <a:lstStyle/>
-          <a:p>
-            <a:pPr algn="ctr"/>
-            <a:r>
-              <a:rPr lang="en-US" sz="1600" dirty="0">
-                <a:solidFill>
-                  <a:schemeClr val="bg1"/>
-                </a:solidFill>
-              </a:rPr>
-              <a:t>:Address</a:t>
-            </a:r>
-          </a:p>
-          <a:p>
-            <a:pPr algn="ctr"/>
-            <a:r>
-              <a:rPr lang="en-US" sz="1600" dirty="0" err="1">
-                <a:solidFill>
-                  <a:schemeClr val="bg1"/>
-                </a:solidFill>
-              </a:rPr>
-              <a:t>BookParser</a:t>
-            </a:r>
-            <a:endParaRPr lang="en-SG" sz="1600" dirty="0">
-              <a:solidFill>
-                <a:schemeClr val="bg1"/>
-              </a:solidFill>
-            </a:endParaRPr>
-          </a:p>
-        </p:txBody>
-      </p:sp>
-      <p:cxnSp>
-        <p:nvCxnSpPr>
-          <p:cNvPr id="78" name="Straight Connector 77">
-            <a:extLst>
-              <a:ext uri="{FF2B5EF4-FFF2-40B4-BE49-F238E27FC236}">
-                <a16:creationId xmlns:a16="http://schemas.microsoft.com/office/drawing/2014/main" id="{FC993E10-ED39-4A23-8499-A661A1BFFB89}"/>
-              </a:ext>
-            </a:extLst>
-          </p:cNvPr>
-          <p:cNvCxnSpPr>
-            <a:cxnSpLocks/>
-          </p:cNvCxnSpPr>
-          <p:nvPr/>
-        </p:nvCxnSpPr>
-        <p:spPr>
-          <a:xfrm>
-            <a:off x="5741243" y="1125599"/>
-            <a:ext cx="0" cy="1482984"/>
-          </a:xfrm>
-          <a:prstGeom prst="line">
-            <a:avLst/>
-          </a:prstGeom>
-          <a:ln w="19050">
-            <a:solidFill>
-              <a:srgbClr val="0070C0"/>
-            </a:solidFill>
-            <a:prstDash val="sysDash"/>
-          </a:ln>
-          <a:effectLst/>
-        </p:spPr>
-        <p:style>
-          <a:lnRef idx="1">
-            <a:schemeClr val="accent1"/>
-          </a:lnRef>
-          <a:fillRef idx="2">
-            <a:schemeClr val="accent1"/>
-          </a:fillRef>
-          <a:effectRef idx="1">
-            <a:schemeClr val="accent1"/>
-          </a:effectRef>
-          <a:fontRef idx="minor">
-            <a:schemeClr val="dk1"/>
-          </a:fontRef>
-        </p:style>
-      </p:cxnSp>
-      <p:sp>
-        <p:nvSpPr>
-          <p:cNvPr id="79" name="Rectangle 78">
-            <a:extLst>
-              <a:ext uri="{FF2B5EF4-FFF2-40B4-BE49-F238E27FC236}">
-                <a16:creationId xmlns:a16="http://schemas.microsoft.com/office/drawing/2014/main" id="{74AF65EB-B7DF-475F-BDA4-661CEE8E28FB}"/>
-              </a:ext>
-            </a:extLst>
-          </p:cNvPr>
-          <p:cNvSpPr/>
-          <p:nvPr/>
-        </p:nvSpPr>
-        <p:spPr>
-          <a:xfrm>
-            <a:off x="5669236" y="1583792"/>
-            <a:ext cx="154408" cy="767790"/>
-          </a:xfrm>
-          <a:prstGeom prst="rect">
-            <a:avLst/>
-          </a:prstGeom>
-          <a:solidFill>
-            <a:srgbClr val="0070C0"/>
-          </a:solidFill>
-          <a:ln>
-            <a:solidFill>
-              <a:srgbClr val="0070C0"/>
-            </a:solidFill>
-          </a:ln>
-          <a:effectLst/>
-        </p:spPr>
-        <p:style>
-          <a:lnRef idx="1">
-            <a:schemeClr val="accent3"/>
-          </a:lnRef>
-          <a:fillRef idx="2">
-            <a:schemeClr val="accent3"/>
-          </a:fillRef>
-          <a:effectRef idx="1">
-            <a:schemeClr val="accent3"/>
-          </a:effectRef>
-          <a:fontRef idx="minor">
-            <a:schemeClr val="dk1"/>
-          </a:fontRef>
-        </p:style>
-        <p:txBody>
-          <a:bodyPr rtlCol="0" anchor="ctr"/>
-          <a:lstStyle/>
-          <a:p>
-            <a:pPr algn="ctr"/>
-            <a:endParaRPr lang="en-SG" sz="1400">
-              <a:solidFill>
-                <a:schemeClr val="dk1"/>
-              </a:solidFill>
-            </a:endParaRPr>
-          </a:p>
-        </p:txBody>
-      </p:sp>
-      <p:cxnSp>
-        <p:nvCxnSpPr>
-          <p:cNvPr id="82" name="Straight Arrow Connector 81">
-            <a:extLst>
-              <a:ext uri="{FF2B5EF4-FFF2-40B4-BE49-F238E27FC236}">
-                <a16:creationId xmlns:a16="http://schemas.microsoft.com/office/drawing/2014/main" id="{CFBE30FA-8214-4972-8A93-3B798178B1A2}"/>
-              </a:ext>
-            </a:extLst>
-          </p:cNvPr>
-          <p:cNvCxnSpPr>
-            <a:cxnSpLocks/>
-          </p:cNvCxnSpPr>
-          <p:nvPr/>
-        </p:nvCxnSpPr>
-        <p:spPr>
-          <a:xfrm>
-            <a:off x="873553" y="1476293"/>
-            <a:ext cx="2116170" cy="0"/>
-          </a:xfrm>
-          <a:prstGeom prst="straightConnector1">
-            <a:avLst/>
-          </a:prstGeom>
-          <a:ln w="19050">
-            <a:solidFill>
-              <a:srgbClr val="00B050"/>
-            </a:solidFill>
-            <a:tailEnd type="arrow"/>
-          </a:ln>
-        </p:spPr>
-        <p:style>
-          <a:lnRef idx="1">
-            <a:schemeClr val="accent1"/>
-          </a:lnRef>
-          <a:fillRef idx="0">
-            <a:schemeClr val="accent1"/>
-          </a:fillRef>
-          <a:effectRef idx="0">
-            <a:schemeClr val="accent1"/>
-          </a:effectRef>
-          <a:fontRef idx="minor">
-            <a:schemeClr val="tx1"/>
-          </a:fontRef>
-        </p:style>
-      </p:cxnSp>
-      <p:sp>
-        <p:nvSpPr>
-          <p:cNvPr id="83" name="TextBox 82">
-            <a:extLst>
-              <a:ext uri="{FF2B5EF4-FFF2-40B4-BE49-F238E27FC236}">
-                <a16:creationId xmlns:a16="http://schemas.microsoft.com/office/drawing/2014/main" id="{034E96D7-063B-46E1-9AD8-158B7E502327}"/>
-              </a:ext>
-            </a:extLst>
-          </p:cNvPr>
-          <p:cNvSpPr txBox="1"/>
-          <p:nvPr/>
-        </p:nvSpPr>
-        <p:spPr>
-          <a:xfrm>
-            <a:off x="1317380" y="1208582"/>
-            <a:ext cx="1593366" cy="215444"/>
-          </a:xfrm>
-          <a:prstGeom prst="rect">
-            <a:avLst/>
-          </a:prstGeom>
-          <a:noFill/>
-        </p:spPr>
-        <p:txBody>
-          <a:bodyPr wrap="square" lIns="0" tIns="0" rIns="0" bIns="0" rtlCol="0">
-            <a:spAutoFit/>
-          </a:bodyPr>
-          <a:lstStyle/>
-          <a:p>
-            <a:pPr algn="r"/>
-            <a:r>
-              <a:rPr lang="en-US" sz="1400" dirty="0">
-                <a:solidFill>
-                  <a:srgbClr val="0070C0"/>
-                </a:solidFill>
-              </a:rPr>
-              <a:t>execute(“randomize”)</a:t>
-            </a:r>
-          </a:p>
-        </p:txBody>
-      </p:sp>
-      <p:cxnSp>
-        <p:nvCxnSpPr>
-          <p:cNvPr id="87" name="Straight Arrow Connector 86">
-            <a:extLst>
-              <a:ext uri="{FF2B5EF4-FFF2-40B4-BE49-F238E27FC236}">
-                <a16:creationId xmlns:a16="http://schemas.microsoft.com/office/drawing/2014/main" id="{AA83570F-5C79-4686-83D7-D5AA8B6E2A21}"/>
-              </a:ext>
-            </a:extLst>
-          </p:cNvPr>
-          <p:cNvCxnSpPr>
-            <a:cxnSpLocks/>
-            <a:endCxn id="79" idx="2"/>
-          </p:cNvCxnSpPr>
-          <p:nvPr/>
-        </p:nvCxnSpPr>
-        <p:spPr>
-          <a:xfrm>
-            <a:off x="3139150" y="2351582"/>
-            <a:ext cx="2607290" cy="0"/>
-          </a:xfrm>
-          <a:prstGeom prst="straightConnector1">
-            <a:avLst/>
-          </a:prstGeom>
-          <a:ln w="19050">
-            <a:solidFill>
-              <a:srgbClr val="0070C0"/>
-            </a:solidFill>
-            <a:prstDash val="sysDash"/>
-            <a:headEnd type="arrow" w="med" len="med"/>
-            <a:tailEnd type="none" w="med" len="med"/>
-          </a:ln>
-        </p:spPr>
-        <p:style>
-          <a:lnRef idx="1">
-            <a:schemeClr val="accent1"/>
-          </a:lnRef>
-          <a:fillRef idx="0">
-            <a:schemeClr val="accent1"/>
-          </a:fillRef>
-          <a:effectRef idx="0">
-            <a:schemeClr val="accent1"/>
-          </a:effectRef>
-          <a:fontRef idx="minor">
-            <a:schemeClr val="tx1"/>
-          </a:fontRef>
-        </p:style>
-      </p:cxnSp>
-      <p:cxnSp>
-        <p:nvCxnSpPr>
-          <p:cNvPr id="88" name="Straight Arrow Connector 87">
-            <a:extLst>
-              <a:ext uri="{FF2B5EF4-FFF2-40B4-BE49-F238E27FC236}">
-                <a16:creationId xmlns:a16="http://schemas.microsoft.com/office/drawing/2014/main" id="{D262C8EE-C3AB-4B81-BCF6-6925B0577DE8}"/>
-              </a:ext>
-            </a:extLst>
-          </p:cNvPr>
-          <p:cNvCxnSpPr>
-            <a:cxnSpLocks/>
-          </p:cNvCxnSpPr>
-          <p:nvPr/>
-        </p:nvCxnSpPr>
-        <p:spPr>
-          <a:xfrm>
-            <a:off x="912442" y="4737622"/>
-            <a:ext cx="2023163" cy="0"/>
-          </a:xfrm>
-          <a:prstGeom prst="straightConnector1">
-            <a:avLst/>
-          </a:prstGeom>
-          <a:ln w="19050">
-            <a:solidFill>
-              <a:schemeClr val="accent1"/>
-            </a:solidFill>
-            <a:prstDash val="sysDash"/>
-            <a:headEnd type="arrow" w="med" len="med"/>
-            <a:tailEnd type="none" w="med" len="med"/>
-          </a:ln>
-        </p:spPr>
-        <p:style>
-          <a:lnRef idx="1">
-            <a:schemeClr val="accent1"/>
-          </a:lnRef>
-          <a:fillRef idx="0">
-            <a:schemeClr val="accent1"/>
-          </a:fillRef>
-          <a:effectRef idx="0">
-            <a:schemeClr val="accent1"/>
-          </a:effectRef>
-          <a:fontRef idx="minor">
-            <a:schemeClr val="tx1"/>
-          </a:fontRef>
-        </p:style>
-      </p:cxnSp>
-      <p:sp>
-        <p:nvSpPr>
-          <p:cNvPr id="91" name="TextBox 90">
-            <a:extLst>
-              <a:ext uri="{FF2B5EF4-FFF2-40B4-BE49-F238E27FC236}">
-                <a16:creationId xmlns:a16="http://schemas.microsoft.com/office/drawing/2014/main" id="{17FD4958-A6B2-4574-B352-67578B2567AF}"/>
-              </a:ext>
-            </a:extLst>
-          </p:cNvPr>
-          <p:cNvSpPr txBox="1"/>
-          <p:nvPr/>
-        </p:nvSpPr>
-        <p:spPr>
-          <a:xfrm>
-            <a:off x="3257681" y="1324132"/>
-            <a:ext cx="2192029" cy="215444"/>
-          </a:xfrm>
-          <a:prstGeom prst="rect">
-            <a:avLst/>
-          </a:prstGeom>
-          <a:noFill/>
-        </p:spPr>
-        <p:txBody>
-          <a:bodyPr wrap="square" lIns="0" tIns="0" rIns="0" bIns="0" rtlCol="0">
-            <a:spAutoFit/>
-          </a:bodyPr>
-          <a:lstStyle>
-            <a:defPPr>
-              <a:defRPr lang="en-US"/>
-            </a:defPPr>
-            <a:lvl1pPr algn="r">
-              <a:defRPr sz="1400">
-                <a:solidFill>
-                  <a:srgbClr val="0070C0"/>
-                </a:solidFill>
-              </a:defRPr>
-            </a:lvl1pPr>
-          </a:lstStyle>
-          <a:p>
-            <a:r>
-              <a:rPr lang="en-US" dirty="0" err="1"/>
-              <a:t>parseCommand</a:t>
-            </a:r>
-            <a:r>
-              <a:rPr lang="en-US" dirty="0"/>
-              <a:t>(“randomize”)</a:t>
-            </a:r>
-          </a:p>
-        </p:txBody>
-      </p:sp>
-      <p:sp>
-        <p:nvSpPr>
-          <p:cNvPr id="93" name="TextBox 92">
-            <a:extLst>
-              <a:ext uri="{FF2B5EF4-FFF2-40B4-BE49-F238E27FC236}">
-                <a16:creationId xmlns:a16="http://schemas.microsoft.com/office/drawing/2014/main" id="{D94624EE-2628-4701-9CE9-966CD7F7E507}"/>
-              </a:ext>
-            </a:extLst>
-          </p:cNvPr>
-          <p:cNvSpPr txBox="1"/>
-          <p:nvPr/>
-        </p:nvSpPr>
-        <p:spPr>
-          <a:xfrm>
-            <a:off x="-262660" y="7872741"/>
-            <a:ext cx="762000" cy="215444"/>
-          </a:xfrm>
-          <a:prstGeom prst="rect">
-            <a:avLst/>
-          </a:prstGeom>
-          <a:noFill/>
-        </p:spPr>
-        <p:txBody>
-          <a:bodyPr wrap="square" lIns="0" tIns="0" rIns="0" bIns="0" rtlCol="0">
-            <a:spAutoFit/>
-          </a:bodyPr>
-          <a:lstStyle>
-            <a:defPPr>
-              <a:defRPr lang="en-US"/>
-            </a:defPPr>
-            <a:lvl1pPr algn="r">
-              <a:defRPr sz="1400">
-                <a:solidFill>
-                  <a:srgbClr val="0070C0"/>
-                </a:solidFill>
-              </a:defRPr>
-            </a:lvl1pPr>
-          </a:lstStyle>
-          <a:p>
-            <a:r>
-              <a:rPr lang="en-US" dirty="0">
-                <a:solidFill>
-                  <a:schemeClr val="tx1"/>
-                </a:solidFill>
-              </a:rPr>
-              <a:t>result</a:t>
-            </a:r>
-          </a:p>
-        </p:txBody>
-      </p:sp>
-      <p:sp>
-        <p:nvSpPr>
-          <p:cNvPr id="96" name="TextBox 95">
-            <a:extLst>
-              <a:ext uri="{FF2B5EF4-FFF2-40B4-BE49-F238E27FC236}">
-                <a16:creationId xmlns:a16="http://schemas.microsoft.com/office/drawing/2014/main" id="{7F1CEA2D-5900-4A2B-9C67-0EB1FA5E067B}"/>
-              </a:ext>
-            </a:extLst>
-          </p:cNvPr>
-          <p:cNvSpPr txBox="1"/>
-          <p:nvPr/>
-        </p:nvSpPr>
-        <p:spPr>
-          <a:xfrm>
-            <a:off x="4182118" y="2123775"/>
-            <a:ext cx="220343" cy="215444"/>
-          </a:xfrm>
-          <a:prstGeom prst="rect">
-            <a:avLst/>
-          </a:prstGeom>
-          <a:noFill/>
-        </p:spPr>
-        <p:txBody>
-          <a:bodyPr wrap="square" lIns="0" tIns="0" rIns="0" bIns="0" rtlCol="0">
-            <a:spAutoFit/>
-          </a:bodyPr>
-          <a:lstStyle>
-            <a:defPPr>
-              <a:defRPr lang="en-US"/>
-            </a:defPPr>
-            <a:lvl1pPr algn="r">
-              <a:defRPr sz="1400">
-                <a:solidFill>
-                  <a:srgbClr val="0070C0"/>
-                </a:solidFill>
-              </a:defRPr>
-            </a:lvl1pPr>
-          </a:lstStyle>
-          <a:p>
-            <a:r>
-              <a:rPr lang="en-US" dirty="0"/>
-              <a:t>r</a:t>
-            </a:r>
-          </a:p>
-        </p:txBody>
-      </p:sp>
-      <p:cxnSp>
-        <p:nvCxnSpPr>
-          <p:cNvPr id="103" name="Straight Arrow Connector 102">
-            <a:extLst>
-              <a:ext uri="{FF2B5EF4-FFF2-40B4-BE49-F238E27FC236}">
-                <a16:creationId xmlns:a16="http://schemas.microsoft.com/office/drawing/2014/main" id="{5204FBB4-0CDA-4B12-AFE1-9D165BBA014D}"/>
-              </a:ext>
-            </a:extLst>
-          </p:cNvPr>
-          <p:cNvCxnSpPr>
-            <a:cxnSpLocks/>
-          </p:cNvCxnSpPr>
-          <p:nvPr/>
-        </p:nvCxnSpPr>
-        <p:spPr>
-          <a:xfrm>
-            <a:off x="3156045" y="1581900"/>
-            <a:ext cx="2454671" cy="0"/>
-          </a:xfrm>
-          <a:prstGeom prst="straightConnector1">
-            <a:avLst/>
-          </a:prstGeom>
-          <a:ln w="19050">
-            <a:solidFill>
-              <a:srgbClr val="0070C0"/>
-            </a:solidFill>
-            <a:tailEnd type="arrow"/>
-          </a:ln>
-        </p:spPr>
-        <p:style>
-          <a:lnRef idx="1">
-            <a:schemeClr val="accent1"/>
-          </a:lnRef>
-          <a:fillRef idx="0">
-            <a:schemeClr val="accent1"/>
-          </a:fillRef>
-          <a:effectRef idx="0">
-            <a:schemeClr val="accent1"/>
-          </a:effectRef>
-          <a:fontRef idx="minor">
-            <a:schemeClr val="tx1"/>
-          </a:fontRef>
-        </p:style>
-      </p:cxnSp>
-      <p:sp>
-        <p:nvSpPr>
-          <p:cNvPr id="112" name="Rectangle 62">
-            <a:extLst>
-              <a:ext uri="{FF2B5EF4-FFF2-40B4-BE49-F238E27FC236}">
-                <a16:creationId xmlns:a16="http://schemas.microsoft.com/office/drawing/2014/main" id="{C22BDDDA-C011-45EF-A458-833E24DCF893}"/>
-              </a:ext>
-            </a:extLst>
-          </p:cNvPr>
-          <p:cNvSpPr/>
-          <p:nvPr/>
-        </p:nvSpPr>
-        <p:spPr>
-          <a:xfrm>
-            <a:off x="91759" y="689685"/>
-            <a:ext cx="1455629" cy="346760"/>
-          </a:xfrm>
-          <a:prstGeom prst="rect">
-            <a:avLst/>
-          </a:prstGeom>
-          <a:solidFill>
-            <a:srgbClr val="00B050"/>
-          </a:solidFill>
-          <a:ln w="19050">
-            <a:solidFill>
-              <a:srgbClr val="00B050"/>
-            </a:solidFill>
-          </a:ln>
-          <a:effectLst/>
-        </p:spPr>
-        <p:style>
-          <a:lnRef idx="1">
-            <a:schemeClr val="accent2"/>
-          </a:lnRef>
-          <a:fillRef idx="2">
-            <a:schemeClr val="accent2"/>
-          </a:fillRef>
-          <a:effectRef idx="1">
-            <a:schemeClr val="accent2"/>
-          </a:effectRef>
-          <a:fontRef idx="minor">
-            <a:schemeClr val="dk1"/>
-          </a:fontRef>
-        </p:style>
-        <p:txBody>
-          <a:bodyPr rtlCol="0" anchor="ctr"/>
-          <a:lstStyle/>
-          <a:p>
-            <a:pPr algn="ctr"/>
-            <a:r>
-              <a:rPr lang="en-US" sz="1600" dirty="0">
-                <a:solidFill>
-                  <a:schemeClr val="bg1"/>
-                </a:solidFill>
-              </a:rPr>
-              <a:t>:</a:t>
-            </a:r>
-            <a:r>
-              <a:rPr lang="en-US" sz="1600" dirty="0" err="1">
-                <a:solidFill>
-                  <a:schemeClr val="bg1"/>
-                </a:solidFill>
-              </a:rPr>
-              <a:t>MainWindow</a:t>
-            </a:r>
-            <a:endParaRPr lang="en-SG" sz="1600" dirty="0">
-              <a:solidFill>
-                <a:schemeClr val="bg1"/>
-              </a:solidFill>
-            </a:endParaRPr>
-          </a:p>
-        </p:txBody>
-      </p:sp>
-      <p:sp>
-        <p:nvSpPr>
-          <p:cNvPr id="113" name="Rectangle 112">
-            <a:extLst>
-              <a:ext uri="{FF2B5EF4-FFF2-40B4-BE49-F238E27FC236}">
-                <a16:creationId xmlns:a16="http://schemas.microsoft.com/office/drawing/2014/main" id="{8E80E716-734B-400D-B96A-7B2D2776F482}"/>
-              </a:ext>
-            </a:extLst>
-          </p:cNvPr>
-          <p:cNvSpPr/>
-          <p:nvPr/>
-        </p:nvSpPr>
-        <p:spPr>
-          <a:xfrm>
-            <a:off x="743253" y="1262231"/>
-            <a:ext cx="169189" cy="6938793"/>
-          </a:xfrm>
-          <a:prstGeom prst="rect">
-            <a:avLst/>
-          </a:prstGeom>
-          <a:solidFill>
-            <a:srgbClr val="00B050"/>
-          </a:solidFill>
-          <a:ln>
-            <a:solidFill>
-              <a:srgbClr val="00B050"/>
-            </a:solidFill>
-          </a:ln>
-          <a:effectLst/>
-        </p:spPr>
-        <p:style>
-          <a:lnRef idx="1">
-            <a:schemeClr val="accent3"/>
-          </a:lnRef>
-          <a:fillRef idx="2">
-            <a:schemeClr val="accent3"/>
-          </a:fillRef>
-          <a:effectRef idx="1">
-            <a:schemeClr val="accent3"/>
-          </a:effectRef>
-          <a:fontRef idx="minor">
-            <a:schemeClr val="dk1"/>
-          </a:fontRef>
-        </p:style>
-        <p:txBody>
-          <a:bodyPr rtlCol="0" anchor="ctr"/>
-          <a:lstStyle/>
-          <a:p>
-            <a:pPr algn="ctr"/>
-            <a:endParaRPr lang="en-SG" sz="1400"/>
-          </a:p>
-        </p:txBody>
-      </p:sp>
-      <p:cxnSp>
-        <p:nvCxnSpPr>
-          <p:cNvPr id="114" name="Straight Connector 113">
-            <a:extLst>
-              <a:ext uri="{FF2B5EF4-FFF2-40B4-BE49-F238E27FC236}">
-                <a16:creationId xmlns:a16="http://schemas.microsoft.com/office/drawing/2014/main" id="{A2083679-1430-404D-86C8-4303795DA2FE}"/>
-              </a:ext>
-            </a:extLst>
-          </p:cNvPr>
-          <p:cNvCxnSpPr>
-            <a:cxnSpLocks/>
-          </p:cNvCxnSpPr>
-          <p:nvPr/>
-        </p:nvCxnSpPr>
-        <p:spPr>
-          <a:xfrm>
-            <a:off x="819573" y="1036445"/>
-            <a:ext cx="0" cy="7490335"/>
-          </a:xfrm>
-          <a:prstGeom prst="line">
-            <a:avLst/>
-          </a:prstGeom>
-          <a:ln w="19050">
-            <a:solidFill>
-              <a:srgbClr val="00B050"/>
-            </a:solidFill>
-            <a:prstDash val="sysDash"/>
-          </a:ln>
-          <a:effectLst/>
-        </p:spPr>
-        <p:style>
-          <a:lnRef idx="1">
-            <a:schemeClr val="accent1"/>
-          </a:lnRef>
-          <a:fillRef idx="2">
-            <a:schemeClr val="accent1"/>
-          </a:fillRef>
-          <a:effectRef idx="1">
-            <a:schemeClr val="accent1"/>
-          </a:effectRef>
-          <a:fontRef idx="minor">
-            <a:schemeClr val="dk1"/>
-          </a:fontRef>
-        </p:style>
-      </p:cxnSp>
-      <p:cxnSp>
-        <p:nvCxnSpPr>
-          <p:cNvPr id="115" name="Straight Arrow Connector 114">
-            <a:extLst>
-              <a:ext uri="{FF2B5EF4-FFF2-40B4-BE49-F238E27FC236}">
-                <a16:creationId xmlns:a16="http://schemas.microsoft.com/office/drawing/2014/main" id="{D4EFBAE2-10F8-4B0F-B537-CA454F781225}"/>
-              </a:ext>
-            </a:extLst>
-          </p:cNvPr>
-          <p:cNvCxnSpPr>
-            <a:cxnSpLocks/>
-          </p:cNvCxnSpPr>
-          <p:nvPr/>
-        </p:nvCxnSpPr>
-        <p:spPr>
-          <a:xfrm>
-            <a:off x="-681592" y="1279144"/>
-            <a:ext cx="1424846" cy="0"/>
-          </a:xfrm>
-          <a:prstGeom prst="straightConnector1">
-            <a:avLst/>
-          </a:prstGeom>
-          <a:ln w="19050">
-            <a:solidFill>
-              <a:schemeClr val="tx1"/>
-            </a:solidFill>
-            <a:tailEnd type="arrow"/>
-          </a:ln>
-        </p:spPr>
-        <p:style>
-          <a:lnRef idx="1">
-            <a:schemeClr val="accent1"/>
-          </a:lnRef>
-          <a:fillRef idx="0">
-            <a:schemeClr val="accent1"/>
-          </a:fillRef>
-          <a:effectRef idx="0">
-            <a:schemeClr val="accent1"/>
-          </a:effectRef>
-          <a:fontRef idx="minor">
-            <a:schemeClr val="tx1"/>
-          </a:fontRef>
-        </p:style>
-      </p:cxnSp>
-      <p:sp>
-        <p:nvSpPr>
-          <p:cNvPr id="116" name="TextBox 115">
-            <a:extLst>
-              <a:ext uri="{FF2B5EF4-FFF2-40B4-BE49-F238E27FC236}">
-                <a16:creationId xmlns:a16="http://schemas.microsoft.com/office/drawing/2014/main" id="{9981E418-6CF2-4B2C-9FD1-2F00AF2F2C41}"/>
-              </a:ext>
-            </a:extLst>
-          </p:cNvPr>
-          <p:cNvSpPr txBox="1"/>
-          <p:nvPr/>
-        </p:nvSpPr>
-        <p:spPr>
-          <a:xfrm>
-            <a:off x="-782634" y="1027210"/>
-            <a:ext cx="793855" cy="215444"/>
-          </a:xfrm>
-          <a:prstGeom prst="rect">
-            <a:avLst/>
-          </a:prstGeom>
-          <a:noFill/>
-        </p:spPr>
-        <p:txBody>
-          <a:bodyPr wrap="square" lIns="0" tIns="0" rIns="0" bIns="0" rtlCol="0">
-            <a:spAutoFit/>
-          </a:bodyPr>
-          <a:lstStyle/>
-          <a:p>
-            <a:pPr algn="r"/>
-            <a:r>
-              <a:rPr lang="en-US" sz="1400" dirty="0"/>
-              <a:t>randomize</a:t>
-            </a:r>
-          </a:p>
-        </p:txBody>
-      </p:sp>
-      <p:cxnSp>
-        <p:nvCxnSpPr>
-          <p:cNvPr id="121" name="Straight Arrow Connector 120">
-            <a:extLst>
-              <a:ext uri="{FF2B5EF4-FFF2-40B4-BE49-F238E27FC236}">
-                <a16:creationId xmlns:a16="http://schemas.microsoft.com/office/drawing/2014/main" id="{D620DFC4-8A64-42CF-A98E-892B307DD75A}"/>
-              </a:ext>
-            </a:extLst>
-          </p:cNvPr>
-          <p:cNvCxnSpPr>
-            <a:cxnSpLocks/>
-          </p:cNvCxnSpPr>
-          <p:nvPr/>
-        </p:nvCxnSpPr>
-        <p:spPr>
-          <a:xfrm>
-            <a:off x="-928826" y="8141970"/>
-            <a:ext cx="1672079" cy="0"/>
-          </a:xfrm>
-          <a:prstGeom prst="straightConnector1">
-            <a:avLst/>
-          </a:prstGeom>
-          <a:ln w="19050">
-            <a:solidFill>
-              <a:schemeClr val="tx1"/>
-            </a:solidFill>
-            <a:prstDash val="sysDash"/>
-            <a:headEnd type="arrow" w="med" len="med"/>
-            <a:tailEnd type="none" w="med" len="med"/>
-          </a:ln>
-        </p:spPr>
-        <p:style>
-          <a:lnRef idx="1">
-            <a:schemeClr val="accent1"/>
-          </a:lnRef>
-          <a:fillRef idx="0">
-            <a:schemeClr val="accent1"/>
-          </a:fillRef>
-          <a:effectRef idx="0">
-            <a:schemeClr val="accent1"/>
-          </a:effectRef>
-          <a:fontRef idx="minor">
-            <a:schemeClr val="tx1"/>
-          </a:fontRef>
-        </p:style>
-      </p:cxnSp>
-      <p:sp>
-        <p:nvSpPr>
-          <p:cNvPr id="125" name="TextBox 124">
-            <a:extLst>
-              <a:ext uri="{FF2B5EF4-FFF2-40B4-BE49-F238E27FC236}">
-                <a16:creationId xmlns:a16="http://schemas.microsoft.com/office/drawing/2014/main" id="{9346EBCE-A323-4FD5-8A45-7BD67EEAD1D2}"/>
-              </a:ext>
-            </a:extLst>
-          </p:cNvPr>
-          <p:cNvSpPr txBox="1"/>
-          <p:nvPr/>
-        </p:nvSpPr>
-        <p:spPr>
-          <a:xfrm>
-            <a:off x="5595418" y="2423917"/>
-            <a:ext cx="284052" cy="369332"/>
-          </a:xfrm>
-          <a:prstGeom prst="rect">
-            <a:avLst/>
-          </a:prstGeom>
-          <a:noFill/>
-        </p:spPr>
-        <p:txBody>
-          <a:bodyPr wrap="none" rtlCol="0">
-            <a:spAutoFit/>
-          </a:bodyPr>
-          <a:lstStyle/>
-          <a:p>
-            <a:r>
-              <a:rPr lang="en-SG" dirty="0"/>
-              <a:t>x</a:t>
-            </a:r>
-          </a:p>
-        </p:txBody>
-      </p:sp>
-      <p:cxnSp>
-        <p:nvCxnSpPr>
-          <p:cNvPr id="127" name="Straight Arrow Connector 126">
-            <a:extLst>
-              <a:ext uri="{FF2B5EF4-FFF2-40B4-BE49-F238E27FC236}">
-                <a16:creationId xmlns:a16="http://schemas.microsoft.com/office/drawing/2014/main" id="{5F8CA581-977E-47F7-9838-6EDED3880F70}"/>
-              </a:ext>
-            </a:extLst>
-          </p:cNvPr>
-          <p:cNvCxnSpPr>
-            <a:cxnSpLocks/>
-            <a:endCxn id="126" idx="1"/>
-          </p:cNvCxnSpPr>
-          <p:nvPr/>
-        </p:nvCxnSpPr>
-        <p:spPr>
-          <a:xfrm>
-            <a:off x="5823644" y="1733845"/>
-            <a:ext cx="1779565" cy="0"/>
-          </a:xfrm>
-          <a:prstGeom prst="straightConnector1">
-            <a:avLst/>
-          </a:prstGeom>
-          <a:ln w="19050">
-            <a:solidFill>
-              <a:srgbClr val="0070C0"/>
-            </a:solidFill>
-            <a:tailEnd type="arrow"/>
-          </a:ln>
-        </p:spPr>
-        <p:style>
-          <a:lnRef idx="1">
-            <a:schemeClr val="accent1"/>
-          </a:lnRef>
-          <a:fillRef idx="0">
-            <a:schemeClr val="accent1"/>
-          </a:fillRef>
-          <a:effectRef idx="0">
-            <a:schemeClr val="accent1"/>
-          </a:effectRef>
-          <a:fontRef idx="minor">
-            <a:schemeClr val="tx1"/>
-          </a:fontRef>
-        </p:style>
-      </p:cxnSp>
-      <p:cxnSp>
-        <p:nvCxnSpPr>
-          <p:cNvPr id="130" name="Straight Arrow Connector 129">
-            <a:extLst>
-              <a:ext uri="{FF2B5EF4-FFF2-40B4-BE49-F238E27FC236}">
-                <a16:creationId xmlns:a16="http://schemas.microsoft.com/office/drawing/2014/main" id="{C2FF8AFC-AFE0-49EF-9695-3DCE08F6FBEA}"/>
-              </a:ext>
-            </a:extLst>
-          </p:cNvPr>
-          <p:cNvCxnSpPr>
-            <a:cxnSpLocks/>
-            <a:endCxn id="129" idx="2"/>
-          </p:cNvCxnSpPr>
-          <p:nvPr/>
-        </p:nvCxnSpPr>
-        <p:spPr>
-          <a:xfrm>
-            <a:off x="5823644" y="2092755"/>
-            <a:ext cx="2354608" cy="0"/>
-          </a:xfrm>
-          <a:prstGeom prst="straightConnector1">
-            <a:avLst/>
-          </a:prstGeom>
-          <a:ln w="19050">
-            <a:solidFill>
-              <a:srgbClr val="0070C0"/>
-            </a:solidFill>
-            <a:prstDash val="sysDash"/>
-            <a:headEnd type="arrow" w="med" len="med"/>
-            <a:tailEnd type="none" w="med" len="med"/>
-          </a:ln>
-        </p:spPr>
-        <p:style>
-          <a:lnRef idx="1">
-            <a:schemeClr val="accent1"/>
-          </a:lnRef>
-          <a:fillRef idx="0">
-            <a:schemeClr val="accent1"/>
-          </a:fillRef>
-          <a:effectRef idx="0">
-            <a:schemeClr val="accent1"/>
-          </a:effectRef>
-          <a:fontRef idx="minor">
-            <a:schemeClr val="tx1"/>
-          </a:fontRef>
-        </p:style>
-      </p:cxnSp>
-      <p:grpSp>
-        <p:nvGrpSpPr>
-          <p:cNvPr id="135" name="Group 134">
-            <a:extLst>
-              <a:ext uri="{FF2B5EF4-FFF2-40B4-BE49-F238E27FC236}">
-                <a16:creationId xmlns:a16="http://schemas.microsoft.com/office/drawing/2014/main" id="{37F95915-1C97-493F-BA4D-B2F6C374E394}"/>
-              </a:ext>
-            </a:extLst>
-          </p:cNvPr>
-          <p:cNvGrpSpPr/>
-          <p:nvPr/>
-        </p:nvGrpSpPr>
-        <p:grpSpPr>
-          <a:xfrm>
-            <a:off x="7603209" y="1500003"/>
-            <a:ext cx="1219200" cy="592752"/>
-            <a:chOff x="6629490" y="1500003"/>
-            <a:chExt cx="1219200" cy="592752"/>
-          </a:xfrm>
-        </p:grpSpPr>
-        <p:sp>
-          <p:nvSpPr>
-            <p:cNvPr id="129" name="Rectangle 128">
-              <a:extLst>
-                <a:ext uri="{FF2B5EF4-FFF2-40B4-BE49-F238E27FC236}">
-                  <a16:creationId xmlns:a16="http://schemas.microsoft.com/office/drawing/2014/main" id="{6D848CA5-9F37-4D56-8B6A-F2FE75B4FDB2}"/>
+                  <a16:creationId xmlns:a16="http://schemas.microsoft.com/office/drawing/2014/main" id="{D5B2DCB2-A946-4BA3-9F96-B0C9AAFC8BB0}"/>
                 </a:ext>
               </a:extLst>
             </p:cNvPr>
@@ -4947,65 +3807,8 @@
           </p:nvSpPr>
           <p:spPr>
             <a:xfrm>
-              <a:off x="7127329" y="1716404"/>
-              <a:ext cx="154408" cy="376351"/>
-            </a:xfrm>
-            <a:prstGeom prst="rect">
-              <a:avLst/>
-            </a:prstGeom>
-            <a:solidFill>
-              <a:srgbClr val="0070C0"/>
-            </a:solidFill>
-            <a:ln>
-              <a:solidFill>
-                <a:srgbClr val="0070C0"/>
-              </a:solidFill>
-            </a:ln>
-            <a:effectLst/>
-          </p:spPr>
-          <p:style>
-            <a:lnRef idx="1">
-              <a:schemeClr val="accent3"/>
-            </a:lnRef>
-            <a:fillRef idx="2">
-              <a:schemeClr val="accent3"/>
-            </a:fillRef>
-            <a:effectRef idx="1">
-              <a:schemeClr val="accent3"/>
-            </a:effectRef>
-            <a:fontRef idx="minor">
-              <a:schemeClr val="dk1"/>
-            </a:fontRef>
-          </p:style>
-          <p:txBody>
-            <a:bodyPr rtlCol="0" anchor="ctr"/>
-            <a:lstStyle/>
-            <a:p>
-              <a:pPr algn="ctr"/>
-              <a:endParaRPr lang="en-SG" sz="1400">
-                <a:solidFill>
-                  <a:schemeClr val="dk1"/>
-                </a:solidFill>
-              </a:endParaRPr>
-            </a:p>
-          </p:txBody>
-        </p:sp>
-        <p:sp>
-          <p:nvSpPr>
-            <p:cNvPr id="126" name="Rectangle 62">
-              <a:extLst>
-                <a:ext uri="{FF2B5EF4-FFF2-40B4-BE49-F238E27FC236}">
-                  <a16:creationId xmlns:a16="http://schemas.microsoft.com/office/drawing/2014/main" id="{214906AA-6608-4416-8813-B300C904BB7A}"/>
-                </a:ext>
-              </a:extLst>
-            </p:cNvPr>
-            <p:cNvSpPr/>
-            <p:nvPr/>
-          </p:nvSpPr>
-          <p:spPr>
-            <a:xfrm>
-              <a:off x="6629490" y="1500003"/>
-              <a:ext cx="1219200" cy="467684"/>
+              <a:off x="2330945" y="761928"/>
+              <a:ext cx="1455629" cy="346760"/>
             </a:xfrm>
             <a:prstGeom prst="rect">
               <a:avLst/>
@@ -5053,7 +3856,7 @@
                     <a:schemeClr val="bg1"/>
                   </a:solidFill>
                 </a:rPr>
-                <a:t>RandomizeCommand</a:t>
+                <a:t>LogicManager</a:t>
               </a:r>
               <a:endParaRPr lang="en-SG" sz="1600" dirty="0">
                 <a:solidFill>
@@ -5063,1540 +3866,2758 @@
             </a:p>
           </p:txBody>
         </p:sp>
-      </p:grpSp>
-      <p:sp>
-        <p:nvSpPr>
-          <p:cNvPr id="134" name="TextBox 133">
-            <a:extLst>
-              <a:ext uri="{FF2B5EF4-FFF2-40B4-BE49-F238E27FC236}">
-                <a16:creationId xmlns:a16="http://schemas.microsoft.com/office/drawing/2014/main" id="{06429735-F83C-4229-A24B-008FE883ACDF}"/>
-              </a:ext>
-            </a:extLst>
-          </p:cNvPr>
-          <p:cNvSpPr txBox="1"/>
-          <p:nvPr/>
-        </p:nvSpPr>
-        <p:spPr>
-          <a:xfrm>
-            <a:off x="5310551" y="1489319"/>
-            <a:ext cx="2192029" cy="215444"/>
-          </a:xfrm>
-          <a:prstGeom prst="rect">
-            <a:avLst/>
-          </a:prstGeom>
-          <a:noFill/>
-        </p:spPr>
-        <p:txBody>
-          <a:bodyPr wrap="square" lIns="0" tIns="0" rIns="0" bIns="0" rtlCol="0">
-            <a:spAutoFit/>
-          </a:bodyPr>
-          <a:lstStyle>
-            <a:defPPr>
-              <a:defRPr lang="en-US"/>
-            </a:defPPr>
-            <a:lvl1pPr algn="r">
-              <a:defRPr sz="1400">
+        <p:cxnSp>
+          <p:nvCxnSpPr>
+            <p:cNvPr id="75" name="Straight Connector 74">
+              <a:extLst>
+                <a:ext uri="{FF2B5EF4-FFF2-40B4-BE49-F238E27FC236}">
+                  <a16:creationId xmlns:a16="http://schemas.microsoft.com/office/drawing/2014/main" id="{37C4AF46-E20B-44B8-B854-0AB1D95BC7C9}"/>
+                </a:ext>
+              </a:extLst>
+            </p:cNvPr>
+            <p:cNvCxnSpPr>
+              <a:cxnSpLocks/>
+            </p:cNvCxnSpPr>
+            <p:nvPr/>
+          </p:nvCxnSpPr>
+          <p:spPr>
+            <a:xfrm>
+              <a:off x="3058759" y="1125599"/>
+              <a:ext cx="0" cy="7016371"/>
+            </a:xfrm>
+            <a:prstGeom prst="line">
+              <a:avLst/>
+            </a:prstGeom>
+            <a:ln w="19050">
+              <a:solidFill>
+                <a:srgbClr val="0070C0"/>
+              </a:solidFill>
+              <a:prstDash val="sysDash"/>
+            </a:ln>
+            <a:effectLst/>
+          </p:spPr>
+          <p:style>
+            <a:lnRef idx="1">
+              <a:schemeClr val="accent1"/>
+            </a:lnRef>
+            <a:fillRef idx="2">
+              <a:schemeClr val="accent1"/>
+            </a:fillRef>
+            <a:effectRef idx="1">
+              <a:schemeClr val="accent1"/>
+            </a:effectRef>
+            <a:fontRef idx="minor">
+              <a:schemeClr val="dk1"/>
+            </a:fontRef>
+          </p:style>
+        </p:cxnSp>
+        <p:sp>
+          <p:nvSpPr>
+            <p:cNvPr id="76" name="Rectangle 75">
+              <a:extLst>
+                <a:ext uri="{FF2B5EF4-FFF2-40B4-BE49-F238E27FC236}">
+                  <a16:creationId xmlns:a16="http://schemas.microsoft.com/office/drawing/2014/main" id="{704EB931-F576-4247-BA22-7DB7D5835450}"/>
+                </a:ext>
+              </a:extLst>
+            </p:cNvPr>
+            <p:cNvSpPr/>
+            <p:nvPr/>
+          </p:nvSpPr>
+          <p:spPr>
+            <a:xfrm>
+              <a:off x="2989723" y="1476292"/>
+              <a:ext cx="149427" cy="6526611"/>
+            </a:xfrm>
+            <a:prstGeom prst="rect">
+              <a:avLst/>
+            </a:prstGeom>
+            <a:solidFill>
+              <a:srgbClr val="0070C0"/>
+            </a:solidFill>
+            <a:ln>
+              <a:solidFill>
+                <a:srgbClr val="0070C0"/>
+              </a:solidFill>
+            </a:ln>
+            <a:effectLst/>
+          </p:spPr>
+          <p:style>
+            <a:lnRef idx="1">
+              <a:schemeClr val="accent3"/>
+            </a:lnRef>
+            <a:fillRef idx="2">
+              <a:schemeClr val="accent3"/>
+            </a:fillRef>
+            <a:effectRef idx="1">
+              <a:schemeClr val="accent3"/>
+            </a:effectRef>
+            <a:fontRef idx="minor">
+              <a:schemeClr val="dk1"/>
+            </a:fontRef>
+          </p:style>
+          <p:txBody>
+            <a:bodyPr rtlCol="0" anchor="ctr"/>
+            <a:lstStyle/>
+            <a:p>
+              <a:pPr algn="ctr"/>
+              <a:endParaRPr lang="en-SG" sz="1400"/>
+            </a:p>
+          </p:txBody>
+        </p:sp>
+        <p:sp>
+          <p:nvSpPr>
+            <p:cNvPr id="77" name="Rectangle 62">
+              <a:extLst>
+                <a:ext uri="{FF2B5EF4-FFF2-40B4-BE49-F238E27FC236}">
+                  <a16:creationId xmlns:a16="http://schemas.microsoft.com/office/drawing/2014/main" id="{6547FD8C-E249-4D94-947A-6080E5087B00}"/>
+                </a:ext>
+              </a:extLst>
+            </p:cNvPr>
+            <p:cNvSpPr/>
+            <p:nvPr/>
+          </p:nvSpPr>
+          <p:spPr>
+            <a:xfrm>
+              <a:off x="5127844" y="641004"/>
+              <a:ext cx="1219200" cy="467684"/>
+            </a:xfrm>
+            <a:prstGeom prst="rect">
+              <a:avLst/>
+            </a:prstGeom>
+            <a:solidFill>
+              <a:srgbClr val="0070C0"/>
+            </a:solidFill>
+            <a:ln w="19050">
+              <a:solidFill>
+                <a:srgbClr val="0070C0"/>
+              </a:solidFill>
+            </a:ln>
+            <a:effectLst/>
+          </p:spPr>
+          <p:style>
+            <a:lnRef idx="1">
+              <a:schemeClr val="accent2"/>
+            </a:lnRef>
+            <a:fillRef idx="2">
+              <a:schemeClr val="accent2"/>
+            </a:fillRef>
+            <a:effectRef idx="1">
+              <a:schemeClr val="accent2"/>
+            </a:effectRef>
+            <a:fontRef idx="minor">
+              <a:schemeClr val="dk1"/>
+            </a:fontRef>
+          </p:style>
+          <p:txBody>
+            <a:bodyPr rtlCol="0" anchor="ctr"/>
+            <a:lstStyle/>
+            <a:p>
+              <a:pPr algn="ctr"/>
+              <a:r>
+                <a:rPr lang="en-US" sz="1600" dirty="0">
+                  <a:solidFill>
+                    <a:schemeClr val="bg1"/>
+                  </a:solidFill>
+                </a:rPr>
+                <a:t>:Address</a:t>
+              </a:r>
+            </a:p>
+            <a:p>
+              <a:pPr algn="ctr"/>
+              <a:r>
+                <a:rPr lang="en-US" sz="1600" dirty="0" err="1">
+                  <a:solidFill>
+                    <a:schemeClr val="bg1"/>
+                  </a:solidFill>
+                </a:rPr>
+                <a:t>BookParser</a:t>
+              </a:r>
+              <a:endParaRPr lang="en-SG" sz="1600" dirty="0">
+                <a:solidFill>
+                  <a:schemeClr val="bg1"/>
+                </a:solidFill>
+              </a:endParaRPr>
+            </a:p>
+          </p:txBody>
+        </p:sp>
+        <p:cxnSp>
+          <p:nvCxnSpPr>
+            <p:cNvPr id="78" name="Straight Connector 77">
+              <a:extLst>
+                <a:ext uri="{FF2B5EF4-FFF2-40B4-BE49-F238E27FC236}">
+                  <a16:creationId xmlns:a16="http://schemas.microsoft.com/office/drawing/2014/main" id="{FC993E10-ED39-4A23-8499-A661A1BFFB89}"/>
+                </a:ext>
+              </a:extLst>
+            </p:cNvPr>
+            <p:cNvCxnSpPr>
+              <a:cxnSpLocks/>
+            </p:cNvCxnSpPr>
+            <p:nvPr/>
+          </p:nvCxnSpPr>
+          <p:spPr>
+            <a:xfrm>
+              <a:off x="5741243" y="1125599"/>
+              <a:ext cx="0" cy="1482984"/>
+            </a:xfrm>
+            <a:prstGeom prst="line">
+              <a:avLst/>
+            </a:prstGeom>
+            <a:ln w="19050">
+              <a:solidFill>
+                <a:srgbClr val="0070C0"/>
+              </a:solidFill>
+              <a:prstDash val="sysDash"/>
+            </a:ln>
+            <a:effectLst/>
+          </p:spPr>
+          <p:style>
+            <a:lnRef idx="1">
+              <a:schemeClr val="accent1"/>
+            </a:lnRef>
+            <a:fillRef idx="2">
+              <a:schemeClr val="accent1"/>
+            </a:fillRef>
+            <a:effectRef idx="1">
+              <a:schemeClr val="accent1"/>
+            </a:effectRef>
+            <a:fontRef idx="minor">
+              <a:schemeClr val="dk1"/>
+            </a:fontRef>
+          </p:style>
+        </p:cxnSp>
+        <p:sp>
+          <p:nvSpPr>
+            <p:cNvPr id="79" name="Rectangle 78">
+              <a:extLst>
+                <a:ext uri="{FF2B5EF4-FFF2-40B4-BE49-F238E27FC236}">
+                  <a16:creationId xmlns:a16="http://schemas.microsoft.com/office/drawing/2014/main" id="{74AF65EB-B7DF-475F-BDA4-661CEE8E28FB}"/>
+                </a:ext>
+              </a:extLst>
+            </p:cNvPr>
+            <p:cNvSpPr/>
+            <p:nvPr/>
+          </p:nvSpPr>
+          <p:spPr>
+            <a:xfrm>
+              <a:off x="5669236" y="1583792"/>
+              <a:ext cx="154408" cy="767790"/>
+            </a:xfrm>
+            <a:prstGeom prst="rect">
+              <a:avLst/>
+            </a:prstGeom>
+            <a:solidFill>
+              <a:srgbClr val="0070C0"/>
+            </a:solidFill>
+            <a:ln>
+              <a:solidFill>
+                <a:srgbClr val="0070C0"/>
+              </a:solidFill>
+            </a:ln>
+            <a:effectLst/>
+          </p:spPr>
+          <p:style>
+            <a:lnRef idx="1">
+              <a:schemeClr val="accent3"/>
+            </a:lnRef>
+            <a:fillRef idx="2">
+              <a:schemeClr val="accent3"/>
+            </a:fillRef>
+            <a:effectRef idx="1">
+              <a:schemeClr val="accent3"/>
+            </a:effectRef>
+            <a:fontRef idx="minor">
+              <a:schemeClr val="dk1"/>
+            </a:fontRef>
+          </p:style>
+          <p:txBody>
+            <a:bodyPr rtlCol="0" anchor="ctr"/>
+            <a:lstStyle/>
+            <a:p>
+              <a:pPr algn="ctr"/>
+              <a:endParaRPr lang="en-SG" sz="1400">
+                <a:solidFill>
+                  <a:schemeClr val="dk1"/>
+                </a:solidFill>
+              </a:endParaRPr>
+            </a:p>
+          </p:txBody>
+        </p:sp>
+        <p:cxnSp>
+          <p:nvCxnSpPr>
+            <p:cNvPr id="82" name="Straight Arrow Connector 81">
+              <a:extLst>
+                <a:ext uri="{FF2B5EF4-FFF2-40B4-BE49-F238E27FC236}">
+                  <a16:creationId xmlns:a16="http://schemas.microsoft.com/office/drawing/2014/main" id="{CFBE30FA-8214-4972-8A93-3B798178B1A2}"/>
+                </a:ext>
+              </a:extLst>
+            </p:cNvPr>
+            <p:cNvCxnSpPr>
+              <a:cxnSpLocks/>
+            </p:cNvCxnSpPr>
+            <p:nvPr/>
+          </p:nvCxnSpPr>
+          <p:spPr>
+            <a:xfrm>
+              <a:off x="873553" y="1476293"/>
+              <a:ext cx="2116170" cy="0"/>
+            </a:xfrm>
+            <a:prstGeom prst="straightConnector1">
+              <a:avLst/>
+            </a:prstGeom>
+            <a:ln w="19050">
+              <a:solidFill>
+                <a:srgbClr val="00B050"/>
+              </a:solidFill>
+              <a:tailEnd type="arrow"/>
+            </a:ln>
+          </p:spPr>
+          <p:style>
+            <a:lnRef idx="1">
+              <a:schemeClr val="accent1"/>
+            </a:lnRef>
+            <a:fillRef idx="0">
+              <a:schemeClr val="accent1"/>
+            </a:fillRef>
+            <a:effectRef idx="0">
+              <a:schemeClr val="accent1"/>
+            </a:effectRef>
+            <a:fontRef idx="minor">
+              <a:schemeClr val="tx1"/>
+            </a:fontRef>
+          </p:style>
+        </p:cxnSp>
+        <p:sp>
+          <p:nvSpPr>
+            <p:cNvPr id="83" name="TextBox 82">
+              <a:extLst>
+                <a:ext uri="{FF2B5EF4-FFF2-40B4-BE49-F238E27FC236}">
+                  <a16:creationId xmlns:a16="http://schemas.microsoft.com/office/drawing/2014/main" id="{034E96D7-063B-46E1-9AD8-158B7E502327}"/>
+                </a:ext>
+              </a:extLst>
+            </p:cNvPr>
+            <p:cNvSpPr txBox="1"/>
+            <p:nvPr/>
+          </p:nvSpPr>
+          <p:spPr>
+            <a:xfrm>
+              <a:off x="1317380" y="1208582"/>
+              <a:ext cx="1593366" cy="215444"/>
+            </a:xfrm>
+            <a:prstGeom prst="rect">
+              <a:avLst/>
+            </a:prstGeom>
+            <a:noFill/>
+          </p:spPr>
+          <p:txBody>
+            <a:bodyPr wrap="square" lIns="0" tIns="0" rIns="0" bIns="0" rtlCol="0">
+              <a:spAutoFit/>
+            </a:bodyPr>
+            <a:lstStyle/>
+            <a:p>
+              <a:pPr algn="r"/>
+              <a:r>
+                <a:rPr lang="en-US" sz="1400" dirty="0">
+                  <a:solidFill>
+                    <a:srgbClr val="0070C0"/>
+                  </a:solidFill>
+                </a:rPr>
+                <a:t>execute(“randomize”)</a:t>
+              </a:r>
+            </a:p>
+          </p:txBody>
+        </p:sp>
+        <p:cxnSp>
+          <p:nvCxnSpPr>
+            <p:cNvPr id="87" name="Straight Arrow Connector 86">
+              <a:extLst>
+                <a:ext uri="{FF2B5EF4-FFF2-40B4-BE49-F238E27FC236}">
+                  <a16:creationId xmlns:a16="http://schemas.microsoft.com/office/drawing/2014/main" id="{AA83570F-5C79-4686-83D7-D5AA8B6E2A21}"/>
+                </a:ext>
+              </a:extLst>
+            </p:cNvPr>
+            <p:cNvCxnSpPr>
+              <a:cxnSpLocks/>
+              <a:endCxn id="79" idx="2"/>
+            </p:cNvCxnSpPr>
+            <p:nvPr/>
+          </p:nvCxnSpPr>
+          <p:spPr>
+            <a:xfrm>
+              <a:off x="3139150" y="2351582"/>
+              <a:ext cx="2607290" cy="0"/>
+            </a:xfrm>
+            <a:prstGeom prst="straightConnector1">
+              <a:avLst/>
+            </a:prstGeom>
+            <a:ln w="19050">
+              <a:solidFill>
+                <a:srgbClr val="0070C0"/>
+              </a:solidFill>
+              <a:prstDash val="sysDash"/>
+              <a:headEnd type="arrow" w="med" len="med"/>
+              <a:tailEnd type="none" w="med" len="med"/>
+            </a:ln>
+          </p:spPr>
+          <p:style>
+            <a:lnRef idx="1">
+              <a:schemeClr val="accent1"/>
+            </a:lnRef>
+            <a:fillRef idx="0">
+              <a:schemeClr val="accent1"/>
+            </a:fillRef>
+            <a:effectRef idx="0">
+              <a:schemeClr val="accent1"/>
+            </a:effectRef>
+            <a:fontRef idx="minor">
+              <a:schemeClr val="tx1"/>
+            </a:fontRef>
+          </p:style>
+        </p:cxnSp>
+        <p:cxnSp>
+          <p:nvCxnSpPr>
+            <p:cNvPr id="88" name="Straight Arrow Connector 87">
+              <a:extLst>
+                <a:ext uri="{FF2B5EF4-FFF2-40B4-BE49-F238E27FC236}">
+                  <a16:creationId xmlns:a16="http://schemas.microsoft.com/office/drawing/2014/main" id="{D262C8EE-C3AB-4B81-BCF6-6925B0577DE8}"/>
+                </a:ext>
+              </a:extLst>
+            </p:cNvPr>
+            <p:cNvCxnSpPr>
+              <a:cxnSpLocks/>
+            </p:cNvCxnSpPr>
+            <p:nvPr/>
+          </p:nvCxnSpPr>
+          <p:spPr>
+            <a:xfrm>
+              <a:off x="912442" y="4737622"/>
+              <a:ext cx="2023163" cy="0"/>
+            </a:xfrm>
+            <a:prstGeom prst="straightConnector1">
+              <a:avLst/>
+            </a:prstGeom>
+            <a:ln w="19050">
+              <a:solidFill>
+                <a:schemeClr val="accent1"/>
+              </a:solidFill>
+              <a:prstDash val="sysDash"/>
+              <a:headEnd type="arrow" w="med" len="med"/>
+              <a:tailEnd type="none" w="med" len="med"/>
+            </a:ln>
+          </p:spPr>
+          <p:style>
+            <a:lnRef idx="1">
+              <a:schemeClr val="accent1"/>
+            </a:lnRef>
+            <a:fillRef idx="0">
+              <a:schemeClr val="accent1"/>
+            </a:fillRef>
+            <a:effectRef idx="0">
+              <a:schemeClr val="accent1"/>
+            </a:effectRef>
+            <a:fontRef idx="minor">
+              <a:schemeClr val="tx1"/>
+            </a:fontRef>
+          </p:style>
+        </p:cxnSp>
+        <p:sp>
+          <p:nvSpPr>
+            <p:cNvPr id="91" name="TextBox 90">
+              <a:extLst>
+                <a:ext uri="{FF2B5EF4-FFF2-40B4-BE49-F238E27FC236}">
+                  <a16:creationId xmlns:a16="http://schemas.microsoft.com/office/drawing/2014/main" id="{17FD4958-A6B2-4574-B352-67578B2567AF}"/>
+                </a:ext>
+              </a:extLst>
+            </p:cNvPr>
+            <p:cNvSpPr txBox="1"/>
+            <p:nvPr/>
+          </p:nvSpPr>
+          <p:spPr>
+            <a:xfrm>
+              <a:off x="3257681" y="1324132"/>
+              <a:ext cx="2192029" cy="215444"/>
+            </a:xfrm>
+            <a:prstGeom prst="rect">
+              <a:avLst/>
+            </a:prstGeom>
+            <a:noFill/>
+          </p:spPr>
+          <p:txBody>
+            <a:bodyPr wrap="square" lIns="0" tIns="0" rIns="0" bIns="0" rtlCol="0">
+              <a:spAutoFit/>
+            </a:bodyPr>
+            <a:lstStyle>
+              <a:defPPr>
+                <a:defRPr lang="en-US"/>
+              </a:defPPr>
+              <a:lvl1pPr algn="r">
+                <a:defRPr sz="1400">
+                  <a:solidFill>
+                    <a:srgbClr val="0070C0"/>
+                  </a:solidFill>
+                </a:defRPr>
+              </a:lvl1pPr>
+            </a:lstStyle>
+            <a:p>
+              <a:r>
+                <a:rPr lang="en-US" dirty="0" err="1"/>
+                <a:t>parseCommand</a:t>
+              </a:r>
+              <a:r>
+                <a:rPr lang="en-US" dirty="0"/>
+                <a:t>(“randomize”)</a:t>
+              </a:r>
+            </a:p>
+          </p:txBody>
+        </p:sp>
+        <p:sp>
+          <p:nvSpPr>
+            <p:cNvPr id="93" name="TextBox 92">
+              <a:extLst>
+                <a:ext uri="{FF2B5EF4-FFF2-40B4-BE49-F238E27FC236}">
+                  <a16:creationId xmlns:a16="http://schemas.microsoft.com/office/drawing/2014/main" id="{D94624EE-2628-4701-9CE9-966CD7F7E507}"/>
+                </a:ext>
+              </a:extLst>
+            </p:cNvPr>
+            <p:cNvSpPr txBox="1"/>
+            <p:nvPr/>
+          </p:nvSpPr>
+          <p:spPr>
+            <a:xfrm>
+              <a:off x="-262660" y="7872741"/>
+              <a:ext cx="762000" cy="215444"/>
+            </a:xfrm>
+            <a:prstGeom prst="rect">
+              <a:avLst/>
+            </a:prstGeom>
+            <a:noFill/>
+          </p:spPr>
+          <p:txBody>
+            <a:bodyPr wrap="square" lIns="0" tIns="0" rIns="0" bIns="0" rtlCol="0">
+              <a:spAutoFit/>
+            </a:bodyPr>
+            <a:lstStyle>
+              <a:defPPr>
+                <a:defRPr lang="en-US"/>
+              </a:defPPr>
+              <a:lvl1pPr algn="r">
+                <a:defRPr sz="1400">
+                  <a:solidFill>
+                    <a:srgbClr val="0070C0"/>
+                  </a:solidFill>
+                </a:defRPr>
+              </a:lvl1pPr>
+            </a:lstStyle>
+            <a:p>
+              <a:r>
+                <a:rPr lang="en-US" dirty="0">
+                  <a:solidFill>
+                    <a:schemeClr val="tx1"/>
+                  </a:solidFill>
+                </a:rPr>
+                <a:t>result</a:t>
+              </a:r>
+            </a:p>
+          </p:txBody>
+        </p:sp>
+        <p:sp>
+          <p:nvSpPr>
+            <p:cNvPr id="96" name="TextBox 95">
+              <a:extLst>
+                <a:ext uri="{FF2B5EF4-FFF2-40B4-BE49-F238E27FC236}">
+                  <a16:creationId xmlns:a16="http://schemas.microsoft.com/office/drawing/2014/main" id="{7F1CEA2D-5900-4A2B-9C67-0EB1FA5E067B}"/>
+                </a:ext>
+              </a:extLst>
+            </p:cNvPr>
+            <p:cNvSpPr txBox="1"/>
+            <p:nvPr/>
+          </p:nvSpPr>
+          <p:spPr>
+            <a:xfrm>
+              <a:off x="4182118" y="2123775"/>
+              <a:ext cx="220343" cy="215444"/>
+            </a:xfrm>
+            <a:prstGeom prst="rect">
+              <a:avLst/>
+            </a:prstGeom>
+            <a:noFill/>
+          </p:spPr>
+          <p:txBody>
+            <a:bodyPr wrap="square" lIns="0" tIns="0" rIns="0" bIns="0" rtlCol="0">
+              <a:spAutoFit/>
+            </a:bodyPr>
+            <a:lstStyle>
+              <a:defPPr>
+                <a:defRPr lang="en-US"/>
+              </a:defPPr>
+              <a:lvl1pPr algn="r">
+                <a:defRPr sz="1400">
+                  <a:solidFill>
+                    <a:srgbClr val="0070C0"/>
+                  </a:solidFill>
+                </a:defRPr>
+              </a:lvl1pPr>
+            </a:lstStyle>
+            <a:p>
+              <a:r>
+                <a:rPr lang="en-US" dirty="0"/>
+                <a:t>r</a:t>
+              </a:r>
+            </a:p>
+          </p:txBody>
+        </p:sp>
+        <p:cxnSp>
+          <p:nvCxnSpPr>
+            <p:cNvPr id="103" name="Straight Arrow Connector 102">
+              <a:extLst>
+                <a:ext uri="{FF2B5EF4-FFF2-40B4-BE49-F238E27FC236}">
+                  <a16:creationId xmlns:a16="http://schemas.microsoft.com/office/drawing/2014/main" id="{5204FBB4-0CDA-4B12-AFE1-9D165BBA014D}"/>
+                </a:ext>
+              </a:extLst>
+            </p:cNvPr>
+            <p:cNvCxnSpPr>
+              <a:cxnSpLocks/>
+            </p:cNvCxnSpPr>
+            <p:nvPr/>
+          </p:nvCxnSpPr>
+          <p:spPr>
+            <a:xfrm>
+              <a:off x="3156045" y="1581900"/>
+              <a:ext cx="2454671" cy="0"/>
+            </a:xfrm>
+            <a:prstGeom prst="straightConnector1">
+              <a:avLst/>
+            </a:prstGeom>
+            <a:ln w="19050">
+              <a:solidFill>
+                <a:srgbClr val="0070C0"/>
+              </a:solidFill>
+              <a:tailEnd type="arrow"/>
+            </a:ln>
+          </p:spPr>
+          <p:style>
+            <a:lnRef idx="1">
+              <a:schemeClr val="accent1"/>
+            </a:lnRef>
+            <a:fillRef idx="0">
+              <a:schemeClr val="accent1"/>
+            </a:fillRef>
+            <a:effectRef idx="0">
+              <a:schemeClr val="accent1"/>
+            </a:effectRef>
+            <a:fontRef idx="minor">
+              <a:schemeClr val="tx1"/>
+            </a:fontRef>
+          </p:style>
+        </p:cxnSp>
+        <p:sp>
+          <p:nvSpPr>
+            <p:cNvPr id="112" name="Rectangle 62">
+              <a:extLst>
+                <a:ext uri="{FF2B5EF4-FFF2-40B4-BE49-F238E27FC236}">
+                  <a16:creationId xmlns:a16="http://schemas.microsoft.com/office/drawing/2014/main" id="{C22BDDDA-C011-45EF-A458-833E24DCF893}"/>
+                </a:ext>
+              </a:extLst>
+            </p:cNvPr>
+            <p:cNvSpPr/>
+            <p:nvPr/>
+          </p:nvSpPr>
+          <p:spPr>
+            <a:xfrm>
+              <a:off x="91759" y="689685"/>
+              <a:ext cx="1455629" cy="346760"/>
+            </a:xfrm>
+            <a:prstGeom prst="rect">
+              <a:avLst/>
+            </a:prstGeom>
+            <a:solidFill>
+              <a:srgbClr val="00B050"/>
+            </a:solidFill>
+            <a:ln w="19050">
+              <a:solidFill>
+                <a:srgbClr val="00B050"/>
+              </a:solidFill>
+            </a:ln>
+            <a:effectLst/>
+          </p:spPr>
+          <p:style>
+            <a:lnRef idx="1">
+              <a:schemeClr val="accent2"/>
+            </a:lnRef>
+            <a:fillRef idx="2">
+              <a:schemeClr val="accent2"/>
+            </a:fillRef>
+            <a:effectRef idx="1">
+              <a:schemeClr val="accent2"/>
+            </a:effectRef>
+            <a:fontRef idx="minor">
+              <a:schemeClr val="dk1"/>
+            </a:fontRef>
+          </p:style>
+          <p:txBody>
+            <a:bodyPr rtlCol="0" anchor="ctr"/>
+            <a:lstStyle/>
+            <a:p>
+              <a:pPr algn="ctr"/>
+              <a:r>
+                <a:rPr lang="en-US" sz="1600" dirty="0">
+                  <a:solidFill>
+                    <a:schemeClr val="bg1"/>
+                  </a:solidFill>
+                </a:rPr>
+                <a:t>:</a:t>
+              </a:r>
+              <a:r>
+                <a:rPr lang="en-US" sz="1600" dirty="0" err="1">
+                  <a:solidFill>
+                    <a:schemeClr val="bg1"/>
+                  </a:solidFill>
+                </a:rPr>
+                <a:t>MainWindow</a:t>
+              </a:r>
+              <a:endParaRPr lang="en-SG" sz="1600" dirty="0">
+                <a:solidFill>
+                  <a:schemeClr val="bg1"/>
+                </a:solidFill>
+              </a:endParaRPr>
+            </a:p>
+          </p:txBody>
+        </p:sp>
+        <p:sp>
+          <p:nvSpPr>
+            <p:cNvPr id="113" name="Rectangle 112">
+              <a:extLst>
+                <a:ext uri="{FF2B5EF4-FFF2-40B4-BE49-F238E27FC236}">
+                  <a16:creationId xmlns:a16="http://schemas.microsoft.com/office/drawing/2014/main" id="{8E80E716-734B-400D-B96A-7B2D2776F482}"/>
+                </a:ext>
+              </a:extLst>
+            </p:cNvPr>
+            <p:cNvSpPr/>
+            <p:nvPr/>
+          </p:nvSpPr>
+          <p:spPr>
+            <a:xfrm>
+              <a:off x="743253" y="1262231"/>
+              <a:ext cx="169189" cy="6938793"/>
+            </a:xfrm>
+            <a:prstGeom prst="rect">
+              <a:avLst/>
+            </a:prstGeom>
+            <a:solidFill>
+              <a:srgbClr val="00B050"/>
+            </a:solidFill>
+            <a:ln>
+              <a:solidFill>
+                <a:srgbClr val="00B050"/>
+              </a:solidFill>
+            </a:ln>
+            <a:effectLst/>
+          </p:spPr>
+          <p:style>
+            <a:lnRef idx="1">
+              <a:schemeClr val="accent3"/>
+            </a:lnRef>
+            <a:fillRef idx="2">
+              <a:schemeClr val="accent3"/>
+            </a:fillRef>
+            <a:effectRef idx="1">
+              <a:schemeClr val="accent3"/>
+            </a:effectRef>
+            <a:fontRef idx="minor">
+              <a:schemeClr val="dk1"/>
+            </a:fontRef>
+          </p:style>
+          <p:txBody>
+            <a:bodyPr rtlCol="0" anchor="ctr"/>
+            <a:lstStyle/>
+            <a:p>
+              <a:pPr algn="ctr"/>
+              <a:endParaRPr lang="en-SG" sz="1400"/>
+            </a:p>
+          </p:txBody>
+        </p:sp>
+        <p:cxnSp>
+          <p:nvCxnSpPr>
+            <p:cNvPr id="114" name="Straight Connector 113">
+              <a:extLst>
+                <a:ext uri="{FF2B5EF4-FFF2-40B4-BE49-F238E27FC236}">
+                  <a16:creationId xmlns:a16="http://schemas.microsoft.com/office/drawing/2014/main" id="{A2083679-1430-404D-86C8-4303795DA2FE}"/>
+                </a:ext>
+              </a:extLst>
+            </p:cNvPr>
+            <p:cNvCxnSpPr>
+              <a:cxnSpLocks/>
+            </p:cNvCxnSpPr>
+            <p:nvPr/>
+          </p:nvCxnSpPr>
+          <p:spPr>
+            <a:xfrm>
+              <a:off x="819573" y="1036445"/>
+              <a:ext cx="0" cy="7490335"/>
+            </a:xfrm>
+            <a:prstGeom prst="line">
+              <a:avLst/>
+            </a:prstGeom>
+            <a:ln w="19050">
+              <a:solidFill>
+                <a:srgbClr val="00B050"/>
+              </a:solidFill>
+              <a:prstDash val="sysDash"/>
+            </a:ln>
+            <a:effectLst/>
+          </p:spPr>
+          <p:style>
+            <a:lnRef idx="1">
+              <a:schemeClr val="accent1"/>
+            </a:lnRef>
+            <a:fillRef idx="2">
+              <a:schemeClr val="accent1"/>
+            </a:fillRef>
+            <a:effectRef idx="1">
+              <a:schemeClr val="accent1"/>
+            </a:effectRef>
+            <a:fontRef idx="minor">
+              <a:schemeClr val="dk1"/>
+            </a:fontRef>
+          </p:style>
+        </p:cxnSp>
+        <p:cxnSp>
+          <p:nvCxnSpPr>
+            <p:cNvPr id="115" name="Straight Arrow Connector 114">
+              <a:extLst>
+                <a:ext uri="{FF2B5EF4-FFF2-40B4-BE49-F238E27FC236}">
+                  <a16:creationId xmlns:a16="http://schemas.microsoft.com/office/drawing/2014/main" id="{D4EFBAE2-10F8-4B0F-B537-CA454F781225}"/>
+                </a:ext>
+              </a:extLst>
+            </p:cNvPr>
+            <p:cNvCxnSpPr>
+              <a:cxnSpLocks/>
+            </p:cNvCxnSpPr>
+            <p:nvPr/>
+          </p:nvCxnSpPr>
+          <p:spPr>
+            <a:xfrm>
+              <a:off x="-681592" y="1279144"/>
+              <a:ext cx="1424846" cy="0"/>
+            </a:xfrm>
+            <a:prstGeom prst="straightConnector1">
+              <a:avLst/>
+            </a:prstGeom>
+            <a:ln w="19050">
+              <a:solidFill>
+                <a:schemeClr val="tx1"/>
+              </a:solidFill>
+              <a:tailEnd type="arrow"/>
+            </a:ln>
+          </p:spPr>
+          <p:style>
+            <a:lnRef idx="1">
+              <a:schemeClr val="accent1"/>
+            </a:lnRef>
+            <a:fillRef idx="0">
+              <a:schemeClr val="accent1"/>
+            </a:fillRef>
+            <a:effectRef idx="0">
+              <a:schemeClr val="accent1"/>
+            </a:effectRef>
+            <a:fontRef idx="minor">
+              <a:schemeClr val="tx1"/>
+            </a:fontRef>
+          </p:style>
+        </p:cxnSp>
+        <p:sp>
+          <p:nvSpPr>
+            <p:cNvPr id="116" name="TextBox 115">
+              <a:extLst>
+                <a:ext uri="{FF2B5EF4-FFF2-40B4-BE49-F238E27FC236}">
+                  <a16:creationId xmlns:a16="http://schemas.microsoft.com/office/drawing/2014/main" id="{9981E418-6CF2-4B2C-9FD1-2F00AF2F2C41}"/>
+                </a:ext>
+              </a:extLst>
+            </p:cNvPr>
+            <p:cNvSpPr txBox="1"/>
+            <p:nvPr/>
+          </p:nvSpPr>
+          <p:spPr>
+            <a:xfrm>
+              <a:off x="-782634" y="1027210"/>
+              <a:ext cx="793855" cy="215444"/>
+            </a:xfrm>
+            <a:prstGeom prst="rect">
+              <a:avLst/>
+            </a:prstGeom>
+            <a:noFill/>
+          </p:spPr>
+          <p:txBody>
+            <a:bodyPr wrap="square" lIns="0" tIns="0" rIns="0" bIns="0" rtlCol="0">
+              <a:spAutoFit/>
+            </a:bodyPr>
+            <a:lstStyle/>
+            <a:p>
+              <a:pPr algn="r"/>
+              <a:r>
+                <a:rPr lang="en-US" sz="1400" dirty="0"/>
+                <a:t>randomize</a:t>
+              </a:r>
+            </a:p>
+          </p:txBody>
+        </p:sp>
+        <p:cxnSp>
+          <p:nvCxnSpPr>
+            <p:cNvPr id="121" name="Straight Arrow Connector 120">
+              <a:extLst>
+                <a:ext uri="{FF2B5EF4-FFF2-40B4-BE49-F238E27FC236}">
+                  <a16:creationId xmlns:a16="http://schemas.microsoft.com/office/drawing/2014/main" id="{D620DFC4-8A64-42CF-A98E-892B307DD75A}"/>
+                </a:ext>
+              </a:extLst>
+            </p:cNvPr>
+            <p:cNvCxnSpPr>
+              <a:cxnSpLocks/>
+            </p:cNvCxnSpPr>
+            <p:nvPr/>
+          </p:nvCxnSpPr>
+          <p:spPr>
+            <a:xfrm>
+              <a:off x="-928826" y="8141970"/>
+              <a:ext cx="1672079" cy="0"/>
+            </a:xfrm>
+            <a:prstGeom prst="straightConnector1">
+              <a:avLst/>
+            </a:prstGeom>
+            <a:ln w="19050">
+              <a:solidFill>
+                <a:schemeClr val="tx1"/>
+              </a:solidFill>
+              <a:prstDash val="sysDash"/>
+              <a:headEnd type="arrow" w="med" len="med"/>
+              <a:tailEnd type="none" w="med" len="med"/>
+            </a:ln>
+          </p:spPr>
+          <p:style>
+            <a:lnRef idx="1">
+              <a:schemeClr val="accent1"/>
+            </a:lnRef>
+            <a:fillRef idx="0">
+              <a:schemeClr val="accent1"/>
+            </a:fillRef>
+            <a:effectRef idx="0">
+              <a:schemeClr val="accent1"/>
+            </a:effectRef>
+            <a:fontRef idx="minor">
+              <a:schemeClr val="tx1"/>
+            </a:fontRef>
+          </p:style>
+        </p:cxnSp>
+        <p:sp>
+          <p:nvSpPr>
+            <p:cNvPr id="125" name="TextBox 124">
+              <a:extLst>
+                <a:ext uri="{FF2B5EF4-FFF2-40B4-BE49-F238E27FC236}">
+                  <a16:creationId xmlns:a16="http://schemas.microsoft.com/office/drawing/2014/main" id="{9346EBCE-A323-4FD5-8A45-7BD67EEAD1D2}"/>
+                </a:ext>
+              </a:extLst>
+            </p:cNvPr>
+            <p:cNvSpPr txBox="1"/>
+            <p:nvPr/>
+          </p:nvSpPr>
+          <p:spPr>
+            <a:xfrm>
+              <a:off x="5595418" y="2423917"/>
+              <a:ext cx="284052" cy="369332"/>
+            </a:xfrm>
+            <a:prstGeom prst="rect">
+              <a:avLst/>
+            </a:prstGeom>
+            <a:noFill/>
+          </p:spPr>
+          <p:txBody>
+            <a:bodyPr wrap="none" rtlCol="0">
+              <a:spAutoFit/>
+            </a:bodyPr>
+            <a:lstStyle/>
+            <a:p>
+              <a:r>
+                <a:rPr lang="en-SG" dirty="0"/>
+                <a:t>x</a:t>
+              </a:r>
+            </a:p>
+          </p:txBody>
+        </p:sp>
+        <p:cxnSp>
+          <p:nvCxnSpPr>
+            <p:cNvPr id="127" name="Straight Arrow Connector 126">
+              <a:extLst>
+                <a:ext uri="{FF2B5EF4-FFF2-40B4-BE49-F238E27FC236}">
+                  <a16:creationId xmlns:a16="http://schemas.microsoft.com/office/drawing/2014/main" id="{5F8CA581-977E-47F7-9838-6EDED3880F70}"/>
+                </a:ext>
+              </a:extLst>
+            </p:cNvPr>
+            <p:cNvCxnSpPr>
+              <a:cxnSpLocks/>
+              <a:endCxn id="126" idx="1"/>
+            </p:cNvCxnSpPr>
+            <p:nvPr/>
+          </p:nvCxnSpPr>
+          <p:spPr>
+            <a:xfrm>
+              <a:off x="5823644" y="1733845"/>
+              <a:ext cx="1779565" cy="0"/>
+            </a:xfrm>
+            <a:prstGeom prst="straightConnector1">
+              <a:avLst/>
+            </a:prstGeom>
+            <a:ln w="19050">
+              <a:solidFill>
+                <a:srgbClr val="0070C0"/>
+              </a:solidFill>
+              <a:tailEnd type="arrow"/>
+            </a:ln>
+          </p:spPr>
+          <p:style>
+            <a:lnRef idx="1">
+              <a:schemeClr val="accent1"/>
+            </a:lnRef>
+            <a:fillRef idx="0">
+              <a:schemeClr val="accent1"/>
+            </a:fillRef>
+            <a:effectRef idx="0">
+              <a:schemeClr val="accent1"/>
+            </a:effectRef>
+            <a:fontRef idx="minor">
+              <a:schemeClr val="tx1"/>
+            </a:fontRef>
+          </p:style>
+        </p:cxnSp>
+        <p:cxnSp>
+          <p:nvCxnSpPr>
+            <p:cNvPr id="130" name="Straight Arrow Connector 129">
+              <a:extLst>
+                <a:ext uri="{FF2B5EF4-FFF2-40B4-BE49-F238E27FC236}">
+                  <a16:creationId xmlns:a16="http://schemas.microsoft.com/office/drawing/2014/main" id="{C2FF8AFC-AFE0-49EF-9695-3DCE08F6FBEA}"/>
+                </a:ext>
+              </a:extLst>
+            </p:cNvPr>
+            <p:cNvCxnSpPr>
+              <a:cxnSpLocks/>
+              <a:endCxn id="129" idx="2"/>
+            </p:cNvCxnSpPr>
+            <p:nvPr/>
+          </p:nvCxnSpPr>
+          <p:spPr>
+            <a:xfrm>
+              <a:off x="5823644" y="2092755"/>
+              <a:ext cx="2354608" cy="0"/>
+            </a:xfrm>
+            <a:prstGeom prst="straightConnector1">
+              <a:avLst/>
+            </a:prstGeom>
+            <a:ln w="19050">
+              <a:solidFill>
+                <a:srgbClr val="0070C0"/>
+              </a:solidFill>
+              <a:prstDash val="sysDash"/>
+              <a:headEnd type="arrow" w="med" len="med"/>
+              <a:tailEnd type="none" w="med" len="med"/>
+            </a:ln>
+          </p:spPr>
+          <p:style>
+            <a:lnRef idx="1">
+              <a:schemeClr val="accent1"/>
+            </a:lnRef>
+            <a:fillRef idx="0">
+              <a:schemeClr val="accent1"/>
+            </a:fillRef>
+            <a:effectRef idx="0">
+              <a:schemeClr val="accent1"/>
+            </a:effectRef>
+            <a:fontRef idx="minor">
+              <a:schemeClr val="tx1"/>
+            </a:fontRef>
+          </p:style>
+        </p:cxnSp>
+        <p:grpSp>
+          <p:nvGrpSpPr>
+            <p:cNvPr id="135" name="Group 134">
+              <a:extLst>
+                <a:ext uri="{FF2B5EF4-FFF2-40B4-BE49-F238E27FC236}">
+                  <a16:creationId xmlns:a16="http://schemas.microsoft.com/office/drawing/2014/main" id="{37F95915-1C97-493F-BA4D-B2F6C374E394}"/>
+                </a:ext>
+              </a:extLst>
+            </p:cNvPr>
+            <p:cNvGrpSpPr/>
+            <p:nvPr/>
+          </p:nvGrpSpPr>
+          <p:grpSpPr>
+            <a:xfrm>
+              <a:off x="7603209" y="1500003"/>
+              <a:ext cx="1219200" cy="592752"/>
+              <a:chOff x="6629490" y="1500003"/>
+              <a:chExt cx="1219200" cy="592752"/>
+            </a:xfrm>
+          </p:grpSpPr>
+          <p:sp>
+            <p:nvSpPr>
+              <p:cNvPr id="129" name="Rectangle 128">
+                <a:extLst>
+                  <a:ext uri="{FF2B5EF4-FFF2-40B4-BE49-F238E27FC236}">
+                    <a16:creationId xmlns:a16="http://schemas.microsoft.com/office/drawing/2014/main" id="{6D848CA5-9F37-4D56-8B6A-F2FE75B4FDB2}"/>
+                  </a:ext>
+                </a:extLst>
+              </p:cNvPr>
+              <p:cNvSpPr/>
+              <p:nvPr/>
+            </p:nvSpPr>
+            <p:spPr>
+              <a:xfrm>
+                <a:off x="7127329" y="1716404"/>
+                <a:ext cx="154408" cy="376351"/>
+              </a:xfrm>
+              <a:prstGeom prst="rect">
+                <a:avLst/>
+              </a:prstGeom>
+              <a:solidFill>
+                <a:srgbClr val="0070C0"/>
+              </a:solidFill>
+              <a:ln>
                 <a:solidFill>
                   <a:srgbClr val="0070C0"/>
                 </a:solidFill>
-              </a:defRPr>
-            </a:lvl1pPr>
-          </a:lstStyle>
-          <a:p>
-            <a:r>
-              <a:rPr lang="en-US" dirty="0" err="1"/>
-              <a:t>RandomizeCommand</a:t>
-            </a:r>
-            <a:endParaRPr lang="en-US" dirty="0"/>
-          </a:p>
-        </p:txBody>
-      </p:sp>
-      <p:sp>
-        <p:nvSpPr>
-          <p:cNvPr id="146" name="TextBox 145">
-            <a:extLst>
-              <a:ext uri="{FF2B5EF4-FFF2-40B4-BE49-F238E27FC236}">
-                <a16:creationId xmlns:a16="http://schemas.microsoft.com/office/drawing/2014/main" id="{F1386E85-11F3-4DD1-95F9-4DC0D79B27FA}"/>
-              </a:ext>
-            </a:extLst>
-          </p:cNvPr>
-          <p:cNvSpPr txBox="1"/>
-          <p:nvPr/>
-        </p:nvSpPr>
-        <p:spPr>
-          <a:xfrm>
-            <a:off x="5011731" y="2843175"/>
-            <a:ext cx="746643" cy="215444"/>
-          </a:xfrm>
-          <a:prstGeom prst="rect">
-            <a:avLst/>
-          </a:prstGeom>
-          <a:noFill/>
-        </p:spPr>
-        <p:txBody>
-          <a:bodyPr wrap="square" lIns="0" tIns="0" rIns="0" bIns="0" rtlCol="0">
-            <a:spAutoFit/>
-          </a:bodyPr>
-          <a:lstStyle>
-            <a:defPPr>
-              <a:defRPr lang="en-US"/>
-            </a:defPPr>
-            <a:lvl1pPr algn="r">
-              <a:defRPr sz="1400">
+              </a:ln>
+              <a:effectLst/>
+            </p:spPr>
+            <p:style>
+              <a:lnRef idx="1">
+                <a:schemeClr val="accent3"/>
+              </a:lnRef>
+              <a:fillRef idx="2">
+                <a:schemeClr val="accent3"/>
+              </a:fillRef>
+              <a:effectRef idx="1">
+                <a:schemeClr val="accent3"/>
+              </a:effectRef>
+              <a:fontRef idx="minor">
+                <a:schemeClr val="dk1"/>
+              </a:fontRef>
+            </p:style>
+            <p:txBody>
+              <a:bodyPr rtlCol="0" anchor="ctr"/>
+              <a:lstStyle/>
+              <a:p>
+                <a:pPr algn="ctr"/>
+                <a:endParaRPr lang="en-SG" sz="1400">
+                  <a:solidFill>
+                    <a:schemeClr val="dk1"/>
+                  </a:solidFill>
+                </a:endParaRPr>
+              </a:p>
+            </p:txBody>
+          </p:sp>
+          <p:sp>
+            <p:nvSpPr>
+              <p:cNvPr id="126" name="Rectangle 62">
+                <a:extLst>
+                  <a:ext uri="{FF2B5EF4-FFF2-40B4-BE49-F238E27FC236}">
+                    <a16:creationId xmlns:a16="http://schemas.microsoft.com/office/drawing/2014/main" id="{214906AA-6608-4416-8813-B300C904BB7A}"/>
+                  </a:ext>
+                </a:extLst>
+              </p:cNvPr>
+              <p:cNvSpPr/>
+              <p:nvPr/>
+            </p:nvSpPr>
+            <p:spPr>
+              <a:xfrm>
+                <a:off x="6629490" y="1500003"/>
+                <a:ext cx="1219200" cy="467684"/>
+              </a:xfrm>
+              <a:prstGeom prst="rect">
+                <a:avLst/>
+              </a:prstGeom>
+              <a:solidFill>
+                <a:srgbClr val="0070C0"/>
+              </a:solidFill>
+              <a:ln w="19050">
                 <a:solidFill>
                   <a:srgbClr val="0070C0"/>
                 </a:solidFill>
-              </a:defRPr>
-            </a:lvl1pPr>
-          </a:lstStyle>
-          <a:p>
-            <a:r>
-              <a:rPr lang="en-US" dirty="0"/>
-              <a:t>execute()</a:t>
-            </a:r>
-          </a:p>
-        </p:txBody>
-      </p:sp>
-      <p:cxnSp>
-        <p:nvCxnSpPr>
-          <p:cNvPr id="147" name="Straight Arrow Connector 146">
-            <a:extLst>
-              <a:ext uri="{FF2B5EF4-FFF2-40B4-BE49-F238E27FC236}">
-                <a16:creationId xmlns:a16="http://schemas.microsoft.com/office/drawing/2014/main" id="{474A5335-5BEE-4E5F-9C4F-914B73CF7C32}"/>
-              </a:ext>
-            </a:extLst>
-          </p:cNvPr>
-          <p:cNvCxnSpPr>
-            <a:cxnSpLocks/>
-          </p:cNvCxnSpPr>
-          <p:nvPr/>
-        </p:nvCxnSpPr>
-        <p:spPr>
-          <a:xfrm>
-            <a:off x="3183255" y="3106958"/>
-            <a:ext cx="4886325" cy="0"/>
-          </a:xfrm>
-          <a:prstGeom prst="straightConnector1">
-            <a:avLst/>
-          </a:prstGeom>
-          <a:ln w="19050">
+              </a:ln>
+              <a:effectLst/>
+            </p:spPr>
+            <p:style>
+              <a:lnRef idx="1">
+                <a:schemeClr val="accent2"/>
+              </a:lnRef>
+              <a:fillRef idx="2">
+                <a:schemeClr val="accent2"/>
+              </a:fillRef>
+              <a:effectRef idx="1">
+                <a:schemeClr val="accent2"/>
+              </a:effectRef>
+              <a:fontRef idx="minor">
+                <a:schemeClr val="dk1"/>
+              </a:fontRef>
+            </p:style>
+            <p:txBody>
+              <a:bodyPr rtlCol="0" anchor="ctr"/>
+              <a:lstStyle/>
+              <a:p>
+                <a:pPr algn="ctr"/>
+                <a:r>
+                  <a:rPr lang="en-US" sz="1600" dirty="0">
+                    <a:solidFill>
+                      <a:schemeClr val="bg1"/>
+                    </a:solidFill>
+                  </a:rPr>
+                  <a:t>:</a:t>
+                </a:r>
+                <a:r>
+                  <a:rPr lang="en-US" sz="1600" dirty="0" err="1">
+                    <a:solidFill>
+                      <a:schemeClr val="bg1"/>
+                    </a:solidFill>
+                  </a:rPr>
+                  <a:t>RandomizeCommand</a:t>
+                </a:r>
+                <a:endParaRPr lang="en-SG" sz="1600" dirty="0">
+                  <a:solidFill>
+                    <a:schemeClr val="bg1"/>
+                  </a:solidFill>
+                </a:endParaRPr>
+              </a:p>
+            </p:txBody>
+          </p:sp>
+        </p:grpSp>
+        <p:sp>
+          <p:nvSpPr>
+            <p:cNvPr id="134" name="TextBox 133">
+              <a:extLst>
+                <a:ext uri="{FF2B5EF4-FFF2-40B4-BE49-F238E27FC236}">
+                  <a16:creationId xmlns:a16="http://schemas.microsoft.com/office/drawing/2014/main" id="{06429735-F83C-4229-A24B-008FE883ACDF}"/>
+                </a:ext>
+              </a:extLst>
+            </p:cNvPr>
+            <p:cNvSpPr txBox="1"/>
+            <p:nvPr/>
+          </p:nvSpPr>
+          <p:spPr>
+            <a:xfrm>
+              <a:off x="5310551" y="1489319"/>
+              <a:ext cx="2192029" cy="215444"/>
+            </a:xfrm>
+            <a:prstGeom prst="rect">
+              <a:avLst/>
+            </a:prstGeom>
+            <a:noFill/>
+          </p:spPr>
+          <p:txBody>
+            <a:bodyPr wrap="square" lIns="0" tIns="0" rIns="0" bIns="0" rtlCol="0">
+              <a:spAutoFit/>
+            </a:bodyPr>
+            <a:lstStyle>
+              <a:defPPr>
+                <a:defRPr lang="en-US"/>
+              </a:defPPr>
+              <a:lvl1pPr algn="r">
+                <a:defRPr sz="1400">
+                  <a:solidFill>
+                    <a:srgbClr val="0070C0"/>
+                  </a:solidFill>
+                </a:defRPr>
+              </a:lvl1pPr>
+            </a:lstStyle>
+            <a:p>
+              <a:r>
+                <a:rPr lang="en-US" dirty="0" err="1"/>
+                <a:t>RandomizeCommand</a:t>
+              </a:r>
+              <a:endParaRPr lang="en-US" dirty="0"/>
+            </a:p>
+          </p:txBody>
+        </p:sp>
+        <p:sp>
+          <p:nvSpPr>
+            <p:cNvPr id="146" name="TextBox 145">
+              <a:extLst>
+                <a:ext uri="{FF2B5EF4-FFF2-40B4-BE49-F238E27FC236}">
+                  <a16:creationId xmlns:a16="http://schemas.microsoft.com/office/drawing/2014/main" id="{F1386E85-11F3-4DD1-95F9-4DC0D79B27FA}"/>
+                </a:ext>
+              </a:extLst>
+            </p:cNvPr>
+            <p:cNvSpPr txBox="1"/>
+            <p:nvPr/>
+          </p:nvSpPr>
+          <p:spPr>
+            <a:xfrm>
+              <a:off x="5011731" y="2843175"/>
+              <a:ext cx="746643" cy="215444"/>
+            </a:xfrm>
+            <a:prstGeom prst="rect">
+              <a:avLst/>
+            </a:prstGeom>
+            <a:noFill/>
+          </p:spPr>
+          <p:txBody>
+            <a:bodyPr wrap="square" lIns="0" tIns="0" rIns="0" bIns="0" rtlCol="0">
+              <a:spAutoFit/>
+            </a:bodyPr>
+            <a:lstStyle>
+              <a:defPPr>
+                <a:defRPr lang="en-US"/>
+              </a:defPPr>
+              <a:lvl1pPr algn="r">
+                <a:defRPr sz="1400">
+                  <a:solidFill>
+                    <a:srgbClr val="0070C0"/>
+                  </a:solidFill>
+                </a:defRPr>
+              </a:lvl1pPr>
+            </a:lstStyle>
+            <a:p>
+              <a:r>
+                <a:rPr lang="en-US" dirty="0"/>
+                <a:t>execute()</a:t>
+              </a:r>
+            </a:p>
+          </p:txBody>
+        </p:sp>
+        <p:cxnSp>
+          <p:nvCxnSpPr>
+            <p:cNvPr id="147" name="Straight Arrow Connector 146">
+              <a:extLst>
+                <a:ext uri="{FF2B5EF4-FFF2-40B4-BE49-F238E27FC236}">
+                  <a16:creationId xmlns:a16="http://schemas.microsoft.com/office/drawing/2014/main" id="{474A5335-5BEE-4E5F-9C4F-914B73CF7C32}"/>
+                </a:ext>
+              </a:extLst>
+            </p:cNvPr>
+            <p:cNvCxnSpPr>
+              <a:cxnSpLocks/>
+            </p:cNvCxnSpPr>
+            <p:nvPr/>
+          </p:nvCxnSpPr>
+          <p:spPr>
+            <a:xfrm>
+              <a:off x="3183255" y="3106958"/>
+              <a:ext cx="4886325" cy="0"/>
+            </a:xfrm>
+            <a:prstGeom prst="straightConnector1">
+              <a:avLst/>
+            </a:prstGeom>
+            <a:ln w="19050">
+              <a:solidFill>
+                <a:srgbClr val="0070C0"/>
+              </a:solidFill>
+              <a:tailEnd type="arrow"/>
+            </a:ln>
+          </p:spPr>
+          <p:style>
+            <a:lnRef idx="1">
+              <a:schemeClr val="accent1"/>
+            </a:lnRef>
+            <a:fillRef idx="0">
+              <a:schemeClr val="accent1"/>
+            </a:fillRef>
+            <a:effectRef idx="0">
+              <a:schemeClr val="accent1"/>
+            </a:effectRef>
+            <a:fontRef idx="minor">
+              <a:schemeClr val="tx1"/>
+            </a:fontRef>
+          </p:style>
+        </p:cxnSp>
+        <p:cxnSp>
+          <p:nvCxnSpPr>
+            <p:cNvPr id="150" name="Straight Connector 149">
+              <a:extLst>
+                <a:ext uri="{FF2B5EF4-FFF2-40B4-BE49-F238E27FC236}">
+                  <a16:creationId xmlns:a16="http://schemas.microsoft.com/office/drawing/2014/main" id="{54B8ABBC-9B58-46D8-B0E4-36B83BCB90D0}"/>
+                </a:ext>
+              </a:extLst>
+            </p:cNvPr>
+            <p:cNvCxnSpPr>
+              <a:cxnSpLocks/>
+            </p:cNvCxnSpPr>
+            <p:nvPr/>
+          </p:nvCxnSpPr>
+          <p:spPr>
+            <a:xfrm>
+              <a:off x="8178252" y="2051757"/>
+              <a:ext cx="0" cy="5894263"/>
+            </a:xfrm>
+            <a:prstGeom prst="line">
+              <a:avLst/>
+            </a:prstGeom>
+            <a:ln w="19050">
+              <a:solidFill>
+                <a:srgbClr val="0070C0"/>
+              </a:solidFill>
+              <a:prstDash val="sysDash"/>
+            </a:ln>
+            <a:effectLst/>
+          </p:spPr>
+          <p:style>
+            <a:lnRef idx="1">
+              <a:schemeClr val="accent1"/>
+            </a:lnRef>
+            <a:fillRef idx="2">
+              <a:schemeClr val="accent1"/>
+            </a:fillRef>
+            <a:effectRef idx="1">
+              <a:schemeClr val="accent1"/>
+            </a:effectRef>
+            <a:fontRef idx="minor">
+              <a:schemeClr val="dk1"/>
+            </a:fontRef>
+          </p:style>
+        </p:cxnSp>
+        <p:sp>
+          <p:nvSpPr>
+            <p:cNvPr id="151" name="Rectangle 150">
+              <a:extLst>
+                <a:ext uri="{FF2B5EF4-FFF2-40B4-BE49-F238E27FC236}">
+                  <a16:creationId xmlns:a16="http://schemas.microsoft.com/office/drawing/2014/main" id="{B7280346-E1EF-47CF-814E-5AD2A4F29B0B}"/>
+                </a:ext>
+              </a:extLst>
+            </p:cNvPr>
+            <p:cNvSpPr/>
+            <p:nvPr/>
+          </p:nvSpPr>
+          <p:spPr>
+            <a:xfrm>
+              <a:off x="8099749" y="3104046"/>
+              <a:ext cx="154408" cy="4551513"/>
+            </a:xfrm>
+            <a:prstGeom prst="rect">
+              <a:avLst/>
+            </a:prstGeom>
             <a:solidFill>
               <a:srgbClr val="0070C0"/>
             </a:solidFill>
-            <a:tailEnd type="arrow"/>
-          </a:ln>
-        </p:spPr>
-        <p:style>
-          <a:lnRef idx="1">
-            <a:schemeClr val="accent1"/>
-          </a:lnRef>
-          <a:fillRef idx="0">
-            <a:schemeClr val="accent1"/>
-          </a:fillRef>
-          <a:effectRef idx="0">
-            <a:schemeClr val="accent1"/>
-          </a:effectRef>
-          <a:fontRef idx="minor">
-            <a:schemeClr val="tx1"/>
-          </a:fontRef>
-        </p:style>
-      </p:cxnSp>
-      <p:cxnSp>
-        <p:nvCxnSpPr>
-          <p:cNvPr id="150" name="Straight Connector 149">
-            <a:extLst>
-              <a:ext uri="{FF2B5EF4-FFF2-40B4-BE49-F238E27FC236}">
-                <a16:creationId xmlns:a16="http://schemas.microsoft.com/office/drawing/2014/main" id="{54B8ABBC-9B58-46D8-B0E4-36B83BCB90D0}"/>
-              </a:ext>
-            </a:extLst>
-          </p:cNvPr>
-          <p:cNvCxnSpPr>
-            <a:cxnSpLocks/>
-          </p:cNvCxnSpPr>
-          <p:nvPr/>
-        </p:nvCxnSpPr>
-        <p:spPr>
-          <a:xfrm>
-            <a:off x="8178252" y="2051757"/>
-            <a:ext cx="0" cy="5894263"/>
-          </a:xfrm>
-          <a:prstGeom prst="line">
-            <a:avLst/>
-          </a:prstGeom>
-          <a:ln w="19050">
+            <a:ln>
+              <a:solidFill>
+                <a:srgbClr val="0070C0"/>
+              </a:solidFill>
+            </a:ln>
+            <a:effectLst/>
+          </p:spPr>
+          <p:style>
+            <a:lnRef idx="1">
+              <a:schemeClr val="accent3"/>
+            </a:lnRef>
+            <a:fillRef idx="2">
+              <a:schemeClr val="accent3"/>
+            </a:fillRef>
+            <a:effectRef idx="1">
+              <a:schemeClr val="accent3"/>
+            </a:effectRef>
+            <a:fontRef idx="minor">
+              <a:schemeClr val="dk1"/>
+            </a:fontRef>
+          </p:style>
+          <p:txBody>
+            <a:bodyPr rtlCol="0" anchor="ctr"/>
+            <a:lstStyle/>
+            <a:p>
+              <a:pPr algn="ctr"/>
+              <a:endParaRPr lang="en-SG" sz="1400">
+                <a:solidFill>
+                  <a:schemeClr val="dk1"/>
+                </a:solidFill>
+              </a:endParaRPr>
+            </a:p>
+          </p:txBody>
+        </p:sp>
+        <p:sp>
+          <p:nvSpPr>
+            <p:cNvPr id="153" name="Rectangle 65">
+              <a:extLst>
+                <a:ext uri="{FF2B5EF4-FFF2-40B4-BE49-F238E27FC236}">
+                  <a16:creationId xmlns:a16="http://schemas.microsoft.com/office/drawing/2014/main" id="{B0833745-A13B-455F-BC5E-7EE21CF7097E}"/>
+                </a:ext>
+              </a:extLst>
+            </p:cNvPr>
+            <p:cNvSpPr/>
+            <p:nvPr/>
+          </p:nvSpPr>
+          <p:spPr>
+            <a:xfrm>
+              <a:off x="11060008" y="380580"/>
+              <a:ext cx="3501812" cy="9140942"/>
+            </a:xfrm>
+            <a:prstGeom prst="roundRect">
+              <a:avLst>
+                <a:gd name="adj" fmla="val 3484"/>
+              </a:avLst>
+            </a:prstGeom>
+            <a:solidFill>
+              <a:srgbClr val="C3B3FF"/>
+            </a:solidFill>
+            <a:ln w="19050">
+              <a:noFill/>
+            </a:ln>
+            <a:effectLst/>
+          </p:spPr>
+          <p:style>
+            <a:lnRef idx="1">
+              <a:schemeClr val="accent2"/>
+            </a:lnRef>
+            <a:fillRef idx="2">
+              <a:schemeClr val="accent2"/>
+            </a:fillRef>
+            <a:effectRef idx="1">
+              <a:schemeClr val="accent2"/>
+            </a:effectRef>
+            <a:fontRef idx="minor">
+              <a:schemeClr val="dk1"/>
+            </a:fontRef>
+          </p:style>
+          <p:txBody>
+            <a:bodyPr rtlCol="0" anchor="t"/>
+            <a:lstStyle/>
+            <a:p>
+              <a:r>
+                <a:rPr lang="en-US" sz="1200" b="1" dirty="0">
+                  <a:solidFill>
+                    <a:srgbClr val="7030A0"/>
+                  </a:solidFill>
+                </a:rPr>
+                <a:t>Model</a:t>
+              </a:r>
+              <a:endParaRPr lang="en-SG" sz="1200" b="1" dirty="0">
+                <a:solidFill>
+                  <a:srgbClr val="7030A0"/>
+                </a:solidFill>
+              </a:endParaRPr>
+            </a:p>
+          </p:txBody>
+        </p:sp>
+        <p:sp>
+          <p:nvSpPr>
+            <p:cNvPr id="156" name="Rectangle 62">
+              <a:extLst>
+                <a:ext uri="{FF2B5EF4-FFF2-40B4-BE49-F238E27FC236}">
+                  <a16:creationId xmlns:a16="http://schemas.microsoft.com/office/drawing/2014/main" id="{0602C17C-A232-4419-BAEE-FA9A407AA562}"/>
+                </a:ext>
+              </a:extLst>
+            </p:cNvPr>
+            <p:cNvSpPr/>
+            <p:nvPr/>
+          </p:nvSpPr>
+          <p:spPr>
+            <a:xfrm>
+              <a:off x="12745618" y="2391158"/>
+              <a:ext cx="1547733" cy="300180"/>
+            </a:xfrm>
+            <a:prstGeom prst="rect">
+              <a:avLst/>
+            </a:prstGeom>
+            <a:solidFill>
+              <a:srgbClr val="7030A0"/>
+            </a:solidFill>
+            <a:ln w="19050">
+              <a:solidFill>
+                <a:srgbClr val="7030A0"/>
+              </a:solidFill>
+            </a:ln>
+            <a:effectLst/>
+          </p:spPr>
+          <p:style>
+            <a:lnRef idx="1">
+              <a:schemeClr val="accent2"/>
+            </a:lnRef>
+            <a:fillRef idx="2">
+              <a:schemeClr val="accent2"/>
+            </a:fillRef>
+            <a:effectRef idx="1">
+              <a:schemeClr val="accent2"/>
+            </a:effectRef>
+            <a:fontRef idx="minor">
+              <a:schemeClr val="dk1"/>
+            </a:fontRef>
+          </p:style>
+          <p:txBody>
+            <a:bodyPr rtlCol="0" anchor="ctr"/>
+            <a:lstStyle/>
+            <a:p>
+              <a:pPr algn="ctr"/>
+              <a:r>
+                <a:rPr lang="en-US" sz="1600" dirty="0">
+                  <a:solidFill>
+                    <a:schemeClr val="bg1"/>
+                  </a:solidFill>
+                </a:rPr>
+                <a:t>:</a:t>
+              </a:r>
+              <a:r>
+                <a:rPr lang="en-US" sz="1600" dirty="0" err="1">
+                  <a:solidFill>
+                    <a:schemeClr val="bg1"/>
+                  </a:solidFill>
+                </a:rPr>
+                <a:t>ModelManager</a:t>
+              </a:r>
+              <a:endParaRPr lang="en-SG" sz="1600" dirty="0">
+                <a:solidFill>
+                  <a:schemeClr val="bg1"/>
+                </a:solidFill>
+              </a:endParaRPr>
+            </a:p>
+          </p:txBody>
+        </p:sp>
+        <p:cxnSp>
+          <p:nvCxnSpPr>
+            <p:cNvPr id="157" name="Straight Connector 156">
+              <a:extLst>
+                <a:ext uri="{FF2B5EF4-FFF2-40B4-BE49-F238E27FC236}">
+                  <a16:creationId xmlns:a16="http://schemas.microsoft.com/office/drawing/2014/main" id="{D655139C-1ADB-4B55-981E-EC1656CF7FB0}"/>
+                </a:ext>
+              </a:extLst>
+            </p:cNvPr>
+            <p:cNvCxnSpPr>
+              <a:cxnSpLocks/>
+            </p:cNvCxnSpPr>
+            <p:nvPr/>
+          </p:nvCxnSpPr>
+          <p:spPr>
+            <a:xfrm>
+              <a:off x="13492055" y="2639590"/>
+              <a:ext cx="0" cy="4687185"/>
+            </a:xfrm>
+            <a:prstGeom prst="line">
+              <a:avLst/>
+            </a:prstGeom>
+            <a:ln w="19050">
+              <a:solidFill>
+                <a:srgbClr val="7030A0"/>
+              </a:solidFill>
+              <a:prstDash val="sysDash"/>
+            </a:ln>
+            <a:effectLst/>
+          </p:spPr>
+          <p:style>
+            <a:lnRef idx="1">
+              <a:schemeClr val="accent1"/>
+            </a:lnRef>
+            <a:fillRef idx="2">
+              <a:schemeClr val="accent1"/>
+            </a:fillRef>
+            <a:effectRef idx="1">
+              <a:schemeClr val="accent1"/>
+            </a:effectRef>
+            <a:fontRef idx="minor">
+              <a:schemeClr val="dk1"/>
+            </a:fontRef>
+          </p:style>
+        </p:cxnSp>
+        <p:sp>
+          <p:nvSpPr>
+            <p:cNvPr id="158" name="Rectangle 157">
+              <a:extLst>
+                <a:ext uri="{FF2B5EF4-FFF2-40B4-BE49-F238E27FC236}">
+                  <a16:creationId xmlns:a16="http://schemas.microsoft.com/office/drawing/2014/main" id="{A17768AB-3595-46B3-AE83-914E6BDB0431}"/>
+                </a:ext>
+              </a:extLst>
+            </p:cNvPr>
+            <p:cNvSpPr/>
+            <p:nvPr/>
+          </p:nvSpPr>
+          <p:spPr>
+            <a:xfrm>
+              <a:off x="13399956" y="3243285"/>
+              <a:ext cx="168896" cy="256200"/>
+            </a:xfrm>
+            <a:prstGeom prst="rect">
+              <a:avLst/>
+            </a:prstGeom>
+            <a:solidFill>
+              <a:srgbClr val="7030A0"/>
+            </a:solidFill>
+            <a:ln>
+              <a:solidFill>
+                <a:srgbClr val="7030A0"/>
+              </a:solidFill>
+            </a:ln>
+            <a:effectLst/>
+          </p:spPr>
+          <p:style>
+            <a:lnRef idx="1">
+              <a:schemeClr val="accent3"/>
+            </a:lnRef>
+            <a:fillRef idx="2">
+              <a:schemeClr val="accent3"/>
+            </a:fillRef>
+            <a:effectRef idx="1">
+              <a:schemeClr val="accent3"/>
+            </a:effectRef>
+            <a:fontRef idx="minor">
+              <a:schemeClr val="dk1"/>
+            </a:fontRef>
+          </p:style>
+          <p:txBody>
+            <a:bodyPr rtlCol="0" anchor="ctr"/>
+            <a:lstStyle/>
+            <a:p>
+              <a:pPr algn="ctr"/>
+              <a:endParaRPr lang="en-SG" sz="1400"/>
+            </a:p>
+          </p:txBody>
+        </p:sp>
+        <p:sp>
+          <p:nvSpPr>
+            <p:cNvPr id="160" name="TextBox 159">
+              <a:extLst>
+                <a:ext uri="{FF2B5EF4-FFF2-40B4-BE49-F238E27FC236}">
+                  <a16:creationId xmlns:a16="http://schemas.microsoft.com/office/drawing/2014/main" id="{1F44E7B4-185E-447D-981A-94DCC1E8B649}"/>
+                </a:ext>
+              </a:extLst>
+            </p:cNvPr>
+            <p:cNvSpPr txBox="1"/>
+            <p:nvPr/>
+          </p:nvSpPr>
+          <p:spPr>
+            <a:xfrm>
+              <a:off x="8969280" y="3058619"/>
+              <a:ext cx="1482633" cy="184666"/>
+            </a:xfrm>
+            <a:prstGeom prst="rect">
+              <a:avLst/>
+            </a:prstGeom>
+            <a:noFill/>
+            <a:ln>
+              <a:noFill/>
+            </a:ln>
+          </p:spPr>
+          <p:txBody>
+            <a:bodyPr wrap="square" lIns="0" tIns="0" rIns="0" bIns="0" rtlCol="0">
+              <a:spAutoFit/>
+            </a:bodyPr>
+            <a:lstStyle>
+              <a:defPPr>
+                <a:defRPr lang="en-US"/>
+              </a:defPPr>
+              <a:lvl1pPr algn="r">
+                <a:defRPr sz="1400">
+                  <a:solidFill>
+                    <a:srgbClr val="0070C0"/>
+                  </a:solidFill>
+                </a:defRPr>
+              </a:lvl1pPr>
+            </a:lstStyle>
+            <a:p>
+              <a:pPr algn="ctr"/>
+              <a:r>
+                <a:rPr lang="en-US" sz="1200" dirty="0" err="1">
+                  <a:solidFill>
+                    <a:srgbClr val="7030A0"/>
+                  </a:solidFill>
+                </a:rPr>
+                <a:t>getFilteredGroupList</a:t>
+              </a:r>
+              <a:r>
+                <a:rPr lang="en-US" sz="1200" dirty="0">
+                  <a:solidFill>
+                    <a:schemeClr val="accent4">
+                      <a:lumMod val="75000"/>
+                    </a:schemeClr>
+                  </a:solidFill>
+                </a:rPr>
+                <a:t>()</a:t>
+              </a:r>
+            </a:p>
+          </p:txBody>
+        </p:sp>
+        <p:cxnSp>
+          <p:nvCxnSpPr>
+            <p:cNvPr id="165" name="Straight Arrow Connector 164">
+              <a:extLst>
+                <a:ext uri="{FF2B5EF4-FFF2-40B4-BE49-F238E27FC236}">
+                  <a16:creationId xmlns:a16="http://schemas.microsoft.com/office/drawing/2014/main" id="{FFBABE52-1485-4E61-B322-56C8EB17DED7}"/>
+                </a:ext>
+              </a:extLst>
+            </p:cNvPr>
+            <p:cNvCxnSpPr>
+              <a:cxnSpLocks/>
+            </p:cNvCxnSpPr>
+            <p:nvPr/>
+          </p:nvCxnSpPr>
+          <p:spPr>
+            <a:xfrm>
+              <a:off x="8263473" y="3281776"/>
+              <a:ext cx="5084159" cy="0"/>
+            </a:xfrm>
+            <a:prstGeom prst="straightConnector1">
+              <a:avLst/>
+            </a:prstGeom>
+            <a:ln w="19050">
+              <a:solidFill>
+                <a:srgbClr val="7030A0"/>
+              </a:solidFill>
+              <a:tailEnd type="arrow"/>
+            </a:ln>
+          </p:spPr>
+          <p:style>
+            <a:lnRef idx="1">
+              <a:schemeClr val="accent1"/>
+            </a:lnRef>
+            <a:fillRef idx="0">
+              <a:schemeClr val="accent1"/>
+            </a:fillRef>
+            <a:effectRef idx="0">
+              <a:schemeClr val="accent1"/>
+            </a:effectRef>
+            <a:fontRef idx="minor">
+              <a:schemeClr val="tx1"/>
+            </a:fontRef>
+          </p:style>
+        </p:cxnSp>
+        <p:cxnSp>
+          <p:nvCxnSpPr>
+            <p:cNvPr id="174" name="Straight Arrow Connector 173">
+              <a:extLst>
+                <a:ext uri="{FF2B5EF4-FFF2-40B4-BE49-F238E27FC236}">
+                  <a16:creationId xmlns:a16="http://schemas.microsoft.com/office/drawing/2014/main" id="{2E635D00-F9E9-4891-9948-97E6D1FBD2EE}"/>
+                </a:ext>
+              </a:extLst>
+            </p:cNvPr>
+            <p:cNvCxnSpPr>
+              <a:cxnSpLocks/>
+            </p:cNvCxnSpPr>
+            <p:nvPr/>
+          </p:nvCxnSpPr>
+          <p:spPr>
+            <a:xfrm>
+              <a:off x="8263473" y="3473240"/>
+              <a:ext cx="5059687" cy="0"/>
+            </a:xfrm>
+            <a:prstGeom prst="straightConnector1">
+              <a:avLst/>
+            </a:prstGeom>
+            <a:ln w="19050">
+              <a:solidFill>
+                <a:srgbClr val="7030A0"/>
+              </a:solidFill>
+              <a:prstDash val="sysDash"/>
+              <a:headEnd type="arrow" w="med" len="med"/>
+              <a:tailEnd type="none" w="med" len="med"/>
+            </a:ln>
+          </p:spPr>
+          <p:style>
+            <a:lnRef idx="1">
+              <a:schemeClr val="accent1"/>
+            </a:lnRef>
+            <a:fillRef idx="0">
+              <a:schemeClr val="accent1"/>
+            </a:fillRef>
+            <a:effectRef idx="0">
+              <a:schemeClr val="accent1"/>
+            </a:effectRef>
+            <a:fontRef idx="minor">
+              <a:schemeClr val="tx1"/>
+            </a:fontRef>
+          </p:style>
+        </p:cxnSp>
+        <p:sp>
+          <p:nvSpPr>
+            <p:cNvPr id="169" name="TextBox 168">
+              <a:extLst>
+                <a:ext uri="{FF2B5EF4-FFF2-40B4-BE49-F238E27FC236}">
+                  <a16:creationId xmlns:a16="http://schemas.microsoft.com/office/drawing/2014/main" id="{FCC95233-724B-41CB-A372-D6AB2C342309}"/>
+                </a:ext>
+              </a:extLst>
+            </p:cNvPr>
+            <p:cNvSpPr txBox="1"/>
+            <p:nvPr/>
+          </p:nvSpPr>
+          <p:spPr>
+            <a:xfrm>
+              <a:off x="8976151" y="3740932"/>
+              <a:ext cx="1703194" cy="184666"/>
+            </a:xfrm>
+            <a:prstGeom prst="rect">
+              <a:avLst/>
+            </a:prstGeom>
+            <a:noFill/>
+            <a:ln>
+              <a:noFill/>
+            </a:ln>
+          </p:spPr>
+          <p:txBody>
+            <a:bodyPr wrap="square" lIns="0" tIns="0" rIns="0" bIns="0" rtlCol="0">
+              <a:spAutoFit/>
+            </a:bodyPr>
+            <a:lstStyle>
+              <a:defPPr>
+                <a:defRPr lang="en-US"/>
+              </a:defPPr>
+              <a:lvl1pPr algn="r">
+                <a:defRPr sz="1400">
+                  <a:solidFill>
+                    <a:srgbClr val="0070C0"/>
+                  </a:solidFill>
+                </a:defRPr>
+              </a:lvl1pPr>
+            </a:lstStyle>
+            <a:p>
+              <a:pPr algn="ctr"/>
+              <a:r>
+                <a:rPr lang="en-US" sz="1200" dirty="0" err="1">
+                  <a:solidFill>
+                    <a:srgbClr val="7030A0"/>
+                  </a:solidFill>
+                </a:rPr>
+                <a:t>getFilteredParticipantList</a:t>
+              </a:r>
+              <a:r>
+                <a:rPr lang="en-US" sz="1200" dirty="0">
+                  <a:solidFill>
+                    <a:schemeClr val="accent4">
+                      <a:lumMod val="75000"/>
+                    </a:schemeClr>
+                  </a:solidFill>
+                </a:rPr>
+                <a:t>()</a:t>
+              </a:r>
+            </a:p>
+          </p:txBody>
+        </p:sp>
+        <p:cxnSp>
+          <p:nvCxnSpPr>
+            <p:cNvPr id="170" name="Straight Arrow Connector 169">
+              <a:extLst>
+                <a:ext uri="{FF2B5EF4-FFF2-40B4-BE49-F238E27FC236}">
+                  <a16:creationId xmlns:a16="http://schemas.microsoft.com/office/drawing/2014/main" id="{D869B01A-1FD6-4764-9109-035735FBDBE2}"/>
+                </a:ext>
+              </a:extLst>
+            </p:cNvPr>
+            <p:cNvCxnSpPr>
+              <a:cxnSpLocks/>
+            </p:cNvCxnSpPr>
+            <p:nvPr/>
+          </p:nvCxnSpPr>
+          <p:spPr>
+            <a:xfrm>
+              <a:off x="8270344" y="3964089"/>
+              <a:ext cx="5077288" cy="0"/>
+            </a:xfrm>
+            <a:prstGeom prst="straightConnector1">
+              <a:avLst/>
+            </a:prstGeom>
+            <a:ln w="19050">
+              <a:solidFill>
+                <a:srgbClr val="7030A0"/>
+              </a:solidFill>
+              <a:tailEnd type="arrow"/>
+            </a:ln>
+          </p:spPr>
+          <p:style>
+            <a:lnRef idx="1">
+              <a:schemeClr val="accent1"/>
+            </a:lnRef>
+            <a:fillRef idx="0">
+              <a:schemeClr val="accent1"/>
+            </a:fillRef>
+            <a:effectRef idx="0">
+              <a:schemeClr val="accent1"/>
+            </a:effectRef>
+            <a:fontRef idx="minor">
+              <a:schemeClr val="tx1"/>
+            </a:fontRef>
+          </p:style>
+        </p:cxnSp>
+        <p:cxnSp>
+          <p:nvCxnSpPr>
+            <p:cNvPr id="178" name="Straight Arrow Connector 177">
+              <a:extLst>
+                <a:ext uri="{FF2B5EF4-FFF2-40B4-BE49-F238E27FC236}">
+                  <a16:creationId xmlns:a16="http://schemas.microsoft.com/office/drawing/2014/main" id="{2B539558-8146-4882-B411-791576152B72}"/>
+                </a:ext>
+              </a:extLst>
+            </p:cNvPr>
+            <p:cNvCxnSpPr>
+              <a:cxnSpLocks/>
+            </p:cNvCxnSpPr>
+            <p:nvPr/>
+          </p:nvCxnSpPr>
+          <p:spPr>
+            <a:xfrm>
+              <a:off x="8252726" y="4113376"/>
+              <a:ext cx="5070434" cy="0"/>
+            </a:xfrm>
+            <a:prstGeom prst="straightConnector1">
+              <a:avLst/>
+            </a:prstGeom>
+            <a:ln w="19050">
+              <a:solidFill>
+                <a:srgbClr val="7030A0"/>
+              </a:solidFill>
+              <a:prstDash val="sysDash"/>
+              <a:headEnd type="arrow" w="med" len="med"/>
+              <a:tailEnd type="none" w="med" len="med"/>
+            </a:ln>
+          </p:spPr>
+          <p:style>
+            <a:lnRef idx="1">
+              <a:schemeClr val="accent1"/>
+            </a:lnRef>
+            <a:fillRef idx="0">
+              <a:schemeClr val="accent1"/>
+            </a:fillRef>
+            <a:effectRef idx="0">
+              <a:schemeClr val="accent1"/>
+            </a:effectRef>
+            <a:fontRef idx="minor">
+              <a:schemeClr val="tx1"/>
+            </a:fontRef>
+          </p:style>
+        </p:cxnSp>
+        <p:sp>
+          <p:nvSpPr>
+            <p:cNvPr id="182" name="Rectangle 181">
+              <a:extLst>
+                <a:ext uri="{FF2B5EF4-FFF2-40B4-BE49-F238E27FC236}">
+                  <a16:creationId xmlns:a16="http://schemas.microsoft.com/office/drawing/2014/main" id="{CB81C392-7FF8-4B09-8BAD-197F04071D06}"/>
+                </a:ext>
+              </a:extLst>
+            </p:cNvPr>
+            <p:cNvSpPr/>
+            <p:nvPr/>
+          </p:nvSpPr>
+          <p:spPr>
+            <a:xfrm>
+              <a:off x="13399956" y="3965351"/>
+              <a:ext cx="168896" cy="183734"/>
+            </a:xfrm>
+            <a:prstGeom prst="rect">
+              <a:avLst/>
+            </a:prstGeom>
+            <a:solidFill>
+              <a:srgbClr val="7030A0"/>
+            </a:solidFill>
+            <a:ln>
+              <a:solidFill>
+                <a:srgbClr val="7030A0"/>
+              </a:solidFill>
+            </a:ln>
+            <a:effectLst/>
+          </p:spPr>
+          <p:style>
+            <a:lnRef idx="1">
+              <a:schemeClr val="accent3"/>
+            </a:lnRef>
+            <a:fillRef idx="2">
+              <a:schemeClr val="accent3"/>
+            </a:fillRef>
+            <a:effectRef idx="1">
+              <a:schemeClr val="accent3"/>
+            </a:effectRef>
+            <a:fontRef idx="minor">
+              <a:schemeClr val="dk1"/>
+            </a:fontRef>
+          </p:style>
+          <p:txBody>
+            <a:bodyPr rtlCol="0" anchor="ctr"/>
+            <a:lstStyle/>
+            <a:p>
+              <a:pPr algn="ctr"/>
+              <a:endParaRPr lang="en-SG" sz="1400"/>
+            </a:p>
+          </p:txBody>
+        </p:sp>
+        <p:sp>
+          <p:nvSpPr>
+            <p:cNvPr id="184" name="Rectangle 183">
+              <a:extLst>
+                <a:ext uri="{FF2B5EF4-FFF2-40B4-BE49-F238E27FC236}">
+                  <a16:creationId xmlns:a16="http://schemas.microsoft.com/office/drawing/2014/main" id="{85F6E1D7-1234-48B3-8C03-D8B5BAB58C2D}"/>
+                </a:ext>
+              </a:extLst>
+            </p:cNvPr>
+            <p:cNvSpPr/>
+            <p:nvPr/>
+          </p:nvSpPr>
+          <p:spPr>
+            <a:xfrm>
+              <a:off x="7191615" y="4379522"/>
+              <a:ext cx="2234871" cy="312494"/>
+            </a:xfrm>
+            <a:prstGeom prst="rect">
+              <a:avLst/>
+            </a:prstGeom>
+            <a:solidFill>
+              <a:srgbClr val="FFFFFF">
+                <a:alpha val="65098"/>
+              </a:srgbClr>
+            </a:solidFill>
+            <a:ln>
+              <a:solidFill>
+                <a:srgbClr val="000000">
+                  <a:alpha val="50196"/>
+                </a:srgbClr>
+              </a:solidFill>
+            </a:ln>
+          </p:spPr>
+          <p:style>
+            <a:lnRef idx="2">
+              <a:schemeClr val="accent1">
+                <a:shade val="50000"/>
+              </a:schemeClr>
+            </a:lnRef>
+            <a:fillRef idx="1">
+              <a:schemeClr val="accent1"/>
+            </a:fillRef>
+            <a:effectRef idx="0">
+              <a:schemeClr val="accent1"/>
+            </a:effectRef>
+            <a:fontRef idx="minor">
+              <a:schemeClr val="lt1"/>
+            </a:fontRef>
+          </p:style>
+          <p:txBody>
+            <a:bodyPr rtlCol="0" anchor="t"/>
+            <a:lstStyle/>
+            <a:p>
+              <a:r>
+                <a:rPr lang="en-SG" sz="1200" dirty="0">
+                  <a:solidFill>
+                    <a:schemeClr val="tx1"/>
+                  </a:solidFill>
+                </a:rPr>
+                <a:t>loop [Participant p : participants]</a:t>
+              </a:r>
+            </a:p>
+          </p:txBody>
+        </p:sp>
+        <p:sp>
+          <p:nvSpPr>
+            <p:cNvPr id="185" name="Rectangle 184">
+              <a:extLst>
+                <a:ext uri="{FF2B5EF4-FFF2-40B4-BE49-F238E27FC236}">
+                  <a16:creationId xmlns:a16="http://schemas.microsoft.com/office/drawing/2014/main" id="{97F23A06-C778-4D22-991E-02E3C4036198}"/>
+                </a:ext>
+              </a:extLst>
+            </p:cNvPr>
+            <p:cNvSpPr/>
+            <p:nvPr/>
+          </p:nvSpPr>
+          <p:spPr>
+            <a:xfrm>
+              <a:off x="7191615" y="5063290"/>
+              <a:ext cx="6775843" cy="2057600"/>
+            </a:xfrm>
+            <a:prstGeom prst="rect">
+              <a:avLst/>
+            </a:prstGeom>
+            <a:solidFill>
+              <a:srgbClr val="FFFFFF">
+                <a:alpha val="65098"/>
+              </a:srgbClr>
+            </a:solidFill>
+            <a:ln>
+              <a:solidFill>
+                <a:srgbClr val="000000">
+                  <a:alpha val="50196"/>
+                </a:srgbClr>
+              </a:solidFill>
+            </a:ln>
+          </p:spPr>
+          <p:style>
+            <a:lnRef idx="2">
+              <a:schemeClr val="accent1">
+                <a:shade val="50000"/>
+              </a:schemeClr>
+            </a:lnRef>
+            <a:fillRef idx="1">
+              <a:schemeClr val="accent1"/>
+            </a:fillRef>
+            <a:effectRef idx="0">
+              <a:schemeClr val="accent1"/>
+            </a:effectRef>
+            <a:fontRef idx="minor">
+              <a:schemeClr val="lt1"/>
+            </a:fontRef>
+          </p:style>
+          <p:txBody>
+            <a:bodyPr rtlCol="0" anchor="t"/>
+            <a:lstStyle/>
+            <a:p>
+              <a:r>
+                <a:rPr lang="en-SG" sz="1200" dirty="0">
+                  <a:solidFill>
+                    <a:schemeClr val="tx1"/>
+                  </a:solidFill>
+                </a:rPr>
+                <a:t>loop [Participant p : freshmen]</a:t>
+              </a:r>
+            </a:p>
+          </p:txBody>
+        </p:sp>
+        <p:sp>
+          <p:nvSpPr>
+            <p:cNvPr id="186" name="Rectangle 185">
+              <a:extLst>
+                <a:ext uri="{FF2B5EF4-FFF2-40B4-BE49-F238E27FC236}">
+                  <a16:creationId xmlns:a16="http://schemas.microsoft.com/office/drawing/2014/main" id="{C6C5883F-4E52-499F-85BA-F3B0342DA70F}"/>
+                </a:ext>
+              </a:extLst>
+            </p:cNvPr>
+            <p:cNvSpPr/>
+            <p:nvPr/>
+          </p:nvSpPr>
+          <p:spPr>
+            <a:xfrm>
+              <a:off x="8154642" y="5653998"/>
+              <a:ext cx="154408" cy="405261"/>
+            </a:xfrm>
+            <a:prstGeom prst="rect">
+              <a:avLst/>
+            </a:prstGeom>
             <a:solidFill>
               <a:srgbClr val="0070C0"/>
             </a:solidFill>
-            <a:prstDash val="sysDash"/>
-          </a:ln>
-          <a:effectLst/>
-        </p:spPr>
-        <p:style>
-          <a:lnRef idx="1">
-            <a:schemeClr val="accent1"/>
-          </a:lnRef>
-          <a:fillRef idx="2">
-            <a:schemeClr val="accent1"/>
-          </a:fillRef>
-          <a:effectRef idx="1">
-            <a:schemeClr val="accent1"/>
-          </a:effectRef>
-          <a:fontRef idx="minor">
-            <a:schemeClr val="dk1"/>
-          </a:fontRef>
-        </p:style>
-      </p:cxnSp>
-      <p:sp>
-        <p:nvSpPr>
-          <p:cNvPr id="151" name="Rectangle 150">
-            <a:extLst>
-              <a:ext uri="{FF2B5EF4-FFF2-40B4-BE49-F238E27FC236}">
-                <a16:creationId xmlns:a16="http://schemas.microsoft.com/office/drawing/2014/main" id="{B7280346-E1EF-47CF-814E-5AD2A4F29B0B}"/>
-              </a:ext>
-            </a:extLst>
-          </p:cNvPr>
-          <p:cNvSpPr/>
-          <p:nvPr/>
-        </p:nvSpPr>
-        <p:spPr>
-          <a:xfrm>
-            <a:off x="8099749" y="3104046"/>
-            <a:ext cx="154408" cy="4551513"/>
-          </a:xfrm>
-          <a:prstGeom prst="rect">
-            <a:avLst/>
-          </a:prstGeom>
-          <a:solidFill>
-            <a:srgbClr val="0070C0"/>
-          </a:solidFill>
-          <a:ln>
-            <a:solidFill>
-              <a:srgbClr val="0070C0"/>
-            </a:solidFill>
-          </a:ln>
-          <a:effectLst/>
-        </p:spPr>
-        <p:style>
-          <a:lnRef idx="1">
-            <a:schemeClr val="accent3"/>
-          </a:lnRef>
-          <a:fillRef idx="2">
-            <a:schemeClr val="accent3"/>
-          </a:fillRef>
-          <a:effectRef idx="1">
-            <a:schemeClr val="accent3"/>
-          </a:effectRef>
-          <a:fontRef idx="minor">
-            <a:schemeClr val="dk1"/>
-          </a:fontRef>
-        </p:style>
-        <p:txBody>
-          <a:bodyPr rtlCol="0" anchor="ctr"/>
-          <a:lstStyle/>
-          <a:p>
-            <a:pPr algn="ctr"/>
-            <a:endParaRPr lang="en-SG" sz="1400">
+            <a:ln>
               <a:solidFill>
-                <a:schemeClr val="dk1"/>
+                <a:srgbClr val="0070C0"/>
               </a:solidFill>
-            </a:endParaRPr>
-          </a:p>
-        </p:txBody>
-      </p:sp>
-      <p:sp>
-        <p:nvSpPr>
-          <p:cNvPr id="153" name="Rectangle 65">
-            <a:extLst>
-              <a:ext uri="{FF2B5EF4-FFF2-40B4-BE49-F238E27FC236}">
-                <a16:creationId xmlns:a16="http://schemas.microsoft.com/office/drawing/2014/main" id="{B0833745-A13B-455F-BC5E-7EE21CF7097E}"/>
-              </a:ext>
-            </a:extLst>
-          </p:cNvPr>
-          <p:cNvSpPr/>
-          <p:nvPr/>
-        </p:nvSpPr>
-        <p:spPr>
-          <a:xfrm>
-            <a:off x="11060008" y="380580"/>
-            <a:ext cx="3501812" cy="9140942"/>
-          </a:xfrm>
-          <a:prstGeom prst="roundRect">
-            <a:avLst>
-              <a:gd name="adj" fmla="val 3484"/>
-            </a:avLst>
-          </a:prstGeom>
-          <a:solidFill>
-            <a:srgbClr val="C3B3FF"/>
-          </a:solidFill>
-          <a:ln w="19050">
+            </a:ln>
+            <a:effectLst/>
+          </p:spPr>
+          <p:style>
+            <a:lnRef idx="1">
+              <a:schemeClr val="accent3"/>
+            </a:lnRef>
+            <a:fillRef idx="2">
+              <a:schemeClr val="accent3"/>
+            </a:fillRef>
+            <a:effectRef idx="1">
+              <a:schemeClr val="accent3"/>
+            </a:effectRef>
+            <a:fontRef idx="minor">
+              <a:schemeClr val="dk1"/>
+            </a:fontRef>
+          </p:style>
+          <p:txBody>
+            <a:bodyPr rtlCol="0" anchor="ctr"/>
+            <a:lstStyle/>
+            <a:p>
+              <a:pPr algn="ctr"/>
+              <a:endParaRPr lang="en-SG" sz="1400">
+                <a:solidFill>
+                  <a:schemeClr val="dk1"/>
+                </a:solidFill>
+              </a:endParaRPr>
+            </a:p>
+          </p:txBody>
+        </p:sp>
+        <p:cxnSp>
+          <p:nvCxnSpPr>
+            <p:cNvPr id="187" name="Curved Connector 12">
+              <a:extLst>
+                <a:ext uri="{FF2B5EF4-FFF2-40B4-BE49-F238E27FC236}">
+                  <a16:creationId xmlns:a16="http://schemas.microsoft.com/office/drawing/2014/main" id="{03FC8E64-1183-4BD1-BFFF-AD2C49D31614}"/>
+                </a:ext>
+              </a:extLst>
+            </p:cNvPr>
+            <p:cNvCxnSpPr>
+              <a:cxnSpLocks/>
+            </p:cNvCxnSpPr>
+            <p:nvPr/>
+          </p:nvCxnSpPr>
+          <p:spPr>
+            <a:xfrm rot="16200000" flipH="1">
+              <a:off x="8146912" y="6120647"/>
+              <a:ext cx="156923" cy="76200"/>
+            </a:xfrm>
+            <a:prstGeom prst="curvedConnector4">
+              <a:avLst>
+                <a:gd name="adj1" fmla="val -21043"/>
+                <a:gd name="adj2" fmla="val 400000"/>
+              </a:avLst>
+            </a:prstGeom>
+            <a:ln>
+              <a:solidFill>
+                <a:srgbClr val="0070C0"/>
+              </a:solidFill>
+              <a:tailEnd type="triangle"/>
+            </a:ln>
+          </p:spPr>
+          <p:style>
+            <a:lnRef idx="1">
+              <a:schemeClr val="accent1"/>
+            </a:lnRef>
+            <a:fillRef idx="0">
+              <a:schemeClr val="accent1"/>
+            </a:fillRef>
+            <a:effectRef idx="0">
+              <a:schemeClr val="accent1"/>
+            </a:effectRef>
+            <a:fontRef idx="minor">
+              <a:schemeClr val="tx1"/>
+            </a:fontRef>
+          </p:style>
+        </p:cxnSp>
+        <p:cxnSp>
+          <p:nvCxnSpPr>
+            <p:cNvPr id="217" name="Curved Connector 12">
+              <a:extLst>
+                <a:ext uri="{FF2B5EF4-FFF2-40B4-BE49-F238E27FC236}">
+                  <a16:creationId xmlns:a16="http://schemas.microsoft.com/office/drawing/2014/main" id="{2937E295-5C87-43F4-8D54-5C13E9F94930}"/>
+                </a:ext>
+              </a:extLst>
+            </p:cNvPr>
+            <p:cNvCxnSpPr>
+              <a:cxnSpLocks/>
+            </p:cNvCxnSpPr>
+            <p:nvPr/>
+          </p:nvCxnSpPr>
+          <p:spPr>
+            <a:xfrm rot="16200000" flipH="1">
+              <a:off x="8192489" y="5539800"/>
+              <a:ext cx="156923" cy="76200"/>
+            </a:xfrm>
+            <a:prstGeom prst="curvedConnector4">
+              <a:avLst>
+                <a:gd name="adj1" fmla="val -21043"/>
+                <a:gd name="adj2" fmla="val 400000"/>
+              </a:avLst>
+            </a:prstGeom>
+            <a:ln>
+              <a:solidFill>
+                <a:srgbClr val="0070C0"/>
+              </a:solidFill>
+              <a:tailEnd type="triangle"/>
+            </a:ln>
+          </p:spPr>
+          <p:style>
+            <a:lnRef idx="1">
+              <a:schemeClr val="accent1"/>
+            </a:lnRef>
+            <a:fillRef idx="0">
+              <a:schemeClr val="accent1"/>
+            </a:fillRef>
+            <a:effectRef idx="0">
+              <a:schemeClr val="accent1"/>
+            </a:effectRef>
+            <a:fontRef idx="minor">
+              <a:schemeClr val="tx1"/>
+            </a:fontRef>
+          </p:style>
+        </p:cxnSp>
+        <p:sp>
+          <p:nvSpPr>
+            <p:cNvPr id="218" name="TextBox 217">
+              <a:extLst>
+                <a:ext uri="{FF2B5EF4-FFF2-40B4-BE49-F238E27FC236}">
+                  <a16:creationId xmlns:a16="http://schemas.microsoft.com/office/drawing/2014/main" id="{43E6CA3E-3445-4CE4-8EAD-E4F43795DA37}"/>
+                </a:ext>
+              </a:extLst>
+            </p:cNvPr>
+            <p:cNvSpPr txBox="1"/>
+            <p:nvPr/>
+          </p:nvSpPr>
+          <p:spPr>
+            <a:xfrm>
+              <a:off x="8259017" y="5662142"/>
+              <a:ext cx="2284015" cy="215444"/>
+            </a:xfrm>
+            <a:prstGeom prst="rect">
+              <a:avLst/>
+            </a:prstGeom>
             <a:noFill/>
-          </a:ln>
-          <a:effectLst/>
-        </p:spPr>
-        <p:style>
-          <a:lnRef idx="1">
-            <a:schemeClr val="accent2"/>
-          </a:lnRef>
-          <a:fillRef idx="2">
-            <a:schemeClr val="accent2"/>
-          </a:fillRef>
-          <a:effectRef idx="1">
-            <a:schemeClr val="accent2"/>
-          </a:effectRef>
-          <a:fontRef idx="minor">
-            <a:schemeClr val="dk1"/>
-          </a:fontRef>
-        </p:style>
-        <p:txBody>
-          <a:bodyPr rtlCol="0" anchor="t"/>
-          <a:lstStyle/>
-          <a:p>
-            <a:r>
-              <a:rPr lang="en-US" sz="1200" b="1" dirty="0">
-                <a:solidFill>
-                  <a:srgbClr val="7030A0"/>
-                </a:solidFill>
-              </a:rPr>
-              <a:t>Model</a:t>
-            </a:r>
-            <a:endParaRPr lang="en-SG" sz="1200" b="1" dirty="0">
+          </p:spPr>
+          <p:txBody>
+            <a:bodyPr wrap="square" lIns="0" tIns="0" rIns="0" bIns="0" rtlCol="0">
+              <a:spAutoFit/>
+            </a:bodyPr>
+            <a:lstStyle>
+              <a:defPPr>
+                <a:defRPr lang="en-US"/>
+              </a:defPPr>
+              <a:lvl1pPr algn="r">
+                <a:defRPr sz="1400">
+                  <a:solidFill>
+                    <a:srgbClr val="0070C0"/>
+                  </a:solidFill>
+                </a:defRPr>
+              </a:lvl1pPr>
+            </a:lstStyle>
+            <a:p>
+              <a:r>
+                <a:rPr lang="en-US" dirty="0" err="1"/>
+                <a:t>getParticipantUpdatedGroup</a:t>
+              </a:r>
+              <a:r>
+                <a:rPr lang="en-US" dirty="0"/>
+                <a:t>()</a:t>
+              </a:r>
+            </a:p>
+          </p:txBody>
+        </p:sp>
+        <p:cxnSp>
+          <p:nvCxnSpPr>
+            <p:cNvPr id="246" name="Straight Arrow Connector 245">
+              <a:extLst>
+                <a:ext uri="{FF2B5EF4-FFF2-40B4-BE49-F238E27FC236}">
+                  <a16:creationId xmlns:a16="http://schemas.microsoft.com/office/drawing/2014/main" id="{FB77A06B-3CE2-479C-8186-9093C8C3153D}"/>
+                </a:ext>
+              </a:extLst>
+            </p:cNvPr>
+            <p:cNvCxnSpPr>
+              <a:cxnSpLocks/>
+            </p:cNvCxnSpPr>
+            <p:nvPr/>
+          </p:nvCxnSpPr>
+          <p:spPr>
+            <a:xfrm>
+              <a:off x="8270344" y="6646329"/>
+              <a:ext cx="5175146" cy="0"/>
+            </a:xfrm>
+            <a:prstGeom prst="straightConnector1">
+              <a:avLst/>
+            </a:prstGeom>
+            <a:ln w="19050">
               <a:solidFill>
                 <a:srgbClr val="7030A0"/>
               </a:solidFill>
-            </a:endParaRPr>
-          </a:p>
-        </p:txBody>
-      </p:sp>
-      <p:sp>
-        <p:nvSpPr>
-          <p:cNvPr id="156" name="Rectangle 62">
-            <a:extLst>
-              <a:ext uri="{FF2B5EF4-FFF2-40B4-BE49-F238E27FC236}">
-                <a16:creationId xmlns:a16="http://schemas.microsoft.com/office/drawing/2014/main" id="{0602C17C-A232-4419-BAEE-FA9A407AA562}"/>
-              </a:ext>
-            </a:extLst>
-          </p:cNvPr>
-          <p:cNvSpPr/>
-          <p:nvPr/>
-        </p:nvSpPr>
-        <p:spPr>
-          <a:xfrm>
-            <a:off x="12745618" y="2391158"/>
-            <a:ext cx="1547733" cy="300180"/>
-          </a:xfrm>
-          <a:prstGeom prst="rect">
-            <a:avLst/>
-          </a:prstGeom>
-          <a:solidFill>
-            <a:srgbClr val="7030A0"/>
-          </a:solidFill>
-          <a:ln w="19050">
+              <a:tailEnd type="arrow"/>
+            </a:ln>
+          </p:spPr>
+          <p:style>
+            <a:lnRef idx="1">
+              <a:schemeClr val="accent1"/>
+            </a:lnRef>
+            <a:fillRef idx="0">
+              <a:schemeClr val="accent1"/>
+            </a:fillRef>
+            <a:effectRef idx="0">
+              <a:schemeClr val="accent1"/>
+            </a:effectRef>
+            <a:fontRef idx="minor">
+              <a:schemeClr val="tx1"/>
+            </a:fontRef>
+          </p:style>
+        </p:cxnSp>
+        <p:sp>
+          <p:nvSpPr>
+            <p:cNvPr id="249" name="TextBox 248">
+              <a:extLst>
+                <a:ext uri="{FF2B5EF4-FFF2-40B4-BE49-F238E27FC236}">
+                  <a16:creationId xmlns:a16="http://schemas.microsoft.com/office/drawing/2014/main" id="{62AE503D-B0C5-4557-94BB-F913CDA77426}"/>
+                </a:ext>
+              </a:extLst>
+            </p:cNvPr>
+            <p:cNvSpPr txBox="1"/>
+            <p:nvPr/>
+          </p:nvSpPr>
+          <p:spPr>
+            <a:xfrm>
+              <a:off x="8785983" y="6392178"/>
+              <a:ext cx="1703194" cy="184666"/>
+            </a:xfrm>
+            <a:prstGeom prst="rect">
+              <a:avLst/>
+            </a:prstGeom>
+            <a:noFill/>
+            <a:ln>
+              <a:noFill/>
+            </a:ln>
+          </p:spPr>
+          <p:txBody>
+            <a:bodyPr wrap="square" lIns="0" tIns="0" rIns="0" bIns="0" rtlCol="0">
+              <a:spAutoFit/>
+            </a:bodyPr>
+            <a:lstStyle>
+              <a:defPPr>
+                <a:defRPr lang="en-US"/>
+              </a:defPPr>
+              <a:lvl1pPr algn="r">
+                <a:defRPr sz="1400">
+                  <a:solidFill>
+                    <a:srgbClr val="0070C0"/>
+                  </a:solidFill>
+                </a:defRPr>
+              </a:lvl1pPr>
+            </a:lstStyle>
+            <a:p>
+              <a:pPr algn="ctr"/>
+              <a:r>
+                <a:rPr lang="en-US" sz="1200" dirty="0" err="1">
+                  <a:solidFill>
+                    <a:srgbClr val="7030A0"/>
+                  </a:solidFill>
+                </a:rPr>
+                <a:t>setParticipant</a:t>
+              </a:r>
+              <a:r>
+                <a:rPr lang="en-US" sz="1200" dirty="0">
+                  <a:solidFill>
+                    <a:schemeClr val="accent4">
+                      <a:lumMod val="75000"/>
+                    </a:schemeClr>
+                  </a:solidFill>
+                </a:rPr>
+                <a:t>()</a:t>
+              </a:r>
+            </a:p>
+          </p:txBody>
+        </p:sp>
+        <p:sp>
+          <p:nvSpPr>
+            <p:cNvPr id="251" name="Rectangle 250">
+              <a:extLst>
+                <a:ext uri="{FF2B5EF4-FFF2-40B4-BE49-F238E27FC236}">
+                  <a16:creationId xmlns:a16="http://schemas.microsoft.com/office/drawing/2014/main" id="{6B0EA872-DF67-4F21-9A9E-FF2C3FFE40E3}"/>
+                </a:ext>
+              </a:extLst>
+            </p:cNvPr>
+            <p:cNvSpPr/>
+            <p:nvPr/>
+          </p:nvSpPr>
+          <p:spPr>
+            <a:xfrm>
+              <a:off x="13399956" y="6646329"/>
+              <a:ext cx="168896" cy="183734"/>
+            </a:xfrm>
+            <a:prstGeom prst="rect">
+              <a:avLst/>
+            </a:prstGeom>
             <a:solidFill>
               <a:srgbClr val="7030A0"/>
             </a:solidFill>
-          </a:ln>
-          <a:effectLst/>
-        </p:spPr>
-        <p:style>
-          <a:lnRef idx="1">
-            <a:schemeClr val="accent2"/>
-          </a:lnRef>
-          <a:fillRef idx="2">
-            <a:schemeClr val="accent2"/>
-          </a:fillRef>
-          <a:effectRef idx="1">
-            <a:schemeClr val="accent2"/>
-          </a:effectRef>
-          <a:fontRef idx="minor">
-            <a:schemeClr val="dk1"/>
-          </a:fontRef>
-        </p:style>
-        <p:txBody>
-          <a:bodyPr rtlCol="0" anchor="ctr"/>
-          <a:lstStyle/>
-          <a:p>
-            <a:pPr algn="ctr"/>
-            <a:r>
-              <a:rPr lang="en-US" sz="1600" dirty="0">
-                <a:solidFill>
-                  <a:schemeClr val="bg1"/>
-                </a:solidFill>
-              </a:rPr>
-              <a:t>:</a:t>
-            </a:r>
-            <a:r>
-              <a:rPr lang="en-US" sz="1600" dirty="0" err="1">
-                <a:solidFill>
-                  <a:schemeClr val="bg1"/>
-                </a:solidFill>
-              </a:rPr>
-              <a:t>ModelManager</a:t>
-            </a:r>
-            <a:endParaRPr lang="en-SG" sz="1600" dirty="0">
+            <a:ln>
               <a:solidFill>
-                <a:schemeClr val="bg1"/>
+                <a:srgbClr val="7030A0"/>
               </a:solidFill>
-            </a:endParaRPr>
-          </a:p>
-        </p:txBody>
-      </p:sp>
-      <p:cxnSp>
-        <p:nvCxnSpPr>
-          <p:cNvPr id="157" name="Straight Connector 156">
-            <a:extLst>
-              <a:ext uri="{FF2B5EF4-FFF2-40B4-BE49-F238E27FC236}">
-                <a16:creationId xmlns:a16="http://schemas.microsoft.com/office/drawing/2014/main" id="{D655139C-1ADB-4B55-981E-EC1656CF7FB0}"/>
-              </a:ext>
-            </a:extLst>
-          </p:cNvPr>
-          <p:cNvCxnSpPr>
-            <a:cxnSpLocks/>
-          </p:cNvCxnSpPr>
-          <p:nvPr/>
-        </p:nvCxnSpPr>
-        <p:spPr>
-          <a:xfrm>
-            <a:off x="13492055" y="2639590"/>
-            <a:ext cx="0" cy="4687185"/>
-          </a:xfrm>
-          <a:prstGeom prst="line">
-            <a:avLst/>
-          </a:prstGeom>
-          <a:ln w="19050">
-            <a:solidFill>
-              <a:srgbClr val="7030A0"/>
-            </a:solidFill>
-            <a:prstDash val="sysDash"/>
-          </a:ln>
-          <a:effectLst/>
-        </p:spPr>
-        <p:style>
-          <a:lnRef idx="1">
-            <a:schemeClr val="accent1"/>
-          </a:lnRef>
-          <a:fillRef idx="2">
-            <a:schemeClr val="accent1"/>
-          </a:fillRef>
-          <a:effectRef idx="1">
-            <a:schemeClr val="accent1"/>
-          </a:effectRef>
-          <a:fontRef idx="minor">
-            <a:schemeClr val="dk1"/>
-          </a:fontRef>
-        </p:style>
-      </p:cxnSp>
-      <p:sp>
-        <p:nvSpPr>
-          <p:cNvPr id="158" name="Rectangle 157">
-            <a:extLst>
-              <a:ext uri="{FF2B5EF4-FFF2-40B4-BE49-F238E27FC236}">
-                <a16:creationId xmlns:a16="http://schemas.microsoft.com/office/drawing/2014/main" id="{A17768AB-3595-46B3-AE83-914E6BDB0431}"/>
-              </a:ext>
-            </a:extLst>
-          </p:cNvPr>
-          <p:cNvSpPr/>
-          <p:nvPr/>
-        </p:nvSpPr>
-        <p:spPr>
-          <a:xfrm>
-            <a:off x="13399956" y="3243285"/>
-            <a:ext cx="168896" cy="256200"/>
-          </a:xfrm>
-          <a:prstGeom prst="rect">
-            <a:avLst/>
-          </a:prstGeom>
-          <a:solidFill>
-            <a:srgbClr val="7030A0"/>
-          </a:solidFill>
-          <a:ln>
-            <a:solidFill>
-              <a:srgbClr val="7030A0"/>
-            </a:solidFill>
-          </a:ln>
-          <a:effectLst/>
-        </p:spPr>
-        <p:style>
-          <a:lnRef idx="1">
-            <a:schemeClr val="accent3"/>
-          </a:lnRef>
-          <a:fillRef idx="2">
-            <a:schemeClr val="accent3"/>
-          </a:fillRef>
-          <a:effectRef idx="1">
-            <a:schemeClr val="accent3"/>
-          </a:effectRef>
-          <a:fontRef idx="minor">
-            <a:schemeClr val="dk1"/>
-          </a:fontRef>
-        </p:style>
-        <p:txBody>
-          <a:bodyPr rtlCol="0" anchor="ctr"/>
-          <a:lstStyle/>
-          <a:p>
-            <a:pPr algn="ctr"/>
-            <a:endParaRPr lang="en-SG" sz="1400"/>
-          </a:p>
-        </p:txBody>
-      </p:sp>
-      <p:sp>
-        <p:nvSpPr>
-          <p:cNvPr id="160" name="TextBox 159">
-            <a:extLst>
-              <a:ext uri="{FF2B5EF4-FFF2-40B4-BE49-F238E27FC236}">
-                <a16:creationId xmlns:a16="http://schemas.microsoft.com/office/drawing/2014/main" id="{1F44E7B4-185E-447D-981A-94DCC1E8B649}"/>
-              </a:ext>
-            </a:extLst>
-          </p:cNvPr>
-          <p:cNvSpPr txBox="1"/>
-          <p:nvPr/>
-        </p:nvSpPr>
-        <p:spPr>
-          <a:xfrm>
-            <a:off x="8969280" y="3058619"/>
-            <a:ext cx="1482633" cy="184666"/>
-          </a:xfrm>
-          <a:prstGeom prst="rect">
-            <a:avLst/>
-          </a:prstGeom>
-          <a:noFill/>
-          <a:ln>
+            </a:ln>
+            <a:effectLst/>
+          </p:spPr>
+          <p:style>
+            <a:lnRef idx="1">
+              <a:schemeClr val="accent3"/>
+            </a:lnRef>
+            <a:fillRef idx="2">
+              <a:schemeClr val="accent3"/>
+            </a:fillRef>
+            <a:effectRef idx="1">
+              <a:schemeClr val="accent3"/>
+            </a:effectRef>
+            <a:fontRef idx="minor">
+              <a:schemeClr val="dk1"/>
+            </a:fontRef>
+          </p:style>
+          <p:txBody>
+            <a:bodyPr rtlCol="0" anchor="ctr"/>
+            <a:lstStyle/>
+            <a:p>
+              <a:pPr algn="ctr"/>
+              <a:endParaRPr lang="en-SG" sz="1400"/>
+            </a:p>
+          </p:txBody>
+        </p:sp>
+        <p:cxnSp>
+          <p:nvCxnSpPr>
+            <p:cNvPr id="252" name="Straight Arrow Connector 251">
+              <a:extLst>
+                <a:ext uri="{FF2B5EF4-FFF2-40B4-BE49-F238E27FC236}">
+                  <a16:creationId xmlns:a16="http://schemas.microsoft.com/office/drawing/2014/main" id="{4197BD3E-3646-4A86-8D05-CA62A93479E0}"/>
+                </a:ext>
+              </a:extLst>
+            </p:cNvPr>
+            <p:cNvCxnSpPr>
+              <a:cxnSpLocks/>
+            </p:cNvCxnSpPr>
+            <p:nvPr/>
+          </p:nvCxnSpPr>
+          <p:spPr>
+            <a:xfrm>
+              <a:off x="8263473" y="6816447"/>
+              <a:ext cx="5116011" cy="0"/>
+            </a:xfrm>
+            <a:prstGeom prst="straightConnector1">
+              <a:avLst/>
+            </a:prstGeom>
+            <a:ln w="19050">
+              <a:solidFill>
+                <a:srgbClr val="7030A0"/>
+              </a:solidFill>
+              <a:prstDash val="sysDash"/>
+              <a:headEnd type="arrow" w="med" len="med"/>
+              <a:tailEnd type="none" w="med" len="med"/>
+            </a:ln>
+          </p:spPr>
+          <p:style>
+            <a:lnRef idx="1">
+              <a:schemeClr val="accent1"/>
+            </a:lnRef>
+            <a:fillRef idx="0">
+              <a:schemeClr val="accent1"/>
+            </a:fillRef>
+            <a:effectRef idx="0">
+              <a:schemeClr val="accent1"/>
+            </a:effectRef>
+            <a:fontRef idx="minor">
+              <a:schemeClr val="tx1"/>
+            </a:fontRef>
+          </p:style>
+        </p:cxnSp>
+        <p:sp>
+          <p:nvSpPr>
+            <p:cNvPr id="72" name="TextBox 71">
+              <a:extLst>
+                <a:ext uri="{FF2B5EF4-FFF2-40B4-BE49-F238E27FC236}">
+                  <a16:creationId xmlns:a16="http://schemas.microsoft.com/office/drawing/2014/main" id="{B4B3C97D-AF32-4319-83BD-17D90788DB5F}"/>
+                </a:ext>
+              </a:extLst>
+            </p:cNvPr>
+            <p:cNvSpPr txBox="1"/>
+            <p:nvPr/>
+          </p:nvSpPr>
+          <p:spPr>
+            <a:xfrm>
+              <a:off x="13350029" y="7132138"/>
+              <a:ext cx="284052" cy="369332"/>
+            </a:xfrm>
+            <a:prstGeom prst="rect">
+              <a:avLst/>
+            </a:prstGeom>
             <a:noFill/>
-          </a:ln>
-        </p:spPr>
-        <p:txBody>
-          <a:bodyPr wrap="square" lIns="0" tIns="0" rIns="0" bIns="0" rtlCol="0">
-            <a:spAutoFit/>
-          </a:bodyPr>
-          <a:lstStyle>
-            <a:defPPr>
-              <a:defRPr lang="en-US"/>
-            </a:defPPr>
-            <a:lvl1pPr algn="r">
-              <a:defRPr sz="1400">
-                <a:solidFill>
-                  <a:srgbClr val="0070C0"/>
-                </a:solidFill>
-              </a:defRPr>
-            </a:lvl1pPr>
-          </a:lstStyle>
-          <a:p>
-            <a:pPr algn="ctr"/>
-            <a:r>
-              <a:rPr lang="en-US" sz="1200" dirty="0" err="1">
-                <a:solidFill>
-                  <a:srgbClr val="7030A0"/>
-                </a:solidFill>
-              </a:rPr>
-              <a:t>getFilteredGroupList</a:t>
-            </a:r>
-            <a:r>
-              <a:rPr lang="en-US" sz="1200" dirty="0">
-                <a:solidFill>
-                  <a:schemeClr val="accent4">
-                    <a:lumMod val="75000"/>
-                  </a:schemeClr>
-                </a:solidFill>
-              </a:rPr>
-              <a:t>()</a:t>
-            </a:r>
-          </a:p>
-        </p:txBody>
-      </p:sp>
-      <p:cxnSp>
-        <p:nvCxnSpPr>
-          <p:cNvPr id="165" name="Straight Arrow Connector 164">
-            <a:extLst>
-              <a:ext uri="{FF2B5EF4-FFF2-40B4-BE49-F238E27FC236}">
-                <a16:creationId xmlns:a16="http://schemas.microsoft.com/office/drawing/2014/main" id="{FFBABE52-1485-4E61-B322-56C8EB17DED7}"/>
-              </a:ext>
-            </a:extLst>
-          </p:cNvPr>
-          <p:cNvCxnSpPr>
-            <a:cxnSpLocks/>
-          </p:cNvCxnSpPr>
-          <p:nvPr/>
-        </p:nvCxnSpPr>
-        <p:spPr>
-          <a:xfrm>
-            <a:off x="8263473" y="3281776"/>
-            <a:ext cx="5084159" cy="0"/>
-          </a:xfrm>
-          <a:prstGeom prst="straightConnector1">
-            <a:avLst/>
-          </a:prstGeom>
-          <a:ln w="19050">
-            <a:solidFill>
-              <a:srgbClr val="7030A0"/>
-            </a:solidFill>
-            <a:tailEnd type="arrow"/>
-          </a:ln>
-        </p:spPr>
-        <p:style>
-          <a:lnRef idx="1">
-            <a:schemeClr val="accent1"/>
-          </a:lnRef>
-          <a:fillRef idx="0">
-            <a:schemeClr val="accent1"/>
-          </a:fillRef>
-          <a:effectRef idx="0">
-            <a:schemeClr val="accent1"/>
-          </a:effectRef>
-          <a:fontRef idx="minor">
-            <a:schemeClr val="tx1"/>
-          </a:fontRef>
-        </p:style>
-      </p:cxnSp>
-      <p:cxnSp>
-        <p:nvCxnSpPr>
-          <p:cNvPr id="174" name="Straight Arrow Connector 173">
-            <a:extLst>
-              <a:ext uri="{FF2B5EF4-FFF2-40B4-BE49-F238E27FC236}">
-                <a16:creationId xmlns:a16="http://schemas.microsoft.com/office/drawing/2014/main" id="{2E635D00-F9E9-4891-9948-97E6D1FBD2EE}"/>
-              </a:ext>
-            </a:extLst>
-          </p:cNvPr>
-          <p:cNvCxnSpPr>
-            <a:cxnSpLocks/>
-          </p:cNvCxnSpPr>
-          <p:nvPr/>
-        </p:nvCxnSpPr>
-        <p:spPr>
-          <a:xfrm>
-            <a:off x="8263473" y="3473240"/>
-            <a:ext cx="5059687" cy="0"/>
-          </a:xfrm>
-          <a:prstGeom prst="straightConnector1">
-            <a:avLst/>
-          </a:prstGeom>
-          <a:ln w="19050">
-            <a:solidFill>
-              <a:srgbClr val="7030A0"/>
-            </a:solidFill>
-            <a:prstDash val="sysDash"/>
-            <a:headEnd type="arrow" w="med" len="med"/>
-            <a:tailEnd type="none" w="med" len="med"/>
-          </a:ln>
-        </p:spPr>
-        <p:style>
-          <a:lnRef idx="1">
-            <a:schemeClr val="accent1"/>
-          </a:lnRef>
-          <a:fillRef idx="0">
-            <a:schemeClr val="accent1"/>
-          </a:fillRef>
-          <a:effectRef idx="0">
-            <a:schemeClr val="accent1"/>
-          </a:effectRef>
-          <a:fontRef idx="minor">
-            <a:schemeClr val="tx1"/>
-          </a:fontRef>
-        </p:style>
-      </p:cxnSp>
-      <p:sp>
-        <p:nvSpPr>
-          <p:cNvPr id="169" name="TextBox 168">
-            <a:extLst>
-              <a:ext uri="{FF2B5EF4-FFF2-40B4-BE49-F238E27FC236}">
-                <a16:creationId xmlns:a16="http://schemas.microsoft.com/office/drawing/2014/main" id="{FCC95233-724B-41CB-A372-D6AB2C342309}"/>
-              </a:ext>
-            </a:extLst>
-          </p:cNvPr>
-          <p:cNvSpPr txBox="1"/>
-          <p:nvPr/>
-        </p:nvSpPr>
-        <p:spPr>
-          <a:xfrm>
-            <a:off x="8976151" y="3740932"/>
-            <a:ext cx="1703194" cy="184666"/>
-          </a:xfrm>
-          <a:prstGeom prst="rect">
-            <a:avLst/>
-          </a:prstGeom>
-          <a:noFill/>
-          <a:ln>
+          </p:spPr>
+          <p:txBody>
+            <a:bodyPr wrap="none" rtlCol="0">
+              <a:spAutoFit/>
+            </a:bodyPr>
+            <a:lstStyle/>
+            <a:p>
+              <a:r>
+                <a:rPr lang="en-SG" dirty="0"/>
+                <a:t>x</a:t>
+              </a:r>
+            </a:p>
+          </p:txBody>
+        </p:sp>
+        <p:sp>
+          <p:nvSpPr>
+            <p:cNvPr id="80" name="TextBox 79">
+              <a:extLst>
+                <a:ext uri="{FF2B5EF4-FFF2-40B4-BE49-F238E27FC236}">
+                  <a16:creationId xmlns:a16="http://schemas.microsoft.com/office/drawing/2014/main" id="{09D018DC-0E25-4518-94D6-742CB485D519}"/>
+                </a:ext>
+              </a:extLst>
+            </p:cNvPr>
+            <p:cNvSpPr txBox="1"/>
+            <p:nvPr/>
+          </p:nvSpPr>
+          <p:spPr>
+            <a:xfrm>
+              <a:off x="8034927" y="7737038"/>
+              <a:ext cx="284052" cy="369332"/>
+            </a:xfrm>
+            <a:prstGeom prst="rect">
+              <a:avLst/>
+            </a:prstGeom>
             <a:noFill/>
-          </a:ln>
-        </p:spPr>
-        <p:txBody>
-          <a:bodyPr wrap="square" lIns="0" tIns="0" rIns="0" bIns="0" rtlCol="0">
-            <a:spAutoFit/>
-          </a:bodyPr>
-          <a:lstStyle>
-            <a:defPPr>
-              <a:defRPr lang="en-US"/>
-            </a:defPPr>
-            <a:lvl1pPr algn="r">
-              <a:defRPr sz="1400">
-                <a:solidFill>
-                  <a:srgbClr val="0070C0"/>
-                </a:solidFill>
-              </a:defRPr>
-            </a:lvl1pPr>
-          </a:lstStyle>
-          <a:p>
-            <a:pPr algn="ctr"/>
-            <a:r>
-              <a:rPr lang="en-US" sz="1200" dirty="0" err="1">
-                <a:solidFill>
-                  <a:srgbClr val="7030A0"/>
-                </a:solidFill>
-              </a:rPr>
-              <a:t>getFilteredParticipantList</a:t>
-            </a:r>
-            <a:r>
-              <a:rPr lang="en-US" sz="1200" dirty="0">
-                <a:solidFill>
-                  <a:schemeClr val="accent4">
-                    <a:lumMod val="75000"/>
-                  </a:schemeClr>
-                </a:solidFill>
-              </a:rPr>
-              <a:t>()</a:t>
-            </a:r>
-          </a:p>
-        </p:txBody>
-      </p:sp>
-      <p:cxnSp>
-        <p:nvCxnSpPr>
-          <p:cNvPr id="170" name="Straight Arrow Connector 169">
-            <a:extLst>
-              <a:ext uri="{FF2B5EF4-FFF2-40B4-BE49-F238E27FC236}">
-                <a16:creationId xmlns:a16="http://schemas.microsoft.com/office/drawing/2014/main" id="{D869B01A-1FD6-4764-9109-035735FBDBE2}"/>
-              </a:ext>
-            </a:extLst>
-          </p:cNvPr>
-          <p:cNvCxnSpPr>
-            <a:cxnSpLocks/>
-          </p:cNvCxnSpPr>
-          <p:nvPr/>
-        </p:nvCxnSpPr>
-        <p:spPr>
-          <a:xfrm>
-            <a:off x="8270344" y="3964089"/>
-            <a:ext cx="5077288" cy="0"/>
-          </a:xfrm>
-          <a:prstGeom prst="straightConnector1">
-            <a:avLst/>
-          </a:prstGeom>
-          <a:ln w="19050">
-            <a:solidFill>
-              <a:srgbClr val="7030A0"/>
-            </a:solidFill>
-            <a:tailEnd type="arrow"/>
-          </a:ln>
-        </p:spPr>
-        <p:style>
-          <a:lnRef idx="1">
-            <a:schemeClr val="accent1"/>
-          </a:lnRef>
-          <a:fillRef idx="0">
-            <a:schemeClr val="accent1"/>
-          </a:fillRef>
-          <a:effectRef idx="0">
-            <a:schemeClr val="accent1"/>
-          </a:effectRef>
-          <a:fontRef idx="minor">
-            <a:schemeClr val="tx1"/>
-          </a:fontRef>
-        </p:style>
-      </p:cxnSp>
-      <p:cxnSp>
-        <p:nvCxnSpPr>
-          <p:cNvPr id="178" name="Straight Arrow Connector 177">
-            <a:extLst>
-              <a:ext uri="{FF2B5EF4-FFF2-40B4-BE49-F238E27FC236}">
-                <a16:creationId xmlns:a16="http://schemas.microsoft.com/office/drawing/2014/main" id="{2B539558-8146-4882-B411-791576152B72}"/>
-              </a:ext>
-            </a:extLst>
-          </p:cNvPr>
-          <p:cNvCxnSpPr>
-            <a:cxnSpLocks/>
-          </p:cNvCxnSpPr>
-          <p:nvPr/>
-        </p:nvCxnSpPr>
-        <p:spPr>
-          <a:xfrm>
-            <a:off x="8252726" y="4113376"/>
-            <a:ext cx="5070434" cy="0"/>
-          </a:xfrm>
-          <a:prstGeom prst="straightConnector1">
-            <a:avLst/>
-          </a:prstGeom>
-          <a:ln w="19050">
-            <a:solidFill>
-              <a:srgbClr val="7030A0"/>
-            </a:solidFill>
-            <a:prstDash val="sysDash"/>
-            <a:headEnd type="arrow" w="med" len="med"/>
-            <a:tailEnd type="none" w="med" len="med"/>
-          </a:ln>
-        </p:spPr>
-        <p:style>
-          <a:lnRef idx="1">
-            <a:schemeClr val="accent1"/>
-          </a:lnRef>
-          <a:fillRef idx="0">
-            <a:schemeClr val="accent1"/>
-          </a:fillRef>
-          <a:effectRef idx="0">
-            <a:schemeClr val="accent1"/>
-          </a:effectRef>
-          <a:fontRef idx="minor">
-            <a:schemeClr val="tx1"/>
-          </a:fontRef>
-        </p:style>
-      </p:cxnSp>
-      <p:sp>
-        <p:nvSpPr>
-          <p:cNvPr id="182" name="Rectangle 181">
-            <a:extLst>
-              <a:ext uri="{FF2B5EF4-FFF2-40B4-BE49-F238E27FC236}">
-                <a16:creationId xmlns:a16="http://schemas.microsoft.com/office/drawing/2014/main" id="{CB81C392-7FF8-4B09-8BAD-197F04071D06}"/>
-              </a:ext>
-            </a:extLst>
-          </p:cNvPr>
-          <p:cNvSpPr/>
-          <p:nvPr/>
-        </p:nvSpPr>
-        <p:spPr>
-          <a:xfrm>
-            <a:off x="13399956" y="3965351"/>
-            <a:ext cx="168896" cy="183734"/>
-          </a:xfrm>
-          <a:prstGeom prst="rect">
-            <a:avLst/>
-          </a:prstGeom>
-          <a:solidFill>
-            <a:srgbClr val="7030A0"/>
-          </a:solidFill>
-          <a:ln>
-            <a:solidFill>
-              <a:srgbClr val="7030A0"/>
-            </a:solidFill>
-          </a:ln>
-          <a:effectLst/>
-        </p:spPr>
-        <p:style>
-          <a:lnRef idx="1">
-            <a:schemeClr val="accent3"/>
-          </a:lnRef>
-          <a:fillRef idx="2">
-            <a:schemeClr val="accent3"/>
-          </a:fillRef>
-          <a:effectRef idx="1">
-            <a:schemeClr val="accent3"/>
-          </a:effectRef>
-          <a:fontRef idx="minor">
-            <a:schemeClr val="dk1"/>
-          </a:fontRef>
-        </p:style>
-        <p:txBody>
-          <a:bodyPr rtlCol="0" anchor="ctr"/>
-          <a:lstStyle/>
-          <a:p>
-            <a:pPr algn="ctr"/>
-            <a:endParaRPr lang="en-SG" sz="1400"/>
-          </a:p>
-        </p:txBody>
-      </p:sp>
-      <p:sp>
-        <p:nvSpPr>
-          <p:cNvPr id="184" name="Rectangle 183">
-            <a:extLst>
-              <a:ext uri="{FF2B5EF4-FFF2-40B4-BE49-F238E27FC236}">
-                <a16:creationId xmlns:a16="http://schemas.microsoft.com/office/drawing/2014/main" id="{85F6E1D7-1234-48B3-8C03-D8B5BAB58C2D}"/>
-              </a:ext>
-            </a:extLst>
-          </p:cNvPr>
-          <p:cNvSpPr/>
-          <p:nvPr/>
-        </p:nvSpPr>
-        <p:spPr>
-          <a:xfrm>
-            <a:off x="7191615" y="4379522"/>
-            <a:ext cx="2234871" cy="312494"/>
-          </a:xfrm>
-          <a:prstGeom prst="rect">
-            <a:avLst/>
-          </a:prstGeom>
-          <a:solidFill>
-            <a:srgbClr val="FFFFFF">
-              <a:alpha val="65098"/>
-            </a:srgbClr>
-          </a:solidFill>
-          <a:ln>
-            <a:solidFill>
-              <a:srgbClr val="000000">
-                <a:alpha val="50196"/>
-              </a:srgbClr>
-            </a:solidFill>
-          </a:ln>
-        </p:spPr>
-        <p:style>
-          <a:lnRef idx="2">
-            <a:schemeClr val="accent1">
-              <a:shade val="50000"/>
-            </a:schemeClr>
-          </a:lnRef>
-          <a:fillRef idx="1">
-            <a:schemeClr val="accent1"/>
-          </a:fillRef>
-          <a:effectRef idx="0">
-            <a:schemeClr val="accent1"/>
-          </a:effectRef>
-          <a:fontRef idx="minor">
-            <a:schemeClr val="lt1"/>
-          </a:fontRef>
-        </p:style>
-        <p:txBody>
-          <a:bodyPr rtlCol="0" anchor="t"/>
-          <a:lstStyle/>
-          <a:p>
-            <a:r>
-              <a:rPr lang="en-SG" sz="1200" dirty="0">
-                <a:solidFill>
-                  <a:schemeClr val="tx1"/>
-                </a:solidFill>
-              </a:rPr>
-              <a:t>loop [Participant p : participants]</a:t>
-            </a:r>
-          </a:p>
-        </p:txBody>
-      </p:sp>
-      <p:sp>
-        <p:nvSpPr>
-          <p:cNvPr id="185" name="Rectangle 184">
-            <a:extLst>
-              <a:ext uri="{FF2B5EF4-FFF2-40B4-BE49-F238E27FC236}">
-                <a16:creationId xmlns:a16="http://schemas.microsoft.com/office/drawing/2014/main" id="{97F23A06-C778-4D22-991E-02E3C4036198}"/>
-              </a:ext>
-            </a:extLst>
-          </p:cNvPr>
-          <p:cNvSpPr/>
-          <p:nvPr/>
-        </p:nvSpPr>
-        <p:spPr>
-          <a:xfrm>
-            <a:off x="7191615" y="5063290"/>
-            <a:ext cx="6775843" cy="2057600"/>
-          </a:xfrm>
-          <a:prstGeom prst="rect">
-            <a:avLst/>
-          </a:prstGeom>
-          <a:solidFill>
-            <a:srgbClr val="FFFFFF">
-              <a:alpha val="65098"/>
-            </a:srgbClr>
-          </a:solidFill>
-          <a:ln>
-            <a:solidFill>
-              <a:srgbClr val="000000">
-                <a:alpha val="50196"/>
-              </a:srgbClr>
-            </a:solidFill>
-          </a:ln>
-        </p:spPr>
-        <p:style>
-          <a:lnRef idx="2">
-            <a:schemeClr val="accent1">
-              <a:shade val="50000"/>
-            </a:schemeClr>
-          </a:lnRef>
-          <a:fillRef idx="1">
-            <a:schemeClr val="accent1"/>
-          </a:fillRef>
-          <a:effectRef idx="0">
-            <a:schemeClr val="accent1"/>
-          </a:effectRef>
-          <a:fontRef idx="minor">
-            <a:schemeClr val="lt1"/>
-          </a:fontRef>
-        </p:style>
-        <p:txBody>
-          <a:bodyPr rtlCol="0" anchor="t"/>
-          <a:lstStyle/>
-          <a:p>
-            <a:r>
-              <a:rPr lang="en-SG" sz="1200" dirty="0">
-                <a:solidFill>
-                  <a:schemeClr val="tx1"/>
-                </a:solidFill>
-              </a:rPr>
-              <a:t>loop [Participant p : freshmen]</a:t>
-            </a:r>
-          </a:p>
-        </p:txBody>
-      </p:sp>
-      <p:sp>
-        <p:nvSpPr>
-          <p:cNvPr id="186" name="Rectangle 185">
-            <a:extLst>
-              <a:ext uri="{FF2B5EF4-FFF2-40B4-BE49-F238E27FC236}">
-                <a16:creationId xmlns:a16="http://schemas.microsoft.com/office/drawing/2014/main" id="{C6C5883F-4E52-499F-85BA-F3B0342DA70F}"/>
-              </a:ext>
-            </a:extLst>
-          </p:cNvPr>
-          <p:cNvSpPr/>
-          <p:nvPr/>
-        </p:nvSpPr>
-        <p:spPr>
-          <a:xfrm>
-            <a:off x="8154642" y="5653998"/>
-            <a:ext cx="154408" cy="405261"/>
-          </a:xfrm>
-          <a:prstGeom prst="rect">
-            <a:avLst/>
-          </a:prstGeom>
-          <a:solidFill>
-            <a:srgbClr val="0070C0"/>
-          </a:solidFill>
-          <a:ln>
-            <a:solidFill>
-              <a:srgbClr val="0070C0"/>
-            </a:solidFill>
-          </a:ln>
-          <a:effectLst/>
-        </p:spPr>
-        <p:style>
-          <a:lnRef idx="1">
-            <a:schemeClr val="accent3"/>
-          </a:lnRef>
-          <a:fillRef idx="2">
-            <a:schemeClr val="accent3"/>
-          </a:fillRef>
-          <a:effectRef idx="1">
-            <a:schemeClr val="accent3"/>
-          </a:effectRef>
-          <a:fontRef idx="minor">
-            <a:schemeClr val="dk1"/>
-          </a:fontRef>
-        </p:style>
-        <p:txBody>
-          <a:bodyPr rtlCol="0" anchor="ctr"/>
-          <a:lstStyle/>
-          <a:p>
-            <a:pPr algn="ctr"/>
-            <a:endParaRPr lang="en-SG" sz="1400">
+          </p:spPr>
+          <p:txBody>
+            <a:bodyPr wrap="none" rtlCol="0">
+              <a:spAutoFit/>
+            </a:bodyPr>
+            <a:lstStyle/>
+            <a:p>
+              <a:r>
+                <a:rPr lang="en-SG" dirty="0"/>
+                <a:t>x</a:t>
+              </a:r>
+            </a:p>
+          </p:txBody>
+        </p:sp>
+        <p:cxnSp>
+          <p:nvCxnSpPr>
+            <p:cNvPr id="81" name="Straight Arrow Connector 80">
+              <a:extLst>
+                <a:ext uri="{FF2B5EF4-FFF2-40B4-BE49-F238E27FC236}">
+                  <a16:creationId xmlns:a16="http://schemas.microsoft.com/office/drawing/2014/main" id="{30FAE1F0-3C51-4E09-ADA5-9AA3D2AD3C35}"/>
+                </a:ext>
+              </a:extLst>
+            </p:cNvPr>
+            <p:cNvCxnSpPr>
+              <a:cxnSpLocks/>
+            </p:cNvCxnSpPr>
+            <p:nvPr/>
+          </p:nvCxnSpPr>
+          <p:spPr>
+            <a:xfrm>
+              <a:off x="3183255" y="7643651"/>
+              <a:ext cx="4886325" cy="0"/>
+            </a:xfrm>
+            <a:prstGeom prst="straightConnector1">
+              <a:avLst/>
+            </a:prstGeom>
+            <a:ln w="19050">
               <a:solidFill>
-                <a:schemeClr val="dk1"/>
+                <a:srgbClr val="0070C0"/>
               </a:solidFill>
-            </a:endParaRPr>
-          </a:p>
-        </p:txBody>
-      </p:sp>
-      <p:cxnSp>
-        <p:nvCxnSpPr>
-          <p:cNvPr id="187" name="Curved Connector 12">
-            <a:extLst>
-              <a:ext uri="{FF2B5EF4-FFF2-40B4-BE49-F238E27FC236}">
-                <a16:creationId xmlns:a16="http://schemas.microsoft.com/office/drawing/2014/main" id="{03FC8E64-1183-4BD1-BFFF-AD2C49D31614}"/>
-              </a:ext>
-            </a:extLst>
-          </p:cNvPr>
-          <p:cNvCxnSpPr>
-            <a:cxnSpLocks/>
-          </p:cNvCxnSpPr>
-          <p:nvPr/>
-        </p:nvCxnSpPr>
-        <p:spPr>
-          <a:xfrm rot="16200000" flipH="1">
-            <a:off x="8146912" y="6120647"/>
-            <a:ext cx="156923" cy="76200"/>
-          </a:xfrm>
-          <a:prstGeom prst="curvedConnector4">
-            <a:avLst>
-              <a:gd name="adj1" fmla="val -21043"/>
-              <a:gd name="adj2" fmla="val 400000"/>
-            </a:avLst>
-          </a:prstGeom>
-          <a:ln>
-            <a:solidFill>
-              <a:srgbClr val="0070C0"/>
-            </a:solidFill>
-            <a:tailEnd type="triangle"/>
-          </a:ln>
-        </p:spPr>
-        <p:style>
-          <a:lnRef idx="1">
-            <a:schemeClr val="accent1"/>
-          </a:lnRef>
-          <a:fillRef idx="0">
-            <a:schemeClr val="accent1"/>
-          </a:fillRef>
-          <a:effectRef idx="0">
-            <a:schemeClr val="accent1"/>
-          </a:effectRef>
-          <a:fontRef idx="minor">
-            <a:schemeClr val="tx1"/>
-          </a:fontRef>
-        </p:style>
-      </p:cxnSp>
-      <p:cxnSp>
-        <p:nvCxnSpPr>
-          <p:cNvPr id="217" name="Curved Connector 12">
-            <a:extLst>
-              <a:ext uri="{FF2B5EF4-FFF2-40B4-BE49-F238E27FC236}">
-                <a16:creationId xmlns:a16="http://schemas.microsoft.com/office/drawing/2014/main" id="{2937E295-5C87-43F4-8D54-5C13E9F94930}"/>
-              </a:ext>
-            </a:extLst>
-          </p:cNvPr>
-          <p:cNvCxnSpPr>
-            <a:cxnSpLocks/>
-          </p:cNvCxnSpPr>
-          <p:nvPr/>
-        </p:nvCxnSpPr>
-        <p:spPr>
-          <a:xfrm rot="16200000" flipH="1">
-            <a:off x="8192489" y="5539800"/>
-            <a:ext cx="156923" cy="76200"/>
-          </a:xfrm>
-          <a:prstGeom prst="curvedConnector4">
-            <a:avLst>
-              <a:gd name="adj1" fmla="val -21043"/>
-              <a:gd name="adj2" fmla="val 400000"/>
-            </a:avLst>
-          </a:prstGeom>
-          <a:ln>
-            <a:solidFill>
-              <a:srgbClr val="0070C0"/>
-            </a:solidFill>
-            <a:tailEnd type="triangle"/>
-          </a:ln>
-        </p:spPr>
-        <p:style>
-          <a:lnRef idx="1">
-            <a:schemeClr val="accent1"/>
-          </a:lnRef>
-          <a:fillRef idx="0">
-            <a:schemeClr val="accent1"/>
-          </a:fillRef>
-          <a:effectRef idx="0">
-            <a:schemeClr val="accent1"/>
-          </a:effectRef>
-          <a:fontRef idx="minor">
-            <a:schemeClr val="tx1"/>
-          </a:fontRef>
-        </p:style>
-      </p:cxnSp>
-      <p:sp>
-        <p:nvSpPr>
-          <p:cNvPr id="218" name="TextBox 217">
-            <a:extLst>
-              <a:ext uri="{FF2B5EF4-FFF2-40B4-BE49-F238E27FC236}">
-                <a16:creationId xmlns:a16="http://schemas.microsoft.com/office/drawing/2014/main" id="{43E6CA3E-3445-4CE4-8EAD-E4F43795DA37}"/>
-              </a:ext>
-            </a:extLst>
-          </p:cNvPr>
-          <p:cNvSpPr txBox="1"/>
-          <p:nvPr/>
-        </p:nvSpPr>
-        <p:spPr>
-          <a:xfrm>
-            <a:off x="8259017" y="5662142"/>
-            <a:ext cx="2284015" cy="215444"/>
-          </a:xfrm>
-          <a:prstGeom prst="rect">
-            <a:avLst/>
-          </a:prstGeom>
-          <a:noFill/>
-        </p:spPr>
-        <p:txBody>
-          <a:bodyPr wrap="square" lIns="0" tIns="0" rIns="0" bIns="0" rtlCol="0">
-            <a:spAutoFit/>
-          </a:bodyPr>
-          <a:lstStyle>
-            <a:defPPr>
-              <a:defRPr lang="en-US"/>
-            </a:defPPr>
-            <a:lvl1pPr algn="r">
-              <a:defRPr sz="1400">
-                <a:solidFill>
-                  <a:srgbClr val="0070C0"/>
-                </a:solidFill>
-              </a:defRPr>
-            </a:lvl1pPr>
-          </a:lstStyle>
-          <a:p>
-            <a:r>
-              <a:rPr lang="en-US" dirty="0" err="1"/>
-              <a:t>getParticipantUpdatedGroup</a:t>
-            </a:r>
-            <a:r>
-              <a:rPr lang="en-US" dirty="0"/>
-              <a:t>()</a:t>
-            </a:r>
-          </a:p>
-        </p:txBody>
-      </p:sp>
-      <p:cxnSp>
-        <p:nvCxnSpPr>
-          <p:cNvPr id="246" name="Straight Arrow Connector 245">
-            <a:extLst>
-              <a:ext uri="{FF2B5EF4-FFF2-40B4-BE49-F238E27FC236}">
-                <a16:creationId xmlns:a16="http://schemas.microsoft.com/office/drawing/2014/main" id="{FB77A06B-3CE2-479C-8186-9093C8C3153D}"/>
-              </a:ext>
-            </a:extLst>
-          </p:cNvPr>
-          <p:cNvCxnSpPr>
-            <a:cxnSpLocks/>
-          </p:cNvCxnSpPr>
-          <p:nvPr/>
-        </p:nvCxnSpPr>
-        <p:spPr>
-          <a:xfrm>
-            <a:off x="8270344" y="6646329"/>
-            <a:ext cx="5175146" cy="0"/>
-          </a:xfrm>
-          <a:prstGeom prst="straightConnector1">
-            <a:avLst/>
-          </a:prstGeom>
-          <a:ln w="19050">
-            <a:solidFill>
-              <a:srgbClr val="7030A0"/>
-            </a:solidFill>
-            <a:tailEnd type="arrow"/>
-          </a:ln>
-        </p:spPr>
-        <p:style>
-          <a:lnRef idx="1">
-            <a:schemeClr val="accent1"/>
-          </a:lnRef>
-          <a:fillRef idx="0">
-            <a:schemeClr val="accent1"/>
-          </a:fillRef>
-          <a:effectRef idx="0">
-            <a:schemeClr val="accent1"/>
-          </a:effectRef>
-          <a:fontRef idx="minor">
-            <a:schemeClr val="tx1"/>
-          </a:fontRef>
-        </p:style>
-      </p:cxnSp>
-      <p:sp>
-        <p:nvSpPr>
-          <p:cNvPr id="249" name="TextBox 248">
-            <a:extLst>
-              <a:ext uri="{FF2B5EF4-FFF2-40B4-BE49-F238E27FC236}">
-                <a16:creationId xmlns:a16="http://schemas.microsoft.com/office/drawing/2014/main" id="{62AE503D-B0C5-4557-94BB-F913CDA77426}"/>
-              </a:ext>
-            </a:extLst>
-          </p:cNvPr>
-          <p:cNvSpPr txBox="1"/>
-          <p:nvPr/>
-        </p:nvSpPr>
-        <p:spPr>
-          <a:xfrm>
-            <a:off x="8785983" y="6392178"/>
-            <a:ext cx="1703194" cy="184666"/>
-          </a:xfrm>
-          <a:prstGeom prst="rect">
-            <a:avLst/>
-          </a:prstGeom>
-          <a:noFill/>
-          <a:ln>
-            <a:noFill/>
-          </a:ln>
-        </p:spPr>
-        <p:txBody>
-          <a:bodyPr wrap="square" lIns="0" tIns="0" rIns="0" bIns="0" rtlCol="0">
-            <a:spAutoFit/>
-          </a:bodyPr>
-          <a:lstStyle>
-            <a:defPPr>
-              <a:defRPr lang="en-US"/>
-            </a:defPPr>
-            <a:lvl1pPr algn="r">
-              <a:defRPr sz="1400">
-                <a:solidFill>
-                  <a:srgbClr val="0070C0"/>
-                </a:solidFill>
-              </a:defRPr>
-            </a:lvl1pPr>
-          </a:lstStyle>
-          <a:p>
-            <a:pPr algn="ctr"/>
-            <a:r>
-              <a:rPr lang="en-US" sz="1200" dirty="0" err="1">
-                <a:solidFill>
-                  <a:srgbClr val="7030A0"/>
-                </a:solidFill>
-              </a:rPr>
-              <a:t>setParticipant</a:t>
-            </a:r>
-            <a:r>
-              <a:rPr lang="en-US" sz="1200" dirty="0">
-                <a:solidFill>
-                  <a:schemeClr val="accent4">
-                    <a:lumMod val="75000"/>
-                  </a:schemeClr>
-                </a:solidFill>
-              </a:rPr>
-              <a:t>()</a:t>
-            </a:r>
-          </a:p>
-        </p:txBody>
-      </p:sp>
-      <p:sp>
-        <p:nvSpPr>
-          <p:cNvPr id="251" name="Rectangle 250">
-            <a:extLst>
-              <a:ext uri="{FF2B5EF4-FFF2-40B4-BE49-F238E27FC236}">
-                <a16:creationId xmlns:a16="http://schemas.microsoft.com/office/drawing/2014/main" id="{6B0EA872-DF67-4F21-9A9E-FF2C3FFE40E3}"/>
-              </a:ext>
-            </a:extLst>
-          </p:cNvPr>
-          <p:cNvSpPr/>
-          <p:nvPr/>
-        </p:nvSpPr>
-        <p:spPr>
-          <a:xfrm>
-            <a:off x="13399956" y="6646329"/>
-            <a:ext cx="168896" cy="183734"/>
-          </a:xfrm>
-          <a:prstGeom prst="rect">
-            <a:avLst/>
-          </a:prstGeom>
-          <a:solidFill>
-            <a:srgbClr val="7030A0"/>
-          </a:solidFill>
-          <a:ln>
-            <a:solidFill>
-              <a:srgbClr val="7030A0"/>
-            </a:solidFill>
-          </a:ln>
-          <a:effectLst/>
-        </p:spPr>
-        <p:style>
-          <a:lnRef idx="1">
-            <a:schemeClr val="accent3"/>
-          </a:lnRef>
-          <a:fillRef idx="2">
-            <a:schemeClr val="accent3"/>
-          </a:fillRef>
-          <a:effectRef idx="1">
-            <a:schemeClr val="accent3"/>
-          </a:effectRef>
-          <a:fontRef idx="minor">
-            <a:schemeClr val="dk1"/>
-          </a:fontRef>
-        </p:style>
-        <p:txBody>
-          <a:bodyPr rtlCol="0" anchor="ctr"/>
-          <a:lstStyle/>
-          <a:p>
-            <a:pPr algn="ctr"/>
-            <a:endParaRPr lang="en-SG" sz="1400"/>
-          </a:p>
-        </p:txBody>
-      </p:sp>
-      <p:cxnSp>
-        <p:nvCxnSpPr>
-          <p:cNvPr id="252" name="Straight Arrow Connector 251">
-            <a:extLst>
-              <a:ext uri="{FF2B5EF4-FFF2-40B4-BE49-F238E27FC236}">
-                <a16:creationId xmlns:a16="http://schemas.microsoft.com/office/drawing/2014/main" id="{4197BD3E-3646-4A86-8D05-CA62A93479E0}"/>
-              </a:ext>
-            </a:extLst>
-          </p:cNvPr>
-          <p:cNvCxnSpPr>
-            <a:cxnSpLocks/>
-          </p:cNvCxnSpPr>
-          <p:nvPr/>
-        </p:nvCxnSpPr>
-        <p:spPr>
-          <a:xfrm>
-            <a:off x="8263473" y="6816447"/>
-            <a:ext cx="5116011" cy="0"/>
-          </a:xfrm>
-          <a:prstGeom prst="straightConnector1">
-            <a:avLst/>
-          </a:prstGeom>
-          <a:ln w="19050">
-            <a:solidFill>
-              <a:srgbClr val="7030A0"/>
-            </a:solidFill>
-            <a:prstDash val="sysDash"/>
-            <a:headEnd type="arrow" w="med" len="med"/>
-            <a:tailEnd type="none" w="med" len="med"/>
-          </a:ln>
-        </p:spPr>
-        <p:style>
-          <a:lnRef idx="1">
-            <a:schemeClr val="accent1"/>
-          </a:lnRef>
-          <a:fillRef idx="0">
-            <a:schemeClr val="accent1"/>
-          </a:fillRef>
-          <a:effectRef idx="0">
-            <a:schemeClr val="accent1"/>
-          </a:effectRef>
-          <a:fontRef idx="minor">
-            <a:schemeClr val="tx1"/>
-          </a:fontRef>
-        </p:style>
-      </p:cxnSp>
-      <p:sp>
-        <p:nvSpPr>
-          <p:cNvPr id="72" name="TextBox 71">
-            <a:extLst>
-              <a:ext uri="{FF2B5EF4-FFF2-40B4-BE49-F238E27FC236}">
-                <a16:creationId xmlns:a16="http://schemas.microsoft.com/office/drawing/2014/main" id="{B4B3C97D-AF32-4319-83BD-17D90788DB5F}"/>
-              </a:ext>
-            </a:extLst>
-          </p:cNvPr>
-          <p:cNvSpPr txBox="1"/>
-          <p:nvPr/>
-        </p:nvSpPr>
-        <p:spPr>
-          <a:xfrm>
-            <a:off x="13350029" y="7132138"/>
-            <a:ext cx="284052" cy="369332"/>
-          </a:xfrm>
-          <a:prstGeom prst="rect">
-            <a:avLst/>
-          </a:prstGeom>
-          <a:noFill/>
-        </p:spPr>
-        <p:txBody>
-          <a:bodyPr wrap="none" rtlCol="0">
-            <a:spAutoFit/>
-          </a:bodyPr>
-          <a:lstStyle/>
-          <a:p>
-            <a:r>
-              <a:rPr lang="en-SG" dirty="0"/>
-              <a:t>x</a:t>
-            </a:r>
-          </a:p>
-        </p:txBody>
-      </p:sp>
-      <p:sp>
-        <p:nvSpPr>
-          <p:cNvPr id="80" name="TextBox 79">
-            <a:extLst>
-              <a:ext uri="{FF2B5EF4-FFF2-40B4-BE49-F238E27FC236}">
-                <a16:creationId xmlns:a16="http://schemas.microsoft.com/office/drawing/2014/main" id="{09D018DC-0E25-4518-94D6-742CB485D519}"/>
-              </a:ext>
-            </a:extLst>
-          </p:cNvPr>
-          <p:cNvSpPr txBox="1"/>
-          <p:nvPr/>
-        </p:nvSpPr>
-        <p:spPr>
-          <a:xfrm>
-            <a:off x="8034927" y="7737038"/>
-            <a:ext cx="284052" cy="369332"/>
-          </a:xfrm>
-          <a:prstGeom prst="rect">
-            <a:avLst/>
-          </a:prstGeom>
-          <a:noFill/>
-        </p:spPr>
-        <p:txBody>
-          <a:bodyPr wrap="none" rtlCol="0">
-            <a:spAutoFit/>
-          </a:bodyPr>
-          <a:lstStyle/>
-          <a:p>
-            <a:r>
-              <a:rPr lang="en-SG" dirty="0"/>
-              <a:t>x</a:t>
-            </a:r>
-          </a:p>
-        </p:txBody>
-      </p:sp>
-      <p:cxnSp>
-        <p:nvCxnSpPr>
-          <p:cNvPr id="81" name="Straight Arrow Connector 80">
-            <a:extLst>
-              <a:ext uri="{FF2B5EF4-FFF2-40B4-BE49-F238E27FC236}">
-                <a16:creationId xmlns:a16="http://schemas.microsoft.com/office/drawing/2014/main" id="{30FAE1F0-3C51-4E09-ADA5-9AA3D2AD3C35}"/>
-              </a:ext>
-            </a:extLst>
-          </p:cNvPr>
-          <p:cNvCxnSpPr>
-            <a:cxnSpLocks/>
-          </p:cNvCxnSpPr>
-          <p:nvPr/>
-        </p:nvCxnSpPr>
-        <p:spPr>
-          <a:xfrm>
-            <a:off x="3183255" y="7643651"/>
-            <a:ext cx="4886325" cy="0"/>
-          </a:xfrm>
-          <a:prstGeom prst="straightConnector1">
-            <a:avLst/>
-          </a:prstGeom>
-          <a:ln w="19050">
-            <a:solidFill>
-              <a:srgbClr val="0070C0"/>
-            </a:solidFill>
-            <a:prstDash val="sysDash"/>
-            <a:headEnd type="arrow" w="med" len="med"/>
-            <a:tailEnd type="none" w="med" len="med"/>
-          </a:ln>
-        </p:spPr>
-        <p:style>
-          <a:lnRef idx="1">
-            <a:schemeClr val="accent1"/>
-          </a:lnRef>
-          <a:fillRef idx="0">
-            <a:schemeClr val="accent1"/>
-          </a:fillRef>
-          <a:effectRef idx="0">
-            <a:schemeClr val="accent1"/>
-          </a:effectRef>
-          <a:fontRef idx="minor">
-            <a:schemeClr val="tx1"/>
-          </a:fontRef>
-        </p:style>
-      </p:cxnSp>
-      <p:cxnSp>
-        <p:nvCxnSpPr>
-          <p:cNvPr id="84" name="Straight Arrow Connector 83">
-            <a:extLst>
-              <a:ext uri="{FF2B5EF4-FFF2-40B4-BE49-F238E27FC236}">
-                <a16:creationId xmlns:a16="http://schemas.microsoft.com/office/drawing/2014/main" id="{CA8AB5F6-F2CA-44C6-9635-2D1B2000DDEF}"/>
-              </a:ext>
-            </a:extLst>
-          </p:cNvPr>
-          <p:cNvCxnSpPr>
-            <a:cxnSpLocks/>
-          </p:cNvCxnSpPr>
-          <p:nvPr/>
-        </p:nvCxnSpPr>
-        <p:spPr>
-          <a:xfrm>
-            <a:off x="935355" y="7979929"/>
-            <a:ext cx="2007864" cy="0"/>
-          </a:xfrm>
-          <a:prstGeom prst="straightConnector1">
-            <a:avLst/>
-          </a:prstGeom>
-          <a:ln w="19050">
-            <a:solidFill>
-              <a:schemeClr val="accent1"/>
-            </a:solidFill>
-            <a:prstDash val="sysDash"/>
-            <a:headEnd type="arrow" w="med" len="med"/>
-            <a:tailEnd type="none" w="med" len="med"/>
-          </a:ln>
-        </p:spPr>
-        <p:style>
-          <a:lnRef idx="1">
-            <a:schemeClr val="accent1"/>
-          </a:lnRef>
-          <a:fillRef idx="0">
-            <a:schemeClr val="accent1"/>
-          </a:fillRef>
-          <a:effectRef idx="0">
-            <a:schemeClr val="accent1"/>
-          </a:effectRef>
-          <a:fontRef idx="minor">
-            <a:schemeClr val="tx1"/>
-          </a:fontRef>
-        </p:style>
-      </p:cxnSp>
+              <a:prstDash val="sysDash"/>
+              <a:headEnd type="arrow" w="med" len="med"/>
+              <a:tailEnd type="none" w="med" len="med"/>
+            </a:ln>
+          </p:spPr>
+          <p:style>
+            <a:lnRef idx="1">
+              <a:schemeClr val="accent1"/>
+            </a:lnRef>
+            <a:fillRef idx="0">
+              <a:schemeClr val="accent1"/>
+            </a:fillRef>
+            <a:effectRef idx="0">
+              <a:schemeClr val="accent1"/>
+            </a:effectRef>
+            <a:fontRef idx="minor">
+              <a:schemeClr val="tx1"/>
+            </a:fontRef>
+          </p:style>
+        </p:cxnSp>
+        <p:cxnSp>
+          <p:nvCxnSpPr>
+            <p:cNvPr id="84" name="Straight Arrow Connector 83">
+              <a:extLst>
+                <a:ext uri="{FF2B5EF4-FFF2-40B4-BE49-F238E27FC236}">
+                  <a16:creationId xmlns:a16="http://schemas.microsoft.com/office/drawing/2014/main" id="{CA8AB5F6-F2CA-44C6-9635-2D1B2000DDEF}"/>
+                </a:ext>
+              </a:extLst>
+            </p:cNvPr>
+            <p:cNvCxnSpPr>
+              <a:cxnSpLocks/>
+            </p:cNvCxnSpPr>
+            <p:nvPr/>
+          </p:nvCxnSpPr>
+          <p:spPr>
+            <a:xfrm>
+              <a:off x="935355" y="7979929"/>
+              <a:ext cx="2007864" cy="0"/>
+            </a:xfrm>
+            <a:prstGeom prst="straightConnector1">
+              <a:avLst/>
+            </a:prstGeom>
+            <a:ln w="19050">
+              <a:solidFill>
+                <a:schemeClr val="accent1"/>
+              </a:solidFill>
+              <a:prstDash val="sysDash"/>
+              <a:headEnd type="arrow" w="med" len="med"/>
+              <a:tailEnd type="none" w="med" len="med"/>
+            </a:ln>
+          </p:spPr>
+          <p:style>
+            <a:lnRef idx="1">
+              <a:schemeClr val="accent1"/>
+            </a:lnRef>
+            <a:fillRef idx="0">
+              <a:schemeClr val="accent1"/>
+            </a:fillRef>
+            <a:effectRef idx="0">
+              <a:schemeClr val="accent1"/>
+            </a:effectRef>
+            <a:fontRef idx="minor">
+              <a:schemeClr val="tx1"/>
+            </a:fontRef>
+          </p:style>
+        </p:cxnSp>
+      </p:grpSp>
     </p:spTree>
     <p:extLst>
       <p:ext uri="{BB962C8B-B14F-4D97-AF65-F5344CB8AC3E}">

--- a/docs/diagrams/RandomizeSequenceDiagram.pptx
+++ b/docs/diagrams/RandomizeSequenceDiagram.pptx
@@ -3349,10 +3349,10 @@
       </p:grpSpPr>
       <p:grpSp>
         <p:nvGrpSpPr>
-          <p:cNvPr id="3" name="Group 2">
-            <a:extLst>
-              <a:ext uri="{FF2B5EF4-FFF2-40B4-BE49-F238E27FC236}">
-                <a16:creationId xmlns:a16="http://schemas.microsoft.com/office/drawing/2014/main" id="{546E0470-457A-4B27-A36B-91D9A0519B66}"/>
+          <p:cNvPr id="4" name="Actor">
+            <a:extLst>
+              <a:ext uri="{FF2B5EF4-FFF2-40B4-BE49-F238E27FC236}">
+                <a16:creationId xmlns:a16="http://schemas.microsoft.com/office/drawing/2014/main" id="{BB211B0D-B15F-4A8C-B098-FDEFBF81501C}"/>
               </a:ext>
             </a:extLst>
           </p:cNvPr>
@@ -3362,297 +3362,104 @@
         <p:grpSpPr>
           <a:xfrm>
             <a:off x="-1449634" y="-457917"/>
-            <a:ext cx="15652639" cy="9284958"/>
-            <a:chOff x="-1090819" y="236564"/>
-            <a:chExt cx="15652639" cy="9284958"/>
+            <a:ext cx="324036" cy="573410"/>
+            <a:chOff x="3239901" y="4149080"/>
+            <a:chExt cx="648072" cy="1146820"/>
           </a:xfrm>
         </p:grpSpPr>
-        <p:grpSp>
-          <p:nvGrpSpPr>
-            <p:cNvPr id="4" name="Actor">
+        <p:sp>
+          <p:nvSpPr>
+            <p:cNvPr id="5" name="Flowchart: Connector 4">
               <a:extLst>
                 <a:ext uri="{FF2B5EF4-FFF2-40B4-BE49-F238E27FC236}">
-                  <a16:creationId xmlns:a16="http://schemas.microsoft.com/office/drawing/2014/main" id="{BB211B0D-B15F-4A8C-B098-FDEFBF81501C}"/>
+                  <a16:creationId xmlns:a16="http://schemas.microsoft.com/office/drawing/2014/main" id="{C92670BE-BD9D-496D-9604-AC4A461C1619}"/>
                 </a:ext>
               </a:extLst>
             </p:cNvPr>
-            <p:cNvGrpSpPr/>
+            <p:cNvSpPr/>
             <p:nvPr/>
-          </p:nvGrpSpPr>
-          <p:grpSpPr>
+          </p:nvSpPr>
+          <p:spPr>
             <a:xfrm>
-              <a:off x="-1090819" y="236564"/>
-              <a:ext cx="324036" cy="573410"/>
-              <a:chOff x="3239901" y="4149080"/>
-              <a:chExt cx="648072" cy="1146820"/>
+              <a:off x="3419872" y="4149080"/>
+              <a:ext cx="288032" cy="288032"/>
             </a:xfrm>
-          </p:grpSpPr>
-          <p:sp>
-            <p:nvSpPr>
-              <p:cNvPr id="5" name="Flowchart: Connector 4">
-                <a:extLst>
-                  <a:ext uri="{FF2B5EF4-FFF2-40B4-BE49-F238E27FC236}">
-                    <a16:creationId xmlns:a16="http://schemas.microsoft.com/office/drawing/2014/main" id="{C92670BE-BD9D-496D-9604-AC4A461C1619}"/>
-                  </a:ext>
-                </a:extLst>
-              </p:cNvPr>
-              <p:cNvSpPr/>
-              <p:nvPr/>
-            </p:nvSpPr>
-            <p:spPr>
-              <a:xfrm>
-                <a:off x="3419872" y="4149080"/>
-                <a:ext cx="288032" cy="288032"/>
-              </a:xfrm>
-              <a:prstGeom prst="flowChartConnector">
-                <a:avLst/>
-              </a:prstGeom>
+            <a:prstGeom prst="flowChartConnector">
+              <a:avLst/>
+            </a:prstGeom>
+            <a:solidFill>
+              <a:schemeClr val="bg1">
+                <a:lumMod val="85000"/>
+              </a:schemeClr>
+            </a:solidFill>
+            <a:ln w="28575">
               <a:solidFill>
-                <a:schemeClr val="bg1">
-                  <a:lumMod val="85000"/>
-                </a:schemeClr>
+                <a:schemeClr val="tx1"/>
               </a:solidFill>
-              <a:ln w="28575">
-                <a:solidFill>
-                  <a:schemeClr val="tx1"/>
-                </a:solidFill>
-              </a:ln>
-              <a:effectLst/>
-            </p:spPr>
-            <p:style>
-              <a:lnRef idx="1">
-                <a:schemeClr val="accent4"/>
-              </a:lnRef>
-              <a:fillRef idx="2">
-                <a:schemeClr val="accent4"/>
-              </a:fillRef>
-              <a:effectRef idx="1">
-                <a:schemeClr val="accent4"/>
-              </a:effectRef>
-              <a:fontRef idx="minor">
-                <a:schemeClr val="dk1"/>
-              </a:fontRef>
-            </p:style>
-            <p:txBody>
-              <a:bodyPr rtlCol="0" anchor="ctr"/>
-              <a:lstStyle/>
-              <a:p>
-                <a:pPr algn="ctr"/>
-                <a:endParaRPr lang="en-SG"/>
-              </a:p>
-            </p:txBody>
-          </p:sp>
-          <p:cxnSp>
-            <p:nvCxnSpPr>
-              <p:cNvPr id="6" name="Straight Connector 5">
-                <a:extLst>
-                  <a:ext uri="{FF2B5EF4-FFF2-40B4-BE49-F238E27FC236}">
-                    <a16:creationId xmlns:a16="http://schemas.microsoft.com/office/drawing/2014/main" id="{590FECC8-326C-4DEA-A7B8-62036A74CCF5}"/>
-                  </a:ext>
-                </a:extLst>
-              </p:cNvPr>
-              <p:cNvCxnSpPr>
-                <a:stCxn id="5" idx="4"/>
-              </p:cNvCxnSpPr>
-              <p:nvPr/>
-            </p:nvCxnSpPr>
-            <p:spPr>
-              <a:xfrm>
-                <a:off x="3563888" y="4437112"/>
-                <a:ext cx="0" cy="504056"/>
-              </a:xfrm>
-              <a:prstGeom prst="line">
-                <a:avLst/>
-              </a:prstGeom>
-              <a:ln w="28575">
-                <a:solidFill>
-                  <a:schemeClr val="tx1"/>
-                </a:solidFill>
-              </a:ln>
-              <a:effectLst/>
-            </p:spPr>
-            <p:style>
-              <a:lnRef idx="1">
-                <a:schemeClr val="accent4"/>
-              </a:lnRef>
-              <a:fillRef idx="2">
-                <a:schemeClr val="accent4"/>
-              </a:fillRef>
-              <a:effectRef idx="1">
-                <a:schemeClr val="accent4"/>
-              </a:effectRef>
-              <a:fontRef idx="minor">
-                <a:schemeClr val="dk1"/>
-              </a:fontRef>
-            </p:style>
-          </p:cxnSp>
-          <p:sp>
-            <p:nvSpPr>
-              <p:cNvPr id="7" name="Freeform 9">
-                <a:extLst>
-                  <a:ext uri="{FF2B5EF4-FFF2-40B4-BE49-F238E27FC236}">
-                    <a16:creationId xmlns:a16="http://schemas.microsoft.com/office/drawing/2014/main" id="{5A6459F1-B5F1-4C79-9134-A7C2BB1711EF}"/>
-                  </a:ext>
-                </a:extLst>
-              </p:cNvPr>
-              <p:cNvSpPr/>
-              <p:nvPr/>
-            </p:nvSpPr>
-            <p:spPr>
-              <a:xfrm>
-                <a:off x="3324225" y="4933950"/>
-                <a:ext cx="479425" cy="361950"/>
-              </a:xfrm>
-              <a:custGeom>
-                <a:avLst/>
-                <a:gdLst>
-                  <a:gd name="connsiteX0" fmla="*/ 0 w 479425"/>
-                  <a:gd name="connsiteY0" fmla="*/ 355600 h 361950"/>
-                  <a:gd name="connsiteX1" fmla="*/ 241300 w 479425"/>
-                  <a:gd name="connsiteY1" fmla="*/ 0 h 361950"/>
-                  <a:gd name="connsiteX2" fmla="*/ 479425 w 479425"/>
-                  <a:gd name="connsiteY2" fmla="*/ 361950 h 361950"/>
-                </a:gdLst>
-                <a:ahLst/>
-                <a:cxnLst>
-                  <a:cxn ang="0">
-                    <a:pos x="connsiteX0" y="connsiteY0"/>
-                  </a:cxn>
-                  <a:cxn ang="0">
-                    <a:pos x="connsiteX1" y="connsiteY1"/>
-                  </a:cxn>
-                  <a:cxn ang="0">
-                    <a:pos x="connsiteX2" y="connsiteY2"/>
-                  </a:cxn>
-                </a:cxnLst>
-                <a:rect l="l" t="t" r="r" b="b"/>
-                <a:pathLst>
-                  <a:path w="479425" h="361950">
-                    <a:moveTo>
-                      <a:pt x="0" y="355600"/>
-                    </a:moveTo>
-                    <a:lnTo>
-                      <a:pt x="241300" y="0"/>
-                    </a:lnTo>
-                    <a:lnTo>
-                      <a:pt x="479425" y="361950"/>
-                    </a:lnTo>
-                  </a:path>
-                </a:pathLst>
-              </a:custGeom>
-              <a:noFill/>
-              <a:ln w="28575">
-                <a:solidFill>
-                  <a:schemeClr val="tx1"/>
-                </a:solidFill>
-              </a:ln>
-              <a:effectLst/>
-            </p:spPr>
-            <p:style>
-              <a:lnRef idx="1">
-                <a:schemeClr val="accent4"/>
-              </a:lnRef>
-              <a:fillRef idx="2">
-                <a:schemeClr val="accent4"/>
-              </a:fillRef>
-              <a:effectRef idx="1">
-                <a:schemeClr val="accent4"/>
-              </a:effectRef>
-              <a:fontRef idx="minor">
-                <a:schemeClr val="dk1"/>
-              </a:fontRef>
-            </p:style>
-            <p:txBody>
-              <a:bodyPr rtlCol="0" anchor="ctr"/>
-              <a:lstStyle/>
-              <a:p>
-                <a:pPr algn="ctr"/>
-                <a:endParaRPr lang="en-SG"/>
-              </a:p>
-            </p:txBody>
-          </p:sp>
-          <p:cxnSp>
-            <p:nvCxnSpPr>
-              <p:cNvPr id="8" name="Straight Connector 7">
-                <a:extLst>
-                  <a:ext uri="{FF2B5EF4-FFF2-40B4-BE49-F238E27FC236}">
-                    <a16:creationId xmlns:a16="http://schemas.microsoft.com/office/drawing/2014/main" id="{B97D29A9-5E0B-415A-B86C-F7D0EC507F46}"/>
-                  </a:ext>
-                </a:extLst>
-              </p:cNvPr>
-              <p:cNvCxnSpPr/>
-              <p:nvPr/>
-            </p:nvCxnSpPr>
-            <p:spPr>
-              <a:xfrm>
-                <a:off x="3239901" y="4509120"/>
-                <a:ext cx="648072" cy="0"/>
-              </a:xfrm>
-              <a:prstGeom prst="line">
-                <a:avLst/>
-              </a:prstGeom>
-              <a:ln w="28575">
-                <a:solidFill>
-                  <a:schemeClr val="tx1"/>
-                </a:solidFill>
-              </a:ln>
-              <a:effectLst/>
-            </p:spPr>
-            <p:style>
-              <a:lnRef idx="1">
-                <a:schemeClr val="accent4"/>
-              </a:lnRef>
-              <a:fillRef idx="2">
-                <a:schemeClr val="accent4"/>
-              </a:fillRef>
-              <a:effectRef idx="1">
-                <a:schemeClr val="accent4"/>
-              </a:effectRef>
-              <a:fontRef idx="minor">
-                <a:schemeClr val="dk1"/>
-              </a:fontRef>
-            </p:style>
-          </p:cxnSp>
-        </p:grpSp>
+            </a:ln>
+            <a:effectLst/>
+          </p:spPr>
+          <p:style>
+            <a:lnRef idx="1">
+              <a:schemeClr val="accent4"/>
+            </a:lnRef>
+            <a:fillRef idx="2">
+              <a:schemeClr val="accent4"/>
+            </a:fillRef>
+            <a:effectRef idx="1">
+              <a:schemeClr val="accent4"/>
+            </a:effectRef>
+            <a:fontRef idx="minor">
+              <a:schemeClr val="dk1"/>
+            </a:fontRef>
+          </p:style>
+          <p:txBody>
+            <a:bodyPr rtlCol="0" anchor="ctr"/>
+            <a:lstStyle/>
+            <a:p>
+              <a:pPr algn="ctr"/>
+              <a:endParaRPr lang="en-SG"/>
+            </a:p>
+          </p:txBody>
+        </p:sp>
         <p:cxnSp>
           <p:nvCxnSpPr>
-            <p:cNvPr id="9" name="Straight Connector 8">
+            <p:cNvPr id="6" name="Straight Connector 5">
               <a:extLst>
                 <a:ext uri="{FF2B5EF4-FFF2-40B4-BE49-F238E27FC236}">
-                  <a16:creationId xmlns:a16="http://schemas.microsoft.com/office/drawing/2014/main" id="{F41B2607-9822-4211-B8F0-28F0DBA5EF2D}"/>
+                  <a16:creationId xmlns:a16="http://schemas.microsoft.com/office/drawing/2014/main" id="{590FECC8-326C-4DEA-A7B8-62036A74CCF5}"/>
                 </a:ext>
               </a:extLst>
             </p:cNvPr>
             <p:cNvCxnSpPr>
-              <a:cxnSpLocks/>
+              <a:stCxn id="5" idx="4"/>
             </p:cNvCxnSpPr>
             <p:nvPr/>
           </p:nvCxnSpPr>
           <p:spPr>
             <a:xfrm>
-              <a:off x="-928801" y="802836"/>
-              <a:ext cx="0" cy="7723944"/>
+              <a:off x="3563888" y="4437112"/>
+              <a:ext cx="0" cy="504056"/>
             </a:xfrm>
             <a:prstGeom prst="line">
               <a:avLst/>
             </a:prstGeom>
-            <a:ln w="19050">
+            <a:ln w="28575">
               <a:solidFill>
                 <a:schemeClr val="tx1"/>
               </a:solidFill>
-              <a:prstDash val="sysDash"/>
             </a:ln>
             <a:effectLst/>
           </p:spPr>
           <p:style>
             <a:lnRef idx="1">
-              <a:schemeClr val="accent1"/>
+              <a:schemeClr val="accent4"/>
             </a:lnRef>
             <a:fillRef idx="2">
-              <a:schemeClr val="accent1"/>
+              <a:schemeClr val="accent4"/>
             </a:fillRef>
             <a:effectRef idx="1">
-              <a:schemeClr val="accent1"/>
+              <a:schemeClr val="accent4"/>
             </a:effectRef>
             <a:fontRef idx="minor">
               <a:schemeClr val="dk1"/>
@@ -3661,10 +3468,10 @@
         </p:cxnSp>
         <p:sp>
           <p:nvSpPr>
-            <p:cNvPr id="71" name="Rectangle 65">
+            <p:cNvPr id="7" name="Freeform 9">
               <a:extLst>
                 <a:ext uri="{FF2B5EF4-FFF2-40B4-BE49-F238E27FC236}">
-                  <a16:creationId xmlns:a16="http://schemas.microsoft.com/office/drawing/2014/main" id="{37A5C7FB-6E71-4EDB-A7F6-019B440D3F74}"/>
+                  <a16:creationId xmlns:a16="http://schemas.microsoft.com/office/drawing/2014/main" id="{5A6459F1-B5F1-4C79-9134-A7C2BB1711EF}"/>
                 </a:ext>
               </a:extLst>
             </p:cNvPr>
@@ -3673,65 +3480,1384 @@
           </p:nvSpPr>
           <p:spPr>
             <a:xfrm>
-              <a:off x="-76200" y="400050"/>
-              <a:ext cx="1762287" cy="8955217"/>
+              <a:off x="3324225" y="4933950"/>
+              <a:ext cx="479425" cy="361950"/>
             </a:xfrm>
-            <a:prstGeom prst="roundRect">
-              <a:avLst>
-                <a:gd name="adj" fmla="val 3484"/>
-              </a:avLst>
-            </a:prstGeom>
-            <a:solidFill>
-              <a:schemeClr val="accent6">
-                <a:lumMod val="40000"/>
-                <a:lumOff val="60000"/>
-              </a:schemeClr>
-            </a:solidFill>
-            <a:ln w="19050">
-              <a:noFill/>
+            <a:custGeom>
+              <a:avLst/>
+              <a:gdLst>
+                <a:gd name="connsiteX0" fmla="*/ 0 w 479425"/>
+                <a:gd name="connsiteY0" fmla="*/ 355600 h 361950"/>
+                <a:gd name="connsiteX1" fmla="*/ 241300 w 479425"/>
+                <a:gd name="connsiteY1" fmla="*/ 0 h 361950"/>
+                <a:gd name="connsiteX2" fmla="*/ 479425 w 479425"/>
+                <a:gd name="connsiteY2" fmla="*/ 361950 h 361950"/>
+              </a:gdLst>
+              <a:ahLst/>
+              <a:cxnLst>
+                <a:cxn ang="0">
+                  <a:pos x="connsiteX0" y="connsiteY0"/>
+                </a:cxn>
+                <a:cxn ang="0">
+                  <a:pos x="connsiteX1" y="connsiteY1"/>
+                </a:cxn>
+                <a:cxn ang="0">
+                  <a:pos x="connsiteX2" y="connsiteY2"/>
+                </a:cxn>
+              </a:cxnLst>
+              <a:rect l="l" t="t" r="r" b="b"/>
+              <a:pathLst>
+                <a:path w="479425" h="361950">
+                  <a:moveTo>
+                    <a:pt x="0" y="355600"/>
+                  </a:moveTo>
+                  <a:lnTo>
+                    <a:pt x="241300" y="0"/>
+                  </a:lnTo>
+                  <a:lnTo>
+                    <a:pt x="479425" y="361950"/>
+                  </a:lnTo>
+                </a:path>
+              </a:pathLst>
+            </a:custGeom>
+            <a:noFill/>
+            <a:ln w="28575">
+              <a:solidFill>
+                <a:schemeClr val="tx1"/>
+              </a:solidFill>
             </a:ln>
             <a:effectLst/>
           </p:spPr>
           <p:style>
             <a:lnRef idx="1">
-              <a:schemeClr val="accent2"/>
+              <a:schemeClr val="accent4"/>
             </a:lnRef>
             <a:fillRef idx="2">
-              <a:schemeClr val="accent2"/>
+              <a:schemeClr val="accent4"/>
             </a:fillRef>
             <a:effectRef idx="1">
-              <a:schemeClr val="accent2"/>
+              <a:schemeClr val="accent4"/>
             </a:effectRef>
             <a:fontRef idx="minor">
               <a:schemeClr val="dk1"/>
             </a:fontRef>
           </p:style>
           <p:txBody>
-            <a:bodyPr rtlCol="0" anchor="t"/>
+            <a:bodyPr rtlCol="0" anchor="ctr"/>
             <a:lstStyle/>
             <a:p>
-              <a:r>
-                <a:rPr lang="en-US" sz="1200" b="1" dirty="0">
-                  <a:solidFill>
-                    <a:srgbClr val="00B050"/>
-                  </a:solidFill>
-                </a:rPr>
-                <a:t>UI</a:t>
-              </a:r>
-              <a:endParaRPr lang="en-SG" sz="1200" b="1" dirty="0">
+              <a:pPr algn="ctr"/>
+              <a:endParaRPr lang="en-SG"/>
+            </a:p>
+          </p:txBody>
+        </p:sp>
+        <p:cxnSp>
+          <p:nvCxnSpPr>
+            <p:cNvPr id="8" name="Straight Connector 7">
+              <a:extLst>
+                <a:ext uri="{FF2B5EF4-FFF2-40B4-BE49-F238E27FC236}">
+                  <a16:creationId xmlns:a16="http://schemas.microsoft.com/office/drawing/2014/main" id="{B97D29A9-5E0B-415A-B86C-F7D0EC507F46}"/>
+                </a:ext>
+              </a:extLst>
+            </p:cNvPr>
+            <p:cNvCxnSpPr/>
+            <p:nvPr/>
+          </p:nvCxnSpPr>
+          <p:spPr>
+            <a:xfrm>
+              <a:off x="3239901" y="4509120"/>
+              <a:ext cx="648072" cy="0"/>
+            </a:xfrm>
+            <a:prstGeom prst="line">
+              <a:avLst/>
+            </a:prstGeom>
+            <a:ln w="28575">
+              <a:solidFill>
+                <a:schemeClr val="tx1"/>
+              </a:solidFill>
+            </a:ln>
+            <a:effectLst/>
+          </p:spPr>
+          <p:style>
+            <a:lnRef idx="1">
+              <a:schemeClr val="accent4"/>
+            </a:lnRef>
+            <a:fillRef idx="2">
+              <a:schemeClr val="accent4"/>
+            </a:fillRef>
+            <a:effectRef idx="1">
+              <a:schemeClr val="accent4"/>
+            </a:effectRef>
+            <a:fontRef idx="minor">
+              <a:schemeClr val="dk1"/>
+            </a:fontRef>
+          </p:style>
+        </p:cxnSp>
+      </p:grpSp>
+      <p:cxnSp>
+        <p:nvCxnSpPr>
+          <p:cNvPr id="9" name="Straight Connector 8">
+            <a:extLst>
+              <a:ext uri="{FF2B5EF4-FFF2-40B4-BE49-F238E27FC236}">
+                <a16:creationId xmlns:a16="http://schemas.microsoft.com/office/drawing/2014/main" id="{F41B2607-9822-4211-B8F0-28F0DBA5EF2D}"/>
+              </a:ext>
+            </a:extLst>
+          </p:cNvPr>
+          <p:cNvCxnSpPr>
+            <a:cxnSpLocks/>
+          </p:cNvCxnSpPr>
+          <p:nvPr/>
+        </p:nvCxnSpPr>
+        <p:spPr>
+          <a:xfrm>
+            <a:off x="-1287616" y="108355"/>
+            <a:ext cx="0" cy="7723944"/>
+          </a:xfrm>
+          <a:prstGeom prst="line">
+            <a:avLst/>
+          </a:prstGeom>
+          <a:ln w="19050">
+            <a:solidFill>
+              <a:schemeClr val="tx1"/>
+            </a:solidFill>
+            <a:prstDash val="sysDash"/>
+          </a:ln>
+          <a:effectLst/>
+        </p:spPr>
+        <p:style>
+          <a:lnRef idx="1">
+            <a:schemeClr val="accent1"/>
+          </a:lnRef>
+          <a:fillRef idx="2">
+            <a:schemeClr val="accent1"/>
+          </a:fillRef>
+          <a:effectRef idx="1">
+            <a:schemeClr val="accent1"/>
+          </a:effectRef>
+          <a:fontRef idx="minor">
+            <a:schemeClr val="dk1"/>
+          </a:fontRef>
+        </p:style>
+      </p:cxnSp>
+      <p:sp>
+        <p:nvSpPr>
+          <p:cNvPr id="71" name="Rectangle 65">
+            <a:extLst>
+              <a:ext uri="{FF2B5EF4-FFF2-40B4-BE49-F238E27FC236}">
+                <a16:creationId xmlns:a16="http://schemas.microsoft.com/office/drawing/2014/main" id="{37A5C7FB-6E71-4EDB-A7F6-019B440D3F74}"/>
+              </a:ext>
+            </a:extLst>
+          </p:cNvPr>
+          <p:cNvSpPr/>
+          <p:nvPr/>
+        </p:nvSpPr>
+        <p:spPr>
+          <a:xfrm>
+            <a:off x="-435015" y="-294431"/>
+            <a:ext cx="1762287" cy="8955217"/>
+          </a:xfrm>
+          <a:prstGeom prst="roundRect">
+            <a:avLst>
+              <a:gd name="adj" fmla="val 3484"/>
+            </a:avLst>
+          </a:prstGeom>
+          <a:solidFill>
+            <a:schemeClr val="accent6">
+              <a:lumMod val="40000"/>
+              <a:lumOff val="60000"/>
+            </a:schemeClr>
+          </a:solidFill>
+          <a:ln w="19050">
+            <a:noFill/>
+          </a:ln>
+          <a:effectLst/>
+        </p:spPr>
+        <p:style>
+          <a:lnRef idx="1">
+            <a:schemeClr val="accent2"/>
+          </a:lnRef>
+          <a:fillRef idx="2">
+            <a:schemeClr val="accent2"/>
+          </a:fillRef>
+          <a:effectRef idx="1">
+            <a:schemeClr val="accent2"/>
+          </a:effectRef>
+          <a:fontRef idx="minor">
+            <a:schemeClr val="dk1"/>
+          </a:fontRef>
+        </p:style>
+        <p:txBody>
+          <a:bodyPr rtlCol="0" anchor="t"/>
+          <a:lstStyle/>
+          <a:p>
+            <a:r>
+              <a:rPr lang="en-US" sz="1200" b="1" dirty="0">
                 <a:solidFill>
                   <a:srgbClr val="00B050"/>
                 </a:solidFill>
-              </a:endParaRPr>
-            </a:p>
-          </p:txBody>
-        </p:sp>
+              </a:rPr>
+              <a:t>UI</a:t>
+            </a:r>
+            <a:endParaRPr lang="en-SG" sz="1200" b="1" dirty="0">
+              <a:solidFill>
+                <a:srgbClr val="00B050"/>
+              </a:solidFill>
+            </a:endParaRPr>
+          </a:p>
+        </p:txBody>
+      </p:sp>
+      <p:sp>
+        <p:nvSpPr>
+          <p:cNvPr id="73" name="Rectangle 65">
+            <a:extLst>
+              <a:ext uri="{FF2B5EF4-FFF2-40B4-BE49-F238E27FC236}">
+                <a16:creationId xmlns:a16="http://schemas.microsoft.com/office/drawing/2014/main" id="{45CD46E7-77E6-4B6E-96DD-D0F207E0E312}"/>
+              </a:ext>
+            </a:extLst>
+          </p:cNvPr>
+          <p:cNvSpPr/>
+          <p:nvPr/>
+        </p:nvSpPr>
+        <p:spPr>
+          <a:xfrm>
+            <a:off x="1403591" y="-313902"/>
+            <a:ext cx="9220806" cy="8955215"/>
+          </a:xfrm>
+          <a:prstGeom prst="roundRect">
+            <a:avLst>
+              <a:gd name="adj" fmla="val 3484"/>
+            </a:avLst>
+          </a:prstGeom>
+          <a:solidFill>
+            <a:schemeClr val="accent1">
+              <a:lumMod val="20000"/>
+              <a:lumOff val="80000"/>
+            </a:schemeClr>
+          </a:solidFill>
+          <a:ln w="19050">
+            <a:noFill/>
+          </a:ln>
+          <a:effectLst/>
+        </p:spPr>
+        <p:style>
+          <a:lnRef idx="1">
+            <a:schemeClr val="accent2"/>
+          </a:lnRef>
+          <a:fillRef idx="2">
+            <a:schemeClr val="accent2"/>
+          </a:fillRef>
+          <a:effectRef idx="1">
+            <a:schemeClr val="accent2"/>
+          </a:effectRef>
+          <a:fontRef idx="minor">
+            <a:schemeClr val="dk1"/>
+          </a:fontRef>
+        </p:style>
+        <p:txBody>
+          <a:bodyPr rtlCol="0" anchor="t"/>
+          <a:lstStyle/>
+          <a:p>
+            <a:r>
+              <a:rPr lang="en-US" sz="1200" b="1" dirty="0">
+                <a:solidFill>
+                  <a:srgbClr val="0070C0"/>
+                </a:solidFill>
+              </a:rPr>
+              <a:t>Logic</a:t>
+            </a:r>
+            <a:endParaRPr lang="en-SG" sz="1200" b="1" dirty="0">
+              <a:solidFill>
+                <a:srgbClr val="0070C0"/>
+              </a:solidFill>
+            </a:endParaRPr>
+          </a:p>
+        </p:txBody>
+      </p:sp>
+      <p:sp>
+        <p:nvSpPr>
+          <p:cNvPr id="74" name="Rectangle 62">
+            <a:extLst>
+              <a:ext uri="{FF2B5EF4-FFF2-40B4-BE49-F238E27FC236}">
+                <a16:creationId xmlns:a16="http://schemas.microsoft.com/office/drawing/2014/main" id="{D5B2DCB2-A946-4BA3-9F96-B0C9AAFC8BB0}"/>
+              </a:ext>
+            </a:extLst>
+          </p:cNvPr>
+          <p:cNvSpPr/>
+          <p:nvPr/>
+        </p:nvSpPr>
+        <p:spPr>
+          <a:xfrm>
+            <a:off x="1972130" y="67447"/>
+            <a:ext cx="1455629" cy="346760"/>
+          </a:xfrm>
+          <a:prstGeom prst="rect">
+            <a:avLst/>
+          </a:prstGeom>
+          <a:solidFill>
+            <a:srgbClr val="0070C0"/>
+          </a:solidFill>
+          <a:ln w="19050">
+            <a:solidFill>
+              <a:srgbClr val="0070C0"/>
+            </a:solidFill>
+          </a:ln>
+          <a:effectLst/>
+        </p:spPr>
+        <p:style>
+          <a:lnRef idx="1">
+            <a:schemeClr val="accent2"/>
+          </a:lnRef>
+          <a:fillRef idx="2">
+            <a:schemeClr val="accent2"/>
+          </a:fillRef>
+          <a:effectRef idx="1">
+            <a:schemeClr val="accent2"/>
+          </a:effectRef>
+          <a:fontRef idx="minor">
+            <a:schemeClr val="dk1"/>
+          </a:fontRef>
+        </p:style>
+        <p:txBody>
+          <a:bodyPr rtlCol="0" anchor="ctr"/>
+          <a:lstStyle/>
+          <a:p>
+            <a:pPr algn="ctr"/>
+            <a:r>
+              <a:rPr lang="en-US" sz="1600" dirty="0">
+                <a:solidFill>
+                  <a:schemeClr val="bg1"/>
+                </a:solidFill>
+              </a:rPr>
+              <a:t>:</a:t>
+            </a:r>
+            <a:r>
+              <a:rPr lang="en-US" sz="1600" dirty="0" err="1">
+                <a:solidFill>
+                  <a:schemeClr val="bg1"/>
+                </a:solidFill>
+              </a:rPr>
+              <a:t>LogicManager</a:t>
+            </a:r>
+            <a:endParaRPr lang="en-SG" sz="1600" dirty="0">
+              <a:solidFill>
+                <a:schemeClr val="bg1"/>
+              </a:solidFill>
+            </a:endParaRPr>
+          </a:p>
+        </p:txBody>
+      </p:sp>
+      <p:cxnSp>
+        <p:nvCxnSpPr>
+          <p:cNvPr id="75" name="Straight Connector 74">
+            <a:extLst>
+              <a:ext uri="{FF2B5EF4-FFF2-40B4-BE49-F238E27FC236}">
+                <a16:creationId xmlns:a16="http://schemas.microsoft.com/office/drawing/2014/main" id="{37C4AF46-E20B-44B8-B854-0AB1D95BC7C9}"/>
+              </a:ext>
+            </a:extLst>
+          </p:cNvPr>
+          <p:cNvCxnSpPr>
+            <a:cxnSpLocks/>
+          </p:cNvCxnSpPr>
+          <p:nvPr/>
+        </p:nvCxnSpPr>
+        <p:spPr>
+          <a:xfrm>
+            <a:off x="2699944" y="431118"/>
+            <a:ext cx="0" cy="7016371"/>
+          </a:xfrm>
+          <a:prstGeom prst="line">
+            <a:avLst/>
+          </a:prstGeom>
+          <a:ln w="19050">
+            <a:solidFill>
+              <a:srgbClr val="0070C0"/>
+            </a:solidFill>
+            <a:prstDash val="sysDash"/>
+          </a:ln>
+          <a:effectLst/>
+        </p:spPr>
+        <p:style>
+          <a:lnRef idx="1">
+            <a:schemeClr val="accent1"/>
+          </a:lnRef>
+          <a:fillRef idx="2">
+            <a:schemeClr val="accent1"/>
+          </a:fillRef>
+          <a:effectRef idx="1">
+            <a:schemeClr val="accent1"/>
+          </a:effectRef>
+          <a:fontRef idx="minor">
+            <a:schemeClr val="dk1"/>
+          </a:fontRef>
+        </p:style>
+      </p:cxnSp>
+      <p:sp>
+        <p:nvSpPr>
+          <p:cNvPr id="76" name="Rectangle 75">
+            <a:extLst>
+              <a:ext uri="{FF2B5EF4-FFF2-40B4-BE49-F238E27FC236}">
+                <a16:creationId xmlns:a16="http://schemas.microsoft.com/office/drawing/2014/main" id="{704EB931-F576-4247-BA22-7DB7D5835450}"/>
+              </a:ext>
+            </a:extLst>
+          </p:cNvPr>
+          <p:cNvSpPr/>
+          <p:nvPr/>
+        </p:nvSpPr>
+        <p:spPr>
+          <a:xfrm>
+            <a:off x="2630908" y="781811"/>
+            <a:ext cx="149427" cy="6526611"/>
+          </a:xfrm>
+          <a:prstGeom prst="rect">
+            <a:avLst/>
+          </a:prstGeom>
+          <a:solidFill>
+            <a:srgbClr val="0070C0"/>
+          </a:solidFill>
+          <a:ln>
+            <a:solidFill>
+              <a:srgbClr val="0070C0"/>
+            </a:solidFill>
+          </a:ln>
+          <a:effectLst/>
+        </p:spPr>
+        <p:style>
+          <a:lnRef idx="1">
+            <a:schemeClr val="accent3"/>
+          </a:lnRef>
+          <a:fillRef idx="2">
+            <a:schemeClr val="accent3"/>
+          </a:fillRef>
+          <a:effectRef idx="1">
+            <a:schemeClr val="accent3"/>
+          </a:effectRef>
+          <a:fontRef idx="minor">
+            <a:schemeClr val="dk1"/>
+          </a:fontRef>
+        </p:style>
+        <p:txBody>
+          <a:bodyPr rtlCol="0" anchor="ctr"/>
+          <a:lstStyle/>
+          <a:p>
+            <a:pPr algn="ctr"/>
+            <a:endParaRPr lang="en-SG" sz="1400"/>
+          </a:p>
+        </p:txBody>
+      </p:sp>
+      <p:sp>
+        <p:nvSpPr>
+          <p:cNvPr id="77" name="Rectangle 62">
+            <a:extLst>
+              <a:ext uri="{FF2B5EF4-FFF2-40B4-BE49-F238E27FC236}">
+                <a16:creationId xmlns:a16="http://schemas.microsoft.com/office/drawing/2014/main" id="{6547FD8C-E249-4D94-947A-6080E5087B00}"/>
+              </a:ext>
+            </a:extLst>
+          </p:cNvPr>
+          <p:cNvSpPr/>
+          <p:nvPr/>
+        </p:nvSpPr>
+        <p:spPr>
+          <a:xfrm>
+            <a:off x="4769029" y="-53477"/>
+            <a:ext cx="1219200" cy="467684"/>
+          </a:xfrm>
+          <a:prstGeom prst="rect">
+            <a:avLst/>
+          </a:prstGeom>
+          <a:solidFill>
+            <a:srgbClr val="0070C0"/>
+          </a:solidFill>
+          <a:ln w="19050">
+            <a:solidFill>
+              <a:srgbClr val="0070C0"/>
+            </a:solidFill>
+          </a:ln>
+          <a:effectLst/>
+        </p:spPr>
+        <p:style>
+          <a:lnRef idx="1">
+            <a:schemeClr val="accent2"/>
+          </a:lnRef>
+          <a:fillRef idx="2">
+            <a:schemeClr val="accent2"/>
+          </a:fillRef>
+          <a:effectRef idx="1">
+            <a:schemeClr val="accent2"/>
+          </a:effectRef>
+          <a:fontRef idx="minor">
+            <a:schemeClr val="dk1"/>
+          </a:fontRef>
+        </p:style>
+        <p:txBody>
+          <a:bodyPr rtlCol="0" anchor="ctr"/>
+          <a:lstStyle/>
+          <a:p>
+            <a:pPr algn="ctr"/>
+            <a:r>
+              <a:rPr lang="en-US" sz="1600" dirty="0">
+                <a:solidFill>
+                  <a:schemeClr val="bg1"/>
+                </a:solidFill>
+              </a:rPr>
+              <a:t>:Address</a:t>
+            </a:r>
+          </a:p>
+          <a:p>
+            <a:pPr algn="ctr"/>
+            <a:r>
+              <a:rPr lang="en-US" sz="1600" dirty="0" err="1">
+                <a:solidFill>
+                  <a:schemeClr val="bg1"/>
+                </a:solidFill>
+              </a:rPr>
+              <a:t>BookParser</a:t>
+            </a:r>
+            <a:endParaRPr lang="en-SG" sz="1600" dirty="0">
+              <a:solidFill>
+                <a:schemeClr val="bg1"/>
+              </a:solidFill>
+            </a:endParaRPr>
+          </a:p>
+        </p:txBody>
+      </p:sp>
+      <p:cxnSp>
+        <p:nvCxnSpPr>
+          <p:cNvPr id="78" name="Straight Connector 77">
+            <a:extLst>
+              <a:ext uri="{FF2B5EF4-FFF2-40B4-BE49-F238E27FC236}">
+                <a16:creationId xmlns:a16="http://schemas.microsoft.com/office/drawing/2014/main" id="{FC993E10-ED39-4A23-8499-A661A1BFFB89}"/>
+              </a:ext>
+            </a:extLst>
+          </p:cNvPr>
+          <p:cNvCxnSpPr>
+            <a:cxnSpLocks/>
+          </p:cNvCxnSpPr>
+          <p:nvPr/>
+        </p:nvCxnSpPr>
+        <p:spPr>
+          <a:xfrm>
+            <a:off x="5382428" y="431118"/>
+            <a:ext cx="0" cy="1482984"/>
+          </a:xfrm>
+          <a:prstGeom prst="line">
+            <a:avLst/>
+          </a:prstGeom>
+          <a:ln w="19050">
+            <a:solidFill>
+              <a:srgbClr val="0070C0"/>
+            </a:solidFill>
+            <a:prstDash val="sysDash"/>
+          </a:ln>
+          <a:effectLst/>
+        </p:spPr>
+        <p:style>
+          <a:lnRef idx="1">
+            <a:schemeClr val="accent1"/>
+          </a:lnRef>
+          <a:fillRef idx="2">
+            <a:schemeClr val="accent1"/>
+          </a:fillRef>
+          <a:effectRef idx="1">
+            <a:schemeClr val="accent1"/>
+          </a:effectRef>
+          <a:fontRef idx="minor">
+            <a:schemeClr val="dk1"/>
+          </a:fontRef>
+        </p:style>
+      </p:cxnSp>
+      <p:sp>
+        <p:nvSpPr>
+          <p:cNvPr id="79" name="Rectangle 78">
+            <a:extLst>
+              <a:ext uri="{FF2B5EF4-FFF2-40B4-BE49-F238E27FC236}">
+                <a16:creationId xmlns:a16="http://schemas.microsoft.com/office/drawing/2014/main" id="{74AF65EB-B7DF-475F-BDA4-661CEE8E28FB}"/>
+              </a:ext>
+            </a:extLst>
+          </p:cNvPr>
+          <p:cNvSpPr/>
+          <p:nvPr/>
+        </p:nvSpPr>
+        <p:spPr>
+          <a:xfrm>
+            <a:off x="5310421" y="889311"/>
+            <a:ext cx="154408" cy="767790"/>
+          </a:xfrm>
+          <a:prstGeom prst="rect">
+            <a:avLst/>
+          </a:prstGeom>
+          <a:solidFill>
+            <a:srgbClr val="0070C0"/>
+          </a:solidFill>
+          <a:ln>
+            <a:solidFill>
+              <a:srgbClr val="0070C0"/>
+            </a:solidFill>
+          </a:ln>
+          <a:effectLst/>
+        </p:spPr>
+        <p:style>
+          <a:lnRef idx="1">
+            <a:schemeClr val="accent3"/>
+          </a:lnRef>
+          <a:fillRef idx="2">
+            <a:schemeClr val="accent3"/>
+          </a:fillRef>
+          <a:effectRef idx="1">
+            <a:schemeClr val="accent3"/>
+          </a:effectRef>
+          <a:fontRef idx="minor">
+            <a:schemeClr val="dk1"/>
+          </a:fontRef>
+        </p:style>
+        <p:txBody>
+          <a:bodyPr rtlCol="0" anchor="ctr"/>
+          <a:lstStyle/>
+          <a:p>
+            <a:pPr algn="ctr"/>
+            <a:endParaRPr lang="en-SG" sz="1400">
+              <a:solidFill>
+                <a:schemeClr val="dk1"/>
+              </a:solidFill>
+            </a:endParaRPr>
+          </a:p>
+        </p:txBody>
+      </p:sp>
+      <p:cxnSp>
+        <p:nvCxnSpPr>
+          <p:cNvPr id="82" name="Straight Arrow Connector 81">
+            <a:extLst>
+              <a:ext uri="{FF2B5EF4-FFF2-40B4-BE49-F238E27FC236}">
+                <a16:creationId xmlns:a16="http://schemas.microsoft.com/office/drawing/2014/main" id="{CFBE30FA-8214-4972-8A93-3B798178B1A2}"/>
+              </a:ext>
+            </a:extLst>
+          </p:cNvPr>
+          <p:cNvCxnSpPr>
+            <a:cxnSpLocks/>
+          </p:cNvCxnSpPr>
+          <p:nvPr/>
+        </p:nvCxnSpPr>
+        <p:spPr>
+          <a:xfrm>
+            <a:off x="514738" y="781812"/>
+            <a:ext cx="2116170" cy="0"/>
+          </a:xfrm>
+          <a:prstGeom prst="straightConnector1">
+            <a:avLst/>
+          </a:prstGeom>
+          <a:ln w="19050">
+            <a:solidFill>
+              <a:srgbClr val="00B050"/>
+            </a:solidFill>
+            <a:tailEnd type="arrow"/>
+          </a:ln>
+        </p:spPr>
+        <p:style>
+          <a:lnRef idx="1">
+            <a:schemeClr val="accent1"/>
+          </a:lnRef>
+          <a:fillRef idx="0">
+            <a:schemeClr val="accent1"/>
+          </a:fillRef>
+          <a:effectRef idx="0">
+            <a:schemeClr val="accent1"/>
+          </a:effectRef>
+          <a:fontRef idx="minor">
+            <a:schemeClr val="tx1"/>
+          </a:fontRef>
+        </p:style>
+      </p:cxnSp>
+      <p:sp>
+        <p:nvSpPr>
+          <p:cNvPr id="83" name="TextBox 82">
+            <a:extLst>
+              <a:ext uri="{FF2B5EF4-FFF2-40B4-BE49-F238E27FC236}">
+                <a16:creationId xmlns:a16="http://schemas.microsoft.com/office/drawing/2014/main" id="{034E96D7-063B-46E1-9AD8-158B7E502327}"/>
+              </a:ext>
+            </a:extLst>
+          </p:cNvPr>
+          <p:cNvSpPr txBox="1"/>
+          <p:nvPr/>
+        </p:nvSpPr>
+        <p:spPr>
+          <a:xfrm>
+            <a:off x="958565" y="514101"/>
+            <a:ext cx="1593366" cy="215444"/>
+          </a:xfrm>
+          <a:prstGeom prst="rect">
+            <a:avLst/>
+          </a:prstGeom>
+          <a:noFill/>
+        </p:spPr>
+        <p:txBody>
+          <a:bodyPr wrap="square" lIns="0" tIns="0" rIns="0" bIns="0" rtlCol="0">
+            <a:spAutoFit/>
+          </a:bodyPr>
+          <a:lstStyle/>
+          <a:p>
+            <a:pPr algn="r"/>
+            <a:r>
+              <a:rPr lang="en-US" sz="1400" dirty="0">
+                <a:solidFill>
+                  <a:srgbClr val="0070C0"/>
+                </a:solidFill>
+              </a:rPr>
+              <a:t>execute(“randomize”)</a:t>
+            </a:r>
+          </a:p>
+        </p:txBody>
+      </p:sp>
+      <p:cxnSp>
+        <p:nvCxnSpPr>
+          <p:cNvPr id="87" name="Straight Arrow Connector 86">
+            <a:extLst>
+              <a:ext uri="{FF2B5EF4-FFF2-40B4-BE49-F238E27FC236}">
+                <a16:creationId xmlns:a16="http://schemas.microsoft.com/office/drawing/2014/main" id="{AA83570F-5C79-4686-83D7-D5AA8B6E2A21}"/>
+              </a:ext>
+            </a:extLst>
+          </p:cNvPr>
+          <p:cNvCxnSpPr>
+            <a:cxnSpLocks/>
+            <a:endCxn id="79" idx="2"/>
+          </p:cNvCxnSpPr>
+          <p:nvPr/>
+        </p:nvCxnSpPr>
+        <p:spPr>
+          <a:xfrm>
+            <a:off x="2780335" y="1657101"/>
+            <a:ext cx="2607290" cy="0"/>
+          </a:xfrm>
+          <a:prstGeom prst="straightConnector1">
+            <a:avLst/>
+          </a:prstGeom>
+          <a:ln w="19050">
+            <a:solidFill>
+              <a:srgbClr val="0070C0"/>
+            </a:solidFill>
+            <a:prstDash val="sysDash"/>
+            <a:headEnd type="arrow" w="med" len="med"/>
+            <a:tailEnd type="none" w="med" len="med"/>
+          </a:ln>
+        </p:spPr>
+        <p:style>
+          <a:lnRef idx="1">
+            <a:schemeClr val="accent1"/>
+          </a:lnRef>
+          <a:fillRef idx="0">
+            <a:schemeClr val="accent1"/>
+          </a:fillRef>
+          <a:effectRef idx="0">
+            <a:schemeClr val="accent1"/>
+          </a:effectRef>
+          <a:fontRef idx="minor">
+            <a:schemeClr val="tx1"/>
+          </a:fontRef>
+        </p:style>
+      </p:cxnSp>
+      <p:sp>
+        <p:nvSpPr>
+          <p:cNvPr id="91" name="TextBox 90">
+            <a:extLst>
+              <a:ext uri="{FF2B5EF4-FFF2-40B4-BE49-F238E27FC236}">
+                <a16:creationId xmlns:a16="http://schemas.microsoft.com/office/drawing/2014/main" id="{17FD4958-A6B2-4574-B352-67578B2567AF}"/>
+              </a:ext>
+            </a:extLst>
+          </p:cNvPr>
+          <p:cNvSpPr txBox="1"/>
+          <p:nvPr/>
+        </p:nvSpPr>
+        <p:spPr>
+          <a:xfrm>
+            <a:off x="2898866" y="629651"/>
+            <a:ext cx="2192029" cy="215444"/>
+          </a:xfrm>
+          <a:prstGeom prst="rect">
+            <a:avLst/>
+          </a:prstGeom>
+          <a:noFill/>
+        </p:spPr>
+        <p:txBody>
+          <a:bodyPr wrap="square" lIns="0" tIns="0" rIns="0" bIns="0" rtlCol="0">
+            <a:spAutoFit/>
+          </a:bodyPr>
+          <a:lstStyle>
+            <a:defPPr>
+              <a:defRPr lang="en-US"/>
+            </a:defPPr>
+            <a:lvl1pPr algn="r">
+              <a:defRPr sz="1400">
+                <a:solidFill>
+                  <a:srgbClr val="0070C0"/>
+                </a:solidFill>
+              </a:defRPr>
+            </a:lvl1pPr>
+          </a:lstStyle>
+          <a:p>
+            <a:r>
+              <a:rPr lang="en-US" dirty="0" err="1"/>
+              <a:t>parseCommand</a:t>
+            </a:r>
+            <a:r>
+              <a:rPr lang="en-US" dirty="0"/>
+              <a:t>(“randomize”)</a:t>
+            </a:r>
+          </a:p>
+        </p:txBody>
+      </p:sp>
+      <p:sp>
+        <p:nvSpPr>
+          <p:cNvPr id="93" name="TextBox 92">
+            <a:extLst>
+              <a:ext uri="{FF2B5EF4-FFF2-40B4-BE49-F238E27FC236}">
+                <a16:creationId xmlns:a16="http://schemas.microsoft.com/office/drawing/2014/main" id="{D94624EE-2628-4701-9CE9-966CD7F7E507}"/>
+              </a:ext>
+            </a:extLst>
+          </p:cNvPr>
+          <p:cNvSpPr txBox="1"/>
+          <p:nvPr/>
+        </p:nvSpPr>
+        <p:spPr>
+          <a:xfrm>
+            <a:off x="-621475" y="7178260"/>
+            <a:ext cx="762000" cy="215444"/>
+          </a:xfrm>
+          <a:prstGeom prst="rect">
+            <a:avLst/>
+          </a:prstGeom>
+          <a:noFill/>
+        </p:spPr>
+        <p:txBody>
+          <a:bodyPr wrap="square" lIns="0" tIns="0" rIns="0" bIns="0" rtlCol="0">
+            <a:spAutoFit/>
+          </a:bodyPr>
+          <a:lstStyle>
+            <a:defPPr>
+              <a:defRPr lang="en-US"/>
+            </a:defPPr>
+            <a:lvl1pPr algn="r">
+              <a:defRPr sz="1400">
+                <a:solidFill>
+                  <a:srgbClr val="0070C0"/>
+                </a:solidFill>
+              </a:defRPr>
+            </a:lvl1pPr>
+          </a:lstStyle>
+          <a:p>
+            <a:r>
+              <a:rPr lang="en-US" dirty="0">
+                <a:solidFill>
+                  <a:schemeClr val="tx1"/>
+                </a:solidFill>
+              </a:rPr>
+              <a:t>result</a:t>
+            </a:r>
+          </a:p>
+        </p:txBody>
+      </p:sp>
+      <p:sp>
+        <p:nvSpPr>
+          <p:cNvPr id="96" name="TextBox 95">
+            <a:extLst>
+              <a:ext uri="{FF2B5EF4-FFF2-40B4-BE49-F238E27FC236}">
+                <a16:creationId xmlns:a16="http://schemas.microsoft.com/office/drawing/2014/main" id="{7F1CEA2D-5900-4A2B-9C67-0EB1FA5E067B}"/>
+              </a:ext>
+            </a:extLst>
+          </p:cNvPr>
+          <p:cNvSpPr txBox="1"/>
+          <p:nvPr/>
+        </p:nvSpPr>
+        <p:spPr>
+          <a:xfrm>
+            <a:off x="3823303" y="1429294"/>
+            <a:ext cx="220343" cy="215444"/>
+          </a:xfrm>
+          <a:prstGeom prst="rect">
+            <a:avLst/>
+          </a:prstGeom>
+          <a:noFill/>
+        </p:spPr>
+        <p:txBody>
+          <a:bodyPr wrap="square" lIns="0" tIns="0" rIns="0" bIns="0" rtlCol="0">
+            <a:spAutoFit/>
+          </a:bodyPr>
+          <a:lstStyle>
+            <a:defPPr>
+              <a:defRPr lang="en-US"/>
+            </a:defPPr>
+            <a:lvl1pPr algn="r">
+              <a:defRPr sz="1400">
+                <a:solidFill>
+                  <a:srgbClr val="0070C0"/>
+                </a:solidFill>
+              </a:defRPr>
+            </a:lvl1pPr>
+          </a:lstStyle>
+          <a:p>
+            <a:r>
+              <a:rPr lang="en-US" dirty="0"/>
+              <a:t>r</a:t>
+            </a:r>
+          </a:p>
+        </p:txBody>
+      </p:sp>
+      <p:cxnSp>
+        <p:nvCxnSpPr>
+          <p:cNvPr id="103" name="Straight Arrow Connector 102">
+            <a:extLst>
+              <a:ext uri="{FF2B5EF4-FFF2-40B4-BE49-F238E27FC236}">
+                <a16:creationId xmlns:a16="http://schemas.microsoft.com/office/drawing/2014/main" id="{5204FBB4-0CDA-4B12-AFE1-9D165BBA014D}"/>
+              </a:ext>
+            </a:extLst>
+          </p:cNvPr>
+          <p:cNvCxnSpPr>
+            <a:cxnSpLocks/>
+          </p:cNvCxnSpPr>
+          <p:nvPr/>
+        </p:nvCxnSpPr>
+        <p:spPr>
+          <a:xfrm>
+            <a:off x="2797230" y="887419"/>
+            <a:ext cx="2454671" cy="0"/>
+          </a:xfrm>
+          <a:prstGeom prst="straightConnector1">
+            <a:avLst/>
+          </a:prstGeom>
+          <a:ln w="19050">
+            <a:solidFill>
+              <a:srgbClr val="0070C0"/>
+            </a:solidFill>
+            <a:tailEnd type="arrow"/>
+          </a:ln>
+        </p:spPr>
+        <p:style>
+          <a:lnRef idx="1">
+            <a:schemeClr val="accent1"/>
+          </a:lnRef>
+          <a:fillRef idx="0">
+            <a:schemeClr val="accent1"/>
+          </a:fillRef>
+          <a:effectRef idx="0">
+            <a:schemeClr val="accent1"/>
+          </a:effectRef>
+          <a:fontRef idx="minor">
+            <a:schemeClr val="tx1"/>
+          </a:fontRef>
+        </p:style>
+      </p:cxnSp>
+      <p:sp>
+        <p:nvSpPr>
+          <p:cNvPr id="112" name="Rectangle 62">
+            <a:extLst>
+              <a:ext uri="{FF2B5EF4-FFF2-40B4-BE49-F238E27FC236}">
+                <a16:creationId xmlns:a16="http://schemas.microsoft.com/office/drawing/2014/main" id="{C22BDDDA-C011-45EF-A458-833E24DCF893}"/>
+              </a:ext>
+            </a:extLst>
+          </p:cNvPr>
+          <p:cNvSpPr/>
+          <p:nvPr/>
+        </p:nvSpPr>
+        <p:spPr>
+          <a:xfrm>
+            <a:off x="-267056" y="-4796"/>
+            <a:ext cx="1455629" cy="346760"/>
+          </a:xfrm>
+          <a:prstGeom prst="rect">
+            <a:avLst/>
+          </a:prstGeom>
+          <a:solidFill>
+            <a:srgbClr val="00B050"/>
+          </a:solidFill>
+          <a:ln w="19050">
+            <a:solidFill>
+              <a:srgbClr val="00B050"/>
+            </a:solidFill>
+          </a:ln>
+          <a:effectLst/>
+        </p:spPr>
+        <p:style>
+          <a:lnRef idx="1">
+            <a:schemeClr val="accent2"/>
+          </a:lnRef>
+          <a:fillRef idx="2">
+            <a:schemeClr val="accent2"/>
+          </a:fillRef>
+          <a:effectRef idx="1">
+            <a:schemeClr val="accent2"/>
+          </a:effectRef>
+          <a:fontRef idx="minor">
+            <a:schemeClr val="dk1"/>
+          </a:fontRef>
+        </p:style>
+        <p:txBody>
+          <a:bodyPr rtlCol="0" anchor="ctr"/>
+          <a:lstStyle/>
+          <a:p>
+            <a:pPr algn="ctr"/>
+            <a:r>
+              <a:rPr lang="en-US" sz="1600" dirty="0">
+                <a:solidFill>
+                  <a:schemeClr val="bg1"/>
+                </a:solidFill>
+              </a:rPr>
+              <a:t>:</a:t>
+            </a:r>
+            <a:r>
+              <a:rPr lang="en-US" sz="1600" dirty="0" err="1">
+                <a:solidFill>
+                  <a:schemeClr val="bg1"/>
+                </a:solidFill>
+              </a:rPr>
+              <a:t>MainWindow</a:t>
+            </a:r>
+            <a:endParaRPr lang="en-SG" sz="1600" dirty="0">
+              <a:solidFill>
+                <a:schemeClr val="bg1"/>
+              </a:solidFill>
+            </a:endParaRPr>
+          </a:p>
+        </p:txBody>
+      </p:sp>
+      <p:sp>
+        <p:nvSpPr>
+          <p:cNvPr id="113" name="Rectangle 112">
+            <a:extLst>
+              <a:ext uri="{FF2B5EF4-FFF2-40B4-BE49-F238E27FC236}">
+                <a16:creationId xmlns:a16="http://schemas.microsoft.com/office/drawing/2014/main" id="{8E80E716-734B-400D-B96A-7B2D2776F482}"/>
+              </a:ext>
+            </a:extLst>
+          </p:cNvPr>
+          <p:cNvSpPr/>
+          <p:nvPr/>
+        </p:nvSpPr>
+        <p:spPr>
+          <a:xfrm>
+            <a:off x="384438" y="567750"/>
+            <a:ext cx="169189" cy="6938793"/>
+          </a:xfrm>
+          <a:prstGeom prst="rect">
+            <a:avLst/>
+          </a:prstGeom>
+          <a:solidFill>
+            <a:srgbClr val="00B050"/>
+          </a:solidFill>
+          <a:ln>
+            <a:solidFill>
+              <a:srgbClr val="00B050"/>
+            </a:solidFill>
+          </a:ln>
+          <a:effectLst/>
+        </p:spPr>
+        <p:style>
+          <a:lnRef idx="1">
+            <a:schemeClr val="accent3"/>
+          </a:lnRef>
+          <a:fillRef idx="2">
+            <a:schemeClr val="accent3"/>
+          </a:fillRef>
+          <a:effectRef idx="1">
+            <a:schemeClr val="accent3"/>
+          </a:effectRef>
+          <a:fontRef idx="minor">
+            <a:schemeClr val="dk1"/>
+          </a:fontRef>
+        </p:style>
+        <p:txBody>
+          <a:bodyPr rtlCol="0" anchor="ctr"/>
+          <a:lstStyle/>
+          <a:p>
+            <a:pPr algn="ctr"/>
+            <a:endParaRPr lang="en-SG" sz="1400"/>
+          </a:p>
+        </p:txBody>
+      </p:sp>
+      <p:cxnSp>
+        <p:nvCxnSpPr>
+          <p:cNvPr id="114" name="Straight Connector 113">
+            <a:extLst>
+              <a:ext uri="{FF2B5EF4-FFF2-40B4-BE49-F238E27FC236}">
+                <a16:creationId xmlns:a16="http://schemas.microsoft.com/office/drawing/2014/main" id="{A2083679-1430-404D-86C8-4303795DA2FE}"/>
+              </a:ext>
+            </a:extLst>
+          </p:cNvPr>
+          <p:cNvCxnSpPr>
+            <a:cxnSpLocks/>
+          </p:cNvCxnSpPr>
+          <p:nvPr/>
+        </p:nvCxnSpPr>
+        <p:spPr>
+          <a:xfrm>
+            <a:off x="460758" y="341964"/>
+            <a:ext cx="0" cy="7490335"/>
+          </a:xfrm>
+          <a:prstGeom prst="line">
+            <a:avLst/>
+          </a:prstGeom>
+          <a:ln w="19050">
+            <a:solidFill>
+              <a:srgbClr val="00B050"/>
+            </a:solidFill>
+            <a:prstDash val="sysDash"/>
+          </a:ln>
+          <a:effectLst/>
+        </p:spPr>
+        <p:style>
+          <a:lnRef idx="1">
+            <a:schemeClr val="accent1"/>
+          </a:lnRef>
+          <a:fillRef idx="2">
+            <a:schemeClr val="accent1"/>
+          </a:fillRef>
+          <a:effectRef idx="1">
+            <a:schemeClr val="accent1"/>
+          </a:effectRef>
+          <a:fontRef idx="minor">
+            <a:schemeClr val="dk1"/>
+          </a:fontRef>
+        </p:style>
+      </p:cxnSp>
+      <p:cxnSp>
+        <p:nvCxnSpPr>
+          <p:cNvPr id="115" name="Straight Arrow Connector 114">
+            <a:extLst>
+              <a:ext uri="{FF2B5EF4-FFF2-40B4-BE49-F238E27FC236}">
+                <a16:creationId xmlns:a16="http://schemas.microsoft.com/office/drawing/2014/main" id="{D4EFBAE2-10F8-4B0F-B537-CA454F781225}"/>
+              </a:ext>
+            </a:extLst>
+          </p:cNvPr>
+          <p:cNvCxnSpPr>
+            <a:cxnSpLocks/>
+          </p:cNvCxnSpPr>
+          <p:nvPr/>
+        </p:nvCxnSpPr>
+        <p:spPr>
+          <a:xfrm>
+            <a:off x="-1040407" y="584663"/>
+            <a:ext cx="1424846" cy="0"/>
+          </a:xfrm>
+          <a:prstGeom prst="straightConnector1">
+            <a:avLst/>
+          </a:prstGeom>
+          <a:ln w="19050">
+            <a:solidFill>
+              <a:schemeClr val="tx1"/>
+            </a:solidFill>
+            <a:tailEnd type="arrow"/>
+          </a:ln>
+        </p:spPr>
+        <p:style>
+          <a:lnRef idx="1">
+            <a:schemeClr val="accent1"/>
+          </a:lnRef>
+          <a:fillRef idx="0">
+            <a:schemeClr val="accent1"/>
+          </a:fillRef>
+          <a:effectRef idx="0">
+            <a:schemeClr val="accent1"/>
+          </a:effectRef>
+          <a:fontRef idx="minor">
+            <a:schemeClr val="tx1"/>
+          </a:fontRef>
+        </p:style>
+      </p:cxnSp>
+      <p:sp>
+        <p:nvSpPr>
+          <p:cNvPr id="116" name="TextBox 115">
+            <a:extLst>
+              <a:ext uri="{FF2B5EF4-FFF2-40B4-BE49-F238E27FC236}">
+                <a16:creationId xmlns:a16="http://schemas.microsoft.com/office/drawing/2014/main" id="{9981E418-6CF2-4B2C-9FD1-2F00AF2F2C41}"/>
+              </a:ext>
+            </a:extLst>
+          </p:cNvPr>
+          <p:cNvSpPr txBox="1"/>
+          <p:nvPr/>
+        </p:nvSpPr>
+        <p:spPr>
+          <a:xfrm>
+            <a:off x="-1141449" y="332729"/>
+            <a:ext cx="793855" cy="215444"/>
+          </a:xfrm>
+          <a:prstGeom prst="rect">
+            <a:avLst/>
+          </a:prstGeom>
+          <a:noFill/>
+        </p:spPr>
+        <p:txBody>
+          <a:bodyPr wrap="square" lIns="0" tIns="0" rIns="0" bIns="0" rtlCol="0">
+            <a:spAutoFit/>
+          </a:bodyPr>
+          <a:lstStyle/>
+          <a:p>
+            <a:pPr algn="r"/>
+            <a:r>
+              <a:rPr lang="en-US" sz="1400" dirty="0"/>
+              <a:t>randomize</a:t>
+            </a:r>
+          </a:p>
+        </p:txBody>
+      </p:sp>
+      <p:cxnSp>
+        <p:nvCxnSpPr>
+          <p:cNvPr id="121" name="Straight Arrow Connector 120">
+            <a:extLst>
+              <a:ext uri="{FF2B5EF4-FFF2-40B4-BE49-F238E27FC236}">
+                <a16:creationId xmlns:a16="http://schemas.microsoft.com/office/drawing/2014/main" id="{D620DFC4-8A64-42CF-A98E-892B307DD75A}"/>
+              </a:ext>
+            </a:extLst>
+          </p:cNvPr>
+          <p:cNvCxnSpPr>
+            <a:cxnSpLocks/>
+          </p:cNvCxnSpPr>
+          <p:nvPr/>
+        </p:nvCxnSpPr>
+        <p:spPr>
+          <a:xfrm>
+            <a:off x="-1287641" y="7447489"/>
+            <a:ext cx="1672079" cy="0"/>
+          </a:xfrm>
+          <a:prstGeom prst="straightConnector1">
+            <a:avLst/>
+          </a:prstGeom>
+          <a:ln w="19050">
+            <a:solidFill>
+              <a:schemeClr val="tx1"/>
+            </a:solidFill>
+            <a:prstDash val="sysDash"/>
+            <a:headEnd type="arrow" w="med" len="med"/>
+            <a:tailEnd type="none" w="med" len="med"/>
+          </a:ln>
+        </p:spPr>
+        <p:style>
+          <a:lnRef idx="1">
+            <a:schemeClr val="accent1"/>
+          </a:lnRef>
+          <a:fillRef idx="0">
+            <a:schemeClr val="accent1"/>
+          </a:fillRef>
+          <a:effectRef idx="0">
+            <a:schemeClr val="accent1"/>
+          </a:effectRef>
+          <a:fontRef idx="minor">
+            <a:schemeClr val="tx1"/>
+          </a:fontRef>
+        </p:style>
+      </p:cxnSp>
+      <p:cxnSp>
+        <p:nvCxnSpPr>
+          <p:cNvPr id="127" name="Straight Arrow Connector 126">
+            <a:extLst>
+              <a:ext uri="{FF2B5EF4-FFF2-40B4-BE49-F238E27FC236}">
+                <a16:creationId xmlns:a16="http://schemas.microsoft.com/office/drawing/2014/main" id="{5F8CA581-977E-47F7-9838-6EDED3880F70}"/>
+              </a:ext>
+            </a:extLst>
+          </p:cNvPr>
+          <p:cNvCxnSpPr>
+            <a:cxnSpLocks/>
+            <a:endCxn id="126" idx="1"/>
+          </p:cNvCxnSpPr>
+          <p:nvPr/>
+        </p:nvCxnSpPr>
+        <p:spPr>
+          <a:xfrm>
+            <a:off x="5464829" y="1039364"/>
+            <a:ext cx="1779565" cy="0"/>
+          </a:xfrm>
+          <a:prstGeom prst="straightConnector1">
+            <a:avLst/>
+          </a:prstGeom>
+          <a:ln w="19050">
+            <a:solidFill>
+              <a:srgbClr val="0070C0"/>
+            </a:solidFill>
+            <a:tailEnd type="arrow"/>
+          </a:ln>
+        </p:spPr>
+        <p:style>
+          <a:lnRef idx="1">
+            <a:schemeClr val="accent1"/>
+          </a:lnRef>
+          <a:fillRef idx="0">
+            <a:schemeClr val="accent1"/>
+          </a:fillRef>
+          <a:effectRef idx="0">
+            <a:schemeClr val="accent1"/>
+          </a:effectRef>
+          <a:fontRef idx="minor">
+            <a:schemeClr val="tx1"/>
+          </a:fontRef>
+        </p:style>
+      </p:cxnSp>
+      <p:cxnSp>
+        <p:nvCxnSpPr>
+          <p:cNvPr id="130" name="Straight Arrow Connector 129">
+            <a:extLst>
+              <a:ext uri="{FF2B5EF4-FFF2-40B4-BE49-F238E27FC236}">
+                <a16:creationId xmlns:a16="http://schemas.microsoft.com/office/drawing/2014/main" id="{C2FF8AFC-AFE0-49EF-9695-3DCE08F6FBEA}"/>
+              </a:ext>
+            </a:extLst>
+          </p:cNvPr>
+          <p:cNvCxnSpPr>
+            <a:cxnSpLocks/>
+            <a:endCxn id="129" idx="2"/>
+          </p:cNvCxnSpPr>
+          <p:nvPr/>
+        </p:nvCxnSpPr>
+        <p:spPr>
+          <a:xfrm>
+            <a:off x="5464829" y="1398274"/>
+            <a:ext cx="2354608" cy="0"/>
+          </a:xfrm>
+          <a:prstGeom prst="straightConnector1">
+            <a:avLst/>
+          </a:prstGeom>
+          <a:ln w="19050">
+            <a:solidFill>
+              <a:srgbClr val="0070C0"/>
+            </a:solidFill>
+            <a:prstDash val="sysDash"/>
+            <a:headEnd type="arrow" w="med" len="med"/>
+            <a:tailEnd type="none" w="med" len="med"/>
+          </a:ln>
+        </p:spPr>
+        <p:style>
+          <a:lnRef idx="1">
+            <a:schemeClr val="accent1"/>
+          </a:lnRef>
+          <a:fillRef idx="0">
+            <a:schemeClr val="accent1"/>
+          </a:fillRef>
+          <a:effectRef idx="0">
+            <a:schemeClr val="accent1"/>
+          </a:effectRef>
+          <a:fontRef idx="minor">
+            <a:schemeClr val="tx1"/>
+          </a:fontRef>
+        </p:style>
+      </p:cxnSp>
+      <p:grpSp>
+        <p:nvGrpSpPr>
+          <p:cNvPr id="135" name="Group 134">
+            <a:extLst>
+              <a:ext uri="{FF2B5EF4-FFF2-40B4-BE49-F238E27FC236}">
+                <a16:creationId xmlns:a16="http://schemas.microsoft.com/office/drawing/2014/main" id="{37F95915-1C97-493F-BA4D-B2F6C374E394}"/>
+              </a:ext>
+            </a:extLst>
+          </p:cNvPr>
+          <p:cNvGrpSpPr/>
+          <p:nvPr/>
+        </p:nvGrpSpPr>
+        <p:grpSpPr>
+          <a:xfrm>
+            <a:off x="7244394" y="805522"/>
+            <a:ext cx="1219200" cy="592752"/>
+            <a:chOff x="6629490" y="1500003"/>
+            <a:chExt cx="1219200" cy="592752"/>
+          </a:xfrm>
+        </p:grpSpPr>
         <p:sp>
           <p:nvSpPr>
-            <p:cNvPr id="73" name="Rectangle 65">
+            <p:cNvPr id="129" name="Rectangle 128">
               <a:extLst>
                 <a:ext uri="{FF2B5EF4-FFF2-40B4-BE49-F238E27FC236}">
-                  <a16:creationId xmlns:a16="http://schemas.microsoft.com/office/drawing/2014/main" id="{45CD46E7-77E6-4B6E-96DD-D0F207E0E312}"/>
+                  <a16:creationId xmlns:a16="http://schemas.microsoft.com/office/drawing/2014/main" id="{6D848CA5-9F37-4D56-8B6A-F2FE75B4FDB2}"/>
                 </a:ext>
               </a:extLst>
             </p:cNvPr>
@@ -3740,54 +4866,44 @@
           </p:nvSpPr>
           <p:spPr>
             <a:xfrm>
-              <a:off x="1762406" y="380579"/>
-              <a:ext cx="9220806" cy="8955215"/>
+              <a:off x="7127329" y="1716404"/>
+              <a:ext cx="154408" cy="376351"/>
             </a:xfrm>
-            <a:prstGeom prst="roundRect">
-              <a:avLst>
-                <a:gd name="adj" fmla="val 3484"/>
-              </a:avLst>
+            <a:prstGeom prst="rect">
+              <a:avLst/>
             </a:prstGeom>
             <a:solidFill>
-              <a:schemeClr val="accent1">
-                <a:lumMod val="20000"/>
-                <a:lumOff val="80000"/>
-              </a:schemeClr>
+              <a:srgbClr val="0070C0"/>
             </a:solidFill>
-            <a:ln w="19050">
-              <a:noFill/>
+            <a:ln>
+              <a:solidFill>
+                <a:srgbClr val="0070C0"/>
+              </a:solidFill>
             </a:ln>
             <a:effectLst/>
           </p:spPr>
           <p:style>
             <a:lnRef idx="1">
-              <a:schemeClr val="accent2"/>
+              <a:schemeClr val="accent3"/>
             </a:lnRef>
             <a:fillRef idx="2">
-              <a:schemeClr val="accent2"/>
+              <a:schemeClr val="accent3"/>
             </a:fillRef>
             <a:effectRef idx="1">
-              <a:schemeClr val="accent2"/>
+              <a:schemeClr val="accent3"/>
             </a:effectRef>
             <a:fontRef idx="minor">
               <a:schemeClr val="dk1"/>
             </a:fontRef>
           </p:style>
           <p:txBody>
-            <a:bodyPr rtlCol="0" anchor="t"/>
+            <a:bodyPr rtlCol="0" anchor="ctr"/>
             <a:lstStyle/>
             <a:p>
-              <a:r>
-                <a:rPr lang="en-US" sz="1200" b="1" dirty="0">
-                  <a:solidFill>
-                    <a:srgbClr val="0070C0"/>
-                  </a:solidFill>
-                </a:rPr>
-                <a:t>Logic</a:t>
-              </a:r>
-              <a:endParaRPr lang="en-SG" sz="1200" b="1" dirty="0">
+              <a:pPr algn="ctr"/>
+              <a:endParaRPr lang="en-SG" sz="1400">
                 <a:solidFill>
-                  <a:srgbClr val="0070C0"/>
+                  <a:schemeClr val="dk1"/>
                 </a:solidFill>
               </a:endParaRPr>
             </a:p>
@@ -3795,10 +4911,10 @@
         </p:sp>
         <p:sp>
           <p:nvSpPr>
-            <p:cNvPr id="74" name="Rectangle 62">
+            <p:cNvPr id="126" name="Rectangle 62">
               <a:extLst>
                 <a:ext uri="{FF2B5EF4-FFF2-40B4-BE49-F238E27FC236}">
-                  <a16:creationId xmlns:a16="http://schemas.microsoft.com/office/drawing/2014/main" id="{D5B2DCB2-A946-4BA3-9F96-B0C9AAFC8BB0}"/>
+                  <a16:creationId xmlns:a16="http://schemas.microsoft.com/office/drawing/2014/main" id="{214906AA-6608-4416-8813-B300C904BB7A}"/>
                 </a:ext>
               </a:extLst>
             </p:cNvPr>
@@ -3807,8 +4923,8 @@
           </p:nvSpPr>
           <p:spPr>
             <a:xfrm>
-              <a:off x="2330945" y="761928"/>
-              <a:ext cx="1455629" cy="346760"/>
+              <a:off x="6629490" y="1500003"/>
+              <a:ext cx="1219200" cy="467684"/>
             </a:xfrm>
             <a:prstGeom prst="rect">
               <a:avLst/>
@@ -3856,7 +4972,7 @@
                     <a:schemeClr val="bg1"/>
                   </a:solidFill>
                 </a:rPr>
-                <a:t>LogicManager</a:t>
+                <a:t>RandomizeCommand</a:t>
               </a:r>
               <a:endParaRPr lang="en-SG" sz="1600" dirty="0">
                 <a:solidFill>
@@ -3866,2758 +4982,1552 @@
             </a:p>
           </p:txBody>
         </p:sp>
-        <p:cxnSp>
-          <p:nvCxnSpPr>
-            <p:cNvPr id="75" name="Straight Connector 74">
-              <a:extLst>
-                <a:ext uri="{FF2B5EF4-FFF2-40B4-BE49-F238E27FC236}">
-                  <a16:creationId xmlns:a16="http://schemas.microsoft.com/office/drawing/2014/main" id="{37C4AF46-E20B-44B8-B854-0AB1D95BC7C9}"/>
-                </a:ext>
-              </a:extLst>
-            </p:cNvPr>
-            <p:cNvCxnSpPr>
-              <a:cxnSpLocks/>
-            </p:cNvCxnSpPr>
-            <p:nvPr/>
-          </p:nvCxnSpPr>
-          <p:spPr>
-            <a:xfrm>
-              <a:off x="3058759" y="1125599"/>
-              <a:ext cx="0" cy="7016371"/>
-            </a:xfrm>
-            <a:prstGeom prst="line">
-              <a:avLst/>
-            </a:prstGeom>
-            <a:ln w="19050">
-              <a:solidFill>
-                <a:srgbClr val="0070C0"/>
-              </a:solidFill>
-              <a:prstDash val="sysDash"/>
-            </a:ln>
-            <a:effectLst/>
-          </p:spPr>
-          <p:style>
-            <a:lnRef idx="1">
-              <a:schemeClr val="accent1"/>
-            </a:lnRef>
-            <a:fillRef idx="2">
-              <a:schemeClr val="accent1"/>
-            </a:fillRef>
-            <a:effectRef idx="1">
-              <a:schemeClr val="accent1"/>
-            </a:effectRef>
-            <a:fontRef idx="minor">
-              <a:schemeClr val="dk1"/>
-            </a:fontRef>
-          </p:style>
-        </p:cxnSp>
-        <p:sp>
-          <p:nvSpPr>
-            <p:cNvPr id="76" name="Rectangle 75">
-              <a:extLst>
-                <a:ext uri="{FF2B5EF4-FFF2-40B4-BE49-F238E27FC236}">
-                  <a16:creationId xmlns:a16="http://schemas.microsoft.com/office/drawing/2014/main" id="{704EB931-F576-4247-BA22-7DB7D5835450}"/>
-                </a:ext>
-              </a:extLst>
-            </p:cNvPr>
-            <p:cNvSpPr/>
-            <p:nvPr/>
-          </p:nvSpPr>
-          <p:spPr>
-            <a:xfrm>
-              <a:off x="2989723" y="1476292"/>
-              <a:ext cx="149427" cy="6526611"/>
-            </a:xfrm>
-            <a:prstGeom prst="rect">
-              <a:avLst/>
-            </a:prstGeom>
+      </p:grpSp>
+      <p:sp>
+        <p:nvSpPr>
+          <p:cNvPr id="134" name="TextBox 133">
+            <a:extLst>
+              <a:ext uri="{FF2B5EF4-FFF2-40B4-BE49-F238E27FC236}">
+                <a16:creationId xmlns:a16="http://schemas.microsoft.com/office/drawing/2014/main" id="{06429735-F83C-4229-A24B-008FE883ACDF}"/>
+              </a:ext>
+            </a:extLst>
+          </p:cNvPr>
+          <p:cNvSpPr txBox="1"/>
+          <p:nvPr/>
+        </p:nvSpPr>
+        <p:spPr>
+          <a:xfrm>
+            <a:off x="4951736" y="794838"/>
+            <a:ext cx="2192029" cy="215444"/>
+          </a:xfrm>
+          <a:prstGeom prst="rect">
+            <a:avLst/>
+          </a:prstGeom>
+          <a:noFill/>
+        </p:spPr>
+        <p:txBody>
+          <a:bodyPr wrap="square" lIns="0" tIns="0" rIns="0" bIns="0" rtlCol="0">
+            <a:spAutoFit/>
+          </a:bodyPr>
+          <a:lstStyle>
+            <a:defPPr>
+              <a:defRPr lang="en-US"/>
+            </a:defPPr>
+            <a:lvl1pPr algn="r">
+              <a:defRPr sz="1400">
+                <a:solidFill>
+                  <a:srgbClr val="0070C0"/>
+                </a:solidFill>
+              </a:defRPr>
+            </a:lvl1pPr>
+          </a:lstStyle>
+          <a:p>
+            <a:r>
+              <a:rPr lang="en-US" dirty="0" err="1"/>
+              <a:t>RandomizeCommand</a:t>
+            </a:r>
+            <a:endParaRPr lang="en-US" dirty="0"/>
+          </a:p>
+        </p:txBody>
+      </p:sp>
+      <p:sp>
+        <p:nvSpPr>
+          <p:cNvPr id="146" name="TextBox 145">
+            <a:extLst>
+              <a:ext uri="{FF2B5EF4-FFF2-40B4-BE49-F238E27FC236}">
+                <a16:creationId xmlns:a16="http://schemas.microsoft.com/office/drawing/2014/main" id="{F1386E85-11F3-4DD1-95F9-4DC0D79B27FA}"/>
+              </a:ext>
+            </a:extLst>
+          </p:cNvPr>
+          <p:cNvSpPr txBox="1"/>
+          <p:nvPr/>
+        </p:nvSpPr>
+        <p:spPr>
+          <a:xfrm>
+            <a:off x="4652916" y="2148694"/>
+            <a:ext cx="1759459" cy="215444"/>
+          </a:xfrm>
+          <a:prstGeom prst="rect">
+            <a:avLst/>
+          </a:prstGeom>
+          <a:noFill/>
+        </p:spPr>
+        <p:txBody>
+          <a:bodyPr wrap="square" lIns="0" tIns="0" rIns="0" bIns="0" rtlCol="0">
+            <a:spAutoFit/>
+          </a:bodyPr>
+          <a:lstStyle>
+            <a:defPPr>
+              <a:defRPr lang="en-US"/>
+            </a:defPPr>
+            <a:lvl1pPr algn="r">
+              <a:defRPr sz="1400">
+                <a:solidFill>
+                  <a:srgbClr val="0070C0"/>
+                </a:solidFill>
+              </a:defRPr>
+            </a:lvl1pPr>
+          </a:lstStyle>
+          <a:p>
+            <a:r>
+              <a:rPr lang="en-US" dirty="0"/>
+              <a:t>execute(model, history)</a:t>
+            </a:r>
+          </a:p>
+        </p:txBody>
+      </p:sp>
+      <p:cxnSp>
+        <p:nvCxnSpPr>
+          <p:cNvPr id="147" name="Straight Arrow Connector 146">
+            <a:extLst>
+              <a:ext uri="{FF2B5EF4-FFF2-40B4-BE49-F238E27FC236}">
+                <a16:creationId xmlns:a16="http://schemas.microsoft.com/office/drawing/2014/main" id="{474A5335-5BEE-4E5F-9C4F-914B73CF7C32}"/>
+              </a:ext>
+            </a:extLst>
+          </p:cNvPr>
+          <p:cNvCxnSpPr>
+            <a:cxnSpLocks/>
+          </p:cNvCxnSpPr>
+          <p:nvPr/>
+        </p:nvCxnSpPr>
+        <p:spPr>
+          <a:xfrm>
+            <a:off x="2824440" y="2412477"/>
+            <a:ext cx="4886325" cy="0"/>
+          </a:xfrm>
+          <a:prstGeom prst="straightConnector1">
+            <a:avLst/>
+          </a:prstGeom>
+          <a:ln w="19050">
             <a:solidFill>
               <a:srgbClr val="0070C0"/>
             </a:solidFill>
-            <a:ln>
-              <a:solidFill>
-                <a:srgbClr val="0070C0"/>
-              </a:solidFill>
-            </a:ln>
-            <a:effectLst/>
-          </p:spPr>
-          <p:style>
-            <a:lnRef idx="1">
-              <a:schemeClr val="accent3"/>
-            </a:lnRef>
-            <a:fillRef idx="2">
-              <a:schemeClr val="accent3"/>
-            </a:fillRef>
-            <a:effectRef idx="1">
-              <a:schemeClr val="accent3"/>
-            </a:effectRef>
-            <a:fontRef idx="minor">
-              <a:schemeClr val="dk1"/>
-            </a:fontRef>
-          </p:style>
-          <p:txBody>
-            <a:bodyPr rtlCol="0" anchor="ctr"/>
-            <a:lstStyle/>
-            <a:p>
-              <a:pPr algn="ctr"/>
-              <a:endParaRPr lang="en-SG" sz="1400"/>
-            </a:p>
-          </p:txBody>
-        </p:sp>
-        <p:sp>
-          <p:nvSpPr>
-            <p:cNvPr id="77" name="Rectangle 62">
-              <a:extLst>
-                <a:ext uri="{FF2B5EF4-FFF2-40B4-BE49-F238E27FC236}">
-                  <a16:creationId xmlns:a16="http://schemas.microsoft.com/office/drawing/2014/main" id="{6547FD8C-E249-4D94-947A-6080E5087B00}"/>
-                </a:ext>
-              </a:extLst>
-            </p:cNvPr>
-            <p:cNvSpPr/>
-            <p:nvPr/>
-          </p:nvSpPr>
-          <p:spPr>
-            <a:xfrm>
-              <a:off x="5127844" y="641004"/>
-              <a:ext cx="1219200" cy="467684"/>
-            </a:xfrm>
-            <a:prstGeom prst="rect">
-              <a:avLst/>
-            </a:prstGeom>
+            <a:tailEnd type="arrow"/>
+          </a:ln>
+        </p:spPr>
+        <p:style>
+          <a:lnRef idx="1">
+            <a:schemeClr val="accent1"/>
+          </a:lnRef>
+          <a:fillRef idx="0">
+            <a:schemeClr val="accent1"/>
+          </a:fillRef>
+          <a:effectRef idx="0">
+            <a:schemeClr val="accent1"/>
+          </a:effectRef>
+          <a:fontRef idx="minor">
+            <a:schemeClr val="tx1"/>
+          </a:fontRef>
+        </p:style>
+      </p:cxnSp>
+      <p:cxnSp>
+        <p:nvCxnSpPr>
+          <p:cNvPr id="150" name="Straight Connector 149">
+            <a:extLst>
+              <a:ext uri="{FF2B5EF4-FFF2-40B4-BE49-F238E27FC236}">
+                <a16:creationId xmlns:a16="http://schemas.microsoft.com/office/drawing/2014/main" id="{54B8ABBC-9B58-46D8-B0E4-36B83BCB90D0}"/>
+              </a:ext>
+            </a:extLst>
+          </p:cNvPr>
+          <p:cNvCxnSpPr>
+            <a:cxnSpLocks/>
+          </p:cNvCxnSpPr>
+          <p:nvPr/>
+        </p:nvCxnSpPr>
+        <p:spPr>
+          <a:xfrm>
+            <a:off x="7819437" y="1357276"/>
+            <a:ext cx="0" cy="5894263"/>
+          </a:xfrm>
+          <a:prstGeom prst="line">
+            <a:avLst/>
+          </a:prstGeom>
+          <a:ln w="19050">
             <a:solidFill>
               <a:srgbClr val="0070C0"/>
             </a:solidFill>
-            <a:ln w="19050">
+            <a:prstDash val="sysDash"/>
+          </a:ln>
+          <a:effectLst/>
+        </p:spPr>
+        <p:style>
+          <a:lnRef idx="1">
+            <a:schemeClr val="accent1"/>
+          </a:lnRef>
+          <a:fillRef idx="2">
+            <a:schemeClr val="accent1"/>
+          </a:fillRef>
+          <a:effectRef idx="1">
+            <a:schemeClr val="accent1"/>
+          </a:effectRef>
+          <a:fontRef idx="minor">
+            <a:schemeClr val="dk1"/>
+          </a:fontRef>
+        </p:style>
+      </p:cxnSp>
+      <p:sp>
+        <p:nvSpPr>
+          <p:cNvPr id="151" name="Rectangle 150">
+            <a:extLst>
+              <a:ext uri="{FF2B5EF4-FFF2-40B4-BE49-F238E27FC236}">
+                <a16:creationId xmlns:a16="http://schemas.microsoft.com/office/drawing/2014/main" id="{B7280346-E1EF-47CF-814E-5AD2A4F29B0B}"/>
+              </a:ext>
+            </a:extLst>
+          </p:cNvPr>
+          <p:cNvSpPr/>
+          <p:nvPr/>
+        </p:nvSpPr>
+        <p:spPr>
+          <a:xfrm>
+            <a:off x="7740934" y="2409565"/>
+            <a:ext cx="154408" cy="4551513"/>
+          </a:xfrm>
+          <a:prstGeom prst="rect">
+            <a:avLst/>
+          </a:prstGeom>
+          <a:solidFill>
+            <a:srgbClr val="0070C0"/>
+          </a:solidFill>
+          <a:ln>
+            <a:solidFill>
+              <a:srgbClr val="0070C0"/>
+            </a:solidFill>
+          </a:ln>
+          <a:effectLst/>
+        </p:spPr>
+        <p:style>
+          <a:lnRef idx="1">
+            <a:schemeClr val="accent3"/>
+          </a:lnRef>
+          <a:fillRef idx="2">
+            <a:schemeClr val="accent3"/>
+          </a:fillRef>
+          <a:effectRef idx="1">
+            <a:schemeClr val="accent3"/>
+          </a:effectRef>
+          <a:fontRef idx="minor">
+            <a:schemeClr val="dk1"/>
+          </a:fontRef>
+        </p:style>
+        <p:txBody>
+          <a:bodyPr rtlCol="0" anchor="ctr"/>
+          <a:lstStyle/>
+          <a:p>
+            <a:pPr algn="ctr"/>
+            <a:endParaRPr lang="en-SG" sz="1400">
               <a:solidFill>
-                <a:srgbClr val="0070C0"/>
+                <a:schemeClr val="dk1"/>
               </a:solidFill>
-            </a:ln>
-            <a:effectLst/>
-          </p:spPr>
-          <p:style>
-            <a:lnRef idx="1">
-              <a:schemeClr val="accent2"/>
-            </a:lnRef>
-            <a:fillRef idx="2">
-              <a:schemeClr val="accent2"/>
-            </a:fillRef>
-            <a:effectRef idx="1">
-              <a:schemeClr val="accent2"/>
-            </a:effectRef>
-            <a:fontRef idx="minor">
-              <a:schemeClr val="dk1"/>
-            </a:fontRef>
-          </p:style>
-          <p:txBody>
-            <a:bodyPr rtlCol="0" anchor="ctr"/>
-            <a:lstStyle/>
-            <a:p>
-              <a:pPr algn="ctr"/>
-              <a:r>
-                <a:rPr lang="en-US" sz="1600" dirty="0">
-                  <a:solidFill>
-                    <a:schemeClr val="bg1"/>
-                  </a:solidFill>
-                </a:rPr>
-                <a:t>:Address</a:t>
-              </a:r>
-            </a:p>
-            <a:p>
-              <a:pPr algn="ctr"/>
-              <a:r>
-                <a:rPr lang="en-US" sz="1600" dirty="0" err="1">
-                  <a:solidFill>
-                    <a:schemeClr val="bg1"/>
-                  </a:solidFill>
-                </a:rPr>
-                <a:t>BookParser</a:t>
-              </a:r>
-              <a:endParaRPr lang="en-SG" sz="1600" dirty="0">
+            </a:endParaRPr>
+          </a:p>
+        </p:txBody>
+      </p:sp>
+      <p:sp>
+        <p:nvSpPr>
+          <p:cNvPr id="153" name="Rectangle 65">
+            <a:extLst>
+              <a:ext uri="{FF2B5EF4-FFF2-40B4-BE49-F238E27FC236}">
+                <a16:creationId xmlns:a16="http://schemas.microsoft.com/office/drawing/2014/main" id="{B0833745-A13B-455F-BC5E-7EE21CF7097E}"/>
+              </a:ext>
+            </a:extLst>
+          </p:cNvPr>
+          <p:cNvSpPr/>
+          <p:nvPr/>
+        </p:nvSpPr>
+        <p:spPr>
+          <a:xfrm>
+            <a:off x="10701193" y="-313901"/>
+            <a:ext cx="3501812" cy="9140942"/>
+          </a:xfrm>
+          <a:prstGeom prst="roundRect">
+            <a:avLst>
+              <a:gd name="adj" fmla="val 3484"/>
+            </a:avLst>
+          </a:prstGeom>
+          <a:solidFill>
+            <a:srgbClr val="C3B3FF"/>
+          </a:solidFill>
+          <a:ln w="19050">
+            <a:noFill/>
+          </a:ln>
+          <a:effectLst/>
+        </p:spPr>
+        <p:style>
+          <a:lnRef idx="1">
+            <a:schemeClr val="accent2"/>
+          </a:lnRef>
+          <a:fillRef idx="2">
+            <a:schemeClr val="accent2"/>
+          </a:fillRef>
+          <a:effectRef idx="1">
+            <a:schemeClr val="accent2"/>
+          </a:effectRef>
+          <a:fontRef idx="minor">
+            <a:schemeClr val="dk1"/>
+          </a:fontRef>
+        </p:style>
+        <p:txBody>
+          <a:bodyPr rtlCol="0" anchor="t"/>
+          <a:lstStyle/>
+          <a:p>
+            <a:r>
+              <a:rPr lang="en-US" sz="1200" b="1" dirty="0">
+                <a:solidFill>
+                  <a:srgbClr val="7030A0"/>
+                </a:solidFill>
+              </a:rPr>
+              <a:t>Model</a:t>
+            </a:r>
+            <a:endParaRPr lang="en-SG" sz="1200" b="1" dirty="0">
+              <a:solidFill>
+                <a:srgbClr val="7030A0"/>
+              </a:solidFill>
+            </a:endParaRPr>
+          </a:p>
+        </p:txBody>
+      </p:sp>
+      <p:sp>
+        <p:nvSpPr>
+          <p:cNvPr id="156" name="Rectangle 62">
+            <a:extLst>
+              <a:ext uri="{FF2B5EF4-FFF2-40B4-BE49-F238E27FC236}">
+                <a16:creationId xmlns:a16="http://schemas.microsoft.com/office/drawing/2014/main" id="{0602C17C-A232-4419-BAEE-FA9A407AA562}"/>
+              </a:ext>
+            </a:extLst>
+          </p:cNvPr>
+          <p:cNvSpPr/>
+          <p:nvPr/>
+        </p:nvSpPr>
+        <p:spPr>
+          <a:xfrm>
+            <a:off x="12386803" y="1696677"/>
+            <a:ext cx="1547733" cy="300180"/>
+          </a:xfrm>
+          <a:prstGeom prst="rect">
+            <a:avLst/>
+          </a:prstGeom>
+          <a:solidFill>
+            <a:srgbClr val="7030A0"/>
+          </a:solidFill>
+          <a:ln w="19050">
+            <a:solidFill>
+              <a:srgbClr val="7030A0"/>
+            </a:solidFill>
+          </a:ln>
+          <a:effectLst/>
+        </p:spPr>
+        <p:style>
+          <a:lnRef idx="1">
+            <a:schemeClr val="accent2"/>
+          </a:lnRef>
+          <a:fillRef idx="2">
+            <a:schemeClr val="accent2"/>
+          </a:fillRef>
+          <a:effectRef idx="1">
+            <a:schemeClr val="accent2"/>
+          </a:effectRef>
+          <a:fontRef idx="minor">
+            <a:schemeClr val="dk1"/>
+          </a:fontRef>
+        </p:style>
+        <p:txBody>
+          <a:bodyPr rtlCol="0" anchor="ctr"/>
+          <a:lstStyle/>
+          <a:p>
+            <a:pPr algn="ctr"/>
+            <a:r>
+              <a:rPr lang="en-US" sz="1600" dirty="0">
                 <a:solidFill>
                   <a:schemeClr val="bg1"/>
                 </a:solidFill>
-              </a:endParaRPr>
-            </a:p>
-          </p:txBody>
-        </p:sp>
-        <p:cxnSp>
-          <p:nvCxnSpPr>
-            <p:cNvPr id="78" name="Straight Connector 77">
-              <a:extLst>
-                <a:ext uri="{FF2B5EF4-FFF2-40B4-BE49-F238E27FC236}">
-                  <a16:creationId xmlns:a16="http://schemas.microsoft.com/office/drawing/2014/main" id="{FC993E10-ED39-4A23-8499-A661A1BFFB89}"/>
-                </a:ext>
-              </a:extLst>
-            </p:cNvPr>
-            <p:cNvCxnSpPr>
-              <a:cxnSpLocks/>
-            </p:cNvCxnSpPr>
-            <p:nvPr/>
-          </p:nvCxnSpPr>
-          <p:spPr>
-            <a:xfrm>
-              <a:off x="5741243" y="1125599"/>
-              <a:ext cx="0" cy="1482984"/>
-            </a:xfrm>
-            <a:prstGeom prst="line">
-              <a:avLst/>
-            </a:prstGeom>
-            <a:ln w="19050">
+              </a:rPr>
+              <a:t>:</a:t>
+            </a:r>
+            <a:r>
+              <a:rPr lang="en-US" sz="1600" dirty="0" err="1">
+                <a:solidFill>
+                  <a:schemeClr val="bg1"/>
+                </a:solidFill>
+              </a:rPr>
+              <a:t>ModelManager</a:t>
+            </a:r>
+            <a:endParaRPr lang="en-SG" sz="1600" dirty="0">
               <a:solidFill>
-                <a:srgbClr val="0070C0"/>
+                <a:schemeClr val="bg1"/>
               </a:solidFill>
-              <a:prstDash val="sysDash"/>
-            </a:ln>
-            <a:effectLst/>
-          </p:spPr>
-          <p:style>
-            <a:lnRef idx="1">
-              <a:schemeClr val="accent1"/>
-            </a:lnRef>
-            <a:fillRef idx="2">
-              <a:schemeClr val="accent1"/>
-            </a:fillRef>
-            <a:effectRef idx="1">
-              <a:schemeClr val="accent1"/>
-            </a:effectRef>
-            <a:fontRef idx="minor">
-              <a:schemeClr val="dk1"/>
-            </a:fontRef>
-          </p:style>
-        </p:cxnSp>
-        <p:sp>
-          <p:nvSpPr>
-            <p:cNvPr id="79" name="Rectangle 78">
-              <a:extLst>
-                <a:ext uri="{FF2B5EF4-FFF2-40B4-BE49-F238E27FC236}">
-                  <a16:creationId xmlns:a16="http://schemas.microsoft.com/office/drawing/2014/main" id="{74AF65EB-B7DF-475F-BDA4-661CEE8E28FB}"/>
-                </a:ext>
-              </a:extLst>
-            </p:cNvPr>
-            <p:cNvSpPr/>
-            <p:nvPr/>
-          </p:nvSpPr>
-          <p:spPr>
-            <a:xfrm>
-              <a:off x="5669236" y="1583792"/>
-              <a:ext cx="154408" cy="767790"/>
-            </a:xfrm>
-            <a:prstGeom prst="rect">
-              <a:avLst/>
-            </a:prstGeom>
+            </a:endParaRPr>
+          </a:p>
+        </p:txBody>
+      </p:sp>
+      <p:cxnSp>
+        <p:nvCxnSpPr>
+          <p:cNvPr id="157" name="Straight Connector 156">
+            <a:extLst>
+              <a:ext uri="{FF2B5EF4-FFF2-40B4-BE49-F238E27FC236}">
+                <a16:creationId xmlns:a16="http://schemas.microsoft.com/office/drawing/2014/main" id="{D655139C-1ADB-4B55-981E-EC1656CF7FB0}"/>
+              </a:ext>
+            </a:extLst>
+          </p:cNvPr>
+          <p:cNvCxnSpPr>
+            <a:cxnSpLocks/>
+          </p:cNvCxnSpPr>
+          <p:nvPr/>
+        </p:nvCxnSpPr>
+        <p:spPr>
+          <a:xfrm>
+            <a:off x="13133240" y="1945109"/>
+            <a:ext cx="0" cy="4687185"/>
+          </a:xfrm>
+          <a:prstGeom prst="line">
+            <a:avLst/>
+          </a:prstGeom>
+          <a:ln w="19050">
+            <a:solidFill>
+              <a:srgbClr val="7030A0"/>
+            </a:solidFill>
+            <a:prstDash val="sysDash"/>
+          </a:ln>
+          <a:effectLst/>
+        </p:spPr>
+        <p:style>
+          <a:lnRef idx="1">
+            <a:schemeClr val="accent1"/>
+          </a:lnRef>
+          <a:fillRef idx="2">
+            <a:schemeClr val="accent1"/>
+          </a:fillRef>
+          <a:effectRef idx="1">
+            <a:schemeClr val="accent1"/>
+          </a:effectRef>
+          <a:fontRef idx="minor">
+            <a:schemeClr val="dk1"/>
+          </a:fontRef>
+        </p:style>
+      </p:cxnSp>
+      <p:sp>
+        <p:nvSpPr>
+          <p:cNvPr id="158" name="Rectangle 157">
+            <a:extLst>
+              <a:ext uri="{FF2B5EF4-FFF2-40B4-BE49-F238E27FC236}">
+                <a16:creationId xmlns:a16="http://schemas.microsoft.com/office/drawing/2014/main" id="{A17768AB-3595-46B3-AE83-914E6BDB0431}"/>
+              </a:ext>
+            </a:extLst>
+          </p:cNvPr>
+          <p:cNvSpPr/>
+          <p:nvPr/>
+        </p:nvSpPr>
+        <p:spPr>
+          <a:xfrm>
+            <a:off x="13041141" y="2548804"/>
+            <a:ext cx="168896" cy="256200"/>
+          </a:xfrm>
+          <a:prstGeom prst="rect">
+            <a:avLst/>
+          </a:prstGeom>
+          <a:solidFill>
+            <a:srgbClr val="7030A0"/>
+          </a:solidFill>
+          <a:ln>
+            <a:solidFill>
+              <a:srgbClr val="7030A0"/>
+            </a:solidFill>
+          </a:ln>
+          <a:effectLst/>
+        </p:spPr>
+        <p:style>
+          <a:lnRef idx="1">
+            <a:schemeClr val="accent3"/>
+          </a:lnRef>
+          <a:fillRef idx="2">
+            <a:schemeClr val="accent3"/>
+          </a:fillRef>
+          <a:effectRef idx="1">
+            <a:schemeClr val="accent3"/>
+          </a:effectRef>
+          <a:fontRef idx="minor">
+            <a:schemeClr val="dk1"/>
+          </a:fontRef>
+        </p:style>
+        <p:txBody>
+          <a:bodyPr rtlCol="0" anchor="ctr"/>
+          <a:lstStyle/>
+          <a:p>
+            <a:pPr algn="ctr"/>
+            <a:endParaRPr lang="en-SG" sz="1400"/>
+          </a:p>
+        </p:txBody>
+      </p:sp>
+      <p:sp>
+        <p:nvSpPr>
+          <p:cNvPr id="160" name="TextBox 159">
+            <a:extLst>
+              <a:ext uri="{FF2B5EF4-FFF2-40B4-BE49-F238E27FC236}">
+                <a16:creationId xmlns:a16="http://schemas.microsoft.com/office/drawing/2014/main" id="{1F44E7B4-185E-447D-981A-94DCC1E8B649}"/>
+              </a:ext>
+            </a:extLst>
+          </p:cNvPr>
+          <p:cNvSpPr txBox="1"/>
+          <p:nvPr/>
+        </p:nvSpPr>
+        <p:spPr>
+          <a:xfrm>
+            <a:off x="8610465" y="2364138"/>
+            <a:ext cx="1482633" cy="184666"/>
+          </a:xfrm>
+          <a:prstGeom prst="rect">
+            <a:avLst/>
+          </a:prstGeom>
+          <a:noFill/>
+          <a:ln>
+            <a:noFill/>
+          </a:ln>
+        </p:spPr>
+        <p:txBody>
+          <a:bodyPr wrap="square" lIns="0" tIns="0" rIns="0" bIns="0" rtlCol="0">
+            <a:spAutoFit/>
+          </a:bodyPr>
+          <a:lstStyle>
+            <a:defPPr>
+              <a:defRPr lang="en-US"/>
+            </a:defPPr>
+            <a:lvl1pPr algn="r">
+              <a:defRPr sz="1400">
+                <a:solidFill>
+                  <a:srgbClr val="0070C0"/>
+                </a:solidFill>
+              </a:defRPr>
+            </a:lvl1pPr>
+          </a:lstStyle>
+          <a:p>
+            <a:pPr algn="ctr"/>
+            <a:r>
+              <a:rPr lang="en-US" sz="1200" dirty="0" err="1">
+                <a:solidFill>
+                  <a:srgbClr val="7030A0"/>
+                </a:solidFill>
+              </a:rPr>
+              <a:t>getFilteredGroupList</a:t>
+            </a:r>
+            <a:r>
+              <a:rPr lang="en-US" sz="1200" dirty="0">
+                <a:solidFill>
+                  <a:schemeClr val="accent4">
+                    <a:lumMod val="75000"/>
+                  </a:schemeClr>
+                </a:solidFill>
+              </a:rPr>
+              <a:t>()</a:t>
+            </a:r>
+          </a:p>
+        </p:txBody>
+      </p:sp>
+      <p:cxnSp>
+        <p:nvCxnSpPr>
+          <p:cNvPr id="165" name="Straight Arrow Connector 164">
+            <a:extLst>
+              <a:ext uri="{FF2B5EF4-FFF2-40B4-BE49-F238E27FC236}">
+                <a16:creationId xmlns:a16="http://schemas.microsoft.com/office/drawing/2014/main" id="{FFBABE52-1485-4E61-B322-56C8EB17DED7}"/>
+              </a:ext>
+            </a:extLst>
+          </p:cNvPr>
+          <p:cNvCxnSpPr>
+            <a:cxnSpLocks/>
+          </p:cNvCxnSpPr>
+          <p:nvPr/>
+        </p:nvCxnSpPr>
+        <p:spPr>
+          <a:xfrm>
+            <a:off x="7904658" y="2587295"/>
+            <a:ext cx="5084159" cy="0"/>
+          </a:xfrm>
+          <a:prstGeom prst="straightConnector1">
+            <a:avLst/>
+          </a:prstGeom>
+          <a:ln w="19050">
+            <a:solidFill>
+              <a:srgbClr val="7030A0"/>
+            </a:solidFill>
+            <a:tailEnd type="arrow"/>
+          </a:ln>
+        </p:spPr>
+        <p:style>
+          <a:lnRef idx="1">
+            <a:schemeClr val="accent1"/>
+          </a:lnRef>
+          <a:fillRef idx="0">
+            <a:schemeClr val="accent1"/>
+          </a:fillRef>
+          <a:effectRef idx="0">
+            <a:schemeClr val="accent1"/>
+          </a:effectRef>
+          <a:fontRef idx="minor">
+            <a:schemeClr val="tx1"/>
+          </a:fontRef>
+        </p:style>
+      </p:cxnSp>
+      <p:cxnSp>
+        <p:nvCxnSpPr>
+          <p:cNvPr id="174" name="Straight Arrow Connector 173">
+            <a:extLst>
+              <a:ext uri="{FF2B5EF4-FFF2-40B4-BE49-F238E27FC236}">
+                <a16:creationId xmlns:a16="http://schemas.microsoft.com/office/drawing/2014/main" id="{2E635D00-F9E9-4891-9948-97E6D1FBD2EE}"/>
+              </a:ext>
+            </a:extLst>
+          </p:cNvPr>
+          <p:cNvCxnSpPr>
+            <a:cxnSpLocks/>
+          </p:cNvCxnSpPr>
+          <p:nvPr/>
+        </p:nvCxnSpPr>
+        <p:spPr>
+          <a:xfrm>
+            <a:off x="7904658" y="2778759"/>
+            <a:ext cx="5059687" cy="0"/>
+          </a:xfrm>
+          <a:prstGeom prst="straightConnector1">
+            <a:avLst/>
+          </a:prstGeom>
+          <a:ln w="19050">
+            <a:solidFill>
+              <a:srgbClr val="7030A0"/>
+            </a:solidFill>
+            <a:prstDash val="sysDash"/>
+            <a:headEnd type="arrow" w="med" len="med"/>
+            <a:tailEnd type="none" w="med" len="med"/>
+          </a:ln>
+        </p:spPr>
+        <p:style>
+          <a:lnRef idx="1">
+            <a:schemeClr val="accent1"/>
+          </a:lnRef>
+          <a:fillRef idx="0">
+            <a:schemeClr val="accent1"/>
+          </a:fillRef>
+          <a:effectRef idx="0">
+            <a:schemeClr val="accent1"/>
+          </a:effectRef>
+          <a:fontRef idx="minor">
+            <a:schemeClr val="tx1"/>
+          </a:fontRef>
+        </p:style>
+      </p:cxnSp>
+      <p:sp>
+        <p:nvSpPr>
+          <p:cNvPr id="169" name="TextBox 168">
+            <a:extLst>
+              <a:ext uri="{FF2B5EF4-FFF2-40B4-BE49-F238E27FC236}">
+                <a16:creationId xmlns:a16="http://schemas.microsoft.com/office/drawing/2014/main" id="{FCC95233-724B-41CB-A372-D6AB2C342309}"/>
+              </a:ext>
+            </a:extLst>
+          </p:cNvPr>
+          <p:cNvSpPr txBox="1"/>
+          <p:nvPr/>
+        </p:nvSpPr>
+        <p:spPr>
+          <a:xfrm>
+            <a:off x="8617336" y="3046451"/>
+            <a:ext cx="1703194" cy="184666"/>
+          </a:xfrm>
+          <a:prstGeom prst="rect">
+            <a:avLst/>
+          </a:prstGeom>
+          <a:noFill/>
+          <a:ln>
+            <a:noFill/>
+          </a:ln>
+        </p:spPr>
+        <p:txBody>
+          <a:bodyPr wrap="square" lIns="0" tIns="0" rIns="0" bIns="0" rtlCol="0">
+            <a:spAutoFit/>
+          </a:bodyPr>
+          <a:lstStyle>
+            <a:defPPr>
+              <a:defRPr lang="en-US"/>
+            </a:defPPr>
+            <a:lvl1pPr algn="r">
+              <a:defRPr sz="1400">
+                <a:solidFill>
+                  <a:srgbClr val="0070C0"/>
+                </a:solidFill>
+              </a:defRPr>
+            </a:lvl1pPr>
+          </a:lstStyle>
+          <a:p>
+            <a:pPr algn="ctr"/>
+            <a:r>
+              <a:rPr lang="en-US" sz="1200" dirty="0" err="1">
+                <a:solidFill>
+                  <a:srgbClr val="7030A0"/>
+                </a:solidFill>
+              </a:rPr>
+              <a:t>getFilteredParticipantList</a:t>
+            </a:r>
+            <a:r>
+              <a:rPr lang="en-US" sz="1200" dirty="0">
+                <a:solidFill>
+                  <a:schemeClr val="accent4">
+                    <a:lumMod val="75000"/>
+                  </a:schemeClr>
+                </a:solidFill>
+              </a:rPr>
+              <a:t>()</a:t>
+            </a:r>
+          </a:p>
+        </p:txBody>
+      </p:sp>
+      <p:cxnSp>
+        <p:nvCxnSpPr>
+          <p:cNvPr id="170" name="Straight Arrow Connector 169">
+            <a:extLst>
+              <a:ext uri="{FF2B5EF4-FFF2-40B4-BE49-F238E27FC236}">
+                <a16:creationId xmlns:a16="http://schemas.microsoft.com/office/drawing/2014/main" id="{D869B01A-1FD6-4764-9109-035735FBDBE2}"/>
+              </a:ext>
+            </a:extLst>
+          </p:cNvPr>
+          <p:cNvCxnSpPr>
+            <a:cxnSpLocks/>
+          </p:cNvCxnSpPr>
+          <p:nvPr/>
+        </p:nvCxnSpPr>
+        <p:spPr>
+          <a:xfrm>
+            <a:off x="7911529" y="3269608"/>
+            <a:ext cx="5077288" cy="0"/>
+          </a:xfrm>
+          <a:prstGeom prst="straightConnector1">
+            <a:avLst/>
+          </a:prstGeom>
+          <a:ln w="19050">
+            <a:solidFill>
+              <a:srgbClr val="7030A0"/>
+            </a:solidFill>
+            <a:tailEnd type="arrow"/>
+          </a:ln>
+        </p:spPr>
+        <p:style>
+          <a:lnRef idx="1">
+            <a:schemeClr val="accent1"/>
+          </a:lnRef>
+          <a:fillRef idx="0">
+            <a:schemeClr val="accent1"/>
+          </a:fillRef>
+          <a:effectRef idx="0">
+            <a:schemeClr val="accent1"/>
+          </a:effectRef>
+          <a:fontRef idx="minor">
+            <a:schemeClr val="tx1"/>
+          </a:fontRef>
+        </p:style>
+      </p:cxnSp>
+      <p:cxnSp>
+        <p:nvCxnSpPr>
+          <p:cNvPr id="178" name="Straight Arrow Connector 177">
+            <a:extLst>
+              <a:ext uri="{FF2B5EF4-FFF2-40B4-BE49-F238E27FC236}">
+                <a16:creationId xmlns:a16="http://schemas.microsoft.com/office/drawing/2014/main" id="{2B539558-8146-4882-B411-791576152B72}"/>
+              </a:ext>
+            </a:extLst>
+          </p:cNvPr>
+          <p:cNvCxnSpPr>
+            <a:cxnSpLocks/>
+          </p:cNvCxnSpPr>
+          <p:nvPr/>
+        </p:nvCxnSpPr>
+        <p:spPr>
+          <a:xfrm>
+            <a:off x="7893911" y="3418895"/>
+            <a:ext cx="5070434" cy="0"/>
+          </a:xfrm>
+          <a:prstGeom prst="straightConnector1">
+            <a:avLst/>
+          </a:prstGeom>
+          <a:ln w="19050">
+            <a:solidFill>
+              <a:srgbClr val="7030A0"/>
+            </a:solidFill>
+            <a:prstDash val="sysDash"/>
+            <a:headEnd type="arrow" w="med" len="med"/>
+            <a:tailEnd type="none" w="med" len="med"/>
+          </a:ln>
+        </p:spPr>
+        <p:style>
+          <a:lnRef idx="1">
+            <a:schemeClr val="accent1"/>
+          </a:lnRef>
+          <a:fillRef idx="0">
+            <a:schemeClr val="accent1"/>
+          </a:fillRef>
+          <a:effectRef idx="0">
+            <a:schemeClr val="accent1"/>
+          </a:effectRef>
+          <a:fontRef idx="minor">
+            <a:schemeClr val="tx1"/>
+          </a:fontRef>
+        </p:style>
+      </p:cxnSp>
+      <p:sp>
+        <p:nvSpPr>
+          <p:cNvPr id="182" name="Rectangle 181">
+            <a:extLst>
+              <a:ext uri="{FF2B5EF4-FFF2-40B4-BE49-F238E27FC236}">
+                <a16:creationId xmlns:a16="http://schemas.microsoft.com/office/drawing/2014/main" id="{CB81C392-7FF8-4B09-8BAD-197F04071D06}"/>
+              </a:ext>
+            </a:extLst>
+          </p:cNvPr>
+          <p:cNvSpPr/>
+          <p:nvPr/>
+        </p:nvSpPr>
+        <p:spPr>
+          <a:xfrm>
+            <a:off x="13041141" y="3270870"/>
+            <a:ext cx="168896" cy="183734"/>
+          </a:xfrm>
+          <a:prstGeom prst="rect">
+            <a:avLst/>
+          </a:prstGeom>
+          <a:solidFill>
+            <a:srgbClr val="7030A0"/>
+          </a:solidFill>
+          <a:ln>
+            <a:solidFill>
+              <a:srgbClr val="7030A0"/>
+            </a:solidFill>
+          </a:ln>
+          <a:effectLst/>
+        </p:spPr>
+        <p:style>
+          <a:lnRef idx="1">
+            <a:schemeClr val="accent3"/>
+          </a:lnRef>
+          <a:fillRef idx="2">
+            <a:schemeClr val="accent3"/>
+          </a:fillRef>
+          <a:effectRef idx="1">
+            <a:schemeClr val="accent3"/>
+          </a:effectRef>
+          <a:fontRef idx="minor">
+            <a:schemeClr val="dk1"/>
+          </a:fontRef>
+        </p:style>
+        <p:txBody>
+          <a:bodyPr rtlCol="0" anchor="ctr"/>
+          <a:lstStyle/>
+          <a:p>
+            <a:pPr algn="ctr"/>
+            <a:endParaRPr lang="en-SG" sz="1400"/>
+          </a:p>
+        </p:txBody>
+      </p:sp>
+      <p:sp>
+        <p:nvSpPr>
+          <p:cNvPr id="184" name="Rectangle 183">
+            <a:extLst>
+              <a:ext uri="{FF2B5EF4-FFF2-40B4-BE49-F238E27FC236}">
+                <a16:creationId xmlns:a16="http://schemas.microsoft.com/office/drawing/2014/main" id="{85F6E1D7-1234-48B3-8C03-D8B5BAB58C2D}"/>
+              </a:ext>
+            </a:extLst>
+          </p:cNvPr>
+          <p:cNvSpPr/>
+          <p:nvPr/>
+        </p:nvSpPr>
+        <p:spPr>
+          <a:xfrm>
+            <a:off x="6832800" y="3685041"/>
+            <a:ext cx="2234871" cy="312494"/>
+          </a:xfrm>
+          <a:prstGeom prst="rect">
+            <a:avLst/>
+          </a:prstGeom>
+          <a:solidFill>
+            <a:srgbClr val="FFFFFF">
+              <a:alpha val="65098"/>
+            </a:srgbClr>
+          </a:solidFill>
+          <a:ln>
+            <a:solidFill>
+              <a:srgbClr val="000000">
+                <a:alpha val="50196"/>
+              </a:srgbClr>
+            </a:solidFill>
+          </a:ln>
+        </p:spPr>
+        <p:style>
+          <a:lnRef idx="2">
+            <a:schemeClr val="accent1">
+              <a:shade val="50000"/>
+            </a:schemeClr>
+          </a:lnRef>
+          <a:fillRef idx="1">
+            <a:schemeClr val="accent1"/>
+          </a:fillRef>
+          <a:effectRef idx="0">
+            <a:schemeClr val="accent1"/>
+          </a:effectRef>
+          <a:fontRef idx="minor">
+            <a:schemeClr val="lt1"/>
+          </a:fontRef>
+        </p:style>
+        <p:txBody>
+          <a:bodyPr rtlCol="0" anchor="t"/>
+          <a:lstStyle/>
+          <a:p>
+            <a:r>
+              <a:rPr lang="en-SG" sz="1200" dirty="0">
+                <a:solidFill>
+                  <a:schemeClr val="tx1"/>
+                </a:solidFill>
+              </a:rPr>
+              <a:t>loop [Participant p : participants]</a:t>
+            </a:r>
+          </a:p>
+        </p:txBody>
+      </p:sp>
+      <p:sp>
+        <p:nvSpPr>
+          <p:cNvPr id="185" name="Rectangle 184">
+            <a:extLst>
+              <a:ext uri="{FF2B5EF4-FFF2-40B4-BE49-F238E27FC236}">
+                <a16:creationId xmlns:a16="http://schemas.microsoft.com/office/drawing/2014/main" id="{97F23A06-C778-4D22-991E-02E3C4036198}"/>
+              </a:ext>
+            </a:extLst>
+          </p:cNvPr>
+          <p:cNvSpPr/>
+          <p:nvPr/>
+        </p:nvSpPr>
+        <p:spPr>
+          <a:xfrm>
+            <a:off x="6832800" y="4368809"/>
+            <a:ext cx="6775843" cy="2057600"/>
+          </a:xfrm>
+          <a:prstGeom prst="rect">
+            <a:avLst/>
+          </a:prstGeom>
+          <a:solidFill>
+            <a:srgbClr val="FFFFFF">
+              <a:alpha val="65098"/>
+            </a:srgbClr>
+          </a:solidFill>
+          <a:ln>
+            <a:solidFill>
+              <a:srgbClr val="000000">
+                <a:alpha val="50196"/>
+              </a:srgbClr>
+            </a:solidFill>
+          </a:ln>
+        </p:spPr>
+        <p:style>
+          <a:lnRef idx="2">
+            <a:schemeClr val="accent1">
+              <a:shade val="50000"/>
+            </a:schemeClr>
+          </a:lnRef>
+          <a:fillRef idx="1">
+            <a:schemeClr val="accent1"/>
+          </a:fillRef>
+          <a:effectRef idx="0">
+            <a:schemeClr val="accent1"/>
+          </a:effectRef>
+          <a:fontRef idx="minor">
+            <a:schemeClr val="lt1"/>
+          </a:fontRef>
+        </p:style>
+        <p:txBody>
+          <a:bodyPr rtlCol="0" anchor="t"/>
+          <a:lstStyle/>
+          <a:p>
+            <a:r>
+              <a:rPr lang="en-SG" sz="1200" dirty="0">
+                <a:solidFill>
+                  <a:schemeClr val="tx1"/>
+                </a:solidFill>
+              </a:rPr>
+              <a:t>loop [Participant p : freshmen]</a:t>
+            </a:r>
+          </a:p>
+        </p:txBody>
+      </p:sp>
+      <p:sp>
+        <p:nvSpPr>
+          <p:cNvPr id="186" name="Rectangle 185">
+            <a:extLst>
+              <a:ext uri="{FF2B5EF4-FFF2-40B4-BE49-F238E27FC236}">
+                <a16:creationId xmlns:a16="http://schemas.microsoft.com/office/drawing/2014/main" id="{C6C5883F-4E52-499F-85BA-F3B0342DA70F}"/>
+              </a:ext>
+            </a:extLst>
+          </p:cNvPr>
+          <p:cNvSpPr/>
+          <p:nvPr/>
+        </p:nvSpPr>
+        <p:spPr>
+          <a:xfrm>
+            <a:off x="7795827" y="4959517"/>
+            <a:ext cx="154408" cy="405261"/>
+          </a:xfrm>
+          <a:prstGeom prst="rect">
+            <a:avLst/>
+          </a:prstGeom>
+          <a:solidFill>
+            <a:srgbClr val="0070C0"/>
+          </a:solidFill>
+          <a:ln>
             <a:solidFill>
               <a:srgbClr val="0070C0"/>
             </a:solidFill>
-            <a:ln>
+          </a:ln>
+          <a:effectLst/>
+        </p:spPr>
+        <p:style>
+          <a:lnRef idx="1">
+            <a:schemeClr val="accent3"/>
+          </a:lnRef>
+          <a:fillRef idx="2">
+            <a:schemeClr val="accent3"/>
+          </a:fillRef>
+          <a:effectRef idx="1">
+            <a:schemeClr val="accent3"/>
+          </a:effectRef>
+          <a:fontRef idx="minor">
+            <a:schemeClr val="dk1"/>
+          </a:fontRef>
+        </p:style>
+        <p:txBody>
+          <a:bodyPr rtlCol="0" anchor="ctr"/>
+          <a:lstStyle/>
+          <a:p>
+            <a:pPr algn="ctr"/>
+            <a:endParaRPr lang="en-SG" sz="1400">
               <a:solidFill>
-                <a:srgbClr val="0070C0"/>
+                <a:schemeClr val="dk1"/>
               </a:solidFill>
-            </a:ln>
-            <a:effectLst/>
-          </p:spPr>
-          <p:style>
-            <a:lnRef idx="1">
-              <a:schemeClr val="accent3"/>
-            </a:lnRef>
-            <a:fillRef idx="2">
-              <a:schemeClr val="accent3"/>
-            </a:fillRef>
-            <a:effectRef idx="1">
-              <a:schemeClr val="accent3"/>
-            </a:effectRef>
-            <a:fontRef idx="minor">
-              <a:schemeClr val="dk1"/>
-            </a:fontRef>
-          </p:style>
-          <p:txBody>
-            <a:bodyPr rtlCol="0" anchor="ctr"/>
-            <a:lstStyle/>
-            <a:p>
-              <a:pPr algn="ctr"/>
-              <a:endParaRPr lang="en-SG" sz="1400">
-                <a:solidFill>
-                  <a:schemeClr val="dk1"/>
-                </a:solidFill>
-              </a:endParaRPr>
-            </a:p>
-          </p:txBody>
-        </p:sp>
-        <p:cxnSp>
-          <p:nvCxnSpPr>
-            <p:cNvPr id="82" name="Straight Arrow Connector 81">
-              <a:extLst>
-                <a:ext uri="{FF2B5EF4-FFF2-40B4-BE49-F238E27FC236}">
-                  <a16:creationId xmlns:a16="http://schemas.microsoft.com/office/drawing/2014/main" id="{CFBE30FA-8214-4972-8A93-3B798178B1A2}"/>
-                </a:ext>
-              </a:extLst>
-            </p:cNvPr>
-            <p:cNvCxnSpPr>
-              <a:cxnSpLocks/>
-            </p:cNvCxnSpPr>
-            <p:nvPr/>
-          </p:nvCxnSpPr>
-          <p:spPr>
-            <a:xfrm>
-              <a:off x="873553" y="1476293"/>
-              <a:ext cx="2116170" cy="0"/>
-            </a:xfrm>
-            <a:prstGeom prst="straightConnector1">
-              <a:avLst/>
-            </a:prstGeom>
-            <a:ln w="19050">
-              <a:solidFill>
-                <a:srgbClr val="00B050"/>
-              </a:solidFill>
-              <a:tailEnd type="arrow"/>
-            </a:ln>
-          </p:spPr>
-          <p:style>
-            <a:lnRef idx="1">
-              <a:schemeClr val="accent1"/>
-            </a:lnRef>
-            <a:fillRef idx="0">
-              <a:schemeClr val="accent1"/>
-            </a:fillRef>
-            <a:effectRef idx="0">
-              <a:schemeClr val="accent1"/>
-            </a:effectRef>
-            <a:fontRef idx="minor">
-              <a:schemeClr val="tx1"/>
-            </a:fontRef>
-          </p:style>
-        </p:cxnSp>
-        <p:sp>
-          <p:nvSpPr>
-            <p:cNvPr id="83" name="TextBox 82">
-              <a:extLst>
-                <a:ext uri="{FF2B5EF4-FFF2-40B4-BE49-F238E27FC236}">
-                  <a16:creationId xmlns:a16="http://schemas.microsoft.com/office/drawing/2014/main" id="{034E96D7-063B-46E1-9AD8-158B7E502327}"/>
-                </a:ext>
-              </a:extLst>
-            </p:cNvPr>
-            <p:cNvSpPr txBox="1"/>
-            <p:nvPr/>
-          </p:nvSpPr>
-          <p:spPr>
-            <a:xfrm>
-              <a:off x="1317380" y="1208582"/>
-              <a:ext cx="1593366" cy="215444"/>
-            </a:xfrm>
-            <a:prstGeom prst="rect">
-              <a:avLst/>
-            </a:prstGeom>
-            <a:noFill/>
-          </p:spPr>
-          <p:txBody>
-            <a:bodyPr wrap="square" lIns="0" tIns="0" rIns="0" bIns="0" rtlCol="0">
-              <a:spAutoFit/>
-            </a:bodyPr>
-            <a:lstStyle/>
-            <a:p>
-              <a:pPr algn="r"/>
-              <a:r>
-                <a:rPr lang="en-US" sz="1400" dirty="0">
-                  <a:solidFill>
-                    <a:srgbClr val="0070C0"/>
-                  </a:solidFill>
-                </a:rPr>
-                <a:t>execute(“randomize”)</a:t>
-              </a:r>
-            </a:p>
-          </p:txBody>
-        </p:sp>
-        <p:cxnSp>
-          <p:nvCxnSpPr>
-            <p:cNvPr id="87" name="Straight Arrow Connector 86">
-              <a:extLst>
-                <a:ext uri="{FF2B5EF4-FFF2-40B4-BE49-F238E27FC236}">
-                  <a16:creationId xmlns:a16="http://schemas.microsoft.com/office/drawing/2014/main" id="{AA83570F-5C79-4686-83D7-D5AA8B6E2A21}"/>
-                </a:ext>
-              </a:extLst>
-            </p:cNvPr>
-            <p:cNvCxnSpPr>
-              <a:cxnSpLocks/>
-              <a:endCxn id="79" idx="2"/>
-            </p:cNvCxnSpPr>
-            <p:nvPr/>
-          </p:nvCxnSpPr>
-          <p:spPr>
-            <a:xfrm>
-              <a:off x="3139150" y="2351582"/>
-              <a:ext cx="2607290" cy="0"/>
-            </a:xfrm>
-            <a:prstGeom prst="straightConnector1">
-              <a:avLst/>
-            </a:prstGeom>
-            <a:ln w="19050">
-              <a:solidFill>
-                <a:srgbClr val="0070C0"/>
-              </a:solidFill>
-              <a:prstDash val="sysDash"/>
-              <a:headEnd type="arrow" w="med" len="med"/>
-              <a:tailEnd type="none" w="med" len="med"/>
-            </a:ln>
-          </p:spPr>
-          <p:style>
-            <a:lnRef idx="1">
-              <a:schemeClr val="accent1"/>
-            </a:lnRef>
-            <a:fillRef idx="0">
-              <a:schemeClr val="accent1"/>
-            </a:fillRef>
-            <a:effectRef idx="0">
-              <a:schemeClr val="accent1"/>
-            </a:effectRef>
-            <a:fontRef idx="minor">
-              <a:schemeClr val="tx1"/>
-            </a:fontRef>
-          </p:style>
-        </p:cxnSp>
-        <p:cxnSp>
-          <p:nvCxnSpPr>
-            <p:cNvPr id="88" name="Straight Arrow Connector 87">
-              <a:extLst>
-                <a:ext uri="{FF2B5EF4-FFF2-40B4-BE49-F238E27FC236}">
-                  <a16:creationId xmlns:a16="http://schemas.microsoft.com/office/drawing/2014/main" id="{D262C8EE-C3AB-4B81-BCF6-6925B0577DE8}"/>
-                </a:ext>
-              </a:extLst>
-            </p:cNvPr>
-            <p:cNvCxnSpPr>
-              <a:cxnSpLocks/>
-            </p:cNvCxnSpPr>
-            <p:nvPr/>
-          </p:nvCxnSpPr>
-          <p:spPr>
-            <a:xfrm>
-              <a:off x="912442" y="4737622"/>
-              <a:ext cx="2023163" cy="0"/>
-            </a:xfrm>
-            <a:prstGeom prst="straightConnector1">
-              <a:avLst/>
-            </a:prstGeom>
-            <a:ln w="19050">
-              <a:solidFill>
-                <a:schemeClr val="accent1"/>
-              </a:solidFill>
-              <a:prstDash val="sysDash"/>
-              <a:headEnd type="arrow" w="med" len="med"/>
-              <a:tailEnd type="none" w="med" len="med"/>
-            </a:ln>
-          </p:spPr>
-          <p:style>
-            <a:lnRef idx="1">
-              <a:schemeClr val="accent1"/>
-            </a:lnRef>
-            <a:fillRef idx="0">
-              <a:schemeClr val="accent1"/>
-            </a:fillRef>
-            <a:effectRef idx="0">
-              <a:schemeClr val="accent1"/>
-            </a:effectRef>
-            <a:fontRef idx="minor">
-              <a:schemeClr val="tx1"/>
-            </a:fontRef>
-          </p:style>
-        </p:cxnSp>
-        <p:sp>
-          <p:nvSpPr>
-            <p:cNvPr id="91" name="TextBox 90">
-              <a:extLst>
-                <a:ext uri="{FF2B5EF4-FFF2-40B4-BE49-F238E27FC236}">
-                  <a16:creationId xmlns:a16="http://schemas.microsoft.com/office/drawing/2014/main" id="{17FD4958-A6B2-4574-B352-67578B2567AF}"/>
-                </a:ext>
-              </a:extLst>
-            </p:cNvPr>
-            <p:cNvSpPr txBox="1"/>
-            <p:nvPr/>
-          </p:nvSpPr>
-          <p:spPr>
-            <a:xfrm>
-              <a:off x="3257681" y="1324132"/>
-              <a:ext cx="2192029" cy="215444"/>
-            </a:xfrm>
-            <a:prstGeom prst="rect">
-              <a:avLst/>
-            </a:prstGeom>
-            <a:noFill/>
-          </p:spPr>
-          <p:txBody>
-            <a:bodyPr wrap="square" lIns="0" tIns="0" rIns="0" bIns="0" rtlCol="0">
-              <a:spAutoFit/>
-            </a:bodyPr>
-            <a:lstStyle>
-              <a:defPPr>
-                <a:defRPr lang="en-US"/>
-              </a:defPPr>
-              <a:lvl1pPr algn="r">
-                <a:defRPr sz="1400">
-                  <a:solidFill>
-                    <a:srgbClr val="0070C0"/>
-                  </a:solidFill>
-                </a:defRPr>
-              </a:lvl1pPr>
-            </a:lstStyle>
-            <a:p>
-              <a:r>
-                <a:rPr lang="en-US" dirty="0" err="1"/>
-                <a:t>parseCommand</a:t>
-              </a:r>
-              <a:r>
-                <a:rPr lang="en-US" dirty="0"/>
-                <a:t>(“randomize”)</a:t>
-              </a:r>
-            </a:p>
-          </p:txBody>
-        </p:sp>
-        <p:sp>
-          <p:nvSpPr>
-            <p:cNvPr id="93" name="TextBox 92">
-              <a:extLst>
-                <a:ext uri="{FF2B5EF4-FFF2-40B4-BE49-F238E27FC236}">
-                  <a16:creationId xmlns:a16="http://schemas.microsoft.com/office/drawing/2014/main" id="{D94624EE-2628-4701-9CE9-966CD7F7E507}"/>
-                </a:ext>
-              </a:extLst>
-            </p:cNvPr>
-            <p:cNvSpPr txBox="1"/>
-            <p:nvPr/>
-          </p:nvSpPr>
-          <p:spPr>
-            <a:xfrm>
-              <a:off x="-262660" y="7872741"/>
-              <a:ext cx="762000" cy="215444"/>
-            </a:xfrm>
-            <a:prstGeom prst="rect">
-              <a:avLst/>
-            </a:prstGeom>
-            <a:noFill/>
-          </p:spPr>
-          <p:txBody>
-            <a:bodyPr wrap="square" lIns="0" tIns="0" rIns="0" bIns="0" rtlCol="0">
-              <a:spAutoFit/>
-            </a:bodyPr>
-            <a:lstStyle>
-              <a:defPPr>
-                <a:defRPr lang="en-US"/>
-              </a:defPPr>
-              <a:lvl1pPr algn="r">
-                <a:defRPr sz="1400">
-                  <a:solidFill>
-                    <a:srgbClr val="0070C0"/>
-                  </a:solidFill>
-                </a:defRPr>
-              </a:lvl1pPr>
-            </a:lstStyle>
-            <a:p>
-              <a:r>
-                <a:rPr lang="en-US" dirty="0">
-                  <a:solidFill>
-                    <a:schemeClr val="tx1"/>
-                  </a:solidFill>
-                </a:rPr>
-                <a:t>result</a:t>
-              </a:r>
-            </a:p>
-          </p:txBody>
-        </p:sp>
-        <p:sp>
-          <p:nvSpPr>
-            <p:cNvPr id="96" name="TextBox 95">
-              <a:extLst>
-                <a:ext uri="{FF2B5EF4-FFF2-40B4-BE49-F238E27FC236}">
-                  <a16:creationId xmlns:a16="http://schemas.microsoft.com/office/drawing/2014/main" id="{7F1CEA2D-5900-4A2B-9C67-0EB1FA5E067B}"/>
-                </a:ext>
-              </a:extLst>
-            </p:cNvPr>
-            <p:cNvSpPr txBox="1"/>
-            <p:nvPr/>
-          </p:nvSpPr>
-          <p:spPr>
-            <a:xfrm>
-              <a:off x="4182118" y="2123775"/>
-              <a:ext cx="220343" cy="215444"/>
-            </a:xfrm>
-            <a:prstGeom prst="rect">
-              <a:avLst/>
-            </a:prstGeom>
-            <a:noFill/>
-          </p:spPr>
-          <p:txBody>
-            <a:bodyPr wrap="square" lIns="0" tIns="0" rIns="0" bIns="0" rtlCol="0">
-              <a:spAutoFit/>
-            </a:bodyPr>
-            <a:lstStyle>
-              <a:defPPr>
-                <a:defRPr lang="en-US"/>
-              </a:defPPr>
-              <a:lvl1pPr algn="r">
-                <a:defRPr sz="1400">
-                  <a:solidFill>
-                    <a:srgbClr val="0070C0"/>
-                  </a:solidFill>
-                </a:defRPr>
-              </a:lvl1pPr>
-            </a:lstStyle>
-            <a:p>
-              <a:r>
-                <a:rPr lang="en-US" dirty="0"/>
-                <a:t>r</a:t>
-              </a:r>
-            </a:p>
-          </p:txBody>
-        </p:sp>
-        <p:cxnSp>
-          <p:nvCxnSpPr>
-            <p:cNvPr id="103" name="Straight Arrow Connector 102">
-              <a:extLst>
-                <a:ext uri="{FF2B5EF4-FFF2-40B4-BE49-F238E27FC236}">
-                  <a16:creationId xmlns:a16="http://schemas.microsoft.com/office/drawing/2014/main" id="{5204FBB4-0CDA-4B12-AFE1-9D165BBA014D}"/>
-                </a:ext>
-              </a:extLst>
-            </p:cNvPr>
-            <p:cNvCxnSpPr>
-              <a:cxnSpLocks/>
-            </p:cNvCxnSpPr>
-            <p:nvPr/>
-          </p:nvCxnSpPr>
-          <p:spPr>
-            <a:xfrm>
-              <a:off x="3156045" y="1581900"/>
-              <a:ext cx="2454671" cy="0"/>
-            </a:xfrm>
-            <a:prstGeom prst="straightConnector1">
-              <a:avLst/>
-            </a:prstGeom>
-            <a:ln w="19050">
-              <a:solidFill>
-                <a:srgbClr val="0070C0"/>
-              </a:solidFill>
-              <a:tailEnd type="arrow"/>
-            </a:ln>
-          </p:spPr>
-          <p:style>
-            <a:lnRef idx="1">
-              <a:schemeClr val="accent1"/>
-            </a:lnRef>
-            <a:fillRef idx="0">
-              <a:schemeClr val="accent1"/>
-            </a:fillRef>
-            <a:effectRef idx="0">
-              <a:schemeClr val="accent1"/>
-            </a:effectRef>
-            <a:fontRef idx="minor">
-              <a:schemeClr val="tx1"/>
-            </a:fontRef>
-          </p:style>
-        </p:cxnSp>
-        <p:sp>
-          <p:nvSpPr>
-            <p:cNvPr id="112" name="Rectangle 62">
-              <a:extLst>
-                <a:ext uri="{FF2B5EF4-FFF2-40B4-BE49-F238E27FC236}">
-                  <a16:creationId xmlns:a16="http://schemas.microsoft.com/office/drawing/2014/main" id="{C22BDDDA-C011-45EF-A458-833E24DCF893}"/>
-                </a:ext>
-              </a:extLst>
-            </p:cNvPr>
-            <p:cNvSpPr/>
-            <p:nvPr/>
-          </p:nvSpPr>
-          <p:spPr>
-            <a:xfrm>
-              <a:off x="91759" y="689685"/>
-              <a:ext cx="1455629" cy="346760"/>
-            </a:xfrm>
-            <a:prstGeom prst="rect">
-              <a:avLst/>
-            </a:prstGeom>
+            </a:endParaRPr>
+          </a:p>
+        </p:txBody>
+      </p:sp>
+      <p:cxnSp>
+        <p:nvCxnSpPr>
+          <p:cNvPr id="187" name="Curved Connector 12">
+            <a:extLst>
+              <a:ext uri="{FF2B5EF4-FFF2-40B4-BE49-F238E27FC236}">
+                <a16:creationId xmlns:a16="http://schemas.microsoft.com/office/drawing/2014/main" id="{03FC8E64-1183-4BD1-BFFF-AD2C49D31614}"/>
+              </a:ext>
+            </a:extLst>
+          </p:cNvPr>
+          <p:cNvCxnSpPr>
+            <a:cxnSpLocks/>
+          </p:cNvCxnSpPr>
+          <p:nvPr/>
+        </p:nvCxnSpPr>
+        <p:spPr>
+          <a:xfrm rot="16200000" flipH="1">
+            <a:off x="7788097" y="5426166"/>
+            <a:ext cx="156923" cy="76200"/>
+          </a:xfrm>
+          <a:prstGeom prst="curvedConnector4">
+            <a:avLst>
+              <a:gd name="adj1" fmla="val -21043"/>
+              <a:gd name="adj2" fmla="val 400000"/>
+            </a:avLst>
+          </a:prstGeom>
+          <a:ln>
             <a:solidFill>
-              <a:srgbClr val="00B050"/>
+              <a:srgbClr val="0070C0"/>
             </a:solidFill>
-            <a:ln w="19050">
-              <a:solidFill>
-                <a:srgbClr val="00B050"/>
-              </a:solidFill>
-            </a:ln>
-            <a:effectLst/>
-          </p:spPr>
-          <p:style>
-            <a:lnRef idx="1">
-              <a:schemeClr val="accent2"/>
-            </a:lnRef>
-            <a:fillRef idx="2">
-              <a:schemeClr val="accent2"/>
-            </a:fillRef>
-            <a:effectRef idx="1">
-              <a:schemeClr val="accent2"/>
-            </a:effectRef>
-            <a:fontRef idx="minor">
-              <a:schemeClr val="dk1"/>
-            </a:fontRef>
-          </p:style>
-          <p:txBody>
-            <a:bodyPr rtlCol="0" anchor="ctr"/>
-            <a:lstStyle/>
-            <a:p>
-              <a:pPr algn="ctr"/>
-              <a:r>
-                <a:rPr lang="en-US" sz="1600" dirty="0">
-                  <a:solidFill>
-                    <a:schemeClr val="bg1"/>
-                  </a:solidFill>
-                </a:rPr>
-                <a:t>:</a:t>
-              </a:r>
-              <a:r>
-                <a:rPr lang="en-US" sz="1600" dirty="0" err="1">
-                  <a:solidFill>
-                    <a:schemeClr val="bg1"/>
-                  </a:solidFill>
-                </a:rPr>
-                <a:t>MainWindow</a:t>
-              </a:r>
-              <a:endParaRPr lang="en-SG" sz="1600" dirty="0">
-                <a:solidFill>
-                  <a:schemeClr val="bg1"/>
-                </a:solidFill>
-              </a:endParaRPr>
-            </a:p>
-          </p:txBody>
-        </p:sp>
-        <p:sp>
-          <p:nvSpPr>
-            <p:cNvPr id="113" name="Rectangle 112">
-              <a:extLst>
-                <a:ext uri="{FF2B5EF4-FFF2-40B4-BE49-F238E27FC236}">
-                  <a16:creationId xmlns:a16="http://schemas.microsoft.com/office/drawing/2014/main" id="{8E80E716-734B-400D-B96A-7B2D2776F482}"/>
-                </a:ext>
-              </a:extLst>
-            </p:cNvPr>
-            <p:cNvSpPr/>
-            <p:nvPr/>
-          </p:nvSpPr>
-          <p:spPr>
-            <a:xfrm>
-              <a:off x="743253" y="1262231"/>
-              <a:ext cx="169189" cy="6938793"/>
-            </a:xfrm>
-            <a:prstGeom prst="rect">
-              <a:avLst/>
-            </a:prstGeom>
+            <a:tailEnd type="triangle"/>
+          </a:ln>
+        </p:spPr>
+        <p:style>
+          <a:lnRef idx="1">
+            <a:schemeClr val="accent1"/>
+          </a:lnRef>
+          <a:fillRef idx="0">
+            <a:schemeClr val="accent1"/>
+          </a:fillRef>
+          <a:effectRef idx="0">
+            <a:schemeClr val="accent1"/>
+          </a:effectRef>
+          <a:fontRef idx="minor">
+            <a:schemeClr val="tx1"/>
+          </a:fontRef>
+        </p:style>
+      </p:cxnSp>
+      <p:cxnSp>
+        <p:nvCxnSpPr>
+          <p:cNvPr id="217" name="Curved Connector 12">
+            <a:extLst>
+              <a:ext uri="{FF2B5EF4-FFF2-40B4-BE49-F238E27FC236}">
+                <a16:creationId xmlns:a16="http://schemas.microsoft.com/office/drawing/2014/main" id="{2937E295-5C87-43F4-8D54-5C13E9F94930}"/>
+              </a:ext>
+            </a:extLst>
+          </p:cNvPr>
+          <p:cNvCxnSpPr>
+            <a:cxnSpLocks/>
+          </p:cNvCxnSpPr>
+          <p:nvPr/>
+        </p:nvCxnSpPr>
+        <p:spPr>
+          <a:xfrm rot="16200000" flipH="1">
+            <a:off x="7833674" y="4845319"/>
+            <a:ext cx="156923" cy="76200"/>
+          </a:xfrm>
+          <a:prstGeom prst="curvedConnector4">
+            <a:avLst>
+              <a:gd name="adj1" fmla="val -21043"/>
+              <a:gd name="adj2" fmla="val 400000"/>
+            </a:avLst>
+          </a:prstGeom>
+          <a:ln>
             <a:solidFill>
-              <a:srgbClr val="00B050"/>
+              <a:srgbClr val="0070C0"/>
             </a:solidFill>
-            <a:ln>
-              <a:solidFill>
-                <a:srgbClr val="00B050"/>
-              </a:solidFill>
-            </a:ln>
-            <a:effectLst/>
-          </p:spPr>
-          <p:style>
-            <a:lnRef idx="1">
-              <a:schemeClr val="accent3"/>
-            </a:lnRef>
-            <a:fillRef idx="2">
-              <a:schemeClr val="accent3"/>
-            </a:fillRef>
-            <a:effectRef idx="1">
-              <a:schemeClr val="accent3"/>
-            </a:effectRef>
-            <a:fontRef idx="minor">
-              <a:schemeClr val="dk1"/>
-            </a:fontRef>
-          </p:style>
-          <p:txBody>
-            <a:bodyPr rtlCol="0" anchor="ctr"/>
-            <a:lstStyle/>
-            <a:p>
-              <a:pPr algn="ctr"/>
-              <a:endParaRPr lang="en-SG" sz="1400"/>
-            </a:p>
-          </p:txBody>
-        </p:sp>
-        <p:cxnSp>
-          <p:nvCxnSpPr>
-            <p:cNvPr id="114" name="Straight Connector 113">
-              <a:extLst>
-                <a:ext uri="{FF2B5EF4-FFF2-40B4-BE49-F238E27FC236}">
-                  <a16:creationId xmlns:a16="http://schemas.microsoft.com/office/drawing/2014/main" id="{A2083679-1430-404D-86C8-4303795DA2FE}"/>
-                </a:ext>
-              </a:extLst>
-            </p:cNvPr>
-            <p:cNvCxnSpPr>
-              <a:cxnSpLocks/>
-            </p:cNvCxnSpPr>
-            <p:nvPr/>
-          </p:nvCxnSpPr>
-          <p:spPr>
-            <a:xfrm>
-              <a:off x="819573" y="1036445"/>
-              <a:ext cx="0" cy="7490335"/>
-            </a:xfrm>
-            <a:prstGeom prst="line">
-              <a:avLst/>
-            </a:prstGeom>
-            <a:ln w="19050">
-              <a:solidFill>
-                <a:srgbClr val="00B050"/>
-              </a:solidFill>
-              <a:prstDash val="sysDash"/>
-            </a:ln>
-            <a:effectLst/>
-          </p:spPr>
-          <p:style>
-            <a:lnRef idx="1">
-              <a:schemeClr val="accent1"/>
-            </a:lnRef>
-            <a:fillRef idx="2">
-              <a:schemeClr val="accent1"/>
-            </a:fillRef>
-            <a:effectRef idx="1">
-              <a:schemeClr val="accent1"/>
-            </a:effectRef>
-            <a:fontRef idx="minor">
-              <a:schemeClr val="dk1"/>
-            </a:fontRef>
-          </p:style>
-        </p:cxnSp>
-        <p:cxnSp>
-          <p:nvCxnSpPr>
-            <p:cNvPr id="115" name="Straight Arrow Connector 114">
-              <a:extLst>
-                <a:ext uri="{FF2B5EF4-FFF2-40B4-BE49-F238E27FC236}">
-                  <a16:creationId xmlns:a16="http://schemas.microsoft.com/office/drawing/2014/main" id="{D4EFBAE2-10F8-4B0F-B537-CA454F781225}"/>
-                </a:ext>
-              </a:extLst>
-            </p:cNvPr>
-            <p:cNvCxnSpPr>
-              <a:cxnSpLocks/>
-            </p:cNvCxnSpPr>
-            <p:nvPr/>
-          </p:nvCxnSpPr>
-          <p:spPr>
-            <a:xfrm>
-              <a:off x="-681592" y="1279144"/>
-              <a:ext cx="1424846" cy="0"/>
-            </a:xfrm>
-            <a:prstGeom prst="straightConnector1">
-              <a:avLst/>
-            </a:prstGeom>
-            <a:ln w="19050">
-              <a:solidFill>
-                <a:schemeClr val="tx1"/>
-              </a:solidFill>
-              <a:tailEnd type="arrow"/>
-            </a:ln>
-          </p:spPr>
-          <p:style>
-            <a:lnRef idx="1">
-              <a:schemeClr val="accent1"/>
-            </a:lnRef>
-            <a:fillRef idx="0">
-              <a:schemeClr val="accent1"/>
-            </a:fillRef>
-            <a:effectRef idx="0">
-              <a:schemeClr val="accent1"/>
-            </a:effectRef>
-            <a:fontRef idx="minor">
-              <a:schemeClr val="tx1"/>
-            </a:fontRef>
-          </p:style>
-        </p:cxnSp>
-        <p:sp>
-          <p:nvSpPr>
-            <p:cNvPr id="116" name="TextBox 115">
-              <a:extLst>
-                <a:ext uri="{FF2B5EF4-FFF2-40B4-BE49-F238E27FC236}">
-                  <a16:creationId xmlns:a16="http://schemas.microsoft.com/office/drawing/2014/main" id="{9981E418-6CF2-4B2C-9FD1-2F00AF2F2C41}"/>
-                </a:ext>
-              </a:extLst>
-            </p:cNvPr>
-            <p:cNvSpPr txBox="1"/>
-            <p:nvPr/>
-          </p:nvSpPr>
-          <p:spPr>
-            <a:xfrm>
-              <a:off x="-782634" y="1027210"/>
-              <a:ext cx="793855" cy="215444"/>
-            </a:xfrm>
-            <a:prstGeom prst="rect">
-              <a:avLst/>
-            </a:prstGeom>
-            <a:noFill/>
-          </p:spPr>
-          <p:txBody>
-            <a:bodyPr wrap="square" lIns="0" tIns="0" rIns="0" bIns="0" rtlCol="0">
-              <a:spAutoFit/>
-            </a:bodyPr>
-            <a:lstStyle/>
-            <a:p>
-              <a:pPr algn="r"/>
-              <a:r>
-                <a:rPr lang="en-US" sz="1400" dirty="0"/>
-                <a:t>randomize</a:t>
-              </a:r>
-            </a:p>
-          </p:txBody>
-        </p:sp>
-        <p:cxnSp>
-          <p:nvCxnSpPr>
-            <p:cNvPr id="121" name="Straight Arrow Connector 120">
-              <a:extLst>
-                <a:ext uri="{FF2B5EF4-FFF2-40B4-BE49-F238E27FC236}">
-                  <a16:creationId xmlns:a16="http://schemas.microsoft.com/office/drawing/2014/main" id="{D620DFC4-8A64-42CF-A98E-892B307DD75A}"/>
-                </a:ext>
-              </a:extLst>
-            </p:cNvPr>
-            <p:cNvCxnSpPr>
-              <a:cxnSpLocks/>
-            </p:cNvCxnSpPr>
-            <p:nvPr/>
-          </p:nvCxnSpPr>
-          <p:spPr>
-            <a:xfrm>
-              <a:off x="-928826" y="8141970"/>
-              <a:ext cx="1672079" cy="0"/>
-            </a:xfrm>
-            <a:prstGeom prst="straightConnector1">
-              <a:avLst/>
-            </a:prstGeom>
-            <a:ln w="19050">
-              <a:solidFill>
-                <a:schemeClr val="tx1"/>
-              </a:solidFill>
-              <a:prstDash val="sysDash"/>
-              <a:headEnd type="arrow" w="med" len="med"/>
-              <a:tailEnd type="none" w="med" len="med"/>
-            </a:ln>
-          </p:spPr>
-          <p:style>
-            <a:lnRef idx="1">
-              <a:schemeClr val="accent1"/>
-            </a:lnRef>
-            <a:fillRef idx="0">
-              <a:schemeClr val="accent1"/>
-            </a:fillRef>
-            <a:effectRef idx="0">
-              <a:schemeClr val="accent1"/>
-            </a:effectRef>
-            <a:fontRef idx="minor">
-              <a:schemeClr val="tx1"/>
-            </a:fontRef>
-          </p:style>
-        </p:cxnSp>
-        <p:sp>
-          <p:nvSpPr>
-            <p:cNvPr id="125" name="TextBox 124">
-              <a:extLst>
-                <a:ext uri="{FF2B5EF4-FFF2-40B4-BE49-F238E27FC236}">
-                  <a16:creationId xmlns:a16="http://schemas.microsoft.com/office/drawing/2014/main" id="{9346EBCE-A323-4FD5-8A45-7BD67EEAD1D2}"/>
-                </a:ext>
-              </a:extLst>
-            </p:cNvPr>
-            <p:cNvSpPr txBox="1"/>
-            <p:nvPr/>
-          </p:nvSpPr>
-          <p:spPr>
-            <a:xfrm>
-              <a:off x="5595418" y="2423917"/>
-              <a:ext cx="284052" cy="369332"/>
-            </a:xfrm>
-            <a:prstGeom prst="rect">
-              <a:avLst/>
-            </a:prstGeom>
-            <a:noFill/>
-          </p:spPr>
-          <p:txBody>
-            <a:bodyPr wrap="none" rtlCol="0">
-              <a:spAutoFit/>
-            </a:bodyPr>
-            <a:lstStyle/>
-            <a:p>
-              <a:r>
-                <a:rPr lang="en-SG" dirty="0"/>
-                <a:t>x</a:t>
-              </a:r>
-            </a:p>
-          </p:txBody>
-        </p:sp>
-        <p:cxnSp>
-          <p:nvCxnSpPr>
-            <p:cNvPr id="127" name="Straight Arrow Connector 126">
-              <a:extLst>
-                <a:ext uri="{FF2B5EF4-FFF2-40B4-BE49-F238E27FC236}">
-                  <a16:creationId xmlns:a16="http://schemas.microsoft.com/office/drawing/2014/main" id="{5F8CA581-977E-47F7-9838-6EDED3880F70}"/>
-                </a:ext>
-              </a:extLst>
-            </p:cNvPr>
-            <p:cNvCxnSpPr>
-              <a:cxnSpLocks/>
-              <a:endCxn id="126" idx="1"/>
-            </p:cNvCxnSpPr>
-            <p:nvPr/>
-          </p:nvCxnSpPr>
-          <p:spPr>
-            <a:xfrm>
-              <a:off x="5823644" y="1733845"/>
-              <a:ext cx="1779565" cy="0"/>
-            </a:xfrm>
-            <a:prstGeom prst="straightConnector1">
-              <a:avLst/>
-            </a:prstGeom>
-            <a:ln w="19050">
-              <a:solidFill>
-                <a:srgbClr val="0070C0"/>
-              </a:solidFill>
-              <a:tailEnd type="arrow"/>
-            </a:ln>
-          </p:spPr>
-          <p:style>
-            <a:lnRef idx="1">
-              <a:schemeClr val="accent1"/>
-            </a:lnRef>
-            <a:fillRef idx="0">
-              <a:schemeClr val="accent1"/>
-            </a:fillRef>
-            <a:effectRef idx="0">
-              <a:schemeClr val="accent1"/>
-            </a:effectRef>
-            <a:fontRef idx="minor">
-              <a:schemeClr val="tx1"/>
-            </a:fontRef>
-          </p:style>
-        </p:cxnSp>
-        <p:cxnSp>
-          <p:nvCxnSpPr>
-            <p:cNvPr id="130" name="Straight Arrow Connector 129">
-              <a:extLst>
-                <a:ext uri="{FF2B5EF4-FFF2-40B4-BE49-F238E27FC236}">
-                  <a16:creationId xmlns:a16="http://schemas.microsoft.com/office/drawing/2014/main" id="{C2FF8AFC-AFE0-49EF-9695-3DCE08F6FBEA}"/>
-                </a:ext>
-              </a:extLst>
-            </p:cNvPr>
-            <p:cNvCxnSpPr>
-              <a:cxnSpLocks/>
-              <a:endCxn id="129" idx="2"/>
-            </p:cNvCxnSpPr>
-            <p:nvPr/>
-          </p:nvCxnSpPr>
-          <p:spPr>
-            <a:xfrm>
-              <a:off x="5823644" y="2092755"/>
-              <a:ext cx="2354608" cy="0"/>
-            </a:xfrm>
-            <a:prstGeom prst="straightConnector1">
-              <a:avLst/>
-            </a:prstGeom>
-            <a:ln w="19050">
-              <a:solidFill>
-                <a:srgbClr val="0070C0"/>
-              </a:solidFill>
-              <a:prstDash val="sysDash"/>
-              <a:headEnd type="arrow" w="med" len="med"/>
-              <a:tailEnd type="none" w="med" len="med"/>
-            </a:ln>
-          </p:spPr>
-          <p:style>
-            <a:lnRef idx="1">
-              <a:schemeClr val="accent1"/>
-            </a:lnRef>
-            <a:fillRef idx="0">
-              <a:schemeClr val="accent1"/>
-            </a:fillRef>
-            <a:effectRef idx="0">
-              <a:schemeClr val="accent1"/>
-            </a:effectRef>
-            <a:fontRef idx="minor">
-              <a:schemeClr val="tx1"/>
-            </a:fontRef>
-          </p:style>
-        </p:cxnSp>
-        <p:grpSp>
-          <p:nvGrpSpPr>
-            <p:cNvPr id="135" name="Group 134">
-              <a:extLst>
-                <a:ext uri="{FF2B5EF4-FFF2-40B4-BE49-F238E27FC236}">
-                  <a16:creationId xmlns:a16="http://schemas.microsoft.com/office/drawing/2014/main" id="{37F95915-1C97-493F-BA4D-B2F6C374E394}"/>
-                </a:ext>
-              </a:extLst>
-            </p:cNvPr>
-            <p:cNvGrpSpPr/>
-            <p:nvPr/>
-          </p:nvGrpSpPr>
-          <p:grpSpPr>
-            <a:xfrm>
-              <a:off x="7603209" y="1500003"/>
-              <a:ext cx="1219200" cy="592752"/>
-              <a:chOff x="6629490" y="1500003"/>
-              <a:chExt cx="1219200" cy="592752"/>
-            </a:xfrm>
-          </p:grpSpPr>
-          <p:sp>
-            <p:nvSpPr>
-              <p:cNvPr id="129" name="Rectangle 128">
-                <a:extLst>
-                  <a:ext uri="{FF2B5EF4-FFF2-40B4-BE49-F238E27FC236}">
-                    <a16:creationId xmlns:a16="http://schemas.microsoft.com/office/drawing/2014/main" id="{6D848CA5-9F37-4D56-8B6A-F2FE75B4FDB2}"/>
-                  </a:ext>
-                </a:extLst>
-              </p:cNvPr>
-              <p:cNvSpPr/>
-              <p:nvPr/>
-            </p:nvSpPr>
-            <p:spPr>
-              <a:xfrm>
-                <a:off x="7127329" y="1716404"/>
-                <a:ext cx="154408" cy="376351"/>
-              </a:xfrm>
-              <a:prstGeom prst="rect">
-                <a:avLst/>
-              </a:prstGeom>
-              <a:solidFill>
-                <a:srgbClr val="0070C0"/>
-              </a:solidFill>
-              <a:ln>
+            <a:tailEnd type="triangle"/>
+          </a:ln>
+        </p:spPr>
+        <p:style>
+          <a:lnRef idx="1">
+            <a:schemeClr val="accent1"/>
+          </a:lnRef>
+          <a:fillRef idx="0">
+            <a:schemeClr val="accent1"/>
+          </a:fillRef>
+          <a:effectRef idx="0">
+            <a:schemeClr val="accent1"/>
+          </a:effectRef>
+          <a:fontRef idx="minor">
+            <a:schemeClr val="tx1"/>
+          </a:fontRef>
+        </p:style>
+      </p:cxnSp>
+      <p:sp>
+        <p:nvSpPr>
+          <p:cNvPr id="218" name="TextBox 217">
+            <a:extLst>
+              <a:ext uri="{FF2B5EF4-FFF2-40B4-BE49-F238E27FC236}">
+                <a16:creationId xmlns:a16="http://schemas.microsoft.com/office/drawing/2014/main" id="{43E6CA3E-3445-4CE4-8EAD-E4F43795DA37}"/>
+              </a:ext>
+            </a:extLst>
+          </p:cNvPr>
+          <p:cNvSpPr txBox="1"/>
+          <p:nvPr/>
+        </p:nvSpPr>
+        <p:spPr>
+          <a:xfrm>
+            <a:off x="7900202" y="4967661"/>
+            <a:ext cx="2568831" cy="430887"/>
+          </a:xfrm>
+          <a:prstGeom prst="rect">
+            <a:avLst/>
+          </a:prstGeom>
+          <a:noFill/>
+        </p:spPr>
+        <p:txBody>
+          <a:bodyPr wrap="square" lIns="0" tIns="0" rIns="0" bIns="0" rtlCol="0">
+            <a:spAutoFit/>
+          </a:bodyPr>
+          <a:lstStyle>
+            <a:defPPr>
+              <a:defRPr lang="en-US"/>
+            </a:defPPr>
+            <a:lvl1pPr algn="r">
+              <a:defRPr sz="1400">
                 <a:solidFill>
                   <a:srgbClr val="0070C0"/>
                 </a:solidFill>
-              </a:ln>
-              <a:effectLst/>
-            </p:spPr>
-            <p:style>
-              <a:lnRef idx="1">
-                <a:schemeClr val="accent3"/>
-              </a:lnRef>
-              <a:fillRef idx="2">
-                <a:schemeClr val="accent3"/>
-              </a:fillRef>
-              <a:effectRef idx="1">
-                <a:schemeClr val="accent3"/>
-              </a:effectRef>
-              <a:fontRef idx="minor">
-                <a:schemeClr val="dk1"/>
-              </a:fontRef>
-            </p:style>
-            <p:txBody>
-              <a:bodyPr rtlCol="0" anchor="ctr"/>
-              <a:lstStyle/>
-              <a:p>
-                <a:pPr algn="ctr"/>
-                <a:endParaRPr lang="en-SG" sz="1400">
-                  <a:solidFill>
-                    <a:schemeClr val="dk1"/>
-                  </a:solidFill>
-                </a:endParaRPr>
-              </a:p>
-            </p:txBody>
-          </p:sp>
-          <p:sp>
-            <p:nvSpPr>
-              <p:cNvPr id="126" name="Rectangle 62">
-                <a:extLst>
-                  <a:ext uri="{FF2B5EF4-FFF2-40B4-BE49-F238E27FC236}">
-                    <a16:creationId xmlns:a16="http://schemas.microsoft.com/office/drawing/2014/main" id="{214906AA-6608-4416-8813-B300C904BB7A}"/>
-                  </a:ext>
-                </a:extLst>
-              </p:cNvPr>
-              <p:cNvSpPr/>
-              <p:nvPr/>
-            </p:nvSpPr>
-            <p:spPr>
-              <a:xfrm>
-                <a:off x="6629490" y="1500003"/>
-                <a:ext cx="1219200" cy="467684"/>
-              </a:xfrm>
-              <a:prstGeom prst="rect">
-                <a:avLst/>
-              </a:prstGeom>
-              <a:solidFill>
-                <a:srgbClr val="0070C0"/>
-              </a:solidFill>
-              <a:ln w="19050">
+              </a:defRPr>
+            </a:lvl1pPr>
+          </a:lstStyle>
+          <a:p>
+            <a:r>
+              <a:rPr lang="en-US" dirty="0" err="1"/>
+              <a:t>getParticipantUpdatedGroup</a:t>
+            </a:r>
+            <a:r>
+              <a:rPr lang="en-US" dirty="0"/>
+              <a:t>(</a:t>
+            </a:r>
+          </a:p>
+          <a:p>
+            <a:r>
+              <a:rPr lang="en-US" dirty="0" err="1"/>
+              <a:t>originalParticipant</a:t>
+            </a:r>
+            <a:r>
+              <a:rPr lang="en-US" dirty="0"/>
+              <a:t>, group)</a:t>
+            </a:r>
+          </a:p>
+        </p:txBody>
+      </p:sp>
+      <p:cxnSp>
+        <p:nvCxnSpPr>
+          <p:cNvPr id="246" name="Straight Arrow Connector 245">
+            <a:extLst>
+              <a:ext uri="{FF2B5EF4-FFF2-40B4-BE49-F238E27FC236}">
+                <a16:creationId xmlns:a16="http://schemas.microsoft.com/office/drawing/2014/main" id="{FB77A06B-3CE2-479C-8186-9093C8C3153D}"/>
+              </a:ext>
+            </a:extLst>
+          </p:cNvPr>
+          <p:cNvCxnSpPr>
+            <a:cxnSpLocks/>
+          </p:cNvCxnSpPr>
+          <p:nvPr/>
+        </p:nvCxnSpPr>
+        <p:spPr>
+          <a:xfrm>
+            <a:off x="7911529" y="5951848"/>
+            <a:ext cx="5175146" cy="0"/>
+          </a:xfrm>
+          <a:prstGeom prst="straightConnector1">
+            <a:avLst/>
+          </a:prstGeom>
+          <a:ln w="19050">
+            <a:solidFill>
+              <a:srgbClr val="7030A0"/>
+            </a:solidFill>
+            <a:tailEnd type="arrow"/>
+          </a:ln>
+        </p:spPr>
+        <p:style>
+          <a:lnRef idx="1">
+            <a:schemeClr val="accent1"/>
+          </a:lnRef>
+          <a:fillRef idx="0">
+            <a:schemeClr val="accent1"/>
+          </a:fillRef>
+          <a:effectRef idx="0">
+            <a:schemeClr val="accent1"/>
+          </a:effectRef>
+          <a:fontRef idx="minor">
+            <a:schemeClr val="tx1"/>
+          </a:fontRef>
+        </p:style>
+      </p:cxnSp>
+      <p:sp>
+        <p:nvSpPr>
+          <p:cNvPr id="249" name="TextBox 248">
+            <a:extLst>
+              <a:ext uri="{FF2B5EF4-FFF2-40B4-BE49-F238E27FC236}">
+                <a16:creationId xmlns:a16="http://schemas.microsoft.com/office/drawing/2014/main" id="{62AE503D-B0C5-4557-94BB-F913CDA77426}"/>
+              </a:ext>
+            </a:extLst>
+          </p:cNvPr>
+          <p:cNvSpPr txBox="1"/>
+          <p:nvPr/>
+        </p:nvSpPr>
+        <p:spPr>
+          <a:xfrm>
+            <a:off x="8427167" y="5583400"/>
+            <a:ext cx="2159405" cy="369332"/>
+          </a:xfrm>
+          <a:prstGeom prst="rect">
+            <a:avLst/>
+          </a:prstGeom>
+          <a:noFill/>
+          <a:ln>
+            <a:noFill/>
+          </a:ln>
+        </p:spPr>
+        <p:txBody>
+          <a:bodyPr wrap="square" lIns="0" tIns="0" rIns="0" bIns="0" rtlCol="0">
+            <a:spAutoFit/>
+          </a:bodyPr>
+          <a:lstStyle>
+            <a:defPPr>
+              <a:defRPr lang="en-US"/>
+            </a:defPPr>
+            <a:lvl1pPr algn="r">
+              <a:defRPr sz="1400">
                 <a:solidFill>
                   <a:srgbClr val="0070C0"/>
                 </a:solidFill>
-              </a:ln>
-              <a:effectLst/>
-            </p:spPr>
-            <p:style>
-              <a:lnRef idx="1">
-                <a:schemeClr val="accent2"/>
-              </a:lnRef>
-              <a:fillRef idx="2">
-                <a:schemeClr val="accent2"/>
-              </a:fillRef>
-              <a:effectRef idx="1">
-                <a:schemeClr val="accent2"/>
-              </a:effectRef>
-              <a:fontRef idx="minor">
-                <a:schemeClr val="dk1"/>
-              </a:fontRef>
-            </p:style>
-            <p:txBody>
-              <a:bodyPr rtlCol="0" anchor="ctr"/>
-              <a:lstStyle/>
-              <a:p>
-                <a:pPr algn="ctr"/>
-                <a:r>
-                  <a:rPr lang="en-US" sz="1600" dirty="0">
-                    <a:solidFill>
-                      <a:schemeClr val="bg1"/>
-                    </a:solidFill>
-                  </a:rPr>
-                  <a:t>:</a:t>
-                </a:r>
-                <a:r>
-                  <a:rPr lang="en-US" sz="1600" dirty="0" err="1">
-                    <a:solidFill>
-                      <a:schemeClr val="bg1"/>
-                    </a:solidFill>
-                  </a:rPr>
-                  <a:t>RandomizeCommand</a:t>
-                </a:r>
-                <a:endParaRPr lang="en-SG" sz="1600" dirty="0">
-                  <a:solidFill>
-                    <a:schemeClr val="bg1"/>
-                  </a:solidFill>
-                </a:endParaRPr>
-              </a:p>
-            </p:txBody>
-          </p:sp>
-        </p:grpSp>
-        <p:sp>
-          <p:nvSpPr>
-            <p:cNvPr id="134" name="TextBox 133">
-              <a:extLst>
-                <a:ext uri="{FF2B5EF4-FFF2-40B4-BE49-F238E27FC236}">
-                  <a16:creationId xmlns:a16="http://schemas.microsoft.com/office/drawing/2014/main" id="{06429735-F83C-4229-A24B-008FE883ACDF}"/>
-                </a:ext>
-              </a:extLst>
-            </p:cNvPr>
-            <p:cNvSpPr txBox="1"/>
-            <p:nvPr/>
-          </p:nvSpPr>
-          <p:spPr>
-            <a:xfrm>
-              <a:off x="5310551" y="1489319"/>
-              <a:ext cx="2192029" cy="215444"/>
-            </a:xfrm>
-            <a:prstGeom prst="rect">
-              <a:avLst/>
-            </a:prstGeom>
-            <a:noFill/>
-          </p:spPr>
-          <p:txBody>
-            <a:bodyPr wrap="square" lIns="0" tIns="0" rIns="0" bIns="0" rtlCol="0">
-              <a:spAutoFit/>
-            </a:bodyPr>
-            <a:lstStyle>
-              <a:defPPr>
-                <a:defRPr lang="en-US"/>
-              </a:defPPr>
-              <a:lvl1pPr algn="r">
-                <a:defRPr sz="1400">
-                  <a:solidFill>
-                    <a:srgbClr val="0070C0"/>
-                  </a:solidFill>
-                </a:defRPr>
-              </a:lvl1pPr>
-            </a:lstStyle>
-            <a:p>
-              <a:r>
-                <a:rPr lang="en-US" dirty="0" err="1"/>
-                <a:t>RandomizeCommand</a:t>
-              </a:r>
-              <a:endParaRPr lang="en-US" dirty="0"/>
-            </a:p>
-          </p:txBody>
-        </p:sp>
-        <p:sp>
-          <p:nvSpPr>
-            <p:cNvPr id="146" name="TextBox 145">
-              <a:extLst>
-                <a:ext uri="{FF2B5EF4-FFF2-40B4-BE49-F238E27FC236}">
-                  <a16:creationId xmlns:a16="http://schemas.microsoft.com/office/drawing/2014/main" id="{F1386E85-11F3-4DD1-95F9-4DC0D79B27FA}"/>
-                </a:ext>
-              </a:extLst>
-            </p:cNvPr>
-            <p:cNvSpPr txBox="1"/>
-            <p:nvPr/>
-          </p:nvSpPr>
-          <p:spPr>
-            <a:xfrm>
-              <a:off x="5011731" y="2843175"/>
-              <a:ext cx="746643" cy="215444"/>
-            </a:xfrm>
-            <a:prstGeom prst="rect">
-              <a:avLst/>
-            </a:prstGeom>
-            <a:noFill/>
-          </p:spPr>
-          <p:txBody>
-            <a:bodyPr wrap="square" lIns="0" tIns="0" rIns="0" bIns="0" rtlCol="0">
-              <a:spAutoFit/>
-            </a:bodyPr>
-            <a:lstStyle>
-              <a:defPPr>
-                <a:defRPr lang="en-US"/>
-              </a:defPPr>
-              <a:lvl1pPr algn="r">
-                <a:defRPr sz="1400">
-                  <a:solidFill>
-                    <a:srgbClr val="0070C0"/>
-                  </a:solidFill>
-                </a:defRPr>
-              </a:lvl1pPr>
-            </a:lstStyle>
-            <a:p>
-              <a:r>
-                <a:rPr lang="en-US" dirty="0"/>
-                <a:t>execute()</a:t>
-              </a:r>
-            </a:p>
-          </p:txBody>
-        </p:sp>
-        <p:cxnSp>
-          <p:nvCxnSpPr>
-            <p:cNvPr id="147" name="Straight Arrow Connector 146">
-              <a:extLst>
-                <a:ext uri="{FF2B5EF4-FFF2-40B4-BE49-F238E27FC236}">
-                  <a16:creationId xmlns:a16="http://schemas.microsoft.com/office/drawing/2014/main" id="{474A5335-5BEE-4E5F-9C4F-914B73CF7C32}"/>
-                </a:ext>
-              </a:extLst>
-            </p:cNvPr>
-            <p:cNvCxnSpPr>
-              <a:cxnSpLocks/>
-            </p:cNvCxnSpPr>
-            <p:nvPr/>
-          </p:nvCxnSpPr>
-          <p:spPr>
-            <a:xfrm>
-              <a:off x="3183255" y="3106958"/>
-              <a:ext cx="4886325" cy="0"/>
-            </a:xfrm>
-            <a:prstGeom prst="straightConnector1">
-              <a:avLst/>
-            </a:prstGeom>
-            <a:ln w="19050">
+              </a:defRPr>
+            </a:lvl1pPr>
+          </a:lstStyle>
+          <a:p>
+            <a:pPr algn="ctr"/>
+            <a:r>
+              <a:rPr lang="en-US" sz="1200" dirty="0" err="1">
+                <a:solidFill>
+                  <a:srgbClr val="7030A0"/>
+                </a:solidFill>
+              </a:rPr>
+              <a:t>setParticipant</a:t>
+            </a:r>
+            <a:r>
+              <a:rPr lang="en-US" sz="1200" dirty="0">
+                <a:solidFill>
+                  <a:srgbClr val="7030A0"/>
+                </a:solidFill>
+              </a:rPr>
+              <a:t>(</a:t>
+            </a:r>
+            <a:r>
+              <a:rPr lang="en-US" sz="1200" dirty="0" err="1">
+                <a:solidFill>
+                  <a:srgbClr val="7030A0"/>
+                </a:solidFill>
+              </a:rPr>
+              <a:t>originalParticipant</a:t>
+            </a:r>
+            <a:r>
+              <a:rPr lang="en-US" sz="1200" dirty="0">
+                <a:solidFill>
+                  <a:srgbClr val="7030A0"/>
+                </a:solidFill>
+              </a:rPr>
+              <a:t>, </a:t>
+            </a:r>
+            <a:r>
+              <a:rPr lang="en-US" sz="1200" dirty="0" err="1">
+                <a:solidFill>
+                  <a:srgbClr val="7030A0"/>
+                </a:solidFill>
+              </a:rPr>
+              <a:t>editedParticipant</a:t>
+            </a:r>
+            <a:r>
+              <a:rPr lang="en-US" sz="1200" dirty="0">
+                <a:solidFill>
+                  <a:srgbClr val="7030A0"/>
+                </a:solidFill>
+              </a:rPr>
+              <a:t>)</a:t>
+            </a:r>
+            <a:endParaRPr lang="en-US" sz="1200" dirty="0">
               <a:solidFill>
-                <a:srgbClr val="0070C0"/>
+                <a:schemeClr val="accent4">
+                  <a:lumMod val="75000"/>
+                </a:schemeClr>
               </a:solidFill>
-              <a:tailEnd type="arrow"/>
-            </a:ln>
-          </p:spPr>
-          <p:style>
-            <a:lnRef idx="1">
-              <a:schemeClr val="accent1"/>
-            </a:lnRef>
-            <a:fillRef idx="0">
-              <a:schemeClr val="accent1"/>
-            </a:fillRef>
-            <a:effectRef idx="0">
-              <a:schemeClr val="accent1"/>
-            </a:effectRef>
-            <a:fontRef idx="minor">
-              <a:schemeClr val="tx1"/>
-            </a:fontRef>
-          </p:style>
-        </p:cxnSp>
-        <p:cxnSp>
-          <p:nvCxnSpPr>
-            <p:cNvPr id="150" name="Straight Connector 149">
-              <a:extLst>
-                <a:ext uri="{FF2B5EF4-FFF2-40B4-BE49-F238E27FC236}">
-                  <a16:creationId xmlns:a16="http://schemas.microsoft.com/office/drawing/2014/main" id="{54B8ABBC-9B58-46D8-B0E4-36B83BCB90D0}"/>
-                </a:ext>
-              </a:extLst>
-            </p:cNvPr>
-            <p:cNvCxnSpPr>
-              <a:cxnSpLocks/>
-            </p:cNvCxnSpPr>
-            <p:nvPr/>
-          </p:nvCxnSpPr>
-          <p:spPr>
-            <a:xfrm>
-              <a:off x="8178252" y="2051757"/>
-              <a:ext cx="0" cy="5894263"/>
-            </a:xfrm>
-            <a:prstGeom prst="line">
-              <a:avLst/>
-            </a:prstGeom>
-            <a:ln w="19050">
-              <a:solidFill>
-                <a:srgbClr val="0070C0"/>
-              </a:solidFill>
-              <a:prstDash val="sysDash"/>
-            </a:ln>
-            <a:effectLst/>
-          </p:spPr>
-          <p:style>
-            <a:lnRef idx="1">
-              <a:schemeClr val="accent1"/>
-            </a:lnRef>
-            <a:fillRef idx="2">
-              <a:schemeClr val="accent1"/>
-            </a:fillRef>
-            <a:effectRef idx="1">
-              <a:schemeClr val="accent1"/>
-            </a:effectRef>
-            <a:fontRef idx="minor">
-              <a:schemeClr val="dk1"/>
-            </a:fontRef>
-          </p:style>
-        </p:cxnSp>
-        <p:sp>
-          <p:nvSpPr>
-            <p:cNvPr id="151" name="Rectangle 150">
-              <a:extLst>
-                <a:ext uri="{FF2B5EF4-FFF2-40B4-BE49-F238E27FC236}">
-                  <a16:creationId xmlns:a16="http://schemas.microsoft.com/office/drawing/2014/main" id="{B7280346-E1EF-47CF-814E-5AD2A4F29B0B}"/>
-                </a:ext>
-              </a:extLst>
-            </p:cNvPr>
-            <p:cNvSpPr/>
-            <p:nvPr/>
-          </p:nvSpPr>
-          <p:spPr>
-            <a:xfrm>
-              <a:off x="8099749" y="3104046"/>
-              <a:ext cx="154408" cy="4551513"/>
-            </a:xfrm>
-            <a:prstGeom prst="rect">
-              <a:avLst/>
-            </a:prstGeom>
+            </a:endParaRPr>
+          </a:p>
+        </p:txBody>
+      </p:sp>
+      <p:sp>
+        <p:nvSpPr>
+          <p:cNvPr id="251" name="Rectangle 250">
+            <a:extLst>
+              <a:ext uri="{FF2B5EF4-FFF2-40B4-BE49-F238E27FC236}">
+                <a16:creationId xmlns:a16="http://schemas.microsoft.com/office/drawing/2014/main" id="{6B0EA872-DF67-4F21-9A9E-FF2C3FFE40E3}"/>
+              </a:ext>
+            </a:extLst>
+          </p:cNvPr>
+          <p:cNvSpPr/>
+          <p:nvPr/>
+        </p:nvSpPr>
+        <p:spPr>
+          <a:xfrm>
+            <a:off x="13041141" y="5951848"/>
+            <a:ext cx="168896" cy="183734"/>
+          </a:xfrm>
+          <a:prstGeom prst="rect">
+            <a:avLst/>
+          </a:prstGeom>
+          <a:solidFill>
+            <a:srgbClr val="7030A0"/>
+          </a:solidFill>
+          <a:ln>
+            <a:solidFill>
+              <a:srgbClr val="7030A0"/>
+            </a:solidFill>
+          </a:ln>
+          <a:effectLst/>
+        </p:spPr>
+        <p:style>
+          <a:lnRef idx="1">
+            <a:schemeClr val="accent3"/>
+          </a:lnRef>
+          <a:fillRef idx="2">
+            <a:schemeClr val="accent3"/>
+          </a:fillRef>
+          <a:effectRef idx="1">
+            <a:schemeClr val="accent3"/>
+          </a:effectRef>
+          <a:fontRef idx="minor">
+            <a:schemeClr val="dk1"/>
+          </a:fontRef>
+        </p:style>
+        <p:txBody>
+          <a:bodyPr rtlCol="0" anchor="ctr"/>
+          <a:lstStyle/>
+          <a:p>
+            <a:pPr algn="ctr"/>
+            <a:endParaRPr lang="en-SG" sz="1400"/>
+          </a:p>
+        </p:txBody>
+      </p:sp>
+      <p:cxnSp>
+        <p:nvCxnSpPr>
+          <p:cNvPr id="252" name="Straight Arrow Connector 251">
+            <a:extLst>
+              <a:ext uri="{FF2B5EF4-FFF2-40B4-BE49-F238E27FC236}">
+                <a16:creationId xmlns:a16="http://schemas.microsoft.com/office/drawing/2014/main" id="{4197BD3E-3646-4A86-8D05-CA62A93479E0}"/>
+              </a:ext>
+            </a:extLst>
+          </p:cNvPr>
+          <p:cNvCxnSpPr>
+            <a:cxnSpLocks/>
+          </p:cNvCxnSpPr>
+          <p:nvPr/>
+        </p:nvCxnSpPr>
+        <p:spPr>
+          <a:xfrm>
+            <a:off x="7904658" y="6121966"/>
+            <a:ext cx="5116011" cy="0"/>
+          </a:xfrm>
+          <a:prstGeom prst="straightConnector1">
+            <a:avLst/>
+          </a:prstGeom>
+          <a:ln w="19050">
+            <a:solidFill>
+              <a:srgbClr val="7030A0"/>
+            </a:solidFill>
+            <a:prstDash val="sysDash"/>
+            <a:headEnd type="arrow" w="med" len="med"/>
+            <a:tailEnd type="none" w="med" len="med"/>
+          </a:ln>
+        </p:spPr>
+        <p:style>
+          <a:lnRef idx="1">
+            <a:schemeClr val="accent1"/>
+          </a:lnRef>
+          <a:fillRef idx="0">
+            <a:schemeClr val="accent1"/>
+          </a:fillRef>
+          <a:effectRef idx="0">
+            <a:schemeClr val="accent1"/>
+          </a:effectRef>
+          <a:fontRef idx="minor">
+            <a:schemeClr val="tx1"/>
+          </a:fontRef>
+        </p:style>
+      </p:cxnSp>
+      <p:sp>
+        <p:nvSpPr>
+          <p:cNvPr id="80" name="TextBox 79">
+            <a:extLst>
+              <a:ext uri="{FF2B5EF4-FFF2-40B4-BE49-F238E27FC236}">
+                <a16:creationId xmlns:a16="http://schemas.microsoft.com/office/drawing/2014/main" id="{09D018DC-0E25-4518-94D6-742CB485D519}"/>
+              </a:ext>
+            </a:extLst>
+          </p:cNvPr>
+          <p:cNvSpPr txBox="1"/>
+          <p:nvPr/>
+        </p:nvSpPr>
+        <p:spPr>
+          <a:xfrm>
+            <a:off x="7676112" y="7042557"/>
+            <a:ext cx="284052" cy="369332"/>
+          </a:xfrm>
+          <a:prstGeom prst="rect">
+            <a:avLst/>
+          </a:prstGeom>
+          <a:noFill/>
+        </p:spPr>
+        <p:txBody>
+          <a:bodyPr wrap="none" rtlCol="0">
+            <a:spAutoFit/>
+          </a:bodyPr>
+          <a:lstStyle/>
+          <a:p>
+            <a:r>
+              <a:rPr lang="en-SG" dirty="0"/>
+              <a:t>x</a:t>
+            </a:r>
+          </a:p>
+        </p:txBody>
+      </p:sp>
+      <p:cxnSp>
+        <p:nvCxnSpPr>
+          <p:cNvPr id="81" name="Straight Arrow Connector 80">
+            <a:extLst>
+              <a:ext uri="{FF2B5EF4-FFF2-40B4-BE49-F238E27FC236}">
+                <a16:creationId xmlns:a16="http://schemas.microsoft.com/office/drawing/2014/main" id="{30FAE1F0-3C51-4E09-ADA5-9AA3D2AD3C35}"/>
+              </a:ext>
+            </a:extLst>
+          </p:cNvPr>
+          <p:cNvCxnSpPr>
+            <a:cxnSpLocks/>
+          </p:cNvCxnSpPr>
+          <p:nvPr/>
+        </p:nvCxnSpPr>
+        <p:spPr>
+          <a:xfrm>
+            <a:off x="2824440" y="6949170"/>
+            <a:ext cx="4886325" cy="0"/>
+          </a:xfrm>
+          <a:prstGeom prst="straightConnector1">
+            <a:avLst/>
+          </a:prstGeom>
+          <a:ln w="19050">
             <a:solidFill>
               <a:srgbClr val="0070C0"/>
             </a:solidFill>
-            <a:ln>
-              <a:solidFill>
-                <a:srgbClr val="0070C0"/>
-              </a:solidFill>
-            </a:ln>
-            <a:effectLst/>
-          </p:spPr>
-          <p:style>
-            <a:lnRef idx="1">
-              <a:schemeClr val="accent3"/>
-            </a:lnRef>
-            <a:fillRef idx="2">
-              <a:schemeClr val="accent3"/>
-            </a:fillRef>
-            <a:effectRef idx="1">
-              <a:schemeClr val="accent3"/>
-            </a:effectRef>
-            <a:fontRef idx="minor">
-              <a:schemeClr val="dk1"/>
-            </a:fontRef>
-          </p:style>
-          <p:txBody>
-            <a:bodyPr rtlCol="0" anchor="ctr"/>
-            <a:lstStyle/>
-            <a:p>
-              <a:pPr algn="ctr"/>
-              <a:endParaRPr lang="en-SG" sz="1400">
-                <a:solidFill>
-                  <a:schemeClr val="dk1"/>
-                </a:solidFill>
-              </a:endParaRPr>
-            </a:p>
-          </p:txBody>
-        </p:sp>
-        <p:sp>
-          <p:nvSpPr>
-            <p:cNvPr id="153" name="Rectangle 65">
-              <a:extLst>
-                <a:ext uri="{FF2B5EF4-FFF2-40B4-BE49-F238E27FC236}">
-                  <a16:creationId xmlns:a16="http://schemas.microsoft.com/office/drawing/2014/main" id="{B0833745-A13B-455F-BC5E-7EE21CF7097E}"/>
-                </a:ext>
-              </a:extLst>
-            </p:cNvPr>
-            <p:cNvSpPr/>
-            <p:nvPr/>
-          </p:nvSpPr>
-          <p:spPr>
-            <a:xfrm>
-              <a:off x="11060008" y="380580"/>
-              <a:ext cx="3501812" cy="9140942"/>
-            </a:xfrm>
-            <a:prstGeom prst="roundRect">
-              <a:avLst>
-                <a:gd name="adj" fmla="val 3484"/>
-              </a:avLst>
-            </a:prstGeom>
+            <a:prstDash val="sysDash"/>
+            <a:headEnd type="arrow" w="med" len="med"/>
+            <a:tailEnd type="none" w="med" len="med"/>
+          </a:ln>
+        </p:spPr>
+        <p:style>
+          <a:lnRef idx="1">
+            <a:schemeClr val="accent1"/>
+          </a:lnRef>
+          <a:fillRef idx="0">
+            <a:schemeClr val="accent1"/>
+          </a:fillRef>
+          <a:effectRef idx="0">
+            <a:schemeClr val="accent1"/>
+          </a:effectRef>
+          <a:fontRef idx="minor">
+            <a:schemeClr val="tx1"/>
+          </a:fontRef>
+        </p:style>
+      </p:cxnSp>
+      <p:cxnSp>
+        <p:nvCxnSpPr>
+          <p:cNvPr id="84" name="Straight Arrow Connector 83">
+            <a:extLst>
+              <a:ext uri="{FF2B5EF4-FFF2-40B4-BE49-F238E27FC236}">
+                <a16:creationId xmlns:a16="http://schemas.microsoft.com/office/drawing/2014/main" id="{CA8AB5F6-F2CA-44C6-9635-2D1B2000DDEF}"/>
+              </a:ext>
+            </a:extLst>
+          </p:cNvPr>
+          <p:cNvCxnSpPr>
+            <a:cxnSpLocks/>
+          </p:cNvCxnSpPr>
+          <p:nvPr/>
+        </p:nvCxnSpPr>
+        <p:spPr>
+          <a:xfrm>
+            <a:off x="576540" y="7285448"/>
+            <a:ext cx="2007864" cy="0"/>
+          </a:xfrm>
+          <a:prstGeom prst="straightConnector1">
+            <a:avLst/>
+          </a:prstGeom>
+          <a:ln w="19050">
             <a:solidFill>
-              <a:srgbClr val="C3B3FF"/>
+              <a:schemeClr val="accent1"/>
             </a:solidFill>
-            <a:ln w="19050">
-              <a:noFill/>
-            </a:ln>
-            <a:effectLst/>
-          </p:spPr>
-          <p:style>
-            <a:lnRef idx="1">
-              <a:schemeClr val="accent2"/>
-            </a:lnRef>
-            <a:fillRef idx="2">
-              <a:schemeClr val="accent2"/>
-            </a:fillRef>
-            <a:effectRef idx="1">
-              <a:schemeClr val="accent2"/>
-            </a:effectRef>
-            <a:fontRef idx="minor">
-              <a:schemeClr val="dk1"/>
-            </a:fontRef>
-          </p:style>
-          <p:txBody>
-            <a:bodyPr rtlCol="0" anchor="t"/>
-            <a:lstStyle/>
-            <a:p>
-              <a:r>
-                <a:rPr lang="en-US" sz="1200" b="1" dirty="0">
-                  <a:solidFill>
-                    <a:srgbClr val="7030A0"/>
-                  </a:solidFill>
-                </a:rPr>
-                <a:t>Model</a:t>
-              </a:r>
-              <a:endParaRPr lang="en-SG" sz="1200" b="1" dirty="0">
-                <a:solidFill>
-                  <a:srgbClr val="7030A0"/>
-                </a:solidFill>
-              </a:endParaRPr>
-            </a:p>
-          </p:txBody>
-        </p:sp>
-        <p:sp>
-          <p:nvSpPr>
-            <p:cNvPr id="156" name="Rectangle 62">
-              <a:extLst>
-                <a:ext uri="{FF2B5EF4-FFF2-40B4-BE49-F238E27FC236}">
-                  <a16:creationId xmlns:a16="http://schemas.microsoft.com/office/drawing/2014/main" id="{0602C17C-A232-4419-BAEE-FA9A407AA562}"/>
-                </a:ext>
-              </a:extLst>
-            </p:cNvPr>
-            <p:cNvSpPr/>
-            <p:nvPr/>
-          </p:nvSpPr>
-          <p:spPr>
-            <a:xfrm>
-              <a:off x="12745618" y="2391158"/>
-              <a:ext cx="1547733" cy="300180"/>
-            </a:xfrm>
-            <a:prstGeom prst="rect">
-              <a:avLst/>
-            </a:prstGeom>
-            <a:solidFill>
-              <a:srgbClr val="7030A0"/>
-            </a:solidFill>
-            <a:ln w="19050">
-              <a:solidFill>
-                <a:srgbClr val="7030A0"/>
-              </a:solidFill>
-            </a:ln>
-            <a:effectLst/>
-          </p:spPr>
-          <p:style>
-            <a:lnRef idx="1">
-              <a:schemeClr val="accent2"/>
-            </a:lnRef>
-            <a:fillRef idx="2">
-              <a:schemeClr val="accent2"/>
-            </a:fillRef>
-            <a:effectRef idx="1">
-              <a:schemeClr val="accent2"/>
-            </a:effectRef>
-            <a:fontRef idx="minor">
-              <a:schemeClr val="dk1"/>
-            </a:fontRef>
-          </p:style>
-          <p:txBody>
-            <a:bodyPr rtlCol="0" anchor="ctr"/>
-            <a:lstStyle/>
-            <a:p>
-              <a:pPr algn="ctr"/>
-              <a:r>
-                <a:rPr lang="en-US" sz="1600" dirty="0">
-                  <a:solidFill>
-                    <a:schemeClr val="bg1"/>
-                  </a:solidFill>
-                </a:rPr>
-                <a:t>:</a:t>
-              </a:r>
-              <a:r>
-                <a:rPr lang="en-US" sz="1600" dirty="0" err="1">
-                  <a:solidFill>
-                    <a:schemeClr val="bg1"/>
-                  </a:solidFill>
-                </a:rPr>
-                <a:t>ModelManager</a:t>
-              </a:r>
-              <a:endParaRPr lang="en-SG" sz="1600" dirty="0">
-                <a:solidFill>
-                  <a:schemeClr val="bg1"/>
-                </a:solidFill>
-              </a:endParaRPr>
-            </a:p>
-          </p:txBody>
-        </p:sp>
-        <p:cxnSp>
-          <p:nvCxnSpPr>
-            <p:cNvPr id="157" name="Straight Connector 156">
-              <a:extLst>
-                <a:ext uri="{FF2B5EF4-FFF2-40B4-BE49-F238E27FC236}">
-                  <a16:creationId xmlns:a16="http://schemas.microsoft.com/office/drawing/2014/main" id="{D655139C-1ADB-4B55-981E-EC1656CF7FB0}"/>
-                </a:ext>
-              </a:extLst>
-            </p:cNvPr>
-            <p:cNvCxnSpPr>
-              <a:cxnSpLocks/>
-            </p:cNvCxnSpPr>
-            <p:nvPr/>
-          </p:nvCxnSpPr>
-          <p:spPr>
-            <a:xfrm>
-              <a:off x="13492055" y="2639590"/>
-              <a:ext cx="0" cy="4687185"/>
-            </a:xfrm>
-            <a:prstGeom prst="line">
-              <a:avLst/>
-            </a:prstGeom>
-            <a:ln w="19050">
-              <a:solidFill>
-                <a:srgbClr val="7030A0"/>
-              </a:solidFill>
-              <a:prstDash val="sysDash"/>
-            </a:ln>
-            <a:effectLst/>
-          </p:spPr>
-          <p:style>
-            <a:lnRef idx="1">
-              <a:schemeClr val="accent1"/>
-            </a:lnRef>
-            <a:fillRef idx="2">
-              <a:schemeClr val="accent1"/>
-            </a:fillRef>
-            <a:effectRef idx="1">
-              <a:schemeClr val="accent1"/>
-            </a:effectRef>
-            <a:fontRef idx="minor">
-              <a:schemeClr val="dk1"/>
-            </a:fontRef>
-          </p:style>
-        </p:cxnSp>
-        <p:sp>
-          <p:nvSpPr>
-            <p:cNvPr id="158" name="Rectangle 157">
-              <a:extLst>
-                <a:ext uri="{FF2B5EF4-FFF2-40B4-BE49-F238E27FC236}">
-                  <a16:creationId xmlns:a16="http://schemas.microsoft.com/office/drawing/2014/main" id="{A17768AB-3595-46B3-AE83-914E6BDB0431}"/>
-                </a:ext>
-              </a:extLst>
-            </p:cNvPr>
-            <p:cNvSpPr/>
-            <p:nvPr/>
-          </p:nvSpPr>
-          <p:spPr>
-            <a:xfrm>
-              <a:off x="13399956" y="3243285"/>
-              <a:ext cx="168896" cy="256200"/>
-            </a:xfrm>
-            <a:prstGeom prst="rect">
-              <a:avLst/>
-            </a:prstGeom>
-            <a:solidFill>
-              <a:srgbClr val="7030A0"/>
-            </a:solidFill>
-            <a:ln>
-              <a:solidFill>
-                <a:srgbClr val="7030A0"/>
-              </a:solidFill>
-            </a:ln>
-            <a:effectLst/>
-          </p:spPr>
-          <p:style>
-            <a:lnRef idx="1">
-              <a:schemeClr val="accent3"/>
-            </a:lnRef>
-            <a:fillRef idx="2">
-              <a:schemeClr val="accent3"/>
-            </a:fillRef>
-            <a:effectRef idx="1">
-              <a:schemeClr val="accent3"/>
-            </a:effectRef>
-            <a:fontRef idx="minor">
-              <a:schemeClr val="dk1"/>
-            </a:fontRef>
-          </p:style>
-          <p:txBody>
-            <a:bodyPr rtlCol="0" anchor="ctr"/>
-            <a:lstStyle/>
-            <a:p>
-              <a:pPr algn="ctr"/>
-              <a:endParaRPr lang="en-SG" sz="1400"/>
-            </a:p>
-          </p:txBody>
-        </p:sp>
-        <p:sp>
-          <p:nvSpPr>
-            <p:cNvPr id="160" name="TextBox 159">
-              <a:extLst>
-                <a:ext uri="{FF2B5EF4-FFF2-40B4-BE49-F238E27FC236}">
-                  <a16:creationId xmlns:a16="http://schemas.microsoft.com/office/drawing/2014/main" id="{1F44E7B4-185E-447D-981A-94DCC1E8B649}"/>
-                </a:ext>
-              </a:extLst>
-            </p:cNvPr>
-            <p:cNvSpPr txBox="1"/>
-            <p:nvPr/>
-          </p:nvSpPr>
-          <p:spPr>
-            <a:xfrm>
-              <a:off x="8969280" y="3058619"/>
-              <a:ext cx="1482633" cy="184666"/>
-            </a:xfrm>
-            <a:prstGeom prst="rect">
-              <a:avLst/>
-            </a:prstGeom>
-            <a:noFill/>
-            <a:ln>
-              <a:noFill/>
-            </a:ln>
-          </p:spPr>
-          <p:txBody>
-            <a:bodyPr wrap="square" lIns="0" tIns="0" rIns="0" bIns="0" rtlCol="0">
-              <a:spAutoFit/>
-            </a:bodyPr>
-            <a:lstStyle>
-              <a:defPPr>
-                <a:defRPr lang="en-US"/>
-              </a:defPPr>
-              <a:lvl1pPr algn="r">
-                <a:defRPr sz="1400">
-                  <a:solidFill>
-                    <a:srgbClr val="0070C0"/>
-                  </a:solidFill>
-                </a:defRPr>
-              </a:lvl1pPr>
-            </a:lstStyle>
-            <a:p>
-              <a:pPr algn="ctr"/>
-              <a:r>
-                <a:rPr lang="en-US" sz="1200" dirty="0" err="1">
-                  <a:solidFill>
-                    <a:srgbClr val="7030A0"/>
-                  </a:solidFill>
-                </a:rPr>
-                <a:t>getFilteredGroupList</a:t>
-              </a:r>
-              <a:r>
-                <a:rPr lang="en-US" sz="1200" dirty="0">
-                  <a:solidFill>
-                    <a:schemeClr val="accent4">
-                      <a:lumMod val="75000"/>
-                    </a:schemeClr>
-                  </a:solidFill>
-                </a:rPr>
-                <a:t>()</a:t>
-              </a:r>
-            </a:p>
-          </p:txBody>
-        </p:sp>
-        <p:cxnSp>
-          <p:nvCxnSpPr>
-            <p:cNvPr id="165" name="Straight Arrow Connector 164">
-              <a:extLst>
-                <a:ext uri="{FF2B5EF4-FFF2-40B4-BE49-F238E27FC236}">
-                  <a16:creationId xmlns:a16="http://schemas.microsoft.com/office/drawing/2014/main" id="{FFBABE52-1485-4E61-B322-56C8EB17DED7}"/>
-                </a:ext>
-              </a:extLst>
-            </p:cNvPr>
-            <p:cNvCxnSpPr>
-              <a:cxnSpLocks/>
-            </p:cNvCxnSpPr>
-            <p:nvPr/>
-          </p:nvCxnSpPr>
-          <p:spPr>
-            <a:xfrm>
-              <a:off x="8263473" y="3281776"/>
-              <a:ext cx="5084159" cy="0"/>
-            </a:xfrm>
-            <a:prstGeom prst="straightConnector1">
-              <a:avLst/>
-            </a:prstGeom>
-            <a:ln w="19050">
-              <a:solidFill>
-                <a:srgbClr val="7030A0"/>
-              </a:solidFill>
-              <a:tailEnd type="arrow"/>
-            </a:ln>
-          </p:spPr>
-          <p:style>
-            <a:lnRef idx="1">
-              <a:schemeClr val="accent1"/>
-            </a:lnRef>
-            <a:fillRef idx="0">
-              <a:schemeClr val="accent1"/>
-            </a:fillRef>
-            <a:effectRef idx="0">
-              <a:schemeClr val="accent1"/>
-            </a:effectRef>
-            <a:fontRef idx="minor">
-              <a:schemeClr val="tx1"/>
-            </a:fontRef>
-          </p:style>
-        </p:cxnSp>
-        <p:cxnSp>
-          <p:nvCxnSpPr>
-            <p:cNvPr id="174" name="Straight Arrow Connector 173">
-              <a:extLst>
-                <a:ext uri="{FF2B5EF4-FFF2-40B4-BE49-F238E27FC236}">
-                  <a16:creationId xmlns:a16="http://schemas.microsoft.com/office/drawing/2014/main" id="{2E635D00-F9E9-4891-9948-97E6D1FBD2EE}"/>
-                </a:ext>
-              </a:extLst>
-            </p:cNvPr>
-            <p:cNvCxnSpPr>
-              <a:cxnSpLocks/>
-            </p:cNvCxnSpPr>
-            <p:nvPr/>
-          </p:nvCxnSpPr>
-          <p:spPr>
-            <a:xfrm>
-              <a:off x="8263473" y="3473240"/>
-              <a:ext cx="5059687" cy="0"/>
-            </a:xfrm>
-            <a:prstGeom prst="straightConnector1">
-              <a:avLst/>
-            </a:prstGeom>
-            <a:ln w="19050">
-              <a:solidFill>
-                <a:srgbClr val="7030A0"/>
-              </a:solidFill>
-              <a:prstDash val="sysDash"/>
-              <a:headEnd type="arrow" w="med" len="med"/>
-              <a:tailEnd type="none" w="med" len="med"/>
-            </a:ln>
-          </p:spPr>
-          <p:style>
-            <a:lnRef idx="1">
-              <a:schemeClr val="accent1"/>
-            </a:lnRef>
-            <a:fillRef idx="0">
-              <a:schemeClr val="accent1"/>
-            </a:fillRef>
-            <a:effectRef idx="0">
-              <a:schemeClr val="accent1"/>
-            </a:effectRef>
-            <a:fontRef idx="minor">
-              <a:schemeClr val="tx1"/>
-            </a:fontRef>
-          </p:style>
-        </p:cxnSp>
-        <p:sp>
-          <p:nvSpPr>
-            <p:cNvPr id="169" name="TextBox 168">
-              <a:extLst>
-                <a:ext uri="{FF2B5EF4-FFF2-40B4-BE49-F238E27FC236}">
-                  <a16:creationId xmlns:a16="http://schemas.microsoft.com/office/drawing/2014/main" id="{FCC95233-724B-41CB-A372-D6AB2C342309}"/>
-                </a:ext>
-              </a:extLst>
-            </p:cNvPr>
-            <p:cNvSpPr txBox="1"/>
-            <p:nvPr/>
-          </p:nvSpPr>
-          <p:spPr>
-            <a:xfrm>
-              <a:off x="8976151" y="3740932"/>
-              <a:ext cx="1703194" cy="184666"/>
-            </a:xfrm>
-            <a:prstGeom prst="rect">
-              <a:avLst/>
-            </a:prstGeom>
-            <a:noFill/>
-            <a:ln>
-              <a:noFill/>
-            </a:ln>
-          </p:spPr>
-          <p:txBody>
-            <a:bodyPr wrap="square" lIns="0" tIns="0" rIns="0" bIns="0" rtlCol="0">
-              <a:spAutoFit/>
-            </a:bodyPr>
-            <a:lstStyle>
-              <a:defPPr>
-                <a:defRPr lang="en-US"/>
-              </a:defPPr>
-              <a:lvl1pPr algn="r">
-                <a:defRPr sz="1400">
-                  <a:solidFill>
-                    <a:srgbClr val="0070C0"/>
-                  </a:solidFill>
-                </a:defRPr>
-              </a:lvl1pPr>
-            </a:lstStyle>
-            <a:p>
-              <a:pPr algn="ctr"/>
-              <a:r>
-                <a:rPr lang="en-US" sz="1200" dirty="0" err="1">
-                  <a:solidFill>
-                    <a:srgbClr val="7030A0"/>
-                  </a:solidFill>
-                </a:rPr>
-                <a:t>getFilteredParticipantList</a:t>
-              </a:r>
-              <a:r>
-                <a:rPr lang="en-US" sz="1200" dirty="0">
-                  <a:solidFill>
-                    <a:schemeClr val="accent4">
-                      <a:lumMod val="75000"/>
-                    </a:schemeClr>
-                  </a:solidFill>
-                </a:rPr>
-                <a:t>()</a:t>
-              </a:r>
-            </a:p>
-          </p:txBody>
-        </p:sp>
-        <p:cxnSp>
-          <p:nvCxnSpPr>
-            <p:cNvPr id="170" name="Straight Arrow Connector 169">
-              <a:extLst>
-                <a:ext uri="{FF2B5EF4-FFF2-40B4-BE49-F238E27FC236}">
-                  <a16:creationId xmlns:a16="http://schemas.microsoft.com/office/drawing/2014/main" id="{D869B01A-1FD6-4764-9109-035735FBDBE2}"/>
-                </a:ext>
-              </a:extLst>
-            </p:cNvPr>
-            <p:cNvCxnSpPr>
-              <a:cxnSpLocks/>
-            </p:cNvCxnSpPr>
-            <p:nvPr/>
-          </p:nvCxnSpPr>
-          <p:spPr>
-            <a:xfrm>
-              <a:off x="8270344" y="3964089"/>
-              <a:ext cx="5077288" cy="0"/>
-            </a:xfrm>
-            <a:prstGeom prst="straightConnector1">
-              <a:avLst/>
-            </a:prstGeom>
-            <a:ln w="19050">
-              <a:solidFill>
-                <a:srgbClr val="7030A0"/>
-              </a:solidFill>
-              <a:tailEnd type="arrow"/>
-            </a:ln>
-          </p:spPr>
-          <p:style>
-            <a:lnRef idx="1">
-              <a:schemeClr val="accent1"/>
-            </a:lnRef>
-            <a:fillRef idx="0">
-              <a:schemeClr val="accent1"/>
-            </a:fillRef>
-            <a:effectRef idx="0">
-              <a:schemeClr val="accent1"/>
-            </a:effectRef>
-            <a:fontRef idx="minor">
-              <a:schemeClr val="tx1"/>
-            </a:fontRef>
-          </p:style>
-        </p:cxnSp>
-        <p:cxnSp>
-          <p:nvCxnSpPr>
-            <p:cNvPr id="178" name="Straight Arrow Connector 177">
-              <a:extLst>
-                <a:ext uri="{FF2B5EF4-FFF2-40B4-BE49-F238E27FC236}">
-                  <a16:creationId xmlns:a16="http://schemas.microsoft.com/office/drawing/2014/main" id="{2B539558-8146-4882-B411-791576152B72}"/>
-                </a:ext>
-              </a:extLst>
-            </p:cNvPr>
-            <p:cNvCxnSpPr>
-              <a:cxnSpLocks/>
-            </p:cNvCxnSpPr>
-            <p:nvPr/>
-          </p:nvCxnSpPr>
-          <p:spPr>
-            <a:xfrm>
-              <a:off x="8252726" y="4113376"/>
-              <a:ext cx="5070434" cy="0"/>
-            </a:xfrm>
-            <a:prstGeom prst="straightConnector1">
-              <a:avLst/>
-            </a:prstGeom>
-            <a:ln w="19050">
-              <a:solidFill>
-                <a:srgbClr val="7030A0"/>
-              </a:solidFill>
-              <a:prstDash val="sysDash"/>
-              <a:headEnd type="arrow" w="med" len="med"/>
-              <a:tailEnd type="none" w="med" len="med"/>
-            </a:ln>
-          </p:spPr>
-          <p:style>
-            <a:lnRef idx="1">
-              <a:schemeClr val="accent1"/>
-            </a:lnRef>
-            <a:fillRef idx="0">
-              <a:schemeClr val="accent1"/>
-            </a:fillRef>
-            <a:effectRef idx="0">
-              <a:schemeClr val="accent1"/>
-            </a:effectRef>
-            <a:fontRef idx="minor">
-              <a:schemeClr val="tx1"/>
-            </a:fontRef>
-          </p:style>
-        </p:cxnSp>
-        <p:sp>
-          <p:nvSpPr>
-            <p:cNvPr id="182" name="Rectangle 181">
-              <a:extLst>
-                <a:ext uri="{FF2B5EF4-FFF2-40B4-BE49-F238E27FC236}">
-                  <a16:creationId xmlns:a16="http://schemas.microsoft.com/office/drawing/2014/main" id="{CB81C392-7FF8-4B09-8BAD-197F04071D06}"/>
-                </a:ext>
-              </a:extLst>
-            </p:cNvPr>
-            <p:cNvSpPr/>
-            <p:nvPr/>
-          </p:nvSpPr>
-          <p:spPr>
-            <a:xfrm>
-              <a:off x="13399956" y="3965351"/>
-              <a:ext cx="168896" cy="183734"/>
-            </a:xfrm>
-            <a:prstGeom prst="rect">
-              <a:avLst/>
-            </a:prstGeom>
-            <a:solidFill>
-              <a:srgbClr val="7030A0"/>
-            </a:solidFill>
-            <a:ln>
-              <a:solidFill>
-                <a:srgbClr val="7030A0"/>
-              </a:solidFill>
-            </a:ln>
-            <a:effectLst/>
-          </p:spPr>
-          <p:style>
-            <a:lnRef idx="1">
-              <a:schemeClr val="accent3"/>
-            </a:lnRef>
-            <a:fillRef idx="2">
-              <a:schemeClr val="accent3"/>
-            </a:fillRef>
-            <a:effectRef idx="1">
-              <a:schemeClr val="accent3"/>
-            </a:effectRef>
-            <a:fontRef idx="minor">
-              <a:schemeClr val="dk1"/>
-            </a:fontRef>
-          </p:style>
-          <p:txBody>
-            <a:bodyPr rtlCol="0" anchor="ctr"/>
-            <a:lstStyle/>
-            <a:p>
-              <a:pPr algn="ctr"/>
-              <a:endParaRPr lang="en-SG" sz="1400"/>
-            </a:p>
-          </p:txBody>
-        </p:sp>
-        <p:sp>
-          <p:nvSpPr>
-            <p:cNvPr id="184" name="Rectangle 183">
-              <a:extLst>
-                <a:ext uri="{FF2B5EF4-FFF2-40B4-BE49-F238E27FC236}">
-                  <a16:creationId xmlns:a16="http://schemas.microsoft.com/office/drawing/2014/main" id="{85F6E1D7-1234-48B3-8C03-D8B5BAB58C2D}"/>
-                </a:ext>
-              </a:extLst>
-            </p:cNvPr>
-            <p:cNvSpPr/>
-            <p:nvPr/>
-          </p:nvSpPr>
-          <p:spPr>
-            <a:xfrm>
-              <a:off x="7191615" y="4379522"/>
-              <a:ext cx="2234871" cy="312494"/>
-            </a:xfrm>
-            <a:prstGeom prst="rect">
-              <a:avLst/>
-            </a:prstGeom>
-            <a:solidFill>
-              <a:srgbClr val="FFFFFF">
-                <a:alpha val="65098"/>
-              </a:srgbClr>
-            </a:solidFill>
-            <a:ln>
-              <a:solidFill>
-                <a:srgbClr val="000000">
-                  <a:alpha val="50196"/>
-                </a:srgbClr>
-              </a:solidFill>
-            </a:ln>
-          </p:spPr>
-          <p:style>
-            <a:lnRef idx="2">
-              <a:schemeClr val="accent1">
-                <a:shade val="50000"/>
-              </a:schemeClr>
-            </a:lnRef>
-            <a:fillRef idx="1">
-              <a:schemeClr val="accent1"/>
-            </a:fillRef>
-            <a:effectRef idx="0">
-              <a:schemeClr val="accent1"/>
-            </a:effectRef>
-            <a:fontRef idx="minor">
-              <a:schemeClr val="lt1"/>
-            </a:fontRef>
-          </p:style>
-          <p:txBody>
-            <a:bodyPr rtlCol="0" anchor="t"/>
-            <a:lstStyle/>
-            <a:p>
-              <a:r>
-                <a:rPr lang="en-SG" sz="1200" dirty="0">
-                  <a:solidFill>
-                    <a:schemeClr val="tx1"/>
-                  </a:solidFill>
-                </a:rPr>
-                <a:t>loop [Participant p : participants]</a:t>
-              </a:r>
-            </a:p>
-          </p:txBody>
-        </p:sp>
-        <p:sp>
-          <p:nvSpPr>
-            <p:cNvPr id="185" name="Rectangle 184">
-              <a:extLst>
-                <a:ext uri="{FF2B5EF4-FFF2-40B4-BE49-F238E27FC236}">
-                  <a16:creationId xmlns:a16="http://schemas.microsoft.com/office/drawing/2014/main" id="{97F23A06-C778-4D22-991E-02E3C4036198}"/>
-                </a:ext>
-              </a:extLst>
-            </p:cNvPr>
-            <p:cNvSpPr/>
-            <p:nvPr/>
-          </p:nvSpPr>
-          <p:spPr>
-            <a:xfrm>
-              <a:off x="7191615" y="5063290"/>
-              <a:ext cx="6775843" cy="2057600"/>
-            </a:xfrm>
-            <a:prstGeom prst="rect">
-              <a:avLst/>
-            </a:prstGeom>
-            <a:solidFill>
-              <a:srgbClr val="FFFFFF">
-                <a:alpha val="65098"/>
-              </a:srgbClr>
-            </a:solidFill>
-            <a:ln>
-              <a:solidFill>
-                <a:srgbClr val="000000">
-                  <a:alpha val="50196"/>
-                </a:srgbClr>
-              </a:solidFill>
-            </a:ln>
-          </p:spPr>
-          <p:style>
-            <a:lnRef idx="2">
-              <a:schemeClr val="accent1">
-                <a:shade val="50000"/>
-              </a:schemeClr>
-            </a:lnRef>
-            <a:fillRef idx="1">
-              <a:schemeClr val="accent1"/>
-            </a:fillRef>
-            <a:effectRef idx="0">
-              <a:schemeClr val="accent1"/>
-            </a:effectRef>
-            <a:fontRef idx="minor">
-              <a:schemeClr val="lt1"/>
-            </a:fontRef>
-          </p:style>
-          <p:txBody>
-            <a:bodyPr rtlCol="0" anchor="t"/>
-            <a:lstStyle/>
-            <a:p>
-              <a:r>
-                <a:rPr lang="en-SG" sz="1200" dirty="0">
-                  <a:solidFill>
-                    <a:schemeClr val="tx1"/>
-                  </a:solidFill>
-                </a:rPr>
-                <a:t>loop [Participant p : freshmen]</a:t>
-              </a:r>
-            </a:p>
-          </p:txBody>
-        </p:sp>
-        <p:sp>
-          <p:nvSpPr>
-            <p:cNvPr id="186" name="Rectangle 185">
-              <a:extLst>
-                <a:ext uri="{FF2B5EF4-FFF2-40B4-BE49-F238E27FC236}">
-                  <a16:creationId xmlns:a16="http://schemas.microsoft.com/office/drawing/2014/main" id="{C6C5883F-4E52-499F-85BA-F3B0342DA70F}"/>
-                </a:ext>
-              </a:extLst>
-            </p:cNvPr>
-            <p:cNvSpPr/>
-            <p:nvPr/>
-          </p:nvSpPr>
-          <p:spPr>
-            <a:xfrm>
-              <a:off x="8154642" y="5653998"/>
-              <a:ext cx="154408" cy="405261"/>
-            </a:xfrm>
-            <a:prstGeom prst="rect">
-              <a:avLst/>
-            </a:prstGeom>
-            <a:solidFill>
-              <a:srgbClr val="0070C0"/>
-            </a:solidFill>
-            <a:ln>
-              <a:solidFill>
-                <a:srgbClr val="0070C0"/>
-              </a:solidFill>
-            </a:ln>
-            <a:effectLst/>
-          </p:spPr>
-          <p:style>
-            <a:lnRef idx="1">
-              <a:schemeClr val="accent3"/>
-            </a:lnRef>
-            <a:fillRef idx="2">
-              <a:schemeClr val="accent3"/>
-            </a:fillRef>
-            <a:effectRef idx="1">
-              <a:schemeClr val="accent3"/>
-            </a:effectRef>
-            <a:fontRef idx="minor">
-              <a:schemeClr val="dk1"/>
-            </a:fontRef>
-          </p:style>
-          <p:txBody>
-            <a:bodyPr rtlCol="0" anchor="ctr"/>
-            <a:lstStyle/>
-            <a:p>
-              <a:pPr algn="ctr"/>
-              <a:endParaRPr lang="en-SG" sz="1400">
-                <a:solidFill>
-                  <a:schemeClr val="dk1"/>
-                </a:solidFill>
-              </a:endParaRPr>
-            </a:p>
-          </p:txBody>
-        </p:sp>
-        <p:cxnSp>
-          <p:nvCxnSpPr>
-            <p:cNvPr id="187" name="Curved Connector 12">
-              <a:extLst>
-                <a:ext uri="{FF2B5EF4-FFF2-40B4-BE49-F238E27FC236}">
-                  <a16:creationId xmlns:a16="http://schemas.microsoft.com/office/drawing/2014/main" id="{03FC8E64-1183-4BD1-BFFF-AD2C49D31614}"/>
-                </a:ext>
-              </a:extLst>
-            </p:cNvPr>
-            <p:cNvCxnSpPr>
-              <a:cxnSpLocks/>
-            </p:cNvCxnSpPr>
-            <p:nvPr/>
-          </p:nvCxnSpPr>
-          <p:spPr>
-            <a:xfrm rot="16200000" flipH="1">
-              <a:off x="8146912" y="6120647"/>
-              <a:ext cx="156923" cy="76200"/>
-            </a:xfrm>
-            <a:prstGeom prst="curvedConnector4">
-              <a:avLst>
-                <a:gd name="adj1" fmla="val -21043"/>
-                <a:gd name="adj2" fmla="val 400000"/>
-              </a:avLst>
-            </a:prstGeom>
-            <a:ln>
-              <a:solidFill>
-                <a:srgbClr val="0070C0"/>
-              </a:solidFill>
-              <a:tailEnd type="triangle"/>
-            </a:ln>
-          </p:spPr>
-          <p:style>
-            <a:lnRef idx="1">
-              <a:schemeClr val="accent1"/>
-            </a:lnRef>
-            <a:fillRef idx="0">
-              <a:schemeClr val="accent1"/>
-            </a:fillRef>
-            <a:effectRef idx="0">
-              <a:schemeClr val="accent1"/>
-            </a:effectRef>
-            <a:fontRef idx="minor">
-              <a:schemeClr val="tx1"/>
-            </a:fontRef>
-          </p:style>
-        </p:cxnSp>
-        <p:cxnSp>
-          <p:nvCxnSpPr>
-            <p:cNvPr id="217" name="Curved Connector 12">
-              <a:extLst>
-                <a:ext uri="{FF2B5EF4-FFF2-40B4-BE49-F238E27FC236}">
-                  <a16:creationId xmlns:a16="http://schemas.microsoft.com/office/drawing/2014/main" id="{2937E295-5C87-43F4-8D54-5C13E9F94930}"/>
-                </a:ext>
-              </a:extLst>
-            </p:cNvPr>
-            <p:cNvCxnSpPr>
-              <a:cxnSpLocks/>
-            </p:cNvCxnSpPr>
-            <p:nvPr/>
-          </p:nvCxnSpPr>
-          <p:spPr>
-            <a:xfrm rot="16200000" flipH="1">
-              <a:off x="8192489" y="5539800"/>
-              <a:ext cx="156923" cy="76200"/>
-            </a:xfrm>
-            <a:prstGeom prst="curvedConnector4">
-              <a:avLst>
-                <a:gd name="adj1" fmla="val -21043"/>
-                <a:gd name="adj2" fmla="val 400000"/>
-              </a:avLst>
-            </a:prstGeom>
-            <a:ln>
-              <a:solidFill>
-                <a:srgbClr val="0070C0"/>
-              </a:solidFill>
-              <a:tailEnd type="triangle"/>
-            </a:ln>
-          </p:spPr>
-          <p:style>
-            <a:lnRef idx="1">
-              <a:schemeClr val="accent1"/>
-            </a:lnRef>
-            <a:fillRef idx="0">
-              <a:schemeClr val="accent1"/>
-            </a:fillRef>
-            <a:effectRef idx="0">
-              <a:schemeClr val="accent1"/>
-            </a:effectRef>
-            <a:fontRef idx="minor">
-              <a:schemeClr val="tx1"/>
-            </a:fontRef>
-          </p:style>
-        </p:cxnSp>
-        <p:sp>
-          <p:nvSpPr>
-            <p:cNvPr id="218" name="TextBox 217">
-              <a:extLst>
-                <a:ext uri="{FF2B5EF4-FFF2-40B4-BE49-F238E27FC236}">
-                  <a16:creationId xmlns:a16="http://schemas.microsoft.com/office/drawing/2014/main" id="{43E6CA3E-3445-4CE4-8EAD-E4F43795DA37}"/>
-                </a:ext>
-              </a:extLst>
-            </p:cNvPr>
-            <p:cNvSpPr txBox="1"/>
-            <p:nvPr/>
-          </p:nvSpPr>
-          <p:spPr>
-            <a:xfrm>
-              <a:off x="8259017" y="5662142"/>
-              <a:ext cx="2284015" cy="215444"/>
-            </a:xfrm>
-            <a:prstGeom prst="rect">
-              <a:avLst/>
-            </a:prstGeom>
-            <a:noFill/>
-          </p:spPr>
-          <p:txBody>
-            <a:bodyPr wrap="square" lIns="0" tIns="0" rIns="0" bIns="0" rtlCol="0">
-              <a:spAutoFit/>
-            </a:bodyPr>
-            <a:lstStyle>
-              <a:defPPr>
-                <a:defRPr lang="en-US"/>
-              </a:defPPr>
-              <a:lvl1pPr algn="r">
-                <a:defRPr sz="1400">
-                  <a:solidFill>
-                    <a:srgbClr val="0070C0"/>
-                  </a:solidFill>
-                </a:defRPr>
-              </a:lvl1pPr>
-            </a:lstStyle>
-            <a:p>
-              <a:r>
-                <a:rPr lang="en-US" dirty="0" err="1"/>
-                <a:t>getParticipantUpdatedGroup</a:t>
-              </a:r>
-              <a:r>
-                <a:rPr lang="en-US" dirty="0"/>
-                <a:t>()</a:t>
-              </a:r>
-            </a:p>
-          </p:txBody>
-        </p:sp>
-        <p:cxnSp>
-          <p:nvCxnSpPr>
-            <p:cNvPr id="246" name="Straight Arrow Connector 245">
-              <a:extLst>
-                <a:ext uri="{FF2B5EF4-FFF2-40B4-BE49-F238E27FC236}">
-                  <a16:creationId xmlns:a16="http://schemas.microsoft.com/office/drawing/2014/main" id="{FB77A06B-3CE2-479C-8186-9093C8C3153D}"/>
-                </a:ext>
-              </a:extLst>
-            </p:cNvPr>
-            <p:cNvCxnSpPr>
-              <a:cxnSpLocks/>
-            </p:cNvCxnSpPr>
-            <p:nvPr/>
-          </p:nvCxnSpPr>
-          <p:spPr>
-            <a:xfrm>
-              <a:off x="8270344" y="6646329"/>
-              <a:ext cx="5175146" cy="0"/>
-            </a:xfrm>
-            <a:prstGeom prst="straightConnector1">
-              <a:avLst/>
-            </a:prstGeom>
-            <a:ln w="19050">
-              <a:solidFill>
-                <a:srgbClr val="7030A0"/>
-              </a:solidFill>
-              <a:tailEnd type="arrow"/>
-            </a:ln>
-          </p:spPr>
-          <p:style>
-            <a:lnRef idx="1">
-              <a:schemeClr val="accent1"/>
-            </a:lnRef>
-            <a:fillRef idx="0">
-              <a:schemeClr val="accent1"/>
-            </a:fillRef>
-            <a:effectRef idx="0">
-              <a:schemeClr val="accent1"/>
-            </a:effectRef>
-            <a:fontRef idx="minor">
-              <a:schemeClr val="tx1"/>
-            </a:fontRef>
-          </p:style>
-        </p:cxnSp>
-        <p:sp>
-          <p:nvSpPr>
-            <p:cNvPr id="249" name="TextBox 248">
-              <a:extLst>
-                <a:ext uri="{FF2B5EF4-FFF2-40B4-BE49-F238E27FC236}">
-                  <a16:creationId xmlns:a16="http://schemas.microsoft.com/office/drawing/2014/main" id="{62AE503D-B0C5-4557-94BB-F913CDA77426}"/>
-                </a:ext>
-              </a:extLst>
-            </p:cNvPr>
-            <p:cNvSpPr txBox="1"/>
-            <p:nvPr/>
-          </p:nvSpPr>
-          <p:spPr>
-            <a:xfrm>
-              <a:off x="8785983" y="6392178"/>
-              <a:ext cx="1703194" cy="184666"/>
-            </a:xfrm>
-            <a:prstGeom prst="rect">
-              <a:avLst/>
-            </a:prstGeom>
-            <a:noFill/>
-            <a:ln>
-              <a:noFill/>
-            </a:ln>
-          </p:spPr>
-          <p:txBody>
-            <a:bodyPr wrap="square" lIns="0" tIns="0" rIns="0" bIns="0" rtlCol="0">
-              <a:spAutoFit/>
-            </a:bodyPr>
-            <a:lstStyle>
-              <a:defPPr>
-                <a:defRPr lang="en-US"/>
-              </a:defPPr>
-              <a:lvl1pPr algn="r">
-                <a:defRPr sz="1400">
-                  <a:solidFill>
-                    <a:srgbClr val="0070C0"/>
-                  </a:solidFill>
-                </a:defRPr>
-              </a:lvl1pPr>
-            </a:lstStyle>
-            <a:p>
-              <a:pPr algn="ctr"/>
-              <a:r>
-                <a:rPr lang="en-US" sz="1200" dirty="0" err="1">
-                  <a:solidFill>
-                    <a:srgbClr val="7030A0"/>
-                  </a:solidFill>
-                </a:rPr>
-                <a:t>setParticipant</a:t>
-              </a:r>
-              <a:r>
-                <a:rPr lang="en-US" sz="1200" dirty="0">
-                  <a:solidFill>
-                    <a:schemeClr val="accent4">
-                      <a:lumMod val="75000"/>
-                    </a:schemeClr>
-                  </a:solidFill>
-                </a:rPr>
-                <a:t>()</a:t>
-              </a:r>
-            </a:p>
-          </p:txBody>
-        </p:sp>
-        <p:sp>
-          <p:nvSpPr>
-            <p:cNvPr id="251" name="Rectangle 250">
-              <a:extLst>
-                <a:ext uri="{FF2B5EF4-FFF2-40B4-BE49-F238E27FC236}">
-                  <a16:creationId xmlns:a16="http://schemas.microsoft.com/office/drawing/2014/main" id="{6B0EA872-DF67-4F21-9A9E-FF2C3FFE40E3}"/>
-                </a:ext>
-              </a:extLst>
-            </p:cNvPr>
-            <p:cNvSpPr/>
-            <p:nvPr/>
-          </p:nvSpPr>
-          <p:spPr>
-            <a:xfrm>
-              <a:off x="13399956" y="6646329"/>
-              <a:ext cx="168896" cy="183734"/>
-            </a:xfrm>
-            <a:prstGeom prst="rect">
-              <a:avLst/>
-            </a:prstGeom>
-            <a:solidFill>
-              <a:srgbClr val="7030A0"/>
-            </a:solidFill>
-            <a:ln>
-              <a:solidFill>
-                <a:srgbClr val="7030A0"/>
-              </a:solidFill>
-            </a:ln>
-            <a:effectLst/>
-          </p:spPr>
-          <p:style>
-            <a:lnRef idx="1">
-              <a:schemeClr val="accent3"/>
-            </a:lnRef>
-            <a:fillRef idx="2">
-              <a:schemeClr val="accent3"/>
-            </a:fillRef>
-            <a:effectRef idx="1">
-              <a:schemeClr val="accent3"/>
-            </a:effectRef>
-            <a:fontRef idx="minor">
-              <a:schemeClr val="dk1"/>
-            </a:fontRef>
-          </p:style>
-          <p:txBody>
-            <a:bodyPr rtlCol="0" anchor="ctr"/>
-            <a:lstStyle/>
-            <a:p>
-              <a:pPr algn="ctr"/>
-              <a:endParaRPr lang="en-SG" sz="1400"/>
-            </a:p>
-          </p:txBody>
-        </p:sp>
-        <p:cxnSp>
-          <p:nvCxnSpPr>
-            <p:cNvPr id="252" name="Straight Arrow Connector 251">
-              <a:extLst>
-                <a:ext uri="{FF2B5EF4-FFF2-40B4-BE49-F238E27FC236}">
-                  <a16:creationId xmlns:a16="http://schemas.microsoft.com/office/drawing/2014/main" id="{4197BD3E-3646-4A86-8D05-CA62A93479E0}"/>
-                </a:ext>
-              </a:extLst>
-            </p:cNvPr>
-            <p:cNvCxnSpPr>
-              <a:cxnSpLocks/>
-            </p:cNvCxnSpPr>
-            <p:nvPr/>
-          </p:nvCxnSpPr>
-          <p:spPr>
-            <a:xfrm>
-              <a:off x="8263473" y="6816447"/>
-              <a:ext cx="5116011" cy="0"/>
-            </a:xfrm>
-            <a:prstGeom prst="straightConnector1">
-              <a:avLst/>
-            </a:prstGeom>
-            <a:ln w="19050">
-              <a:solidFill>
-                <a:srgbClr val="7030A0"/>
-              </a:solidFill>
-              <a:prstDash val="sysDash"/>
-              <a:headEnd type="arrow" w="med" len="med"/>
-              <a:tailEnd type="none" w="med" len="med"/>
-            </a:ln>
-          </p:spPr>
-          <p:style>
-            <a:lnRef idx="1">
-              <a:schemeClr val="accent1"/>
-            </a:lnRef>
-            <a:fillRef idx="0">
-              <a:schemeClr val="accent1"/>
-            </a:fillRef>
-            <a:effectRef idx="0">
-              <a:schemeClr val="accent1"/>
-            </a:effectRef>
-            <a:fontRef idx="minor">
-              <a:schemeClr val="tx1"/>
-            </a:fontRef>
-          </p:style>
-        </p:cxnSp>
-        <p:sp>
-          <p:nvSpPr>
-            <p:cNvPr id="72" name="TextBox 71">
-              <a:extLst>
-                <a:ext uri="{FF2B5EF4-FFF2-40B4-BE49-F238E27FC236}">
-                  <a16:creationId xmlns:a16="http://schemas.microsoft.com/office/drawing/2014/main" id="{B4B3C97D-AF32-4319-83BD-17D90788DB5F}"/>
-                </a:ext>
-              </a:extLst>
-            </p:cNvPr>
-            <p:cNvSpPr txBox="1"/>
-            <p:nvPr/>
-          </p:nvSpPr>
-          <p:spPr>
-            <a:xfrm>
-              <a:off x="13350029" y="7132138"/>
-              <a:ext cx="284052" cy="369332"/>
-            </a:xfrm>
-            <a:prstGeom prst="rect">
-              <a:avLst/>
-            </a:prstGeom>
-            <a:noFill/>
-          </p:spPr>
-          <p:txBody>
-            <a:bodyPr wrap="none" rtlCol="0">
-              <a:spAutoFit/>
-            </a:bodyPr>
-            <a:lstStyle/>
-            <a:p>
-              <a:r>
-                <a:rPr lang="en-SG" dirty="0"/>
-                <a:t>x</a:t>
-              </a:r>
-            </a:p>
-          </p:txBody>
-        </p:sp>
-        <p:sp>
-          <p:nvSpPr>
-            <p:cNvPr id="80" name="TextBox 79">
-              <a:extLst>
-                <a:ext uri="{FF2B5EF4-FFF2-40B4-BE49-F238E27FC236}">
-                  <a16:creationId xmlns:a16="http://schemas.microsoft.com/office/drawing/2014/main" id="{09D018DC-0E25-4518-94D6-742CB485D519}"/>
-                </a:ext>
-              </a:extLst>
-            </p:cNvPr>
-            <p:cNvSpPr txBox="1"/>
-            <p:nvPr/>
-          </p:nvSpPr>
-          <p:spPr>
-            <a:xfrm>
-              <a:off x="8034927" y="7737038"/>
-              <a:ext cx="284052" cy="369332"/>
-            </a:xfrm>
-            <a:prstGeom prst="rect">
-              <a:avLst/>
-            </a:prstGeom>
-            <a:noFill/>
-          </p:spPr>
-          <p:txBody>
-            <a:bodyPr wrap="none" rtlCol="0">
-              <a:spAutoFit/>
-            </a:bodyPr>
-            <a:lstStyle/>
-            <a:p>
-              <a:r>
-                <a:rPr lang="en-SG" dirty="0"/>
-                <a:t>x</a:t>
-              </a:r>
-            </a:p>
-          </p:txBody>
-        </p:sp>
-        <p:cxnSp>
-          <p:nvCxnSpPr>
-            <p:cNvPr id="81" name="Straight Arrow Connector 80">
-              <a:extLst>
-                <a:ext uri="{FF2B5EF4-FFF2-40B4-BE49-F238E27FC236}">
-                  <a16:creationId xmlns:a16="http://schemas.microsoft.com/office/drawing/2014/main" id="{30FAE1F0-3C51-4E09-ADA5-9AA3D2AD3C35}"/>
-                </a:ext>
-              </a:extLst>
-            </p:cNvPr>
-            <p:cNvCxnSpPr>
-              <a:cxnSpLocks/>
-            </p:cNvCxnSpPr>
-            <p:nvPr/>
-          </p:nvCxnSpPr>
-          <p:spPr>
-            <a:xfrm>
-              <a:off x="3183255" y="7643651"/>
-              <a:ext cx="4886325" cy="0"/>
-            </a:xfrm>
-            <a:prstGeom prst="straightConnector1">
-              <a:avLst/>
-            </a:prstGeom>
-            <a:ln w="19050">
-              <a:solidFill>
-                <a:srgbClr val="0070C0"/>
-              </a:solidFill>
-              <a:prstDash val="sysDash"/>
-              <a:headEnd type="arrow" w="med" len="med"/>
-              <a:tailEnd type="none" w="med" len="med"/>
-            </a:ln>
-          </p:spPr>
-          <p:style>
-            <a:lnRef idx="1">
-              <a:schemeClr val="accent1"/>
-            </a:lnRef>
-            <a:fillRef idx="0">
-              <a:schemeClr val="accent1"/>
-            </a:fillRef>
-            <a:effectRef idx="0">
-              <a:schemeClr val="accent1"/>
-            </a:effectRef>
-            <a:fontRef idx="minor">
-              <a:schemeClr val="tx1"/>
-            </a:fontRef>
-          </p:style>
-        </p:cxnSp>
-        <p:cxnSp>
-          <p:nvCxnSpPr>
-            <p:cNvPr id="84" name="Straight Arrow Connector 83">
-              <a:extLst>
-                <a:ext uri="{FF2B5EF4-FFF2-40B4-BE49-F238E27FC236}">
-                  <a16:creationId xmlns:a16="http://schemas.microsoft.com/office/drawing/2014/main" id="{CA8AB5F6-F2CA-44C6-9635-2D1B2000DDEF}"/>
-                </a:ext>
-              </a:extLst>
-            </p:cNvPr>
-            <p:cNvCxnSpPr>
-              <a:cxnSpLocks/>
-            </p:cNvCxnSpPr>
-            <p:nvPr/>
-          </p:nvCxnSpPr>
-          <p:spPr>
-            <a:xfrm>
-              <a:off x="935355" y="7979929"/>
-              <a:ext cx="2007864" cy="0"/>
-            </a:xfrm>
-            <a:prstGeom prst="straightConnector1">
-              <a:avLst/>
-            </a:prstGeom>
-            <a:ln w="19050">
-              <a:solidFill>
-                <a:schemeClr val="accent1"/>
-              </a:solidFill>
-              <a:prstDash val="sysDash"/>
-              <a:headEnd type="arrow" w="med" len="med"/>
-              <a:tailEnd type="none" w="med" len="med"/>
-            </a:ln>
-          </p:spPr>
-          <p:style>
-            <a:lnRef idx="1">
-              <a:schemeClr val="accent1"/>
-            </a:lnRef>
-            <a:fillRef idx="0">
-              <a:schemeClr val="accent1"/>
-            </a:fillRef>
-            <a:effectRef idx="0">
-              <a:schemeClr val="accent1"/>
-            </a:effectRef>
-            <a:fontRef idx="minor">
-              <a:schemeClr val="tx1"/>
-            </a:fontRef>
-          </p:style>
-        </p:cxnSp>
-      </p:grpSp>
+            <a:prstDash val="sysDash"/>
+            <a:headEnd type="arrow" w="med" len="med"/>
+            <a:tailEnd type="none" w="med" len="med"/>
+          </a:ln>
+        </p:spPr>
+        <p:style>
+          <a:lnRef idx="1">
+            <a:schemeClr val="accent1"/>
+          </a:lnRef>
+          <a:fillRef idx="0">
+            <a:schemeClr val="accent1"/>
+          </a:fillRef>
+          <a:effectRef idx="0">
+            <a:schemeClr val="accent1"/>
+          </a:effectRef>
+          <a:fontRef idx="minor">
+            <a:schemeClr val="tx1"/>
+          </a:fontRef>
+        </p:style>
+      </p:cxnSp>
     </p:spTree>
     <p:extLst>
       <p:ext uri="{BB962C8B-B14F-4D97-AF65-F5344CB8AC3E}">

--- a/docs/diagrams/RandomizeSequenceDiagram.pptx
+++ b/docs/diagrams/RandomizeSequenceDiagram.pptx
@@ -6506,7 +6506,7 @@
           </a:prstGeom>
           <a:ln w="19050">
             <a:solidFill>
-              <a:schemeClr val="accent1"/>
+              <a:schemeClr val="accent6"/>
             </a:solidFill>
             <a:prstDash val="sysDash"/>
             <a:headEnd type="arrow" w="med" len="med"/>
